--- a/BackgroundInfo/MeetingSept.pptx
+++ b/BackgroundInfo/MeetingSept.pptx
@@ -11,9 +11,10 @@
     <p:sldId id="259" r:id="rId5"/>
     <p:sldId id="260" r:id="rId6"/>
     <p:sldId id="261" r:id="rId7"/>
-    <p:sldId id="262" r:id="rId8"/>
-    <p:sldId id="263" r:id="rId9"/>
-    <p:sldId id="264" r:id="rId10"/>
+    <p:sldId id="263" r:id="rId8"/>
+    <p:sldId id="264" r:id="rId9"/>
+    <p:sldId id="265" r:id="rId10"/>
+    <p:sldId id="266" r:id="rId11"/>
   </p:sldIdLst>
   <p:sldSz cx="12192000" cy="6858000"/>
   <p:notesSz cx="6858000" cy="9144000"/>
@@ -112,6 +113,11 @@
       </a:defRPr>
     </a:lvl9pPr>
   </p:defaultTextStyle>
+  <p:extLst>
+    <p:ext uri="{EFAFB233-063F-42B5-8137-9DF3F51BA10A}">
+      <p15:sldGuideLst xmlns:p15="http://schemas.microsoft.com/office/powerpoint/2012/main"/>
+    </p:ext>
+  </p:extLst>
 </p:presentation>
 </file>
 
@@ -165,7 +171,7 @@
           <a:noFill/>
           <a:extLst>
             <a:ext uri="{909E8E84-426E-40dd-AFC4-6F175D3DCCD1}">
-              <a14:hiddenFill xmlns:a14="http://schemas.microsoft.com/office/drawing/2010/main" xmlns="">
+              <a14:hiddenFill xmlns="" xmlns:a14="http://schemas.microsoft.com/office/drawing/2010/main">
                 <a:solidFill>
                   <a:srgbClr val="FFFFFF"/>
                 </a:solidFill>
@@ -225,7 +231,7 @@
             </a:ln>
             <a:extLst>
               <a:ext uri="{91240B29-F687-4f45-9708-019B960494DF}">
-                <a14:hiddenLine xmlns:a14="http://schemas.microsoft.com/office/drawing/2010/main" xmlns="" w="9525">
+                <a14:hiddenLine xmlns="" xmlns:a14="http://schemas.microsoft.com/office/drawing/2010/main" w="9525">
                   <a:solidFill>
                     <a:srgbClr val="000000"/>
                   </a:solidFill>
@@ -315,7 +321,7 @@
             </a:ln>
             <a:extLst>
               <a:ext uri="{91240B29-F687-4f45-9708-019B960494DF}">
-                <a14:hiddenLine xmlns:a14="http://schemas.microsoft.com/office/drawing/2010/main" xmlns="" w="9525">
+                <a14:hiddenLine xmlns="" xmlns:a14="http://schemas.microsoft.com/office/drawing/2010/main" w="9525">
                   <a:solidFill>
                     <a:srgbClr val="000000"/>
                   </a:solidFill>
@@ -405,7 +411,7 @@
             </a:ln>
             <a:extLst>
               <a:ext uri="{91240B29-F687-4f45-9708-019B960494DF}">
-                <a14:hiddenLine xmlns:a14="http://schemas.microsoft.com/office/drawing/2010/main" xmlns="" w="9525">
+                <a14:hiddenLine xmlns="" xmlns:a14="http://schemas.microsoft.com/office/drawing/2010/main" w="9525">
                   <a:solidFill>
                     <a:srgbClr val="000000"/>
                   </a:solidFill>
@@ -439,7 +445,7 @@
             </a:ln>
             <a:extLst>
               <a:ext uri="{91240B29-F687-4f45-9708-019B960494DF}">
-                <a14:hiddenLine xmlns:a14="http://schemas.microsoft.com/office/drawing/2010/main" xmlns="" w="9525">
+                <a14:hiddenLine xmlns="" xmlns:a14="http://schemas.microsoft.com/office/drawing/2010/main" w="9525">
                   <a:solidFill>
                     <a:srgbClr val="000000"/>
                   </a:solidFill>
@@ -529,7 +535,7 @@
             </a:ln>
             <a:extLst>
               <a:ext uri="{91240B29-F687-4f45-9708-019B960494DF}">
-                <a14:hiddenLine xmlns:a14="http://schemas.microsoft.com/office/drawing/2010/main" xmlns="" w="9525">
+                <a14:hiddenLine xmlns="" xmlns:a14="http://schemas.microsoft.com/office/drawing/2010/main" w="9525">
                   <a:solidFill>
                     <a:srgbClr val="000000"/>
                   </a:solidFill>
@@ -591,7 +597,7 @@
             </a:ln>
             <a:extLst>
               <a:ext uri="{91240B29-F687-4f45-9708-019B960494DF}">
-                <a14:hiddenLine xmlns:a14="http://schemas.microsoft.com/office/drawing/2010/main" xmlns="" w="9525">
+                <a14:hiddenLine xmlns="" xmlns:a14="http://schemas.microsoft.com/office/drawing/2010/main" w="9525">
                   <a:solidFill>
                     <a:srgbClr val="000000"/>
                   </a:solidFill>
@@ -653,7 +659,7 @@
             </a:ln>
             <a:extLst>
               <a:ext uri="{91240B29-F687-4f45-9708-019B960494DF}">
-                <a14:hiddenLine xmlns:a14="http://schemas.microsoft.com/office/drawing/2010/main" xmlns="" w="9525">
+                <a14:hiddenLine xmlns="" xmlns:a14="http://schemas.microsoft.com/office/drawing/2010/main" w="9525">
                   <a:solidFill>
                     <a:srgbClr val="000000"/>
                   </a:solidFill>
@@ -743,7 +749,7 @@
             </a:ln>
             <a:extLst>
               <a:ext uri="{91240B29-F687-4f45-9708-019B960494DF}">
-                <a14:hiddenLine xmlns:a14="http://schemas.microsoft.com/office/drawing/2010/main" xmlns="" w="9525">
+                <a14:hiddenLine xmlns="" xmlns:a14="http://schemas.microsoft.com/office/drawing/2010/main" w="9525">
                   <a:solidFill>
                     <a:srgbClr val="000000"/>
                   </a:solidFill>
@@ -805,7 +811,7 @@
             </a:ln>
             <a:extLst>
               <a:ext uri="{91240B29-F687-4f45-9708-019B960494DF}">
-                <a14:hiddenLine xmlns:a14="http://schemas.microsoft.com/office/drawing/2010/main" xmlns="" w="9525">
+                <a14:hiddenLine xmlns="" xmlns:a14="http://schemas.microsoft.com/office/drawing/2010/main" w="9525">
                   <a:solidFill>
                     <a:srgbClr val="000000"/>
                   </a:solidFill>
@@ -867,7 +873,7 @@
             </a:ln>
             <a:extLst>
               <a:ext uri="{91240B29-F687-4f45-9708-019B960494DF}">
-                <a14:hiddenLine xmlns:a14="http://schemas.microsoft.com/office/drawing/2010/main" xmlns="" w="9525">
+                <a14:hiddenLine xmlns="" xmlns:a14="http://schemas.microsoft.com/office/drawing/2010/main" w="9525">
                   <a:solidFill>
                     <a:srgbClr val="000000"/>
                   </a:solidFill>
@@ -957,7 +963,7 @@
             </a:ln>
             <a:extLst>
               <a:ext uri="{91240B29-F687-4f45-9708-019B960494DF}">
-                <a14:hiddenLine xmlns:a14="http://schemas.microsoft.com/office/drawing/2010/main" xmlns="" w="9525">
+                <a14:hiddenLine xmlns="" xmlns:a14="http://schemas.microsoft.com/office/drawing/2010/main" w="9525">
                   <a:solidFill>
                     <a:srgbClr val="000000"/>
                   </a:solidFill>
@@ -1047,7 +1053,7 @@
             </a:ln>
             <a:extLst>
               <a:ext uri="{91240B29-F687-4f45-9708-019B960494DF}">
-                <a14:hiddenLine xmlns:a14="http://schemas.microsoft.com/office/drawing/2010/main" xmlns="" w="9525">
+                <a14:hiddenLine xmlns="" xmlns:a14="http://schemas.microsoft.com/office/drawing/2010/main" w="9525">
                   <a:solidFill>
                     <a:srgbClr val="000000"/>
                   </a:solidFill>
@@ -1109,7 +1115,7 @@
             </a:ln>
             <a:extLst>
               <a:ext uri="{91240B29-F687-4f45-9708-019B960494DF}">
-                <a14:hiddenLine xmlns:a14="http://schemas.microsoft.com/office/drawing/2010/main" xmlns="" w="9525">
+                <a14:hiddenLine xmlns="" xmlns:a14="http://schemas.microsoft.com/office/drawing/2010/main" w="9525">
                   <a:solidFill>
                     <a:srgbClr val="000000"/>
                   </a:solidFill>
@@ -1219,7 +1225,7 @@
             </a:ln>
             <a:extLst>
               <a:ext uri="{91240B29-F687-4f45-9708-019B960494DF}">
-                <a14:hiddenLine xmlns:a14="http://schemas.microsoft.com/office/drawing/2010/main" xmlns="" w="9525">
+                <a14:hiddenLine xmlns="" xmlns:a14="http://schemas.microsoft.com/office/drawing/2010/main" w="9525">
                   <a:solidFill>
                     <a:srgbClr val="000000"/>
                   </a:solidFill>
@@ -1281,7 +1287,7 @@
             </a:ln>
             <a:extLst>
               <a:ext uri="{91240B29-F687-4f45-9708-019B960494DF}">
-                <a14:hiddenLine xmlns:a14="http://schemas.microsoft.com/office/drawing/2010/main" xmlns="" w="9525">
+                <a14:hiddenLine xmlns="" xmlns:a14="http://schemas.microsoft.com/office/drawing/2010/main" w="9525">
                   <a:solidFill>
                     <a:srgbClr val="000000"/>
                   </a:solidFill>
@@ -1371,7 +1377,7 @@
             </a:ln>
             <a:extLst>
               <a:ext uri="{91240B29-F687-4f45-9708-019B960494DF}">
-                <a14:hiddenLine xmlns:a14="http://schemas.microsoft.com/office/drawing/2010/main" xmlns="" w="9525">
+                <a14:hiddenLine xmlns="" xmlns:a14="http://schemas.microsoft.com/office/drawing/2010/main" w="9525">
                   <a:solidFill>
                     <a:srgbClr val="000000"/>
                   </a:solidFill>
@@ -1461,7 +1467,7 @@
             </a:ln>
             <a:extLst>
               <a:ext uri="{91240B29-F687-4f45-9708-019B960494DF}">
-                <a14:hiddenLine xmlns:a14="http://schemas.microsoft.com/office/drawing/2010/main" xmlns="" w="9525">
+                <a14:hiddenLine xmlns="" xmlns:a14="http://schemas.microsoft.com/office/drawing/2010/main" w="9525">
                   <a:solidFill>
                     <a:srgbClr val="000000"/>
                   </a:solidFill>
@@ -1523,7 +1529,7 @@
             </a:ln>
             <a:extLst>
               <a:ext uri="{91240B29-F687-4f45-9708-019B960494DF}">
-                <a14:hiddenLine xmlns:a14="http://schemas.microsoft.com/office/drawing/2010/main" xmlns="" w="9525">
+                <a14:hiddenLine xmlns="" xmlns:a14="http://schemas.microsoft.com/office/drawing/2010/main" w="9525">
                   <a:solidFill>
                     <a:srgbClr val="000000"/>
                   </a:solidFill>
@@ -1613,7 +1619,7 @@
             </a:ln>
             <a:extLst>
               <a:ext uri="{91240B29-F687-4f45-9708-019B960494DF}">
-                <a14:hiddenLine xmlns:a14="http://schemas.microsoft.com/office/drawing/2010/main" xmlns="" w="9525">
+                <a14:hiddenLine xmlns="" xmlns:a14="http://schemas.microsoft.com/office/drawing/2010/main" w="9525">
                   <a:solidFill>
                     <a:srgbClr val="000000"/>
                   </a:solidFill>
@@ -1703,7 +1709,7 @@
             </a:ln>
             <a:extLst>
               <a:ext uri="{91240B29-F687-4f45-9708-019B960494DF}">
-                <a14:hiddenLine xmlns:a14="http://schemas.microsoft.com/office/drawing/2010/main" xmlns="" w="9525">
+                <a14:hiddenLine xmlns="" xmlns:a14="http://schemas.microsoft.com/office/drawing/2010/main" w="9525">
                   <a:solidFill>
                     <a:srgbClr val="000000"/>
                   </a:solidFill>
@@ -1759,7 +1765,7 @@
             </a:ln>
             <a:extLst>
               <a:ext uri="{91240B29-F687-4f45-9708-019B960494DF}">
-                <a14:hiddenLine xmlns:a14="http://schemas.microsoft.com/office/drawing/2010/main" xmlns="" w="9525">
+                <a14:hiddenLine xmlns="" xmlns:a14="http://schemas.microsoft.com/office/drawing/2010/main" w="9525">
                   <a:solidFill>
                     <a:srgbClr val="000000"/>
                   </a:solidFill>
@@ -1849,7 +1855,7 @@
             </a:ln>
             <a:extLst>
               <a:ext uri="{91240B29-F687-4f45-9708-019B960494DF}">
-                <a14:hiddenLine xmlns:a14="http://schemas.microsoft.com/office/drawing/2010/main" xmlns="" w="9525">
+                <a14:hiddenLine xmlns="" xmlns:a14="http://schemas.microsoft.com/office/drawing/2010/main" w="9525">
                   <a:solidFill>
                     <a:srgbClr val="000000"/>
                   </a:solidFill>
@@ -1905,7 +1911,7 @@
             </a:ln>
             <a:extLst>
               <a:ext uri="{91240B29-F687-4f45-9708-019B960494DF}">
-                <a14:hiddenLine xmlns:a14="http://schemas.microsoft.com/office/drawing/2010/main" xmlns="" w="9525">
+                <a14:hiddenLine xmlns="" xmlns:a14="http://schemas.microsoft.com/office/drawing/2010/main" w="9525">
                   <a:solidFill>
                     <a:srgbClr val="000000"/>
                   </a:solidFill>
@@ -1995,7 +2001,7 @@
             </a:ln>
             <a:extLst>
               <a:ext uri="{91240B29-F687-4f45-9708-019B960494DF}">
-                <a14:hiddenLine xmlns:a14="http://schemas.microsoft.com/office/drawing/2010/main" xmlns="" w="9525">
+                <a14:hiddenLine xmlns="" xmlns:a14="http://schemas.microsoft.com/office/drawing/2010/main" w="9525">
                   <a:solidFill>
                     <a:srgbClr val="000000"/>
                   </a:solidFill>
@@ -2063,7 +2069,7 @@
             </a:ln>
             <a:extLst>
               <a:ext uri="{91240B29-F687-4f45-9708-019B960494DF}">
-                <a14:hiddenLine xmlns:a14="http://schemas.microsoft.com/office/drawing/2010/main" xmlns="" w="9525">
+                <a14:hiddenLine xmlns="" xmlns:a14="http://schemas.microsoft.com/office/drawing/2010/main" w="9525">
                   <a:solidFill>
                     <a:srgbClr val="000000"/>
                   </a:solidFill>
@@ -2153,7 +2159,7 @@
             </a:ln>
             <a:extLst>
               <a:ext uri="{91240B29-F687-4f45-9708-019B960494DF}">
-                <a14:hiddenLine xmlns:a14="http://schemas.microsoft.com/office/drawing/2010/main" xmlns="" w="9525">
+                <a14:hiddenLine xmlns="" xmlns:a14="http://schemas.microsoft.com/office/drawing/2010/main" w="9525">
                   <a:solidFill>
                     <a:srgbClr val="000000"/>
                   </a:solidFill>
@@ -2221,7 +2227,7 @@
             </a:ln>
             <a:extLst>
               <a:ext uri="{91240B29-F687-4f45-9708-019B960494DF}">
-                <a14:hiddenLine xmlns:a14="http://schemas.microsoft.com/office/drawing/2010/main" xmlns="" w="9525">
+                <a14:hiddenLine xmlns="" xmlns:a14="http://schemas.microsoft.com/office/drawing/2010/main" w="9525">
                   <a:solidFill>
                     <a:srgbClr val="000000"/>
                   </a:solidFill>
@@ -2311,7 +2317,7 @@
             </a:ln>
             <a:extLst>
               <a:ext uri="{91240B29-F687-4f45-9708-019B960494DF}">
-                <a14:hiddenLine xmlns:a14="http://schemas.microsoft.com/office/drawing/2010/main" xmlns="" w="9525">
+                <a14:hiddenLine xmlns="" xmlns:a14="http://schemas.microsoft.com/office/drawing/2010/main" w="9525">
                   <a:solidFill>
                     <a:srgbClr val="000000"/>
                   </a:solidFill>
@@ -2345,7 +2351,7 @@
             </a:ln>
             <a:extLst>
               <a:ext uri="{91240B29-F687-4f45-9708-019B960494DF}">
-                <a14:hiddenLine xmlns:a14="http://schemas.microsoft.com/office/drawing/2010/main" xmlns="" w="9525">
+                <a14:hiddenLine xmlns="" xmlns:a14="http://schemas.microsoft.com/office/drawing/2010/main" w="9525">
                   <a:solidFill>
                     <a:srgbClr val="000000"/>
                   </a:solidFill>
@@ -2435,7 +2441,7 @@
             </a:ln>
             <a:extLst>
               <a:ext uri="{91240B29-F687-4f45-9708-019B960494DF}">
-                <a14:hiddenLine xmlns:a14="http://schemas.microsoft.com/office/drawing/2010/main" xmlns="" w="9525">
+                <a14:hiddenLine xmlns="" xmlns:a14="http://schemas.microsoft.com/office/drawing/2010/main" w="9525">
                   <a:solidFill>
                     <a:srgbClr val="000000"/>
                   </a:solidFill>
@@ -2497,7 +2503,7 @@
             </a:ln>
             <a:extLst>
               <a:ext uri="{91240B29-F687-4f45-9708-019B960494DF}">
-                <a14:hiddenLine xmlns:a14="http://schemas.microsoft.com/office/drawing/2010/main" xmlns="" w="9525">
+                <a14:hiddenLine xmlns="" xmlns:a14="http://schemas.microsoft.com/office/drawing/2010/main" w="9525">
                   <a:solidFill>
                     <a:srgbClr val="000000"/>
                   </a:solidFill>
@@ -2559,7 +2565,7 @@
             </a:ln>
             <a:extLst>
               <a:ext uri="{91240B29-F687-4f45-9708-019B960494DF}">
-                <a14:hiddenLine xmlns:a14="http://schemas.microsoft.com/office/drawing/2010/main" xmlns="" w="9525">
+                <a14:hiddenLine xmlns="" xmlns:a14="http://schemas.microsoft.com/office/drawing/2010/main" w="9525">
                   <a:solidFill>
                     <a:srgbClr val="000000"/>
                   </a:solidFill>
@@ -2649,7 +2655,7 @@
             </a:ln>
             <a:extLst>
               <a:ext uri="{91240B29-F687-4f45-9708-019B960494DF}">
-                <a14:hiddenLine xmlns:a14="http://schemas.microsoft.com/office/drawing/2010/main" xmlns="" w="9525">
+                <a14:hiddenLine xmlns="" xmlns:a14="http://schemas.microsoft.com/office/drawing/2010/main" w="9525">
                   <a:solidFill>
                     <a:srgbClr val="000000"/>
                   </a:solidFill>
@@ -2717,7 +2723,7 @@
             </a:ln>
             <a:extLst>
               <a:ext uri="{91240B29-F687-4f45-9708-019B960494DF}">
-                <a14:hiddenLine xmlns:a14="http://schemas.microsoft.com/office/drawing/2010/main" xmlns="" w="9525">
+                <a14:hiddenLine xmlns="" xmlns:a14="http://schemas.microsoft.com/office/drawing/2010/main" w="9525">
                   <a:solidFill>
                     <a:srgbClr val="000000"/>
                   </a:solidFill>
@@ -2779,7 +2785,7 @@
             </a:ln>
             <a:extLst>
               <a:ext uri="{91240B29-F687-4f45-9708-019B960494DF}">
-                <a14:hiddenLine xmlns:a14="http://schemas.microsoft.com/office/drawing/2010/main" xmlns="" w="9525">
+                <a14:hiddenLine xmlns="" xmlns:a14="http://schemas.microsoft.com/office/drawing/2010/main" w="9525">
                   <a:solidFill>
                     <a:srgbClr val="000000"/>
                   </a:solidFill>
@@ -2869,7 +2875,7 @@
             </a:ln>
             <a:extLst>
               <a:ext uri="{91240B29-F687-4f45-9708-019B960494DF}">
-                <a14:hiddenLine xmlns:a14="http://schemas.microsoft.com/office/drawing/2010/main" xmlns="" w="9525">
+                <a14:hiddenLine xmlns="" xmlns:a14="http://schemas.microsoft.com/office/drawing/2010/main" w="9525">
                   <a:solidFill>
                     <a:srgbClr val="000000"/>
                   </a:solidFill>
@@ -2931,7 +2937,7 @@
             </a:ln>
             <a:extLst>
               <a:ext uri="{91240B29-F687-4f45-9708-019B960494DF}">
-                <a14:hiddenLine xmlns:a14="http://schemas.microsoft.com/office/drawing/2010/main" xmlns="" w="9525">
+                <a14:hiddenLine xmlns="" xmlns:a14="http://schemas.microsoft.com/office/drawing/2010/main" w="9525">
                   <a:solidFill>
                     <a:srgbClr val="000000"/>
                   </a:solidFill>
@@ -3021,7 +3027,7 @@
             </a:ln>
             <a:extLst>
               <a:ext uri="{91240B29-F687-4f45-9708-019B960494DF}">
-                <a14:hiddenLine xmlns:a14="http://schemas.microsoft.com/office/drawing/2010/main" xmlns="" w="9525">
+                <a14:hiddenLine xmlns="" xmlns:a14="http://schemas.microsoft.com/office/drawing/2010/main" w="9525">
                   <a:solidFill>
                     <a:srgbClr val="000000"/>
                   </a:solidFill>
@@ -3083,7 +3089,7 @@
             </a:ln>
             <a:extLst>
               <a:ext uri="{91240B29-F687-4f45-9708-019B960494DF}">
-                <a14:hiddenLine xmlns:a14="http://schemas.microsoft.com/office/drawing/2010/main" xmlns="" w="9525">
+                <a14:hiddenLine xmlns="" xmlns:a14="http://schemas.microsoft.com/office/drawing/2010/main" w="9525">
                   <a:solidFill>
                     <a:srgbClr val="000000"/>
                   </a:solidFill>
@@ -3173,7 +3179,7 @@
             </a:ln>
             <a:extLst>
               <a:ext uri="{91240B29-F687-4f45-9708-019B960494DF}">
-                <a14:hiddenLine xmlns:a14="http://schemas.microsoft.com/office/drawing/2010/main" xmlns="" w="9525">
+                <a14:hiddenLine xmlns="" xmlns:a14="http://schemas.microsoft.com/office/drawing/2010/main" w="9525">
                   <a:solidFill>
                     <a:srgbClr val="000000"/>
                   </a:solidFill>
@@ -3207,7 +3213,7 @@
             </a:ln>
             <a:extLst>
               <a:ext uri="{91240B29-F687-4f45-9708-019B960494DF}">
-                <a14:hiddenLine xmlns:a14="http://schemas.microsoft.com/office/drawing/2010/main" xmlns="" w="9525">
+                <a14:hiddenLine xmlns="" xmlns:a14="http://schemas.microsoft.com/office/drawing/2010/main" w="9525">
                   <a:solidFill>
                     <a:srgbClr val="000000"/>
                   </a:solidFill>
@@ -3272,7 +3278,7 @@
             </a:ln>
             <a:extLst>
               <a:ext uri="{91240B29-F687-4f45-9708-019B960494DF}">
-                <a14:hiddenLine xmlns:a14="http://schemas.microsoft.com/office/drawing/2010/main" xmlns="" w="9525">
+                <a14:hiddenLine xmlns="" xmlns:a14="http://schemas.microsoft.com/office/drawing/2010/main" w="9525">
                   <a:solidFill>
                     <a:srgbClr val="000000"/>
                   </a:solidFill>
@@ -3362,7 +3368,7 @@
             </a:ln>
             <a:extLst>
               <a:ext uri="{91240B29-F687-4f45-9708-019B960494DF}">
-                <a14:hiddenLine xmlns:a14="http://schemas.microsoft.com/office/drawing/2010/main" xmlns="" w="9525">
+                <a14:hiddenLine xmlns="" xmlns:a14="http://schemas.microsoft.com/office/drawing/2010/main" w="9525">
                   <a:solidFill>
                     <a:srgbClr val="000000"/>
                   </a:solidFill>
@@ -3424,7 +3430,7 @@
             </a:ln>
             <a:extLst>
               <a:ext uri="{91240B29-F687-4f45-9708-019B960494DF}">
-                <a14:hiddenLine xmlns:a14="http://schemas.microsoft.com/office/drawing/2010/main" xmlns="" w="9525">
+                <a14:hiddenLine xmlns="" xmlns:a14="http://schemas.microsoft.com/office/drawing/2010/main" w="9525">
                   <a:solidFill>
                     <a:srgbClr val="000000"/>
                   </a:solidFill>
@@ -3514,7 +3520,7 @@
             </a:ln>
             <a:extLst>
               <a:ext uri="{91240B29-F687-4f45-9708-019B960494DF}">
-                <a14:hiddenLine xmlns:a14="http://schemas.microsoft.com/office/drawing/2010/main" xmlns="" w="9525">
+                <a14:hiddenLine xmlns="" xmlns:a14="http://schemas.microsoft.com/office/drawing/2010/main" w="9525">
                   <a:solidFill>
                     <a:srgbClr val="000000"/>
                   </a:solidFill>
@@ -3604,7 +3610,7 @@
             </a:ln>
             <a:extLst>
               <a:ext uri="{91240B29-F687-4f45-9708-019B960494DF}">
-                <a14:hiddenLine xmlns:a14="http://schemas.microsoft.com/office/drawing/2010/main" xmlns="" w="9525">
+                <a14:hiddenLine xmlns="" xmlns:a14="http://schemas.microsoft.com/office/drawing/2010/main" w="9525">
                   <a:solidFill>
                     <a:srgbClr val="000000"/>
                   </a:solidFill>
@@ -3669,7 +3675,7 @@
             </a:ln>
             <a:extLst>
               <a:ext uri="{91240B29-F687-4f45-9708-019B960494DF}">
-                <a14:hiddenLine xmlns:a14="http://schemas.microsoft.com/office/drawing/2010/main" xmlns="" w="9525">
+                <a14:hiddenLine xmlns="" xmlns:a14="http://schemas.microsoft.com/office/drawing/2010/main" w="9525">
                   <a:solidFill>
                     <a:srgbClr val="000000"/>
                   </a:solidFill>
@@ -3731,7 +3737,7 @@
             </a:ln>
             <a:extLst>
               <a:ext uri="{91240B29-F687-4f45-9708-019B960494DF}">
-                <a14:hiddenLine xmlns:a14="http://schemas.microsoft.com/office/drawing/2010/main" xmlns="" w="9525">
+                <a14:hiddenLine xmlns="" xmlns:a14="http://schemas.microsoft.com/office/drawing/2010/main" w="9525">
                   <a:solidFill>
                     <a:srgbClr val="000000"/>
                   </a:solidFill>
@@ -3821,7 +3827,7 @@
             </a:ln>
             <a:extLst>
               <a:ext uri="{91240B29-F687-4f45-9708-019B960494DF}">
-                <a14:hiddenLine xmlns:a14="http://schemas.microsoft.com/office/drawing/2010/main" xmlns="" w="9525">
+                <a14:hiddenLine xmlns="" xmlns:a14="http://schemas.microsoft.com/office/drawing/2010/main" w="9525">
                   <a:solidFill>
                     <a:srgbClr val="000000"/>
                   </a:solidFill>
@@ -3911,7 +3917,7 @@
             </a:ln>
             <a:extLst>
               <a:ext uri="{91240B29-F687-4f45-9708-019B960494DF}">
-                <a14:hiddenLine xmlns:a14="http://schemas.microsoft.com/office/drawing/2010/main" xmlns="" w="9525">
+                <a14:hiddenLine xmlns="" xmlns:a14="http://schemas.microsoft.com/office/drawing/2010/main" w="9525">
                   <a:solidFill>
                     <a:srgbClr val="000000"/>
                   </a:solidFill>
@@ -3973,7 +3979,7 @@
             </a:ln>
             <a:extLst>
               <a:ext uri="{91240B29-F687-4f45-9708-019B960494DF}">
-                <a14:hiddenLine xmlns:a14="http://schemas.microsoft.com/office/drawing/2010/main" xmlns="" w="9525">
+                <a14:hiddenLine xmlns="" xmlns:a14="http://schemas.microsoft.com/office/drawing/2010/main" w="9525">
                   <a:solidFill>
                     <a:srgbClr val="000000"/>
                   </a:solidFill>
@@ -4093,7 +4099,7 @@
             </a:ln>
             <a:extLst>
               <a:ext uri="{91240B29-F687-4f45-9708-019B960494DF}">
-                <a14:hiddenLine xmlns:a14="http://schemas.microsoft.com/office/drawing/2010/main" xmlns="" w="9525">
+                <a14:hiddenLine xmlns="" xmlns:a14="http://schemas.microsoft.com/office/drawing/2010/main" w="9525">
                   <a:solidFill>
                     <a:srgbClr val="000000"/>
                   </a:solidFill>
@@ -4161,7 +4167,7 @@
             </a:ln>
             <a:extLst>
               <a:ext uri="{91240B29-F687-4f45-9708-019B960494DF}">
-                <a14:hiddenLine xmlns:a14="http://schemas.microsoft.com/office/drawing/2010/main" xmlns="" w="9525">
+                <a14:hiddenLine xmlns="" xmlns:a14="http://schemas.microsoft.com/office/drawing/2010/main" w="9525">
                   <a:solidFill>
                     <a:srgbClr val="000000"/>
                   </a:solidFill>
@@ -4251,7 +4257,7 @@
             </a:ln>
             <a:extLst>
               <a:ext uri="{91240B29-F687-4f45-9708-019B960494DF}">
-                <a14:hiddenLine xmlns:a14="http://schemas.microsoft.com/office/drawing/2010/main" xmlns="" w="9525">
+                <a14:hiddenLine xmlns="" xmlns:a14="http://schemas.microsoft.com/office/drawing/2010/main" w="9525">
                   <a:solidFill>
                     <a:srgbClr val="000000"/>
                   </a:solidFill>
@@ -4391,7 +4397,7 @@
           <a:p>
             <a:fld id="{96DFF08F-DC6B-4601-B491-B0F83F6DD2DA}" type="datetimeFigureOut">
               <a:rPr lang="en-US" smtClean="0"/>
-              <a:t>8/23/2016</a:t>
+              <a:t>9/2/2016</a:t>
             </a:fld>
             <a:endParaRPr lang="en-US" dirty="0"/>
           </a:p>
@@ -4659,7 +4665,7 @@
             <a:fld id="{96DFF08F-DC6B-4601-B491-B0F83F6DD2DA}" type="datetimeFigureOut">
               <a:rPr lang="en-US" smtClean="0"/>
               <a:pPr/>
-              <a:t>8/23/2016</a:t>
+              <a:t>9/2/2016</a:t>
             </a:fld>
             <a:endParaRPr lang="en-US" dirty="0"/>
           </a:p>
@@ -4857,7 +4863,7 @@
             <a:fld id="{96DFF08F-DC6B-4601-B491-B0F83F6DD2DA}" type="datetimeFigureOut">
               <a:rPr lang="en-US" smtClean="0"/>
               <a:pPr/>
-              <a:t>8/23/2016</a:t>
+              <a:t>9/2/2016</a:t>
             </a:fld>
             <a:endParaRPr lang="en-US" dirty="0"/>
           </a:p>
@@ -5122,7 +5128,7 @@
             <a:fld id="{96DFF08F-DC6B-4601-B491-B0F83F6DD2DA}" type="datetimeFigureOut">
               <a:rPr lang="en-US" smtClean="0"/>
               <a:pPr/>
-              <a:t>8/23/2016</a:t>
+              <a:t>9/2/2016</a:t>
             </a:fld>
             <a:endParaRPr lang="en-US" dirty="0"/>
           </a:p>
@@ -5558,7 +5564,7 @@
             <a:fld id="{96DFF08F-DC6B-4601-B491-B0F83F6DD2DA}" type="datetimeFigureOut">
               <a:rPr lang="en-US" smtClean="0"/>
               <a:pPr/>
-              <a:t>8/23/2016</a:t>
+              <a:t>9/2/2016</a:t>
             </a:fld>
             <a:endParaRPr lang="en-US" dirty="0"/>
           </a:p>
@@ -6106,7 +6112,7 @@
             <a:fld id="{96DFF08F-DC6B-4601-B491-B0F83F6DD2DA}" type="datetimeFigureOut">
               <a:rPr lang="en-US" smtClean="0"/>
               <a:pPr/>
-              <a:t>8/23/2016</a:t>
+              <a:t>9/2/2016</a:t>
             </a:fld>
             <a:endParaRPr lang="en-US" dirty="0"/>
           </a:p>
@@ -6828,7 +6834,7 @@
             <a:fld id="{96DFF08F-DC6B-4601-B491-B0F83F6DD2DA}" type="datetimeFigureOut">
               <a:rPr lang="en-US" smtClean="0"/>
               <a:pPr/>
-              <a:t>8/23/2016</a:t>
+              <a:t>9/2/2016</a:t>
             </a:fld>
             <a:endParaRPr lang="en-US" dirty="0"/>
           </a:p>
@@ -6999,7 +7005,7 @@
           <a:p>
             <a:fld id="{96DFF08F-DC6B-4601-B491-B0F83F6DD2DA}" type="datetimeFigureOut">
               <a:rPr lang="en-US" smtClean="0"/>
-              <a:t>8/23/2016</a:t>
+              <a:t>9/2/2016</a:t>
             </a:fld>
             <a:endParaRPr lang="en-US" dirty="0"/>
           </a:p>
@@ -7179,7 +7185,7 @@
           <a:p>
             <a:fld id="{96DFF08F-DC6B-4601-B491-B0F83F6DD2DA}" type="datetimeFigureOut">
               <a:rPr lang="en-US" smtClean="0"/>
-              <a:t>8/23/2016</a:t>
+              <a:t>9/2/2016</a:t>
             </a:fld>
             <a:endParaRPr lang="en-US" dirty="0"/>
           </a:p>
@@ -7349,7 +7355,7 @@
           <a:p>
             <a:fld id="{96DFF08F-DC6B-4601-B491-B0F83F6DD2DA}" type="datetimeFigureOut">
               <a:rPr lang="en-US" smtClean="0"/>
-              <a:t>8/23/2016</a:t>
+              <a:t>9/2/2016</a:t>
             </a:fld>
             <a:endParaRPr lang="en-US" dirty="0"/>
           </a:p>
@@ -7599,7 +7605,7 @@
           <a:p>
             <a:fld id="{96DFF08F-DC6B-4601-B491-B0F83F6DD2DA}" type="datetimeFigureOut">
               <a:rPr lang="en-US" smtClean="0"/>
-              <a:t>8/23/2016</a:t>
+              <a:t>9/2/2016</a:t>
             </a:fld>
             <a:endParaRPr lang="en-US" dirty="0"/>
           </a:p>
@@ -7831,7 +7837,7 @@
           <a:p>
             <a:fld id="{96DFF08F-DC6B-4601-B491-B0F83F6DD2DA}" type="datetimeFigureOut">
               <a:rPr lang="en-US" smtClean="0"/>
-              <a:t>8/23/2016</a:t>
+              <a:t>9/2/2016</a:t>
             </a:fld>
             <a:endParaRPr lang="en-US" dirty="0"/>
           </a:p>
@@ -8212,7 +8218,7 @@
           <a:p>
             <a:fld id="{96DFF08F-DC6B-4601-B491-B0F83F6DD2DA}" type="datetimeFigureOut">
               <a:rPr lang="en-US" smtClean="0"/>
-              <a:t>8/23/2016</a:t>
+              <a:t>9/2/2016</a:t>
             </a:fld>
             <a:endParaRPr lang="en-US" dirty="0"/>
           </a:p>
@@ -8330,7 +8336,7 @@
           <a:p>
             <a:fld id="{96DFF08F-DC6B-4601-B491-B0F83F6DD2DA}" type="datetimeFigureOut">
               <a:rPr lang="en-US" smtClean="0"/>
-              <a:t>8/23/2016</a:t>
+              <a:t>9/2/2016</a:t>
             </a:fld>
             <a:endParaRPr lang="en-US" dirty="0"/>
           </a:p>
@@ -8425,7 +8431,7 @@
           <a:p>
             <a:fld id="{96DFF08F-DC6B-4601-B491-B0F83F6DD2DA}" type="datetimeFigureOut">
               <a:rPr lang="en-US" smtClean="0"/>
-              <a:t>8/23/2016</a:t>
+              <a:t>9/2/2016</a:t>
             </a:fld>
             <a:endParaRPr lang="en-US" dirty="0"/>
           </a:p>
@@ -8674,7 +8680,7 @@
           <a:p>
             <a:fld id="{96DFF08F-DC6B-4601-B491-B0F83F6DD2DA}" type="datetimeFigureOut">
               <a:rPr lang="en-US" smtClean="0"/>
-              <a:t>8/23/2016</a:t>
+              <a:t>9/2/2016</a:t>
             </a:fld>
             <a:endParaRPr lang="en-US" dirty="0"/>
           </a:p>
@@ -8954,7 +8960,7 @@
           <a:p>
             <a:fld id="{96DFF08F-DC6B-4601-B491-B0F83F6DD2DA}" type="datetimeFigureOut">
               <a:rPr lang="en-US" smtClean="0"/>
-              <a:t>8/23/2016</a:t>
+              <a:t>9/2/2016</a:t>
             </a:fld>
             <a:endParaRPr lang="en-US" dirty="0"/>
           </a:p>
@@ -9070,7 +9076,7 @@
           <a:noFill/>
           <a:extLst>
             <a:ext uri="{909E8E84-426E-40dd-AFC4-6F175D3DCCD1}">
-              <a14:hiddenFill xmlns:a14="http://schemas.microsoft.com/office/drawing/2010/main" xmlns="">
+              <a14:hiddenFill xmlns="" xmlns:a14="http://schemas.microsoft.com/office/drawing/2010/main">
                 <a:solidFill>
                   <a:srgbClr val="FFFFFF"/>
                 </a:solidFill>
@@ -9144,7 +9150,7 @@
               </a:ln>
               <a:extLst>
                 <a:ext uri="{91240B29-F687-4f45-9708-019B960494DF}">
-                  <a14:hiddenLine xmlns:a14="http://schemas.microsoft.com/office/drawing/2010/main" xmlns="" w="9525">
+                  <a14:hiddenLine xmlns="" xmlns:a14="http://schemas.microsoft.com/office/drawing/2010/main" w="9525">
                     <a:solidFill>
                       <a:srgbClr val="000000"/>
                     </a:solidFill>
@@ -9234,7 +9240,7 @@
               </a:ln>
               <a:extLst>
                 <a:ext uri="{91240B29-F687-4f45-9708-019B960494DF}">
-                  <a14:hiddenLine xmlns:a14="http://schemas.microsoft.com/office/drawing/2010/main" xmlns="" w="9525">
+                  <a14:hiddenLine xmlns="" xmlns:a14="http://schemas.microsoft.com/office/drawing/2010/main" w="9525">
                     <a:solidFill>
                       <a:srgbClr val="000000"/>
                     </a:solidFill>
@@ -9324,7 +9330,7 @@
               </a:ln>
               <a:extLst>
                 <a:ext uri="{91240B29-F687-4f45-9708-019B960494DF}">
-                  <a14:hiddenLine xmlns:a14="http://schemas.microsoft.com/office/drawing/2010/main" xmlns="" w="9525">
+                  <a14:hiddenLine xmlns="" xmlns:a14="http://schemas.microsoft.com/office/drawing/2010/main" w="9525">
                     <a:solidFill>
                       <a:srgbClr val="000000"/>
                     </a:solidFill>
@@ -9386,7 +9392,7 @@
               </a:ln>
               <a:extLst>
                 <a:ext uri="{91240B29-F687-4f45-9708-019B960494DF}">
-                  <a14:hiddenLine xmlns:a14="http://schemas.microsoft.com/office/drawing/2010/main" xmlns="" w="9525">
+                  <a14:hiddenLine xmlns="" xmlns:a14="http://schemas.microsoft.com/office/drawing/2010/main" w="9525">
                     <a:solidFill>
                       <a:srgbClr val="000000"/>
                     </a:solidFill>
@@ -9476,7 +9482,7 @@
               </a:ln>
               <a:extLst>
                 <a:ext uri="{91240B29-F687-4f45-9708-019B960494DF}">
-                  <a14:hiddenLine xmlns:a14="http://schemas.microsoft.com/office/drawing/2010/main" xmlns="" w="9525">
+                  <a14:hiddenLine xmlns="" xmlns:a14="http://schemas.microsoft.com/office/drawing/2010/main" w="9525">
                     <a:solidFill>
                       <a:srgbClr val="000000"/>
                     </a:solidFill>
@@ -9538,7 +9544,7 @@
               </a:ln>
               <a:extLst>
                 <a:ext uri="{91240B29-F687-4f45-9708-019B960494DF}">
-                  <a14:hiddenLine xmlns:a14="http://schemas.microsoft.com/office/drawing/2010/main" xmlns="" w="9525">
+                  <a14:hiddenLine xmlns="" xmlns:a14="http://schemas.microsoft.com/office/drawing/2010/main" w="9525">
                     <a:solidFill>
                       <a:srgbClr val="000000"/>
                     </a:solidFill>
@@ -9600,7 +9606,7 @@
               </a:ln>
               <a:extLst>
                 <a:ext uri="{91240B29-F687-4f45-9708-019B960494DF}">
-                  <a14:hiddenLine xmlns:a14="http://schemas.microsoft.com/office/drawing/2010/main" xmlns="" w="9525">
+                  <a14:hiddenLine xmlns="" xmlns:a14="http://schemas.microsoft.com/office/drawing/2010/main" w="9525">
                     <a:solidFill>
                       <a:srgbClr val="000000"/>
                     </a:solidFill>
@@ -9690,7 +9696,7 @@
               </a:ln>
               <a:extLst>
                 <a:ext uri="{91240B29-F687-4f45-9708-019B960494DF}">
-                  <a14:hiddenLine xmlns:a14="http://schemas.microsoft.com/office/drawing/2010/main" xmlns="" w="9525">
+                  <a14:hiddenLine xmlns="" xmlns:a14="http://schemas.microsoft.com/office/drawing/2010/main" w="9525">
                     <a:solidFill>
                       <a:srgbClr val="000000"/>
                     </a:solidFill>
@@ -9780,7 +9786,7 @@
               </a:ln>
               <a:extLst>
                 <a:ext uri="{91240B29-F687-4f45-9708-019B960494DF}">
-                  <a14:hiddenLine xmlns:a14="http://schemas.microsoft.com/office/drawing/2010/main" xmlns="" w="9525">
+                  <a14:hiddenLine xmlns="" xmlns:a14="http://schemas.microsoft.com/office/drawing/2010/main" w="9525">
                     <a:solidFill>
                       <a:srgbClr val="000000"/>
                     </a:solidFill>
@@ -9842,7 +9848,7 @@
               </a:ln>
               <a:extLst>
                 <a:ext uri="{91240B29-F687-4f45-9708-019B960494DF}">
-                  <a14:hiddenLine xmlns:a14="http://schemas.microsoft.com/office/drawing/2010/main" xmlns="" w="9525">
+                  <a14:hiddenLine xmlns="" xmlns:a14="http://schemas.microsoft.com/office/drawing/2010/main" w="9525">
                     <a:solidFill>
                       <a:srgbClr val="000000"/>
                     </a:solidFill>
@@ -9952,7 +9958,7 @@
               </a:ln>
               <a:extLst>
                 <a:ext uri="{91240B29-F687-4f45-9708-019B960494DF}">
-                  <a14:hiddenLine xmlns:a14="http://schemas.microsoft.com/office/drawing/2010/main" xmlns="" w="9525">
+                  <a14:hiddenLine xmlns="" xmlns:a14="http://schemas.microsoft.com/office/drawing/2010/main" w="9525">
                     <a:solidFill>
                       <a:srgbClr val="000000"/>
                     </a:solidFill>
@@ -10036,7 +10042,7 @@
               </a:ln>
               <a:extLst>
                 <a:ext uri="{91240B29-F687-4f45-9708-019B960494DF}">
-                  <a14:hiddenLine xmlns:a14="http://schemas.microsoft.com/office/drawing/2010/main" xmlns="" w="9525">
+                  <a14:hiddenLine xmlns="" xmlns:a14="http://schemas.microsoft.com/office/drawing/2010/main" w="9525">
                     <a:solidFill>
                       <a:srgbClr val="000000"/>
                     </a:solidFill>
@@ -10098,7 +10104,7 @@
               </a:ln>
               <a:extLst>
                 <a:ext uri="{91240B29-F687-4f45-9708-019B960494DF}">
-                  <a14:hiddenLine xmlns:a14="http://schemas.microsoft.com/office/drawing/2010/main" xmlns="" w="9525">
+                  <a14:hiddenLine xmlns="" xmlns:a14="http://schemas.microsoft.com/office/drawing/2010/main" w="9525">
                     <a:solidFill>
                       <a:srgbClr val="000000"/>
                     </a:solidFill>
@@ -10160,7 +10166,7 @@
               </a:ln>
               <a:extLst>
                 <a:ext uri="{91240B29-F687-4f45-9708-019B960494DF}">
-                  <a14:hiddenLine xmlns:a14="http://schemas.microsoft.com/office/drawing/2010/main" xmlns="" w="9525">
+                  <a14:hiddenLine xmlns="" xmlns:a14="http://schemas.microsoft.com/office/drawing/2010/main" w="9525">
                     <a:solidFill>
                       <a:srgbClr val="000000"/>
                     </a:solidFill>
@@ -10250,7 +10256,7 @@
               </a:ln>
               <a:extLst>
                 <a:ext uri="{91240B29-F687-4f45-9708-019B960494DF}">
-                  <a14:hiddenLine xmlns:a14="http://schemas.microsoft.com/office/drawing/2010/main" xmlns="" w="9525">
+                  <a14:hiddenLine xmlns="" xmlns:a14="http://schemas.microsoft.com/office/drawing/2010/main" w="9525">
                     <a:solidFill>
                       <a:srgbClr val="000000"/>
                     </a:solidFill>
@@ -10284,7 +10290,7 @@
               </a:ln>
               <a:extLst>
                 <a:ext uri="{91240B29-F687-4f45-9708-019B960494DF}">
-                  <a14:hiddenLine xmlns:a14="http://schemas.microsoft.com/office/drawing/2010/main" xmlns="" w="9525">
+                  <a14:hiddenLine xmlns="" xmlns:a14="http://schemas.microsoft.com/office/drawing/2010/main" w="9525">
                     <a:solidFill>
                       <a:srgbClr val="000000"/>
                     </a:solidFill>
@@ -10349,7 +10355,7 @@
               </a:ln>
               <a:extLst>
                 <a:ext uri="{91240B29-F687-4f45-9708-019B960494DF}">
-                  <a14:hiddenLine xmlns:a14="http://schemas.microsoft.com/office/drawing/2010/main" xmlns="" w="9525">
+                  <a14:hiddenLine xmlns="" xmlns:a14="http://schemas.microsoft.com/office/drawing/2010/main" w="9525">
                     <a:solidFill>
                       <a:srgbClr val="000000"/>
                     </a:solidFill>
@@ -10439,7 +10445,7 @@
               </a:ln>
               <a:extLst>
                 <a:ext uri="{91240B29-F687-4f45-9708-019B960494DF}">
-                  <a14:hiddenLine xmlns:a14="http://schemas.microsoft.com/office/drawing/2010/main" xmlns="" w="9525">
+                  <a14:hiddenLine xmlns="" xmlns:a14="http://schemas.microsoft.com/office/drawing/2010/main" w="9525">
                     <a:solidFill>
                       <a:srgbClr val="000000"/>
                     </a:solidFill>
@@ -10501,7 +10507,7 @@
               </a:ln>
               <a:extLst>
                 <a:ext uri="{91240B29-F687-4f45-9708-019B960494DF}">
-                  <a14:hiddenLine xmlns:a14="http://schemas.microsoft.com/office/drawing/2010/main" xmlns="" w="9525">
+                  <a14:hiddenLine xmlns="" xmlns:a14="http://schemas.microsoft.com/office/drawing/2010/main" w="9525">
                     <a:solidFill>
                       <a:srgbClr val="000000"/>
                     </a:solidFill>
@@ -10591,7 +10597,7 @@
               </a:ln>
               <a:extLst>
                 <a:ext uri="{91240B29-F687-4f45-9708-019B960494DF}">
-                  <a14:hiddenLine xmlns:a14="http://schemas.microsoft.com/office/drawing/2010/main" xmlns="" w="9525">
+                  <a14:hiddenLine xmlns="" xmlns:a14="http://schemas.microsoft.com/office/drawing/2010/main" w="9525">
                     <a:solidFill>
                       <a:srgbClr val="000000"/>
                     </a:solidFill>
@@ -10656,7 +10662,7 @@
               </a:ln>
               <a:extLst>
                 <a:ext uri="{91240B29-F687-4f45-9708-019B960494DF}">
-                  <a14:hiddenLine xmlns:a14="http://schemas.microsoft.com/office/drawing/2010/main" xmlns="" w="9525">
+                  <a14:hiddenLine xmlns="" xmlns:a14="http://schemas.microsoft.com/office/drawing/2010/main" w="9525">
                     <a:solidFill>
                       <a:srgbClr val="000000"/>
                     </a:solidFill>
@@ -10718,7 +10724,7 @@
               </a:ln>
               <a:extLst>
                 <a:ext uri="{91240B29-F687-4f45-9708-019B960494DF}">
-                  <a14:hiddenLine xmlns:a14="http://schemas.microsoft.com/office/drawing/2010/main" xmlns="" w="9525">
+                  <a14:hiddenLine xmlns="" xmlns:a14="http://schemas.microsoft.com/office/drawing/2010/main" w="9525">
                     <a:solidFill>
                       <a:srgbClr val="000000"/>
                     </a:solidFill>
@@ -10808,7 +10814,7 @@
               </a:ln>
               <a:extLst>
                 <a:ext uri="{91240B29-F687-4f45-9708-019B960494DF}">
-                  <a14:hiddenLine xmlns:a14="http://schemas.microsoft.com/office/drawing/2010/main" xmlns="" w="9525">
+                  <a14:hiddenLine xmlns="" xmlns:a14="http://schemas.microsoft.com/office/drawing/2010/main" w="9525">
                     <a:solidFill>
                       <a:srgbClr val="000000"/>
                     </a:solidFill>
@@ -10898,7 +10904,7 @@
               </a:ln>
               <a:extLst>
                 <a:ext uri="{91240B29-F687-4f45-9708-019B960494DF}">
-                  <a14:hiddenLine xmlns:a14="http://schemas.microsoft.com/office/drawing/2010/main" xmlns="" w="9525">
+                  <a14:hiddenLine xmlns="" xmlns:a14="http://schemas.microsoft.com/office/drawing/2010/main" w="9525">
                     <a:solidFill>
                       <a:srgbClr val="000000"/>
                     </a:solidFill>
@@ -10963,7 +10969,7 @@
               </a:ln>
               <a:extLst>
                 <a:ext uri="{91240B29-F687-4f45-9708-019B960494DF}">
-                  <a14:hiddenLine xmlns:a14="http://schemas.microsoft.com/office/drawing/2010/main" xmlns="" w="9525">
+                  <a14:hiddenLine xmlns="" xmlns:a14="http://schemas.microsoft.com/office/drawing/2010/main" w="9525">
                     <a:solidFill>
                       <a:srgbClr val="000000"/>
                     </a:solidFill>
@@ -11083,7 +11089,7 @@
               </a:ln>
               <a:extLst>
                 <a:ext uri="{91240B29-F687-4f45-9708-019B960494DF}">
-                  <a14:hiddenLine xmlns:a14="http://schemas.microsoft.com/office/drawing/2010/main" xmlns="" w="9525">
+                  <a14:hiddenLine xmlns="" xmlns:a14="http://schemas.microsoft.com/office/drawing/2010/main" w="9525">
                     <a:solidFill>
                       <a:srgbClr val="000000"/>
                     </a:solidFill>
@@ -11181,7 +11187,7 @@
               </a:ln>
               <a:extLst>
                 <a:ext uri="{91240B29-F687-4f45-9708-019B960494DF}">
-                  <a14:hiddenLine xmlns:a14="http://schemas.microsoft.com/office/drawing/2010/main" xmlns="" w="9525">
+                  <a14:hiddenLine xmlns="" xmlns:a14="http://schemas.microsoft.com/office/drawing/2010/main" w="9525">
                     <a:solidFill>
                       <a:srgbClr val="000000"/>
                     </a:solidFill>
@@ -11296,7 +11302,7 @@
               </a:ln>
               <a:extLst>
                 <a:ext uri="{91240B29-F687-4f45-9708-019B960494DF}">
-                  <a14:hiddenLine xmlns:a14="http://schemas.microsoft.com/office/drawing/2010/main" xmlns="" w="9525">
+                  <a14:hiddenLine xmlns="" xmlns:a14="http://schemas.microsoft.com/office/drawing/2010/main" w="9525">
                     <a:solidFill>
                       <a:srgbClr val="000000"/>
                     </a:solidFill>
@@ -11386,7 +11392,7 @@
               </a:ln>
               <a:extLst>
                 <a:ext uri="{91240B29-F687-4f45-9708-019B960494DF}">
-                  <a14:hiddenLine xmlns:a14="http://schemas.microsoft.com/office/drawing/2010/main" xmlns="" w="9525">
+                  <a14:hiddenLine xmlns="" xmlns:a14="http://schemas.microsoft.com/office/drawing/2010/main" w="9525">
                     <a:solidFill>
                       <a:srgbClr val="000000"/>
                     </a:solidFill>
@@ -11451,7 +11457,7 @@
               </a:ln>
               <a:extLst>
                 <a:ext uri="{91240B29-F687-4f45-9708-019B960494DF}">
-                  <a14:hiddenLine xmlns:a14="http://schemas.microsoft.com/office/drawing/2010/main" xmlns="" w="9525">
+                  <a14:hiddenLine xmlns="" xmlns:a14="http://schemas.microsoft.com/office/drawing/2010/main" w="9525">
                     <a:solidFill>
                       <a:srgbClr val="000000"/>
                     </a:solidFill>
@@ -11541,7 +11547,7 @@
               </a:ln>
               <a:extLst>
                 <a:ext uri="{91240B29-F687-4f45-9708-019B960494DF}">
-                  <a14:hiddenLine xmlns:a14="http://schemas.microsoft.com/office/drawing/2010/main" xmlns="" w="9525">
+                  <a14:hiddenLine xmlns="" xmlns:a14="http://schemas.microsoft.com/office/drawing/2010/main" w="9525">
                     <a:solidFill>
                       <a:srgbClr val="000000"/>
                     </a:solidFill>
@@ -11609,7 +11615,7 @@
               </a:ln>
               <a:extLst>
                 <a:ext uri="{91240B29-F687-4f45-9708-019B960494DF}">
-                  <a14:hiddenLine xmlns:a14="http://schemas.microsoft.com/office/drawing/2010/main" xmlns="" w="9525">
+                  <a14:hiddenLine xmlns="" xmlns:a14="http://schemas.microsoft.com/office/drawing/2010/main" w="9525">
                     <a:solidFill>
                       <a:srgbClr val="000000"/>
                     </a:solidFill>
@@ -11699,7 +11705,7 @@
               </a:ln>
               <a:extLst>
                 <a:ext uri="{91240B29-F687-4f45-9708-019B960494DF}">
-                  <a14:hiddenLine xmlns:a14="http://schemas.microsoft.com/office/drawing/2010/main" xmlns="" w="9525">
+                  <a14:hiddenLine xmlns="" xmlns:a14="http://schemas.microsoft.com/office/drawing/2010/main" w="9525">
                     <a:solidFill>
                       <a:srgbClr val="000000"/>
                     </a:solidFill>
@@ -11767,7 +11773,7 @@
               </a:ln>
               <a:extLst>
                 <a:ext uri="{91240B29-F687-4f45-9708-019B960494DF}">
-                  <a14:hiddenLine xmlns:a14="http://schemas.microsoft.com/office/drawing/2010/main" xmlns="" w="9525">
+                  <a14:hiddenLine xmlns="" xmlns:a14="http://schemas.microsoft.com/office/drawing/2010/main" w="9525">
                     <a:solidFill>
                       <a:srgbClr val="000000"/>
                     </a:solidFill>
@@ -11857,7 +11863,7 @@
               </a:ln>
               <a:extLst>
                 <a:ext uri="{91240B29-F687-4f45-9708-019B960494DF}">
-                  <a14:hiddenLine xmlns:a14="http://schemas.microsoft.com/office/drawing/2010/main" xmlns="" w="9525">
+                  <a14:hiddenLine xmlns="" xmlns:a14="http://schemas.microsoft.com/office/drawing/2010/main" w="9525">
                     <a:solidFill>
                       <a:srgbClr val="000000"/>
                     </a:solidFill>
@@ -11891,7 +11897,7 @@
               </a:ln>
               <a:extLst>
                 <a:ext uri="{91240B29-F687-4f45-9708-019B960494DF}">
-                  <a14:hiddenLine xmlns:a14="http://schemas.microsoft.com/office/drawing/2010/main" xmlns="" w="9525">
+                  <a14:hiddenLine xmlns="" xmlns:a14="http://schemas.microsoft.com/office/drawing/2010/main" w="9525">
                     <a:solidFill>
                       <a:srgbClr val="000000"/>
                     </a:solidFill>
@@ -12032,7 +12038,7 @@
             <a:fld id="{96DFF08F-DC6B-4601-B491-B0F83F6DD2DA}" type="datetimeFigureOut">
               <a:rPr lang="en-US" smtClean="0"/>
               <a:pPr/>
-              <a:t>8/23/2016</a:t>
+              <a:t>9/2/2016</a:t>
             </a:fld>
             <a:endParaRPr lang="en-US" dirty="0"/>
           </a:p>
@@ -12466,7 +12472,7 @@
         <p:spPr/>
         <p:txBody>
           <a:bodyPr>
-            <a:normAutofit fontScale="90000"/>
+            <a:normAutofit/>
           </a:bodyPr>
           <a:lstStyle/>
           <a:p>
@@ -12509,6 +12515,82 @@
     <p:extLst>
       <p:ext uri="{BB962C8B-B14F-4D97-AF65-F5344CB8AC3E}">
         <p14:creationId xmlns:p14="http://schemas.microsoft.com/office/powerpoint/2010/main" val="538038171"/>
+      </p:ext>
+    </p:extLst>
+  </p:cSld>
+  <p:clrMapOvr>
+    <a:masterClrMapping/>
+  </p:clrMapOvr>
+</p:sld>
+</file>
+
+<file path=ppt/slides/slide10.xml><?xml version="1.0" encoding="utf-8"?>
+<p:sld xmlns:a="http://schemas.openxmlformats.org/drawingml/2006/main" xmlns:r="http://schemas.openxmlformats.org/officeDocument/2006/relationships" xmlns:p="http://schemas.openxmlformats.org/presentationml/2006/main">
+  <p:cSld>
+    <p:spTree>
+      <p:nvGrpSpPr>
+        <p:cNvPr id="1" name=""/>
+        <p:cNvGrpSpPr/>
+        <p:nvPr/>
+      </p:nvGrpSpPr>
+      <p:grpSpPr>
+        <a:xfrm>
+          <a:off x="0" y="0"/>
+          <a:ext cx="0" cy="0"/>
+          <a:chOff x="0" y="0"/>
+          <a:chExt cx="0" cy="0"/>
+        </a:xfrm>
+      </p:grpSpPr>
+      <p:sp>
+        <p:nvSpPr>
+          <p:cNvPr id="2" name="Title 1"/>
+          <p:cNvSpPr>
+            <a:spLocks noGrp="1"/>
+          </p:cNvSpPr>
+          <p:nvPr>
+            <p:ph type="title"/>
+          </p:nvPr>
+        </p:nvSpPr>
+        <p:spPr/>
+        <p:txBody>
+          <a:bodyPr/>
+          <a:lstStyle/>
+          <a:p>
+            <a:r>
+              <a:rPr lang="en-US" dirty="0" err="1" smtClean="0"/>
+              <a:t>Hnrpk</a:t>
+            </a:r>
+            <a:r>
+              <a:rPr lang="en-US" smtClean="0"/>
+              <a:t> pull down</a:t>
+            </a:r>
+            <a:endParaRPr lang="en-AU"/>
+          </a:p>
+        </p:txBody>
+      </p:sp>
+      <p:sp>
+        <p:nvSpPr>
+          <p:cNvPr id="3" name="Content Placeholder 2"/>
+          <p:cNvSpPr>
+            <a:spLocks noGrp="1"/>
+          </p:cNvSpPr>
+          <p:nvPr>
+            <p:ph idx="1"/>
+          </p:nvPr>
+        </p:nvSpPr>
+        <p:spPr/>
+        <p:txBody>
+          <a:bodyPr/>
+          <a:lstStyle/>
+          <a:p>
+            <a:endParaRPr lang="en-AU"/>
+          </a:p>
+        </p:txBody>
+      </p:sp>
+    </p:spTree>
+    <p:extLst>
+      <p:ext uri="{BB962C8B-B14F-4D97-AF65-F5344CB8AC3E}">
+        <p14:creationId xmlns:p14="http://schemas.microsoft.com/office/powerpoint/2010/main" val="2786070710"/>
       </p:ext>
     </p:extLst>
   </p:cSld>
@@ -12644,7 +12726,7 @@
             </a:r>
             <a:r>
               <a:rPr lang="en-AU" dirty="0" smtClean="0"/>
-              <a:t> and extracellular vesicles: </a:t>
+              <a:t>: Biomarker of progression </a:t>
             </a:r>
             <a:endParaRPr lang="en-AU" dirty="0"/>
           </a:p>
@@ -12812,12 +12894,17 @@
             <p:ph idx="1"/>
           </p:nvPr>
         </p:nvSpPr>
-        <p:spPr/>
+        <p:spPr>
+          <a:xfrm>
+            <a:off x="1141412" y="2097088"/>
+            <a:ext cx="9905999" cy="3694113"/>
+          </a:xfrm>
+        </p:spPr>
         <p:txBody>
           <a:bodyPr/>
           <a:lstStyle/>
           <a:p>
-            <a:endParaRPr lang="en-AU"/>
+            <a:endParaRPr lang="en-AU" dirty="0"/>
           </a:p>
         </p:txBody>
       </p:sp>
@@ -12893,9 +12980,29 @@
           <a:bodyPr/>
           <a:lstStyle/>
           <a:p>
+            <a:pPr marL="0" indent="0">
+              <a:buNone/>
+            </a:pPr>
             <a:r>
-              <a:rPr lang="en-AU" dirty="0" smtClean="0"/>
-              <a:t>Correlation graph </a:t>
+              <a:rPr lang="en-US" dirty="0" smtClean="0"/>
+              <a:t>RNA-</a:t>
+            </a:r>
+            <a:r>
+              <a:rPr lang="en-US" dirty="0" err="1" smtClean="0"/>
+              <a:t>seq</a:t>
+            </a:r>
+            <a:r>
+              <a:rPr lang="en-US" dirty="0" smtClean="0"/>
+              <a:t> data revealed exported miR-148a, 200a, 30a, 19a, and 10b to be truncated by expression of cavin-1. </a:t>
+            </a:r>
+          </a:p>
+          <a:p>
+            <a:pPr marL="0" indent="0">
+              <a:buNone/>
+            </a:pPr>
+            <a:r>
+              <a:rPr lang="en-US" dirty="0" smtClean="0"/>
+              <a:t>These share roles in cancer progression. </a:t>
             </a:r>
             <a:endParaRPr lang="en-AU" dirty="0"/>
           </a:p>
@@ -12941,23 +13048,22 @@
             <p:ph type="title"/>
           </p:nvPr>
         </p:nvSpPr>
-        <p:spPr>
-          <a:xfrm>
-            <a:off x="510988" y="618518"/>
-            <a:ext cx="10536423" cy="1478570"/>
-          </a:xfrm>
-        </p:spPr>
+        <p:spPr/>
         <p:txBody>
           <a:bodyPr/>
           <a:lstStyle/>
           <a:p>
             <a:r>
+              <a:rPr lang="en-AU" dirty="0" smtClean="0"/>
+              <a:t>Exported </a:t>
+            </a:r>
+            <a:r>
               <a:rPr lang="en-AU" dirty="0" err="1" smtClean="0"/>
-              <a:t>Mirs</a:t>
+              <a:t>micrornas</a:t>
             </a:r>
             <a:r>
               <a:rPr lang="en-AU" dirty="0" smtClean="0"/>
-              <a:t> of interest consistently exported</a:t>
+              <a:t> share motif</a:t>
             </a:r>
             <a:endParaRPr lang="en-AU" dirty="0"/>
           </a:p>
@@ -12980,19 +13086,11 @@
           <a:p>
             <a:r>
               <a:rPr lang="en-AU" dirty="0" smtClean="0"/>
-              <a:t>Bar graph for both </a:t>
+              <a:t>Motifs and those matched to the </a:t>
             </a:r>
             <a:r>
               <a:rPr lang="en-AU" dirty="0" err="1" smtClean="0"/>
-              <a:t>rnaseq</a:t>
-            </a:r>
-            <a:r>
-              <a:rPr lang="en-AU" dirty="0" smtClean="0"/>
-              <a:t> and </a:t>
-            </a:r>
-            <a:r>
-              <a:rPr lang="en-AU" dirty="0" err="1" smtClean="0"/>
-              <a:t>rt-pqcr</a:t>
+              <a:t>mirs</a:t>
             </a:r>
             <a:r>
               <a:rPr lang="en-AU" dirty="0" smtClean="0"/>
@@ -13005,7 +13103,7 @@
     </p:spTree>
     <p:extLst>
       <p:ext uri="{BB962C8B-B14F-4D97-AF65-F5344CB8AC3E}">
-        <p14:creationId xmlns:p14="http://schemas.microsoft.com/office/powerpoint/2010/main" val="2839873936"/>
+        <p14:creationId xmlns:p14="http://schemas.microsoft.com/office/powerpoint/2010/main" val="2793909930"/>
       </p:ext>
     </p:extLst>
   </p:cSld>
@@ -13048,12 +13146,16 @@
           <a:lstStyle/>
           <a:p>
             <a:r>
-              <a:rPr lang="en-AU" dirty="0" smtClean="0"/>
-              <a:t>Targets of exported </a:t>
+              <a:rPr lang="en-US" dirty="0" err="1" smtClean="0"/>
+              <a:t>hnRNPK</a:t>
             </a:r>
             <a:r>
-              <a:rPr lang="en-AU" dirty="0" err="1" smtClean="0"/>
-              <a:t>micrornas</a:t>
+              <a:rPr lang="en-US" dirty="0" smtClean="0"/>
+              <a:t> and its subcellular </a:t>
+            </a:r>
+            <a:r>
+              <a:rPr lang="en-US" dirty="0" err="1" smtClean="0"/>
+              <a:t>lcoalisation</a:t>
             </a:r>
             <a:endParaRPr lang="en-AU" dirty="0"/>
           </a:p>
@@ -13075,24 +13177,8 @@
           <a:lstStyle/>
           <a:p>
             <a:r>
-              <a:rPr lang="en-AU" dirty="0" smtClean="0"/>
-              <a:t>Either </a:t>
-            </a:r>
-            <a:r>
-              <a:rPr lang="en-AU" dirty="0" err="1" smtClean="0"/>
-              <a:t>reactome</a:t>
-            </a:r>
-            <a:r>
-              <a:rPr lang="en-AU" dirty="0" smtClean="0"/>
-              <a:t> results or </a:t>
-            </a:r>
-            <a:r>
-              <a:rPr lang="en-AU" dirty="0" err="1" smtClean="0"/>
-              <a:t>cytoscape</a:t>
-            </a:r>
-            <a:r>
-              <a:rPr lang="en-AU" dirty="0" smtClean="0"/>
-              <a:t> graph of common targets</a:t>
+              <a:rPr lang="en-US" dirty="0" smtClean="0"/>
+              <a:t>CD9 overlap and ER overlap. </a:t>
             </a:r>
             <a:endParaRPr lang="en-AU" dirty="0"/>
           </a:p>
@@ -13101,7 +13187,7 @@
     </p:spTree>
     <p:extLst>
       <p:ext uri="{BB962C8B-B14F-4D97-AF65-F5344CB8AC3E}">
-        <p14:creationId xmlns:p14="http://schemas.microsoft.com/office/powerpoint/2010/main" val="2793909930"/>
+        <p14:creationId xmlns:p14="http://schemas.microsoft.com/office/powerpoint/2010/main" val="323310266"/>
       </p:ext>
     </p:extLst>
   </p:cSld>
@@ -13143,7 +13229,19 @@
           <a:bodyPr/>
           <a:lstStyle/>
           <a:p>
-            <a:endParaRPr lang="en-AU"/>
+            <a:r>
+              <a:rPr lang="en-US" dirty="0" err="1" smtClean="0"/>
+              <a:t>Hnrnpk</a:t>
+            </a:r>
+            <a:r>
+              <a:rPr lang="en-US" dirty="0" smtClean="0"/>
+              <a:t> and </a:t>
+            </a:r>
+            <a:r>
+              <a:rPr lang="en-US" dirty="0" err="1" smtClean="0"/>
+              <a:t>mirs</a:t>
+            </a:r>
+            <a:endParaRPr lang="en-AU" dirty="0"/>
           </a:p>
         </p:txBody>
       </p:sp>
@@ -13169,7 +13267,7 @@
     </p:spTree>
     <p:extLst>
       <p:ext uri="{BB962C8B-B14F-4D97-AF65-F5344CB8AC3E}">
-        <p14:creationId xmlns:p14="http://schemas.microsoft.com/office/powerpoint/2010/main" val="323310266"/>
+        <p14:creationId xmlns:p14="http://schemas.microsoft.com/office/powerpoint/2010/main" val="1482749622"/>
       </p:ext>
     </p:extLst>
   </p:cSld>

--- a/BackgroundInfo/MeetingSept.pptx
+++ b/BackgroundInfo/MeetingSept.pptx
@@ -4397,7 +4397,7 @@
           <a:p>
             <a:fld id="{96DFF08F-DC6B-4601-B491-B0F83F6DD2DA}" type="datetimeFigureOut">
               <a:rPr lang="en-US" smtClean="0"/>
-              <a:t>9/2/2016</a:t>
+              <a:t>9/4/2016</a:t>
             </a:fld>
             <a:endParaRPr lang="en-US" dirty="0"/>
           </a:p>
@@ -4665,7 +4665,7 @@
             <a:fld id="{96DFF08F-DC6B-4601-B491-B0F83F6DD2DA}" type="datetimeFigureOut">
               <a:rPr lang="en-US" smtClean="0"/>
               <a:pPr/>
-              <a:t>9/2/2016</a:t>
+              <a:t>9/4/2016</a:t>
             </a:fld>
             <a:endParaRPr lang="en-US" dirty="0"/>
           </a:p>
@@ -4863,7 +4863,7 @@
             <a:fld id="{96DFF08F-DC6B-4601-B491-B0F83F6DD2DA}" type="datetimeFigureOut">
               <a:rPr lang="en-US" smtClean="0"/>
               <a:pPr/>
-              <a:t>9/2/2016</a:t>
+              <a:t>9/4/2016</a:t>
             </a:fld>
             <a:endParaRPr lang="en-US" dirty="0"/>
           </a:p>
@@ -5128,7 +5128,7 @@
             <a:fld id="{96DFF08F-DC6B-4601-B491-B0F83F6DD2DA}" type="datetimeFigureOut">
               <a:rPr lang="en-US" smtClean="0"/>
               <a:pPr/>
-              <a:t>9/2/2016</a:t>
+              <a:t>9/4/2016</a:t>
             </a:fld>
             <a:endParaRPr lang="en-US" dirty="0"/>
           </a:p>
@@ -5564,7 +5564,7 @@
             <a:fld id="{96DFF08F-DC6B-4601-B491-B0F83F6DD2DA}" type="datetimeFigureOut">
               <a:rPr lang="en-US" smtClean="0"/>
               <a:pPr/>
-              <a:t>9/2/2016</a:t>
+              <a:t>9/4/2016</a:t>
             </a:fld>
             <a:endParaRPr lang="en-US" dirty="0"/>
           </a:p>
@@ -6112,7 +6112,7 @@
             <a:fld id="{96DFF08F-DC6B-4601-B491-B0F83F6DD2DA}" type="datetimeFigureOut">
               <a:rPr lang="en-US" smtClean="0"/>
               <a:pPr/>
-              <a:t>9/2/2016</a:t>
+              <a:t>9/4/2016</a:t>
             </a:fld>
             <a:endParaRPr lang="en-US" dirty="0"/>
           </a:p>
@@ -6834,7 +6834,7 @@
             <a:fld id="{96DFF08F-DC6B-4601-B491-B0F83F6DD2DA}" type="datetimeFigureOut">
               <a:rPr lang="en-US" smtClean="0"/>
               <a:pPr/>
-              <a:t>9/2/2016</a:t>
+              <a:t>9/4/2016</a:t>
             </a:fld>
             <a:endParaRPr lang="en-US" dirty="0"/>
           </a:p>
@@ -7005,7 +7005,7 @@
           <a:p>
             <a:fld id="{96DFF08F-DC6B-4601-B491-B0F83F6DD2DA}" type="datetimeFigureOut">
               <a:rPr lang="en-US" smtClean="0"/>
-              <a:t>9/2/2016</a:t>
+              <a:t>9/4/2016</a:t>
             </a:fld>
             <a:endParaRPr lang="en-US" dirty="0"/>
           </a:p>
@@ -7185,7 +7185,7 @@
           <a:p>
             <a:fld id="{96DFF08F-DC6B-4601-B491-B0F83F6DD2DA}" type="datetimeFigureOut">
               <a:rPr lang="en-US" smtClean="0"/>
-              <a:t>9/2/2016</a:t>
+              <a:t>9/4/2016</a:t>
             </a:fld>
             <a:endParaRPr lang="en-US" dirty="0"/>
           </a:p>
@@ -7355,7 +7355,7 @@
           <a:p>
             <a:fld id="{96DFF08F-DC6B-4601-B491-B0F83F6DD2DA}" type="datetimeFigureOut">
               <a:rPr lang="en-US" smtClean="0"/>
-              <a:t>9/2/2016</a:t>
+              <a:t>9/4/2016</a:t>
             </a:fld>
             <a:endParaRPr lang="en-US" dirty="0"/>
           </a:p>
@@ -7605,7 +7605,7 @@
           <a:p>
             <a:fld id="{96DFF08F-DC6B-4601-B491-B0F83F6DD2DA}" type="datetimeFigureOut">
               <a:rPr lang="en-US" smtClean="0"/>
-              <a:t>9/2/2016</a:t>
+              <a:t>9/4/2016</a:t>
             </a:fld>
             <a:endParaRPr lang="en-US" dirty="0"/>
           </a:p>
@@ -7837,7 +7837,7 @@
           <a:p>
             <a:fld id="{96DFF08F-DC6B-4601-B491-B0F83F6DD2DA}" type="datetimeFigureOut">
               <a:rPr lang="en-US" smtClean="0"/>
-              <a:t>9/2/2016</a:t>
+              <a:t>9/4/2016</a:t>
             </a:fld>
             <a:endParaRPr lang="en-US" dirty="0"/>
           </a:p>
@@ -8218,7 +8218,7 @@
           <a:p>
             <a:fld id="{96DFF08F-DC6B-4601-B491-B0F83F6DD2DA}" type="datetimeFigureOut">
               <a:rPr lang="en-US" smtClean="0"/>
-              <a:t>9/2/2016</a:t>
+              <a:t>9/4/2016</a:t>
             </a:fld>
             <a:endParaRPr lang="en-US" dirty="0"/>
           </a:p>
@@ -8336,7 +8336,7 @@
           <a:p>
             <a:fld id="{96DFF08F-DC6B-4601-B491-B0F83F6DD2DA}" type="datetimeFigureOut">
               <a:rPr lang="en-US" smtClean="0"/>
-              <a:t>9/2/2016</a:t>
+              <a:t>9/4/2016</a:t>
             </a:fld>
             <a:endParaRPr lang="en-US" dirty="0"/>
           </a:p>
@@ -8431,7 +8431,7 @@
           <a:p>
             <a:fld id="{96DFF08F-DC6B-4601-B491-B0F83F6DD2DA}" type="datetimeFigureOut">
               <a:rPr lang="en-US" smtClean="0"/>
-              <a:t>9/2/2016</a:t>
+              <a:t>9/4/2016</a:t>
             </a:fld>
             <a:endParaRPr lang="en-US" dirty="0"/>
           </a:p>
@@ -8680,7 +8680,7 @@
           <a:p>
             <a:fld id="{96DFF08F-DC6B-4601-B491-B0F83F6DD2DA}" type="datetimeFigureOut">
               <a:rPr lang="en-US" smtClean="0"/>
-              <a:t>9/2/2016</a:t>
+              <a:t>9/4/2016</a:t>
             </a:fld>
             <a:endParaRPr lang="en-US" dirty="0"/>
           </a:p>
@@ -8960,7 +8960,7 @@
           <a:p>
             <a:fld id="{96DFF08F-DC6B-4601-B491-B0F83F6DD2DA}" type="datetimeFigureOut">
               <a:rPr lang="en-US" smtClean="0"/>
-              <a:t>9/2/2016</a:t>
+              <a:t>9/4/2016</a:t>
             </a:fld>
             <a:endParaRPr lang="en-US" dirty="0"/>
           </a:p>
@@ -12038,7 +12038,7 @@
             <a:fld id="{96DFF08F-DC6B-4601-B491-B0F83F6DD2DA}" type="datetimeFigureOut">
               <a:rPr lang="en-US" smtClean="0"/>
               <a:pPr/>
-              <a:t>9/2/2016</a:t>
+              <a:t>9/4/2016</a:t>
             </a:fld>
             <a:endParaRPr lang="en-US" dirty="0"/>
           </a:p>
@@ -12472,7 +12472,7 @@
         <p:spPr/>
         <p:txBody>
           <a:bodyPr>
-            <a:normAutofit/>
+            <a:normAutofit fontScale="90000"/>
           </a:bodyPr>
           <a:lstStyle/>
           <a:p>
@@ -12558,13 +12558,13 @@
           <a:p>
             <a:r>
               <a:rPr lang="en-US" dirty="0" err="1" smtClean="0"/>
-              <a:t>Hnrpk</a:t>
-            </a:r>
-            <a:r>
-              <a:rPr lang="en-US" smtClean="0"/>
+              <a:t>HnrNpk</a:t>
+            </a:r>
+            <a:r>
+              <a:rPr lang="en-US" dirty="0" smtClean="0"/>
               <a:t> pull down</a:t>
             </a:r>
-            <a:endParaRPr lang="en-AU"/>
+            <a:endParaRPr lang="en-AU" dirty="0"/>
           </a:p>
         </p:txBody>
       </p:sp>
@@ -12583,7 +12583,7 @@
           <a:bodyPr/>
           <a:lstStyle/>
           <a:p>
-            <a:endParaRPr lang="en-AU"/>
+            <a:endParaRPr lang="en-AU" dirty="0"/>
           </a:p>
         </p:txBody>
       </p:sp>
@@ -12650,31 +12650,302 @@
             <p:ph idx="1"/>
           </p:nvPr>
         </p:nvSpPr>
-        <p:spPr/>
+        <p:spPr>
+          <a:xfrm>
+            <a:off x="809193" y="2124744"/>
+            <a:ext cx="5142429" cy="3541714"/>
+          </a:xfrm>
+        </p:spPr>
         <p:txBody>
           <a:bodyPr/>
           <a:lstStyle/>
           <a:p>
             <a:r>
               <a:rPr lang="en-AU" dirty="0" smtClean="0"/>
-              <a:t>Prostate cancer is shit. </a:t>
+              <a:t>Highest diagnosed cancer in men worldwide</a:t>
             </a:r>
           </a:p>
           <a:p>
             <a:r>
               <a:rPr lang="en-AU" dirty="0" smtClean="0"/>
-              <a:t>It kills everyone. </a:t>
+              <a:t>Metastasis reduced 5 year survival to 29.3%</a:t>
             </a:r>
           </a:p>
           <a:p>
             <a:r>
               <a:rPr lang="en-AU" dirty="0" smtClean="0"/>
-              <a:t>Must fix it. </a:t>
-            </a:r>
+              <a:t>Bone metastasis leads to poor outcome. </a:t>
+            </a:r>
+          </a:p>
+          <a:p>
             <a:endParaRPr lang="en-AU" dirty="0"/>
           </a:p>
         </p:txBody>
       </p:sp>
+      <p:grpSp>
+        <p:nvGrpSpPr>
+          <p:cNvPr id="4" name="Group 3"/>
+          <p:cNvGrpSpPr/>
+          <p:nvPr/>
+        </p:nvGrpSpPr>
+        <p:grpSpPr>
+          <a:xfrm>
+            <a:off x="5951622" y="1138990"/>
+            <a:ext cx="5487408" cy="5389325"/>
+            <a:chOff x="4282838" y="1532127"/>
+            <a:chExt cx="4742580" cy="5126201"/>
+          </a:xfrm>
+        </p:grpSpPr>
+        <p:sp>
+          <p:nvSpPr>
+            <p:cNvPr id="5" name="Rectangle 4"/>
+            <p:cNvSpPr/>
+            <p:nvPr/>
+          </p:nvSpPr>
+          <p:spPr>
+            <a:xfrm>
+              <a:off x="7380312" y="6381329"/>
+              <a:ext cx="1512168" cy="276999"/>
+            </a:xfrm>
+            <a:prstGeom prst="rect">
+              <a:avLst/>
+            </a:prstGeom>
+          </p:spPr>
+          <p:txBody>
+            <a:bodyPr wrap="square">
+              <a:spAutoFit/>
+            </a:bodyPr>
+            <a:lstStyle/>
+            <a:p>
+              <a:r>
+                <a:rPr lang="en-AU" sz="1200" dirty="0" err="1" smtClean="0"/>
+                <a:t>Ferlay</a:t>
+              </a:r>
+              <a:r>
+                <a:rPr lang="en-AU" sz="1200" dirty="0" smtClean="0"/>
+                <a:t> J et al. (2012). </a:t>
+              </a:r>
+              <a:endParaRPr lang="en-AU" sz="1200" dirty="0"/>
+            </a:p>
+          </p:txBody>
+        </p:sp>
+        <p:pic>
+          <p:nvPicPr>
+            <p:cNvPr id="6" name="Picture 6" descr="http://globocan.iarc.fr/old/Factsheets/populations/graphs/bc9001.png"/>
+            <p:cNvPicPr>
+              <a:picLocks noChangeAspect="1" noChangeArrowheads="1"/>
+            </p:cNvPicPr>
+            <p:nvPr/>
+          </p:nvPicPr>
+          <p:blipFill>
+            <a:blip r:embed="rId2" cstate="print"/>
+            <a:srcRect l="607" r="3030"/>
+            <a:stretch>
+              <a:fillRect/>
+            </a:stretch>
+          </p:blipFill>
+          <p:spPr bwMode="auto">
+            <a:xfrm>
+              <a:off x="4283968" y="1556792"/>
+              <a:ext cx="4741450" cy="4824537"/>
+            </a:xfrm>
+            <a:prstGeom prst="rect">
+              <a:avLst/>
+            </a:prstGeom>
+            <a:noFill/>
+          </p:spPr>
+        </p:pic>
+        <p:grpSp>
+          <p:nvGrpSpPr>
+            <p:cNvPr id="7" name="Group 6"/>
+            <p:cNvGrpSpPr/>
+            <p:nvPr/>
+          </p:nvGrpSpPr>
+          <p:grpSpPr>
+            <a:xfrm>
+              <a:off x="4282838" y="1532127"/>
+              <a:ext cx="1700519" cy="432048"/>
+              <a:chOff x="4282838" y="1532127"/>
+              <a:chExt cx="1700519" cy="432048"/>
+            </a:xfrm>
+          </p:grpSpPr>
+          <p:sp>
+            <p:nvSpPr>
+              <p:cNvPr id="9" name="Rectangle 8"/>
+              <p:cNvSpPr/>
+              <p:nvPr/>
+            </p:nvSpPr>
+            <p:spPr>
+              <a:xfrm>
+                <a:off x="4282838" y="1532127"/>
+                <a:ext cx="1076520" cy="432048"/>
+              </a:xfrm>
+              <a:prstGeom prst="rect">
+                <a:avLst/>
+              </a:prstGeom>
+              <a:solidFill>
+                <a:schemeClr val="tx1"/>
+              </a:solidFill>
+              <a:ln>
+                <a:noFill/>
+              </a:ln>
+              <a:effectLst/>
+            </p:spPr>
+            <p:style>
+              <a:lnRef idx="1">
+                <a:schemeClr val="dk1"/>
+              </a:lnRef>
+              <a:fillRef idx="2">
+                <a:schemeClr val="dk1"/>
+              </a:fillRef>
+              <a:effectRef idx="1">
+                <a:schemeClr val="dk1"/>
+              </a:effectRef>
+              <a:fontRef idx="minor">
+                <a:schemeClr val="dk1"/>
+              </a:fontRef>
+            </p:style>
+            <p:txBody>
+              <a:bodyPr rtlCol="0" anchor="ctr"/>
+              <a:lstStyle/>
+              <a:p>
+                <a:pPr algn="ctr"/>
+                <a:endParaRPr lang="en-AU"/>
+              </a:p>
+            </p:txBody>
+          </p:sp>
+          <p:sp>
+            <p:nvSpPr>
+              <p:cNvPr id="10" name="Rectangle 9"/>
+              <p:cNvSpPr/>
+              <p:nvPr/>
+            </p:nvSpPr>
+            <p:spPr>
+              <a:xfrm flipV="1">
+                <a:off x="5320883" y="1532127"/>
+                <a:ext cx="662474" cy="117726"/>
+              </a:xfrm>
+              <a:prstGeom prst="rect">
+                <a:avLst/>
+              </a:prstGeom>
+              <a:solidFill>
+                <a:schemeClr val="tx1"/>
+              </a:solidFill>
+              <a:ln>
+                <a:noFill/>
+              </a:ln>
+              <a:effectLst/>
+            </p:spPr>
+            <p:style>
+              <a:lnRef idx="1">
+                <a:schemeClr val="dk1"/>
+              </a:lnRef>
+              <a:fillRef idx="2">
+                <a:schemeClr val="dk1"/>
+              </a:fillRef>
+              <a:effectRef idx="1">
+                <a:schemeClr val="dk1"/>
+              </a:effectRef>
+              <a:fontRef idx="minor">
+                <a:schemeClr val="dk1"/>
+              </a:fontRef>
+            </p:style>
+            <p:txBody>
+              <a:bodyPr rtlCol="0" anchor="ctr"/>
+              <a:lstStyle/>
+              <a:p>
+                <a:pPr algn="ctr"/>
+                <a:endParaRPr lang="en-AU"/>
+              </a:p>
+            </p:txBody>
+          </p:sp>
+          <p:sp>
+            <p:nvSpPr>
+              <p:cNvPr id="11" name="Rectangle 10"/>
+              <p:cNvSpPr/>
+              <p:nvPr/>
+            </p:nvSpPr>
+            <p:spPr>
+              <a:xfrm rot="5400000">
+                <a:off x="5328393" y="1588887"/>
+                <a:ext cx="355819" cy="291634"/>
+              </a:xfrm>
+              <a:prstGeom prst="rect">
+                <a:avLst/>
+              </a:prstGeom>
+              <a:solidFill>
+                <a:schemeClr val="tx1"/>
+              </a:solidFill>
+              <a:ln>
+                <a:noFill/>
+              </a:ln>
+              <a:effectLst/>
+            </p:spPr>
+            <p:style>
+              <a:lnRef idx="1">
+                <a:schemeClr val="dk1"/>
+              </a:lnRef>
+              <a:fillRef idx="2">
+                <a:schemeClr val="dk1"/>
+              </a:fillRef>
+              <a:effectRef idx="1">
+                <a:schemeClr val="dk1"/>
+              </a:effectRef>
+              <a:fontRef idx="minor">
+                <a:schemeClr val="dk1"/>
+              </a:fontRef>
+            </p:style>
+            <p:txBody>
+              <a:bodyPr rtlCol="0" anchor="ctr"/>
+              <a:lstStyle/>
+              <a:p>
+                <a:pPr algn="ctr"/>
+                <a:endParaRPr lang="en-AU"/>
+              </a:p>
+            </p:txBody>
+          </p:sp>
+        </p:grpSp>
+        <p:cxnSp>
+          <p:nvCxnSpPr>
+            <p:cNvPr id="8" name="Straight Arrow Connector 7"/>
+            <p:cNvCxnSpPr/>
+            <p:nvPr/>
+          </p:nvCxnSpPr>
+          <p:spPr>
+            <a:xfrm>
+              <a:off x="4283968" y="1988840"/>
+              <a:ext cx="1152128" cy="0"/>
+            </a:xfrm>
+            <a:prstGeom prst="straightConnector1">
+              <a:avLst/>
+            </a:prstGeom>
+            <a:ln w="76200">
+              <a:tailEnd type="arrow"/>
+            </a:ln>
+            <a:effectLst>
+              <a:outerShdw blurRad="50800" dist="38100" dir="2700000" algn="tl" rotWithShape="0">
+                <a:prstClr val="black">
+                  <a:alpha val="40000"/>
+                </a:prstClr>
+              </a:outerShdw>
+            </a:effectLst>
+          </p:spPr>
+          <p:style>
+            <a:lnRef idx="1">
+              <a:schemeClr val="accent1"/>
+            </a:lnRef>
+            <a:fillRef idx="0">
+              <a:schemeClr val="accent1"/>
+            </a:fillRef>
+            <a:effectRef idx="0">
+              <a:schemeClr val="accent1"/>
+            </a:effectRef>
+            <a:fontRef idx="minor">
+              <a:schemeClr val="tx1"/>
+            </a:fontRef>
+          </p:style>
+        </p:cxnSp>
+      </p:grpSp>
     </p:spTree>
     <p:extLst>
       <p:ext uri="{BB962C8B-B14F-4D97-AF65-F5344CB8AC3E}">
@@ -12715,7 +12986,12 @@
             <p:ph type="title"/>
           </p:nvPr>
         </p:nvSpPr>
-        <p:spPr/>
+        <p:spPr>
+          <a:xfrm>
+            <a:off x="1141413" y="331257"/>
+            <a:ext cx="9905998" cy="1478570"/>
+          </a:xfrm>
+        </p:spPr>
         <p:txBody>
           <a:bodyPr/>
           <a:lstStyle/>
@@ -12742,15 +13018,119 @@
             <p:ph idx="1"/>
           </p:nvPr>
         </p:nvSpPr>
-        <p:spPr/>
+        <p:spPr>
+          <a:xfrm>
+            <a:off x="1141413" y="1957137"/>
+            <a:ext cx="6462546" cy="3834064"/>
+          </a:xfrm>
+        </p:spPr>
         <p:txBody>
-          <a:bodyPr/>
+          <a:bodyPr>
+            <a:normAutofit lnSpcReduction="10000"/>
+          </a:bodyPr>
           <a:lstStyle/>
           <a:p>
+            <a:r>
+              <a:rPr lang="en-AU" dirty="0" smtClean="0"/>
+              <a:t>Caveolin-1 overexpressed in prostate cancer</a:t>
+            </a:r>
+          </a:p>
+          <a:p>
+            <a:r>
+              <a:rPr lang="en-AU" dirty="0" smtClean="0"/>
+              <a:t>Knockout caveolin-1 in prostate cancer reduces metastatic phenotype. </a:t>
+            </a:r>
+          </a:p>
+          <a:p>
+            <a:r>
+              <a:rPr lang="en-AU" dirty="0" smtClean="0"/>
+              <a:t>Cavin-1 expression also truncates metastasis. </a:t>
+            </a:r>
+          </a:p>
+          <a:p>
+            <a:r>
+              <a:rPr lang="en-AU" dirty="0" smtClean="0"/>
+              <a:t>Use model to assess the role of </a:t>
+            </a:r>
+            <a:r>
+              <a:rPr lang="en-AU" dirty="0" err="1" smtClean="0"/>
+              <a:t>caveolin</a:t>
+            </a:r>
+            <a:r>
+              <a:rPr lang="en-AU" dirty="0" smtClean="0"/>
+              <a:t> in cancer. </a:t>
+            </a:r>
+          </a:p>
+          <a:p>
+            <a:pPr marL="0" indent="0">
+              <a:buNone/>
+            </a:pPr>
             <a:endParaRPr lang="en-AU" dirty="0"/>
           </a:p>
         </p:txBody>
       </p:sp>
+      <p:pic>
+        <p:nvPicPr>
+          <p:cNvPr id="4" name="Picture 5"/>
+          <p:cNvPicPr>
+            <a:picLocks noChangeAspect="1" noChangeArrowheads="1"/>
+          </p:cNvPicPr>
+          <p:nvPr/>
+        </p:nvPicPr>
+        <p:blipFill>
+          <a:blip r:embed="rId2" cstate="print"/>
+          <a:srcRect b="3747"/>
+          <a:stretch>
+            <a:fillRect/>
+          </a:stretch>
+        </p:blipFill>
+        <p:spPr bwMode="auto">
+          <a:xfrm>
+            <a:off x="8070293" y="1419379"/>
+            <a:ext cx="3742471" cy="1937613"/>
+          </a:xfrm>
+          <a:prstGeom prst="rect">
+            <a:avLst/>
+          </a:prstGeom>
+          <a:noFill/>
+          <a:ln w="9525">
+            <a:noFill/>
+            <a:miter lim="800000"/>
+            <a:headEnd/>
+            <a:tailEnd/>
+          </a:ln>
+        </p:spPr>
+      </p:pic>
+      <p:pic>
+        <p:nvPicPr>
+          <p:cNvPr id="5" name="Picture 6"/>
+          <p:cNvPicPr>
+            <a:picLocks noChangeAspect="1" noChangeArrowheads="1"/>
+          </p:cNvPicPr>
+          <p:nvPr/>
+        </p:nvPicPr>
+        <p:blipFill rotWithShape="1">
+          <a:blip r:embed="rId3" cstate="print"/>
+          <a:srcRect t="2092" b="3364"/>
+          <a:stretch/>
+        </p:blipFill>
+        <p:spPr bwMode="auto">
+          <a:xfrm>
+            <a:off x="8070293" y="3356992"/>
+            <a:ext cx="3742471" cy="3380692"/>
+          </a:xfrm>
+          <a:prstGeom prst="rect">
+            <a:avLst/>
+          </a:prstGeom>
+          <a:noFill/>
+          <a:ln w="9525">
+            <a:noFill/>
+            <a:miter lim="800000"/>
+            <a:headEnd/>
+            <a:tailEnd/>
+          </a:ln>
+        </p:spPr>
+      </p:pic>
     </p:spTree>
     <p:extLst>
       <p:ext uri="{BB962C8B-B14F-4D97-AF65-F5344CB8AC3E}">
@@ -12791,22 +13171,23 @@
             <p:ph type="title"/>
           </p:nvPr>
         </p:nvSpPr>
-        <p:spPr/>
+        <p:spPr>
+          <a:xfrm>
+            <a:off x="932866" y="201423"/>
+            <a:ext cx="9905998" cy="1478570"/>
+          </a:xfrm>
+        </p:spPr>
         <p:txBody>
           <a:bodyPr/>
           <a:lstStyle/>
           <a:p>
             <a:r>
               <a:rPr lang="en-AU" dirty="0" err="1" smtClean="0"/>
-              <a:t>Micrornas</a:t>
+              <a:t>Evs</a:t>
             </a:r>
             <a:r>
               <a:rPr lang="en-AU" dirty="0" smtClean="0"/>
-              <a:t> and </a:t>
-            </a:r>
-            <a:r>
-              <a:rPr lang="en-AU" dirty="0" err="1" smtClean="0"/>
-              <a:t>evs</a:t>
+              <a:t> and microRNAs</a:t>
             </a:r>
             <a:endParaRPr lang="en-AU" dirty="0"/>
           </a:p>
@@ -12822,15 +13203,97 @@
             <p:ph idx="1"/>
           </p:nvPr>
         </p:nvSpPr>
-        <p:spPr/>
+        <p:spPr>
+          <a:xfrm>
+            <a:off x="932867" y="1679993"/>
+            <a:ext cx="6109617" cy="4496218"/>
+          </a:xfrm>
+        </p:spPr>
         <p:txBody>
-          <a:bodyPr/>
+          <a:bodyPr>
+            <a:normAutofit/>
+          </a:bodyPr>
           <a:lstStyle/>
           <a:p>
-            <a:endParaRPr lang="en-AU"/>
+            <a:r>
+              <a:rPr lang="en-AU" dirty="0" smtClean="0"/>
+              <a:t>EVs transfer biological material </a:t>
+            </a:r>
+            <a:r>
+              <a:rPr lang="en-AU" dirty="0" err="1" smtClean="0"/>
+              <a:t>intercellularly</a:t>
+            </a:r>
+            <a:r>
+              <a:rPr lang="en-AU" dirty="0" smtClean="0"/>
+              <a:t>. </a:t>
+            </a:r>
+            <a:endParaRPr lang="en-AU" dirty="0" smtClean="0"/>
+          </a:p>
+          <a:p>
+            <a:r>
+              <a:rPr lang="en-AU" dirty="0" smtClean="0"/>
+              <a:t>Cavin-1 expressed in PC3 cell line modifies EV content.  </a:t>
+            </a:r>
+          </a:p>
+          <a:p>
+            <a:r>
+              <a:rPr lang="en-AU" dirty="0" smtClean="0"/>
+              <a:t>reduced EV export of </a:t>
+            </a:r>
+            <a:r>
+              <a:rPr lang="en-AU" dirty="0" err="1" smtClean="0"/>
+              <a:t>oncogmiR</a:t>
+            </a:r>
+            <a:r>
+              <a:rPr lang="en-AU" dirty="0" smtClean="0"/>
+              <a:t>: miR-148a</a:t>
+            </a:r>
+            <a:endParaRPr lang="en-AU" dirty="0"/>
+          </a:p>
+          <a:p>
+            <a:r>
+              <a:rPr lang="en-AU" dirty="0" smtClean="0"/>
+              <a:t>But how?</a:t>
+            </a:r>
+          </a:p>
+          <a:p>
+            <a:endParaRPr lang="en-AU" dirty="0" smtClean="0"/>
+          </a:p>
+          <a:p>
+            <a:endParaRPr lang="en-AU" dirty="0"/>
           </a:p>
         </p:txBody>
       </p:sp>
+      <p:pic>
+        <p:nvPicPr>
+          <p:cNvPr id="4" name="Picture 3"/>
+          <p:cNvPicPr>
+            <a:picLocks noChangeAspect="1"/>
+          </p:cNvPicPr>
+          <p:nvPr/>
+        </p:nvPicPr>
+        <p:blipFill>
+          <a:blip r:embed="rId2">
+            <a:extLst>
+              <a:ext uri="{28A0092B-C50C-407E-A947-70E740481C1C}">
+                <a14:useLocalDpi xmlns:a14="http://schemas.microsoft.com/office/drawing/2010/main" val="0"/>
+              </a:ext>
+            </a:extLst>
+          </a:blip>
+          <a:stretch>
+            <a:fillRect/>
+          </a:stretch>
+        </p:blipFill>
+        <p:spPr>
+          <a:xfrm>
+            <a:off x="7249887" y="1679993"/>
+            <a:ext cx="3658111" cy="3238952"/>
+          </a:xfrm>
+          <a:prstGeom prst="rect">
+            <a:avLst/>
+          </a:prstGeom>
+        </p:spPr>
+      </p:pic>
     </p:spTree>
     <p:extLst>
       <p:ext uri="{BB962C8B-B14F-4D97-AF65-F5344CB8AC3E}">
@@ -12871,7 +13334,12 @@
             <p:ph type="title"/>
           </p:nvPr>
         </p:nvSpPr>
-        <p:spPr/>
+        <p:spPr>
+          <a:xfrm>
+            <a:off x="1141413" y="474139"/>
+            <a:ext cx="9905998" cy="1478570"/>
+          </a:xfrm>
+        </p:spPr>
         <p:txBody>
           <a:bodyPr/>
           <a:lstStyle/>
@@ -12896,14 +13364,96 @@
         </p:nvSpPr>
         <p:spPr>
           <a:xfrm>
-            <a:off x="1141412" y="2097088"/>
-            <a:ext cx="9905999" cy="3694113"/>
+            <a:off x="1141412" y="1796716"/>
+            <a:ext cx="9905999" cy="3994485"/>
           </a:xfrm>
         </p:spPr>
         <p:txBody>
-          <a:bodyPr/>
+          <a:bodyPr>
+            <a:normAutofit lnSpcReduction="10000"/>
+          </a:bodyPr>
           <a:lstStyle/>
           <a:p>
+            <a:pPr marL="0" indent="0" algn="ctr">
+              <a:buNone/>
+            </a:pPr>
+            <a:r>
+              <a:rPr lang="en-AU" dirty="0" smtClean="0"/>
+              <a:t>Cavin-1 expression </a:t>
+            </a:r>
+            <a:r>
+              <a:rPr lang="en-AU" dirty="0" smtClean="0"/>
+              <a:t>attenuates </a:t>
+            </a:r>
+            <a:r>
+              <a:rPr lang="en-AU" dirty="0" smtClean="0"/>
+              <a:t>EV export of microRNAs by manipulating RNA-binding protein export. </a:t>
+            </a:r>
+          </a:p>
+          <a:p>
+            <a:pPr marL="0" indent="0" algn="ctr">
+              <a:buNone/>
+            </a:pPr>
+            <a:endParaRPr lang="en-AU" dirty="0"/>
+          </a:p>
+          <a:p>
+            <a:pPr marL="0" indent="0">
+              <a:buNone/>
+            </a:pPr>
+            <a:r>
+              <a:rPr lang="en-AU" dirty="0" smtClean="0"/>
+              <a:t>Aims: </a:t>
+            </a:r>
+          </a:p>
+          <a:p>
+            <a:pPr>
+              <a:buFontTx/>
+              <a:buChar char="-"/>
+            </a:pPr>
+            <a:r>
+              <a:rPr lang="en-AU" dirty="0" smtClean="0"/>
+              <a:t> Identify additional </a:t>
+            </a:r>
+            <a:r>
+              <a:rPr lang="en-AU" dirty="0" err="1" smtClean="0"/>
+              <a:t>miRs</a:t>
+            </a:r>
+            <a:r>
+              <a:rPr lang="en-AU" dirty="0" smtClean="0"/>
+              <a:t> that are modified by cavin-1</a:t>
+            </a:r>
+          </a:p>
+          <a:p>
+            <a:pPr>
+              <a:buFontTx/>
+              <a:buChar char="-"/>
+            </a:pPr>
+            <a:r>
+              <a:rPr lang="en-AU" dirty="0"/>
+              <a:t> </a:t>
+            </a:r>
+            <a:r>
+              <a:rPr lang="en-AU" dirty="0" smtClean="0"/>
+              <a:t>Identify RNA-binding proteins modified by cavin-1</a:t>
+            </a:r>
+          </a:p>
+          <a:p>
+            <a:pPr>
+              <a:buFontTx/>
+              <a:buChar char="-"/>
+            </a:pPr>
+            <a:r>
+              <a:rPr lang="en-AU" dirty="0" smtClean="0"/>
+              <a:t> Investigate the interaction between escort protein and </a:t>
+            </a:r>
+            <a:r>
+              <a:rPr lang="en-AU" dirty="0" err="1" smtClean="0"/>
+              <a:t>microrna</a:t>
+            </a:r>
+            <a:r>
+              <a:rPr lang="en-AU" dirty="0" smtClean="0"/>
+              <a:t>. </a:t>
+            </a:r>
             <a:endParaRPr lang="en-AU" dirty="0"/>
           </a:p>
         </p:txBody>
@@ -12948,7 +13498,12 @@
             <p:ph type="title"/>
           </p:nvPr>
         </p:nvSpPr>
-        <p:spPr/>
+        <p:spPr>
+          <a:xfrm>
+            <a:off x="1141413" y="248876"/>
+            <a:ext cx="9905998" cy="1478570"/>
+          </a:xfrm>
+        </p:spPr>
         <p:txBody>
           <a:bodyPr/>
           <a:lstStyle/>
@@ -12975,14 +13530,18 @@
             <p:ph idx="1"/>
           </p:nvPr>
         </p:nvSpPr>
-        <p:spPr/>
+        <p:spPr>
+          <a:xfrm>
+            <a:off x="1141412" y="2097089"/>
+            <a:ext cx="4023301" cy="3950786"/>
+          </a:xfrm>
+        </p:spPr>
         <p:txBody>
-          <a:bodyPr/>
+          <a:bodyPr>
+            <a:normAutofit/>
+          </a:bodyPr>
           <a:lstStyle/>
           <a:p>
-            <a:pPr marL="0" indent="0">
-              <a:buNone/>
-            </a:pPr>
             <a:r>
               <a:rPr lang="en-US" dirty="0" smtClean="0"/>
               <a:t>RNA-</a:t>
@@ -12997,9 +13556,6 @@
             </a:r>
           </a:p>
           <a:p>
-            <a:pPr marL="0" indent="0">
-              <a:buNone/>
-            </a:pPr>
             <a:r>
               <a:rPr lang="en-US" dirty="0" smtClean="0"/>
               <a:t>These share roles in cancer progression. </a:t>
@@ -13008,6 +13564,36 @@
           </a:p>
         </p:txBody>
       </p:sp>
+      <p:pic>
+        <p:nvPicPr>
+          <p:cNvPr id="4" name="Picture 3"/>
+          <p:cNvPicPr>
+            <a:picLocks noChangeAspect="1"/>
+          </p:cNvPicPr>
+          <p:nvPr/>
+        </p:nvPicPr>
+        <p:blipFill>
+          <a:blip r:embed="rId2">
+            <a:extLst>
+              <a:ext uri="{28A0092B-C50C-407E-A947-70E740481C1C}">
+                <a14:useLocalDpi xmlns:a14="http://schemas.microsoft.com/office/drawing/2010/main" val="0"/>
+              </a:ext>
+            </a:extLst>
+          </a:blip>
+          <a:stretch>
+            <a:fillRect/>
+          </a:stretch>
+        </p:blipFill>
+        <p:spPr>
+          <a:xfrm>
+            <a:off x="5164713" y="1357803"/>
+            <a:ext cx="5882698" cy="5003326"/>
+          </a:xfrm>
+          <a:prstGeom prst="rect">
+            <a:avLst/>
+          </a:prstGeom>
+        </p:spPr>
+      </p:pic>
     </p:spTree>
     <p:extLst>
       <p:ext uri="{BB962C8B-B14F-4D97-AF65-F5344CB8AC3E}">
@@ -13079,14 +13665,19 @@
             <p:ph idx="1"/>
           </p:nvPr>
         </p:nvSpPr>
-        <p:spPr/>
+        <p:spPr>
+          <a:xfrm>
+            <a:off x="1141412" y="1752182"/>
+            <a:ext cx="9905999" cy="3541714"/>
+          </a:xfrm>
+        </p:spPr>
         <p:txBody>
           <a:bodyPr/>
           <a:lstStyle/>
           <a:p>
             <a:r>
               <a:rPr lang="en-AU" dirty="0" smtClean="0"/>
-              <a:t>Motifs and those matched to the </a:t>
+              <a:t>Motif with </a:t>
             </a:r>
             <a:r>
               <a:rPr lang="en-AU" dirty="0" err="1" smtClean="0"/>
@@ -13094,7 +13685,7 @@
             </a:r>
             <a:r>
               <a:rPr lang="en-AU" dirty="0" smtClean="0"/>
-              <a:t>. </a:t>
+              <a:t> that it associates to. </a:t>
             </a:r>
             <a:endParaRPr lang="en-AU" dirty="0"/>
           </a:p>
@@ -13151,11 +13742,7 @@
             </a:r>
             <a:r>
               <a:rPr lang="en-US" dirty="0" smtClean="0"/>
-              <a:t> and its subcellular </a:t>
-            </a:r>
-            <a:r>
-              <a:rPr lang="en-US" dirty="0" err="1" smtClean="0"/>
-              <a:t>lcoalisation</a:t>
+              <a:t> and its subcellular localization</a:t>
             </a:r>
             <a:endParaRPr lang="en-AU" dirty="0"/>
           </a:p>
@@ -13235,11 +13822,15 @@
             </a:r>
             <a:r>
               <a:rPr lang="en-US" dirty="0" smtClean="0"/>
-              <a:t> and </a:t>
+              <a:t> </a:t>
             </a:r>
             <a:r>
               <a:rPr lang="en-US" dirty="0" err="1" smtClean="0"/>
-              <a:t>mirs</a:t>
+              <a:t>colocalize</a:t>
+            </a:r>
+            <a:r>
+              <a:rPr lang="en-US" dirty="0" smtClean="0"/>
+              <a:t> with mir-148a</a:t>
             </a:r>
             <a:endParaRPr lang="en-AU" dirty="0"/>
           </a:p>
@@ -13260,7 +13851,7 @@
           <a:bodyPr/>
           <a:lstStyle/>
           <a:p>
-            <a:endParaRPr lang="en-AU"/>
+            <a:endParaRPr lang="en-AU" dirty="0"/>
           </a:p>
         </p:txBody>
       </p:sp>

--- a/BackgroundInfo/MeetingSept.pptx
+++ b/BackgroundInfo/MeetingSept.pptx
@@ -171,7 +171,7 @@
           <a:noFill/>
           <a:extLst>
             <a:ext uri="{909E8E84-426E-40dd-AFC4-6F175D3DCCD1}">
-              <a14:hiddenFill xmlns="" xmlns:a14="http://schemas.microsoft.com/office/drawing/2010/main">
+              <a14:hiddenFill xmlns:a14="http://schemas.microsoft.com/office/drawing/2010/main" xmlns="">
                 <a:solidFill>
                   <a:srgbClr val="FFFFFF"/>
                 </a:solidFill>
@@ -231,7 +231,7 @@
             </a:ln>
             <a:extLst>
               <a:ext uri="{91240B29-F687-4f45-9708-019B960494DF}">
-                <a14:hiddenLine xmlns="" xmlns:a14="http://schemas.microsoft.com/office/drawing/2010/main" w="9525">
+                <a14:hiddenLine xmlns:a14="http://schemas.microsoft.com/office/drawing/2010/main" xmlns="" w="9525">
                   <a:solidFill>
                     <a:srgbClr val="000000"/>
                   </a:solidFill>
@@ -321,7 +321,7 @@
             </a:ln>
             <a:extLst>
               <a:ext uri="{91240B29-F687-4f45-9708-019B960494DF}">
-                <a14:hiddenLine xmlns="" xmlns:a14="http://schemas.microsoft.com/office/drawing/2010/main" w="9525">
+                <a14:hiddenLine xmlns:a14="http://schemas.microsoft.com/office/drawing/2010/main" xmlns="" w="9525">
                   <a:solidFill>
                     <a:srgbClr val="000000"/>
                   </a:solidFill>
@@ -411,7 +411,7 @@
             </a:ln>
             <a:extLst>
               <a:ext uri="{91240B29-F687-4f45-9708-019B960494DF}">
-                <a14:hiddenLine xmlns="" xmlns:a14="http://schemas.microsoft.com/office/drawing/2010/main" w="9525">
+                <a14:hiddenLine xmlns:a14="http://schemas.microsoft.com/office/drawing/2010/main" xmlns="" w="9525">
                   <a:solidFill>
                     <a:srgbClr val="000000"/>
                   </a:solidFill>
@@ -445,7 +445,7 @@
             </a:ln>
             <a:extLst>
               <a:ext uri="{91240B29-F687-4f45-9708-019B960494DF}">
-                <a14:hiddenLine xmlns="" xmlns:a14="http://schemas.microsoft.com/office/drawing/2010/main" w="9525">
+                <a14:hiddenLine xmlns:a14="http://schemas.microsoft.com/office/drawing/2010/main" xmlns="" w="9525">
                   <a:solidFill>
                     <a:srgbClr val="000000"/>
                   </a:solidFill>
@@ -535,7 +535,7 @@
             </a:ln>
             <a:extLst>
               <a:ext uri="{91240B29-F687-4f45-9708-019B960494DF}">
-                <a14:hiddenLine xmlns="" xmlns:a14="http://schemas.microsoft.com/office/drawing/2010/main" w="9525">
+                <a14:hiddenLine xmlns:a14="http://schemas.microsoft.com/office/drawing/2010/main" xmlns="" w="9525">
                   <a:solidFill>
                     <a:srgbClr val="000000"/>
                   </a:solidFill>
@@ -597,7 +597,7 @@
             </a:ln>
             <a:extLst>
               <a:ext uri="{91240B29-F687-4f45-9708-019B960494DF}">
-                <a14:hiddenLine xmlns="" xmlns:a14="http://schemas.microsoft.com/office/drawing/2010/main" w="9525">
+                <a14:hiddenLine xmlns:a14="http://schemas.microsoft.com/office/drawing/2010/main" xmlns="" w="9525">
                   <a:solidFill>
                     <a:srgbClr val="000000"/>
                   </a:solidFill>
@@ -659,7 +659,7 @@
             </a:ln>
             <a:extLst>
               <a:ext uri="{91240B29-F687-4f45-9708-019B960494DF}">
-                <a14:hiddenLine xmlns="" xmlns:a14="http://schemas.microsoft.com/office/drawing/2010/main" w="9525">
+                <a14:hiddenLine xmlns:a14="http://schemas.microsoft.com/office/drawing/2010/main" xmlns="" w="9525">
                   <a:solidFill>
                     <a:srgbClr val="000000"/>
                   </a:solidFill>
@@ -749,7 +749,7 @@
             </a:ln>
             <a:extLst>
               <a:ext uri="{91240B29-F687-4f45-9708-019B960494DF}">
-                <a14:hiddenLine xmlns="" xmlns:a14="http://schemas.microsoft.com/office/drawing/2010/main" w="9525">
+                <a14:hiddenLine xmlns:a14="http://schemas.microsoft.com/office/drawing/2010/main" xmlns="" w="9525">
                   <a:solidFill>
                     <a:srgbClr val="000000"/>
                   </a:solidFill>
@@ -811,7 +811,7 @@
             </a:ln>
             <a:extLst>
               <a:ext uri="{91240B29-F687-4f45-9708-019B960494DF}">
-                <a14:hiddenLine xmlns="" xmlns:a14="http://schemas.microsoft.com/office/drawing/2010/main" w="9525">
+                <a14:hiddenLine xmlns:a14="http://schemas.microsoft.com/office/drawing/2010/main" xmlns="" w="9525">
                   <a:solidFill>
                     <a:srgbClr val="000000"/>
                   </a:solidFill>
@@ -873,7 +873,7 @@
             </a:ln>
             <a:extLst>
               <a:ext uri="{91240B29-F687-4f45-9708-019B960494DF}">
-                <a14:hiddenLine xmlns="" xmlns:a14="http://schemas.microsoft.com/office/drawing/2010/main" w="9525">
+                <a14:hiddenLine xmlns:a14="http://schemas.microsoft.com/office/drawing/2010/main" xmlns="" w="9525">
                   <a:solidFill>
                     <a:srgbClr val="000000"/>
                   </a:solidFill>
@@ -963,7 +963,7 @@
             </a:ln>
             <a:extLst>
               <a:ext uri="{91240B29-F687-4f45-9708-019B960494DF}">
-                <a14:hiddenLine xmlns="" xmlns:a14="http://schemas.microsoft.com/office/drawing/2010/main" w="9525">
+                <a14:hiddenLine xmlns:a14="http://schemas.microsoft.com/office/drawing/2010/main" xmlns="" w="9525">
                   <a:solidFill>
                     <a:srgbClr val="000000"/>
                   </a:solidFill>
@@ -1053,7 +1053,7 @@
             </a:ln>
             <a:extLst>
               <a:ext uri="{91240B29-F687-4f45-9708-019B960494DF}">
-                <a14:hiddenLine xmlns="" xmlns:a14="http://schemas.microsoft.com/office/drawing/2010/main" w="9525">
+                <a14:hiddenLine xmlns:a14="http://schemas.microsoft.com/office/drawing/2010/main" xmlns="" w="9525">
                   <a:solidFill>
                     <a:srgbClr val="000000"/>
                   </a:solidFill>
@@ -1115,7 +1115,7 @@
             </a:ln>
             <a:extLst>
               <a:ext uri="{91240B29-F687-4f45-9708-019B960494DF}">
-                <a14:hiddenLine xmlns="" xmlns:a14="http://schemas.microsoft.com/office/drawing/2010/main" w="9525">
+                <a14:hiddenLine xmlns:a14="http://schemas.microsoft.com/office/drawing/2010/main" xmlns="" w="9525">
                   <a:solidFill>
                     <a:srgbClr val="000000"/>
                   </a:solidFill>
@@ -1225,7 +1225,7 @@
             </a:ln>
             <a:extLst>
               <a:ext uri="{91240B29-F687-4f45-9708-019B960494DF}">
-                <a14:hiddenLine xmlns="" xmlns:a14="http://schemas.microsoft.com/office/drawing/2010/main" w="9525">
+                <a14:hiddenLine xmlns:a14="http://schemas.microsoft.com/office/drawing/2010/main" xmlns="" w="9525">
                   <a:solidFill>
                     <a:srgbClr val="000000"/>
                   </a:solidFill>
@@ -1287,7 +1287,7 @@
             </a:ln>
             <a:extLst>
               <a:ext uri="{91240B29-F687-4f45-9708-019B960494DF}">
-                <a14:hiddenLine xmlns="" xmlns:a14="http://schemas.microsoft.com/office/drawing/2010/main" w="9525">
+                <a14:hiddenLine xmlns:a14="http://schemas.microsoft.com/office/drawing/2010/main" xmlns="" w="9525">
                   <a:solidFill>
                     <a:srgbClr val="000000"/>
                   </a:solidFill>
@@ -1377,7 +1377,7 @@
             </a:ln>
             <a:extLst>
               <a:ext uri="{91240B29-F687-4f45-9708-019B960494DF}">
-                <a14:hiddenLine xmlns="" xmlns:a14="http://schemas.microsoft.com/office/drawing/2010/main" w="9525">
+                <a14:hiddenLine xmlns:a14="http://schemas.microsoft.com/office/drawing/2010/main" xmlns="" w="9525">
                   <a:solidFill>
                     <a:srgbClr val="000000"/>
                   </a:solidFill>
@@ -1467,7 +1467,7 @@
             </a:ln>
             <a:extLst>
               <a:ext uri="{91240B29-F687-4f45-9708-019B960494DF}">
-                <a14:hiddenLine xmlns="" xmlns:a14="http://schemas.microsoft.com/office/drawing/2010/main" w="9525">
+                <a14:hiddenLine xmlns:a14="http://schemas.microsoft.com/office/drawing/2010/main" xmlns="" w="9525">
                   <a:solidFill>
                     <a:srgbClr val="000000"/>
                   </a:solidFill>
@@ -1529,7 +1529,7 @@
             </a:ln>
             <a:extLst>
               <a:ext uri="{91240B29-F687-4f45-9708-019B960494DF}">
-                <a14:hiddenLine xmlns="" xmlns:a14="http://schemas.microsoft.com/office/drawing/2010/main" w="9525">
+                <a14:hiddenLine xmlns:a14="http://schemas.microsoft.com/office/drawing/2010/main" xmlns="" w="9525">
                   <a:solidFill>
                     <a:srgbClr val="000000"/>
                   </a:solidFill>
@@ -1619,7 +1619,7 @@
             </a:ln>
             <a:extLst>
               <a:ext uri="{91240B29-F687-4f45-9708-019B960494DF}">
-                <a14:hiddenLine xmlns="" xmlns:a14="http://schemas.microsoft.com/office/drawing/2010/main" w="9525">
+                <a14:hiddenLine xmlns:a14="http://schemas.microsoft.com/office/drawing/2010/main" xmlns="" w="9525">
                   <a:solidFill>
                     <a:srgbClr val="000000"/>
                   </a:solidFill>
@@ -1709,7 +1709,7 @@
             </a:ln>
             <a:extLst>
               <a:ext uri="{91240B29-F687-4f45-9708-019B960494DF}">
-                <a14:hiddenLine xmlns="" xmlns:a14="http://schemas.microsoft.com/office/drawing/2010/main" w="9525">
+                <a14:hiddenLine xmlns:a14="http://schemas.microsoft.com/office/drawing/2010/main" xmlns="" w="9525">
                   <a:solidFill>
                     <a:srgbClr val="000000"/>
                   </a:solidFill>
@@ -1765,7 +1765,7 @@
             </a:ln>
             <a:extLst>
               <a:ext uri="{91240B29-F687-4f45-9708-019B960494DF}">
-                <a14:hiddenLine xmlns="" xmlns:a14="http://schemas.microsoft.com/office/drawing/2010/main" w="9525">
+                <a14:hiddenLine xmlns:a14="http://schemas.microsoft.com/office/drawing/2010/main" xmlns="" w="9525">
                   <a:solidFill>
                     <a:srgbClr val="000000"/>
                   </a:solidFill>
@@ -1855,7 +1855,7 @@
             </a:ln>
             <a:extLst>
               <a:ext uri="{91240B29-F687-4f45-9708-019B960494DF}">
-                <a14:hiddenLine xmlns="" xmlns:a14="http://schemas.microsoft.com/office/drawing/2010/main" w="9525">
+                <a14:hiddenLine xmlns:a14="http://schemas.microsoft.com/office/drawing/2010/main" xmlns="" w="9525">
                   <a:solidFill>
                     <a:srgbClr val="000000"/>
                   </a:solidFill>
@@ -1911,7 +1911,7 @@
             </a:ln>
             <a:extLst>
               <a:ext uri="{91240B29-F687-4f45-9708-019B960494DF}">
-                <a14:hiddenLine xmlns="" xmlns:a14="http://schemas.microsoft.com/office/drawing/2010/main" w="9525">
+                <a14:hiddenLine xmlns:a14="http://schemas.microsoft.com/office/drawing/2010/main" xmlns="" w="9525">
                   <a:solidFill>
                     <a:srgbClr val="000000"/>
                   </a:solidFill>
@@ -2001,7 +2001,7 @@
             </a:ln>
             <a:extLst>
               <a:ext uri="{91240B29-F687-4f45-9708-019B960494DF}">
-                <a14:hiddenLine xmlns="" xmlns:a14="http://schemas.microsoft.com/office/drawing/2010/main" w="9525">
+                <a14:hiddenLine xmlns:a14="http://schemas.microsoft.com/office/drawing/2010/main" xmlns="" w="9525">
                   <a:solidFill>
                     <a:srgbClr val="000000"/>
                   </a:solidFill>
@@ -2069,7 +2069,7 @@
             </a:ln>
             <a:extLst>
               <a:ext uri="{91240B29-F687-4f45-9708-019B960494DF}">
-                <a14:hiddenLine xmlns="" xmlns:a14="http://schemas.microsoft.com/office/drawing/2010/main" w="9525">
+                <a14:hiddenLine xmlns:a14="http://schemas.microsoft.com/office/drawing/2010/main" xmlns="" w="9525">
                   <a:solidFill>
                     <a:srgbClr val="000000"/>
                   </a:solidFill>
@@ -2159,7 +2159,7 @@
             </a:ln>
             <a:extLst>
               <a:ext uri="{91240B29-F687-4f45-9708-019B960494DF}">
-                <a14:hiddenLine xmlns="" xmlns:a14="http://schemas.microsoft.com/office/drawing/2010/main" w="9525">
+                <a14:hiddenLine xmlns:a14="http://schemas.microsoft.com/office/drawing/2010/main" xmlns="" w="9525">
                   <a:solidFill>
                     <a:srgbClr val="000000"/>
                   </a:solidFill>
@@ -2227,7 +2227,7 @@
             </a:ln>
             <a:extLst>
               <a:ext uri="{91240B29-F687-4f45-9708-019B960494DF}">
-                <a14:hiddenLine xmlns="" xmlns:a14="http://schemas.microsoft.com/office/drawing/2010/main" w="9525">
+                <a14:hiddenLine xmlns:a14="http://schemas.microsoft.com/office/drawing/2010/main" xmlns="" w="9525">
                   <a:solidFill>
                     <a:srgbClr val="000000"/>
                   </a:solidFill>
@@ -2317,7 +2317,7 @@
             </a:ln>
             <a:extLst>
               <a:ext uri="{91240B29-F687-4f45-9708-019B960494DF}">
-                <a14:hiddenLine xmlns="" xmlns:a14="http://schemas.microsoft.com/office/drawing/2010/main" w="9525">
+                <a14:hiddenLine xmlns:a14="http://schemas.microsoft.com/office/drawing/2010/main" xmlns="" w="9525">
                   <a:solidFill>
                     <a:srgbClr val="000000"/>
                   </a:solidFill>
@@ -2351,7 +2351,7 @@
             </a:ln>
             <a:extLst>
               <a:ext uri="{91240B29-F687-4f45-9708-019B960494DF}">
-                <a14:hiddenLine xmlns="" xmlns:a14="http://schemas.microsoft.com/office/drawing/2010/main" w="9525">
+                <a14:hiddenLine xmlns:a14="http://schemas.microsoft.com/office/drawing/2010/main" xmlns="" w="9525">
                   <a:solidFill>
                     <a:srgbClr val="000000"/>
                   </a:solidFill>
@@ -2441,7 +2441,7 @@
             </a:ln>
             <a:extLst>
               <a:ext uri="{91240B29-F687-4f45-9708-019B960494DF}">
-                <a14:hiddenLine xmlns="" xmlns:a14="http://schemas.microsoft.com/office/drawing/2010/main" w="9525">
+                <a14:hiddenLine xmlns:a14="http://schemas.microsoft.com/office/drawing/2010/main" xmlns="" w="9525">
                   <a:solidFill>
                     <a:srgbClr val="000000"/>
                   </a:solidFill>
@@ -2503,7 +2503,7 @@
             </a:ln>
             <a:extLst>
               <a:ext uri="{91240B29-F687-4f45-9708-019B960494DF}">
-                <a14:hiddenLine xmlns="" xmlns:a14="http://schemas.microsoft.com/office/drawing/2010/main" w="9525">
+                <a14:hiddenLine xmlns:a14="http://schemas.microsoft.com/office/drawing/2010/main" xmlns="" w="9525">
                   <a:solidFill>
                     <a:srgbClr val="000000"/>
                   </a:solidFill>
@@ -2565,7 +2565,7 @@
             </a:ln>
             <a:extLst>
               <a:ext uri="{91240B29-F687-4f45-9708-019B960494DF}">
-                <a14:hiddenLine xmlns="" xmlns:a14="http://schemas.microsoft.com/office/drawing/2010/main" w="9525">
+                <a14:hiddenLine xmlns:a14="http://schemas.microsoft.com/office/drawing/2010/main" xmlns="" w="9525">
                   <a:solidFill>
                     <a:srgbClr val="000000"/>
                   </a:solidFill>
@@ -2655,7 +2655,7 @@
             </a:ln>
             <a:extLst>
               <a:ext uri="{91240B29-F687-4f45-9708-019B960494DF}">
-                <a14:hiddenLine xmlns="" xmlns:a14="http://schemas.microsoft.com/office/drawing/2010/main" w="9525">
+                <a14:hiddenLine xmlns:a14="http://schemas.microsoft.com/office/drawing/2010/main" xmlns="" w="9525">
                   <a:solidFill>
                     <a:srgbClr val="000000"/>
                   </a:solidFill>
@@ -2723,7 +2723,7 @@
             </a:ln>
             <a:extLst>
               <a:ext uri="{91240B29-F687-4f45-9708-019B960494DF}">
-                <a14:hiddenLine xmlns="" xmlns:a14="http://schemas.microsoft.com/office/drawing/2010/main" w="9525">
+                <a14:hiddenLine xmlns:a14="http://schemas.microsoft.com/office/drawing/2010/main" xmlns="" w="9525">
                   <a:solidFill>
                     <a:srgbClr val="000000"/>
                   </a:solidFill>
@@ -2785,7 +2785,7 @@
             </a:ln>
             <a:extLst>
               <a:ext uri="{91240B29-F687-4f45-9708-019B960494DF}">
-                <a14:hiddenLine xmlns="" xmlns:a14="http://schemas.microsoft.com/office/drawing/2010/main" w="9525">
+                <a14:hiddenLine xmlns:a14="http://schemas.microsoft.com/office/drawing/2010/main" xmlns="" w="9525">
                   <a:solidFill>
                     <a:srgbClr val="000000"/>
                   </a:solidFill>
@@ -2875,7 +2875,7 @@
             </a:ln>
             <a:extLst>
               <a:ext uri="{91240B29-F687-4f45-9708-019B960494DF}">
-                <a14:hiddenLine xmlns="" xmlns:a14="http://schemas.microsoft.com/office/drawing/2010/main" w="9525">
+                <a14:hiddenLine xmlns:a14="http://schemas.microsoft.com/office/drawing/2010/main" xmlns="" w="9525">
                   <a:solidFill>
                     <a:srgbClr val="000000"/>
                   </a:solidFill>
@@ -2937,7 +2937,7 @@
             </a:ln>
             <a:extLst>
               <a:ext uri="{91240B29-F687-4f45-9708-019B960494DF}">
-                <a14:hiddenLine xmlns="" xmlns:a14="http://schemas.microsoft.com/office/drawing/2010/main" w="9525">
+                <a14:hiddenLine xmlns:a14="http://schemas.microsoft.com/office/drawing/2010/main" xmlns="" w="9525">
                   <a:solidFill>
                     <a:srgbClr val="000000"/>
                   </a:solidFill>
@@ -3027,7 +3027,7 @@
             </a:ln>
             <a:extLst>
               <a:ext uri="{91240B29-F687-4f45-9708-019B960494DF}">
-                <a14:hiddenLine xmlns="" xmlns:a14="http://schemas.microsoft.com/office/drawing/2010/main" w="9525">
+                <a14:hiddenLine xmlns:a14="http://schemas.microsoft.com/office/drawing/2010/main" xmlns="" w="9525">
                   <a:solidFill>
                     <a:srgbClr val="000000"/>
                   </a:solidFill>
@@ -3089,7 +3089,7 @@
             </a:ln>
             <a:extLst>
               <a:ext uri="{91240B29-F687-4f45-9708-019B960494DF}">
-                <a14:hiddenLine xmlns="" xmlns:a14="http://schemas.microsoft.com/office/drawing/2010/main" w="9525">
+                <a14:hiddenLine xmlns:a14="http://schemas.microsoft.com/office/drawing/2010/main" xmlns="" w="9525">
                   <a:solidFill>
                     <a:srgbClr val="000000"/>
                   </a:solidFill>
@@ -3179,7 +3179,7 @@
             </a:ln>
             <a:extLst>
               <a:ext uri="{91240B29-F687-4f45-9708-019B960494DF}">
-                <a14:hiddenLine xmlns="" xmlns:a14="http://schemas.microsoft.com/office/drawing/2010/main" w="9525">
+                <a14:hiddenLine xmlns:a14="http://schemas.microsoft.com/office/drawing/2010/main" xmlns="" w="9525">
                   <a:solidFill>
                     <a:srgbClr val="000000"/>
                   </a:solidFill>
@@ -3213,7 +3213,7 @@
             </a:ln>
             <a:extLst>
               <a:ext uri="{91240B29-F687-4f45-9708-019B960494DF}">
-                <a14:hiddenLine xmlns="" xmlns:a14="http://schemas.microsoft.com/office/drawing/2010/main" w="9525">
+                <a14:hiddenLine xmlns:a14="http://schemas.microsoft.com/office/drawing/2010/main" xmlns="" w="9525">
                   <a:solidFill>
                     <a:srgbClr val="000000"/>
                   </a:solidFill>
@@ -3278,7 +3278,7 @@
             </a:ln>
             <a:extLst>
               <a:ext uri="{91240B29-F687-4f45-9708-019B960494DF}">
-                <a14:hiddenLine xmlns="" xmlns:a14="http://schemas.microsoft.com/office/drawing/2010/main" w="9525">
+                <a14:hiddenLine xmlns:a14="http://schemas.microsoft.com/office/drawing/2010/main" xmlns="" w="9525">
                   <a:solidFill>
                     <a:srgbClr val="000000"/>
                   </a:solidFill>
@@ -3368,7 +3368,7 @@
             </a:ln>
             <a:extLst>
               <a:ext uri="{91240B29-F687-4f45-9708-019B960494DF}">
-                <a14:hiddenLine xmlns="" xmlns:a14="http://schemas.microsoft.com/office/drawing/2010/main" w="9525">
+                <a14:hiddenLine xmlns:a14="http://schemas.microsoft.com/office/drawing/2010/main" xmlns="" w="9525">
                   <a:solidFill>
                     <a:srgbClr val="000000"/>
                   </a:solidFill>
@@ -3430,7 +3430,7 @@
             </a:ln>
             <a:extLst>
               <a:ext uri="{91240B29-F687-4f45-9708-019B960494DF}">
-                <a14:hiddenLine xmlns="" xmlns:a14="http://schemas.microsoft.com/office/drawing/2010/main" w="9525">
+                <a14:hiddenLine xmlns:a14="http://schemas.microsoft.com/office/drawing/2010/main" xmlns="" w="9525">
                   <a:solidFill>
                     <a:srgbClr val="000000"/>
                   </a:solidFill>
@@ -3520,7 +3520,7 @@
             </a:ln>
             <a:extLst>
               <a:ext uri="{91240B29-F687-4f45-9708-019B960494DF}">
-                <a14:hiddenLine xmlns="" xmlns:a14="http://schemas.microsoft.com/office/drawing/2010/main" w="9525">
+                <a14:hiddenLine xmlns:a14="http://schemas.microsoft.com/office/drawing/2010/main" xmlns="" w="9525">
                   <a:solidFill>
                     <a:srgbClr val="000000"/>
                   </a:solidFill>
@@ -3610,7 +3610,7 @@
             </a:ln>
             <a:extLst>
               <a:ext uri="{91240B29-F687-4f45-9708-019B960494DF}">
-                <a14:hiddenLine xmlns="" xmlns:a14="http://schemas.microsoft.com/office/drawing/2010/main" w="9525">
+                <a14:hiddenLine xmlns:a14="http://schemas.microsoft.com/office/drawing/2010/main" xmlns="" w="9525">
                   <a:solidFill>
                     <a:srgbClr val="000000"/>
                   </a:solidFill>
@@ -3675,7 +3675,7 @@
             </a:ln>
             <a:extLst>
               <a:ext uri="{91240B29-F687-4f45-9708-019B960494DF}">
-                <a14:hiddenLine xmlns="" xmlns:a14="http://schemas.microsoft.com/office/drawing/2010/main" w="9525">
+                <a14:hiddenLine xmlns:a14="http://schemas.microsoft.com/office/drawing/2010/main" xmlns="" w="9525">
                   <a:solidFill>
                     <a:srgbClr val="000000"/>
                   </a:solidFill>
@@ -3737,7 +3737,7 @@
             </a:ln>
             <a:extLst>
               <a:ext uri="{91240B29-F687-4f45-9708-019B960494DF}">
-                <a14:hiddenLine xmlns="" xmlns:a14="http://schemas.microsoft.com/office/drawing/2010/main" w="9525">
+                <a14:hiddenLine xmlns:a14="http://schemas.microsoft.com/office/drawing/2010/main" xmlns="" w="9525">
                   <a:solidFill>
                     <a:srgbClr val="000000"/>
                   </a:solidFill>
@@ -3827,7 +3827,7 @@
             </a:ln>
             <a:extLst>
               <a:ext uri="{91240B29-F687-4f45-9708-019B960494DF}">
-                <a14:hiddenLine xmlns="" xmlns:a14="http://schemas.microsoft.com/office/drawing/2010/main" w="9525">
+                <a14:hiddenLine xmlns:a14="http://schemas.microsoft.com/office/drawing/2010/main" xmlns="" w="9525">
                   <a:solidFill>
                     <a:srgbClr val="000000"/>
                   </a:solidFill>
@@ -3917,7 +3917,7 @@
             </a:ln>
             <a:extLst>
               <a:ext uri="{91240B29-F687-4f45-9708-019B960494DF}">
-                <a14:hiddenLine xmlns="" xmlns:a14="http://schemas.microsoft.com/office/drawing/2010/main" w="9525">
+                <a14:hiddenLine xmlns:a14="http://schemas.microsoft.com/office/drawing/2010/main" xmlns="" w="9525">
                   <a:solidFill>
                     <a:srgbClr val="000000"/>
                   </a:solidFill>
@@ -3979,7 +3979,7 @@
             </a:ln>
             <a:extLst>
               <a:ext uri="{91240B29-F687-4f45-9708-019B960494DF}">
-                <a14:hiddenLine xmlns="" xmlns:a14="http://schemas.microsoft.com/office/drawing/2010/main" w="9525">
+                <a14:hiddenLine xmlns:a14="http://schemas.microsoft.com/office/drawing/2010/main" xmlns="" w="9525">
                   <a:solidFill>
                     <a:srgbClr val="000000"/>
                   </a:solidFill>
@@ -4099,7 +4099,7 @@
             </a:ln>
             <a:extLst>
               <a:ext uri="{91240B29-F687-4f45-9708-019B960494DF}">
-                <a14:hiddenLine xmlns="" xmlns:a14="http://schemas.microsoft.com/office/drawing/2010/main" w="9525">
+                <a14:hiddenLine xmlns:a14="http://schemas.microsoft.com/office/drawing/2010/main" xmlns="" w="9525">
                   <a:solidFill>
                     <a:srgbClr val="000000"/>
                   </a:solidFill>
@@ -4167,7 +4167,7 @@
             </a:ln>
             <a:extLst>
               <a:ext uri="{91240B29-F687-4f45-9708-019B960494DF}">
-                <a14:hiddenLine xmlns="" xmlns:a14="http://schemas.microsoft.com/office/drawing/2010/main" w="9525">
+                <a14:hiddenLine xmlns:a14="http://schemas.microsoft.com/office/drawing/2010/main" xmlns="" w="9525">
                   <a:solidFill>
                     <a:srgbClr val="000000"/>
                   </a:solidFill>
@@ -4257,7 +4257,7 @@
             </a:ln>
             <a:extLst>
               <a:ext uri="{91240B29-F687-4f45-9708-019B960494DF}">
-                <a14:hiddenLine xmlns="" xmlns:a14="http://schemas.microsoft.com/office/drawing/2010/main" w="9525">
+                <a14:hiddenLine xmlns:a14="http://schemas.microsoft.com/office/drawing/2010/main" xmlns="" w="9525">
                   <a:solidFill>
                     <a:srgbClr val="000000"/>
                   </a:solidFill>
@@ -4397,7 +4397,7 @@
           <a:p>
             <a:fld id="{96DFF08F-DC6B-4601-B491-B0F83F6DD2DA}" type="datetimeFigureOut">
               <a:rPr lang="en-US" smtClean="0"/>
-              <a:t>9/4/2016</a:t>
+              <a:t>9/5/2016</a:t>
             </a:fld>
             <a:endParaRPr lang="en-US" dirty="0"/>
           </a:p>
@@ -4665,7 +4665,7 @@
             <a:fld id="{96DFF08F-DC6B-4601-B491-B0F83F6DD2DA}" type="datetimeFigureOut">
               <a:rPr lang="en-US" smtClean="0"/>
               <a:pPr/>
-              <a:t>9/4/2016</a:t>
+              <a:t>9/5/2016</a:t>
             </a:fld>
             <a:endParaRPr lang="en-US" dirty="0"/>
           </a:p>
@@ -4863,7 +4863,7 @@
             <a:fld id="{96DFF08F-DC6B-4601-B491-B0F83F6DD2DA}" type="datetimeFigureOut">
               <a:rPr lang="en-US" smtClean="0"/>
               <a:pPr/>
-              <a:t>9/4/2016</a:t>
+              <a:t>9/5/2016</a:t>
             </a:fld>
             <a:endParaRPr lang="en-US" dirty="0"/>
           </a:p>
@@ -5128,7 +5128,7 @@
             <a:fld id="{96DFF08F-DC6B-4601-B491-B0F83F6DD2DA}" type="datetimeFigureOut">
               <a:rPr lang="en-US" smtClean="0"/>
               <a:pPr/>
-              <a:t>9/4/2016</a:t>
+              <a:t>9/5/2016</a:t>
             </a:fld>
             <a:endParaRPr lang="en-US" dirty="0"/>
           </a:p>
@@ -5564,7 +5564,7 @@
             <a:fld id="{96DFF08F-DC6B-4601-B491-B0F83F6DD2DA}" type="datetimeFigureOut">
               <a:rPr lang="en-US" smtClean="0"/>
               <a:pPr/>
-              <a:t>9/4/2016</a:t>
+              <a:t>9/5/2016</a:t>
             </a:fld>
             <a:endParaRPr lang="en-US" dirty="0"/>
           </a:p>
@@ -6112,7 +6112,7 @@
             <a:fld id="{96DFF08F-DC6B-4601-B491-B0F83F6DD2DA}" type="datetimeFigureOut">
               <a:rPr lang="en-US" smtClean="0"/>
               <a:pPr/>
-              <a:t>9/4/2016</a:t>
+              <a:t>9/5/2016</a:t>
             </a:fld>
             <a:endParaRPr lang="en-US" dirty="0"/>
           </a:p>
@@ -6834,7 +6834,7 @@
             <a:fld id="{96DFF08F-DC6B-4601-B491-B0F83F6DD2DA}" type="datetimeFigureOut">
               <a:rPr lang="en-US" smtClean="0"/>
               <a:pPr/>
-              <a:t>9/4/2016</a:t>
+              <a:t>9/5/2016</a:t>
             </a:fld>
             <a:endParaRPr lang="en-US" dirty="0"/>
           </a:p>
@@ -7005,7 +7005,7 @@
           <a:p>
             <a:fld id="{96DFF08F-DC6B-4601-B491-B0F83F6DD2DA}" type="datetimeFigureOut">
               <a:rPr lang="en-US" smtClean="0"/>
-              <a:t>9/4/2016</a:t>
+              <a:t>9/5/2016</a:t>
             </a:fld>
             <a:endParaRPr lang="en-US" dirty="0"/>
           </a:p>
@@ -7185,7 +7185,7 @@
           <a:p>
             <a:fld id="{96DFF08F-DC6B-4601-B491-B0F83F6DD2DA}" type="datetimeFigureOut">
               <a:rPr lang="en-US" smtClean="0"/>
-              <a:t>9/4/2016</a:t>
+              <a:t>9/5/2016</a:t>
             </a:fld>
             <a:endParaRPr lang="en-US" dirty="0"/>
           </a:p>
@@ -7355,7 +7355,7 @@
           <a:p>
             <a:fld id="{96DFF08F-DC6B-4601-B491-B0F83F6DD2DA}" type="datetimeFigureOut">
               <a:rPr lang="en-US" smtClean="0"/>
-              <a:t>9/4/2016</a:t>
+              <a:t>9/5/2016</a:t>
             </a:fld>
             <a:endParaRPr lang="en-US" dirty="0"/>
           </a:p>
@@ -7605,7 +7605,7 @@
           <a:p>
             <a:fld id="{96DFF08F-DC6B-4601-B491-B0F83F6DD2DA}" type="datetimeFigureOut">
               <a:rPr lang="en-US" smtClean="0"/>
-              <a:t>9/4/2016</a:t>
+              <a:t>9/5/2016</a:t>
             </a:fld>
             <a:endParaRPr lang="en-US" dirty="0"/>
           </a:p>
@@ -7837,7 +7837,7 @@
           <a:p>
             <a:fld id="{96DFF08F-DC6B-4601-B491-B0F83F6DD2DA}" type="datetimeFigureOut">
               <a:rPr lang="en-US" smtClean="0"/>
-              <a:t>9/4/2016</a:t>
+              <a:t>9/5/2016</a:t>
             </a:fld>
             <a:endParaRPr lang="en-US" dirty="0"/>
           </a:p>
@@ -8218,7 +8218,7 @@
           <a:p>
             <a:fld id="{96DFF08F-DC6B-4601-B491-B0F83F6DD2DA}" type="datetimeFigureOut">
               <a:rPr lang="en-US" smtClean="0"/>
-              <a:t>9/4/2016</a:t>
+              <a:t>9/5/2016</a:t>
             </a:fld>
             <a:endParaRPr lang="en-US" dirty="0"/>
           </a:p>
@@ -8336,7 +8336,7 @@
           <a:p>
             <a:fld id="{96DFF08F-DC6B-4601-B491-B0F83F6DD2DA}" type="datetimeFigureOut">
               <a:rPr lang="en-US" smtClean="0"/>
-              <a:t>9/4/2016</a:t>
+              <a:t>9/5/2016</a:t>
             </a:fld>
             <a:endParaRPr lang="en-US" dirty="0"/>
           </a:p>
@@ -8431,7 +8431,7 @@
           <a:p>
             <a:fld id="{96DFF08F-DC6B-4601-B491-B0F83F6DD2DA}" type="datetimeFigureOut">
               <a:rPr lang="en-US" smtClean="0"/>
-              <a:t>9/4/2016</a:t>
+              <a:t>9/5/2016</a:t>
             </a:fld>
             <a:endParaRPr lang="en-US" dirty="0"/>
           </a:p>
@@ -8680,7 +8680,7 @@
           <a:p>
             <a:fld id="{96DFF08F-DC6B-4601-B491-B0F83F6DD2DA}" type="datetimeFigureOut">
               <a:rPr lang="en-US" smtClean="0"/>
-              <a:t>9/4/2016</a:t>
+              <a:t>9/5/2016</a:t>
             </a:fld>
             <a:endParaRPr lang="en-US" dirty="0"/>
           </a:p>
@@ -8960,7 +8960,7 @@
           <a:p>
             <a:fld id="{96DFF08F-DC6B-4601-B491-B0F83F6DD2DA}" type="datetimeFigureOut">
               <a:rPr lang="en-US" smtClean="0"/>
-              <a:t>9/4/2016</a:t>
+              <a:t>9/5/2016</a:t>
             </a:fld>
             <a:endParaRPr lang="en-US" dirty="0"/>
           </a:p>
@@ -9076,7 +9076,7 @@
           <a:noFill/>
           <a:extLst>
             <a:ext uri="{909E8E84-426E-40dd-AFC4-6F175D3DCCD1}">
-              <a14:hiddenFill xmlns="" xmlns:a14="http://schemas.microsoft.com/office/drawing/2010/main">
+              <a14:hiddenFill xmlns:a14="http://schemas.microsoft.com/office/drawing/2010/main" xmlns="">
                 <a:solidFill>
                   <a:srgbClr val="FFFFFF"/>
                 </a:solidFill>
@@ -9150,7 +9150,7 @@
               </a:ln>
               <a:extLst>
                 <a:ext uri="{91240B29-F687-4f45-9708-019B960494DF}">
-                  <a14:hiddenLine xmlns="" xmlns:a14="http://schemas.microsoft.com/office/drawing/2010/main" w="9525">
+                  <a14:hiddenLine xmlns:a14="http://schemas.microsoft.com/office/drawing/2010/main" xmlns="" w="9525">
                     <a:solidFill>
                       <a:srgbClr val="000000"/>
                     </a:solidFill>
@@ -9240,7 +9240,7 @@
               </a:ln>
               <a:extLst>
                 <a:ext uri="{91240B29-F687-4f45-9708-019B960494DF}">
-                  <a14:hiddenLine xmlns="" xmlns:a14="http://schemas.microsoft.com/office/drawing/2010/main" w="9525">
+                  <a14:hiddenLine xmlns:a14="http://schemas.microsoft.com/office/drawing/2010/main" xmlns="" w="9525">
                     <a:solidFill>
                       <a:srgbClr val="000000"/>
                     </a:solidFill>
@@ -9330,7 +9330,7 @@
               </a:ln>
               <a:extLst>
                 <a:ext uri="{91240B29-F687-4f45-9708-019B960494DF}">
-                  <a14:hiddenLine xmlns="" xmlns:a14="http://schemas.microsoft.com/office/drawing/2010/main" w="9525">
+                  <a14:hiddenLine xmlns:a14="http://schemas.microsoft.com/office/drawing/2010/main" xmlns="" w="9525">
                     <a:solidFill>
                       <a:srgbClr val="000000"/>
                     </a:solidFill>
@@ -9392,7 +9392,7 @@
               </a:ln>
               <a:extLst>
                 <a:ext uri="{91240B29-F687-4f45-9708-019B960494DF}">
-                  <a14:hiddenLine xmlns="" xmlns:a14="http://schemas.microsoft.com/office/drawing/2010/main" w="9525">
+                  <a14:hiddenLine xmlns:a14="http://schemas.microsoft.com/office/drawing/2010/main" xmlns="" w="9525">
                     <a:solidFill>
                       <a:srgbClr val="000000"/>
                     </a:solidFill>
@@ -9482,7 +9482,7 @@
               </a:ln>
               <a:extLst>
                 <a:ext uri="{91240B29-F687-4f45-9708-019B960494DF}">
-                  <a14:hiddenLine xmlns="" xmlns:a14="http://schemas.microsoft.com/office/drawing/2010/main" w="9525">
+                  <a14:hiddenLine xmlns:a14="http://schemas.microsoft.com/office/drawing/2010/main" xmlns="" w="9525">
                     <a:solidFill>
                       <a:srgbClr val="000000"/>
                     </a:solidFill>
@@ -9544,7 +9544,7 @@
               </a:ln>
               <a:extLst>
                 <a:ext uri="{91240B29-F687-4f45-9708-019B960494DF}">
-                  <a14:hiddenLine xmlns="" xmlns:a14="http://schemas.microsoft.com/office/drawing/2010/main" w="9525">
+                  <a14:hiddenLine xmlns:a14="http://schemas.microsoft.com/office/drawing/2010/main" xmlns="" w="9525">
                     <a:solidFill>
                       <a:srgbClr val="000000"/>
                     </a:solidFill>
@@ -9606,7 +9606,7 @@
               </a:ln>
               <a:extLst>
                 <a:ext uri="{91240B29-F687-4f45-9708-019B960494DF}">
-                  <a14:hiddenLine xmlns="" xmlns:a14="http://schemas.microsoft.com/office/drawing/2010/main" w="9525">
+                  <a14:hiddenLine xmlns:a14="http://schemas.microsoft.com/office/drawing/2010/main" xmlns="" w="9525">
                     <a:solidFill>
                       <a:srgbClr val="000000"/>
                     </a:solidFill>
@@ -9696,7 +9696,7 @@
               </a:ln>
               <a:extLst>
                 <a:ext uri="{91240B29-F687-4f45-9708-019B960494DF}">
-                  <a14:hiddenLine xmlns="" xmlns:a14="http://schemas.microsoft.com/office/drawing/2010/main" w="9525">
+                  <a14:hiddenLine xmlns:a14="http://schemas.microsoft.com/office/drawing/2010/main" xmlns="" w="9525">
                     <a:solidFill>
                       <a:srgbClr val="000000"/>
                     </a:solidFill>
@@ -9786,7 +9786,7 @@
               </a:ln>
               <a:extLst>
                 <a:ext uri="{91240B29-F687-4f45-9708-019B960494DF}">
-                  <a14:hiddenLine xmlns="" xmlns:a14="http://schemas.microsoft.com/office/drawing/2010/main" w="9525">
+                  <a14:hiddenLine xmlns:a14="http://schemas.microsoft.com/office/drawing/2010/main" xmlns="" w="9525">
                     <a:solidFill>
                       <a:srgbClr val="000000"/>
                     </a:solidFill>
@@ -9848,7 +9848,7 @@
               </a:ln>
               <a:extLst>
                 <a:ext uri="{91240B29-F687-4f45-9708-019B960494DF}">
-                  <a14:hiddenLine xmlns="" xmlns:a14="http://schemas.microsoft.com/office/drawing/2010/main" w="9525">
+                  <a14:hiddenLine xmlns:a14="http://schemas.microsoft.com/office/drawing/2010/main" xmlns="" w="9525">
                     <a:solidFill>
                       <a:srgbClr val="000000"/>
                     </a:solidFill>
@@ -9958,7 +9958,7 @@
               </a:ln>
               <a:extLst>
                 <a:ext uri="{91240B29-F687-4f45-9708-019B960494DF}">
-                  <a14:hiddenLine xmlns="" xmlns:a14="http://schemas.microsoft.com/office/drawing/2010/main" w="9525">
+                  <a14:hiddenLine xmlns:a14="http://schemas.microsoft.com/office/drawing/2010/main" xmlns="" w="9525">
                     <a:solidFill>
                       <a:srgbClr val="000000"/>
                     </a:solidFill>
@@ -10042,7 +10042,7 @@
               </a:ln>
               <a:extLst>
                 <a:ext uri="{91240B29-F687-4f45-9708-019B960494DF}">
-                  <a14:hiddenLine xmlns="" xmlns:a14="http://schemas.microsoft.com/office/drawing/2010/main" w="9525">
+                  <a14:hiddenLine xmlns:a14="http://schemas.microsoft.com/office/drawing/2010/main" xmlns="" w="9525">
                     <a:solidFill>
                       <a:srgbClr val="000000"/>
                     </a:solidFill>
@@ -10104,7 +10104,7 @@
               </a:ln>
               <a:extLst>
                 <a:ext uri="{91240B29-F687-4f45-9708-019B960494DF}">
-                  <a14:hiddenLine xmlns="" xmlns:a14="http://schemas.microsoft.com/office/drawing/2010/main" w="9525">
+                  <a14:hiddenLine xmlns:a14="http://schemas.microsoft.com/office/drawing/2010/main" xmlns="" w="9525">
                     <a:solidFill>
                       <a:srgbClr val="000000"/>
                     </a:solidFill>
@@ -10166,7 +10166,7 @@
               </a:ln>
               <a:extLst>
                 <a:ext uri="{91240B29-F687-4f45-9708-019B960494DF}">
-                  <a14:hiddenLine xmlns="" xmlns:a14="http://schemas.microsoft.com/office/drawing/2010/main" w="9525">
+                  <a14:hiddenLine xmlns:a14="http://schemas.microsoft.com/office/drawing/2010/main" xmlns="" w="9525">
                     <a:solidFill>
                       <a:srgbClr val="000000"/>
                     </a:solidFill>
@@ -10256,7 +10256,7 @@
               </a:ln>
               <a:extLst>
                 <a:ext uri="{91240B29-F687-4f45-9708-019B960494DF}">
-                  <a14:hiddenLine xmlns="" xmlns:a14="http://schemas.microsoft.com/office/drawing/2010/main" w="9525">
+                  <a14:hiddenLine xmlns:a14="http://schemas.microsoft.com/office/drawing/2010/main" xmlns="" w="9525">
                     <a:solidFill>
                       <a:srgbClr val="000000"/>
                     </a:solidFill>
@@ -10290,7 +10290,7 @@
               </a:ln>
               <a:extLst>
                 <a:ext uri="{91240B29-F687-4f45-9708-019B960494DF}">
-                  <a14:hiddenLine xmlns="" xmlns:a14="http://schemas.microsoft.com/office/drawing/2010/main" w="9525">
+                  <a14:hiddenLine xmlns:a14="http://schemas.microsoft.com/office/drawing/2010/main" xmlns="" w="9525">
                     <a:solidFill>
                       <a:srgbClr val="000000"/>
                     </a:solidFill>
@@ -10355,7 +10355,7 @@
               </a:ln>
               <a:extLst>
                 <a:ext uri="{91240B29-F687-4f45-9708-019B960494DF}">
-                  <a14:hiddenLine xmlns="" xmlns:a14="http://schemas.microsoft.com/office/drawing/2010/main" w="9525">
+                  <a14:hiddenLine xmlns:a14="http://schemas.microsoft.com/office/drawing/2010/main" xmlns="" w="9525">
                     <a:solidFill>
                       <a:srgbClr val="000000"/>
                     </a:solidFill>
@@ -10445,7 +10445,7 @@
               </a:ln>
               <a:extLst>
                 <a:ext uri="{91240B29-F687-4f45-9708-019B960494DF}">
-                  <a14:hiddenLine xmlns="" xmlns:a14="http://schemas.microsoft.com/office/drawing/2010/main" w="9525">
+                  <a14:hiddenLine xmlns:a14="http://schemas.microsoft.com/office/drawing/2010/main" xmlns="" w="9525">
                     <a:solidFill>
                       <a:srgbClr val="000000"/>
                     </a:solidFill>
@@ -10507,7 +10507,7 @@
               </a:ln>
               <a:extLst>
                 <a:ext uri="{91240B29-F687-4f45-9708-019B960494DF}">
-                  <a14:hiddenLine xmlns="" xmlns:a14="http://schemas.microsoft.com/office/drawing/2010/main" w="9525">
+                  <a14:hiddenLine xmlns:a14="http://schemas.microsoft.com/office/drawing/2010/main" xmlns="" w="9525">
                     <a:solidFill>
                       <a:srgbClr val="000000"/>
                     </a:solidFill>
@@ -10597,7 +10597,7 @@
               </a:ln>
               <a:extLst>
                 <a:ext uri="{91240B29-F687-4f45-9708-019B960494DF}">
-                  <a14:hiddenLine xmlns="" xmlns:a14="http://schemas.microsoft.com/office/drawing/2010/main" w="9525">
+                  <a14:hiddenLine xmlns:a14="http://schemas.microsoft.com/office/drawing/2010/main" xmlns="" w="9525">
                     <a:solidFill>
                       <a:srgbClr val="000000"/>
                     </a:solidFill>
@@ -10662,7 +10662,7 @@
               </a:ln>
               <a:extLst>
                 <a:ext uri="{91240B29-F687-4f45-9708-019B960494DF}">
-                  <a14:hiddenLine xmlns="" xmlns:a14="http://schemas.microsoft.com/office/drawing/2010/main" w="9525">
+                  <a14:hiddenLine xmlns:a14="http://schemas.microsoft.com/office/drawing/2010/main" xmlns="" w="9525">
                     <a:solidFill>
                       <a:srgbClr val="000000"/>
                     </a:solidFill>
@@ -10724,7 +10724,7 @@
               </a:ln>
               <a:extLst>
                 <a:ext uri="{91240B29-F687-4f45-9708-019B960494DF}">
-                  <a14:hiddenLine xmlns="" xmlns:a14="http://schemas.microsoft.com/office/drawing/2010/main" w="9525">
+                  <a14:hiddenLine xmlns:a14="http://schemas.microsoft.com/office/drawing/2010/main" xmlns="" w="9525">
                     <a:solidFill>
                       <a:srgbClr val="000000"/>
                     </a:solidFill>
@@ -10814,7 +10814,7 @@
               </a:ln>
               <a:extLst>
                 <a:ext uri="{91240B29-F687-4f45-9708-019B960494DF}">
-                  <a14:hiddenLine xmlns="" xmlns:a14="http://schemas.microsoft.com/office/drawing/2010/main" w="9525">
+                  <a14:hiddenLine xmlns:a14="http://schemas.microsoft.com/office/drawing/2010/main" xmlns="" w="9525">
                     <a:solidFill>
                       <a:srgbClr val="000000"/>
                     </a:solidFill>
@@ -10904,7 +10904,7 @@
               </a:ln>
               <a:extLst>
                 <a:ext uri="{91240B29-F687-4f45-9708-019B960494DF}">
-                  <a14:hiddenLine xmlns="" xmlns:a14="http://schemas.microsoft.com/office/drawing/2010/main" w="9525">
+                  <a14:hiddenLine xmlns:a14="http://schemas.microsoft.com/office/drawing/2010/main" xmlns="" w="9525">
                     <a:solidFill>
                       <a:srgbClr val="000000"/>
                     </a:solidFill>
@@ -10969,7 +10969,7 @@
               </a:ln>
               <a:extLst>
                 <a:ext uri="{91240B29-F687-4f45-9708-019B960494DF}">
-                  <a14:hiddenLine xmlns="" xmlns:a14="http://schemas.microsoft.com/office/drawing/2010/main" w="9525">
+                  <a14:hiddenLine xmlns:a14="http://schemas.microsoft.com/office/drawing/2010/main" xmlns="" w="9525">
                     <a:solidFill>
                       <a:srgbClr val="000000"/>
                     </a:solidFill>
@@ -11089,7 +11089,7 @@
               </a:ln>
               <a:extLst>
                 <a:ext uri="{91240B29-F687-4f45-9708-019B960494DF}">
-                  <a14:hiddenLine xmlns="" xmlns:a14="http://schemas.microsoft.com/office/drawing/2010/main" w="9525">
+                  <a14:hiddenLine xmlns:a14="http://schemas.microsoft.com/office/drawing/2010/main" xmlns="" w="9525">
                     <a:solidFill>
                       <a:srgbClr val="000000"/>
                     </a:solidFill>
@@ -11187,7 +11187,7 @@
               </a:ln>
               <a:extLst>
                 <a:ext uri="{91240B29-F687-4f45-9708-019B960494DF}">
-                  <a14:hiddenLine xmlns="" xmlns:a14="http://schemas.microsoft.com/office/drawing/2010/main" w="9525">
+                  <a14:hiddenLine xmlns:a14="http://schemas.microsoft.com/office/drawing/2010/main" xmlns="" w="9525">
                     <a:solidFill>
                       <a:srgbClr val="000000"/>
                     </a:solidFill>
@@ -11302,7 +11302,7 @@
               </a:ln>
               <a:extLst>
                 <a:ext uri="{91240B29-F687-4f45-9708-019B960494DF}">
-                  <a14:hiddenLine xmlns="" xmlns:a14="http://schemas.microsoft.com/office/drawing/2010/main" w="9525">
+                  <a14:hiddenLine xmlns:a14="http://schemas.microsoft.com/office/drawing/2010/main" xmlns="" w="9525">
                     <a:solidFill>
                       <a:srgbClr val="000000"/>
                     </a:solidFill>
@@ -11392,7 +11392,7 @@
               </a:ln>
               <a:extLst>
                 <a:ext uri="{91240B29-F687-4f45-9708-019B960494DF}">
-                  <a14:hiddenLine xmlns="" xmlns:a14="http://schemas.microsoft.com/office/drawing/2010/main" w="9525">
+                  <a14:hiddenLine xmlns:a14="http://schemas.microsoft.com/office/drawing/2010/main" xmlns="" w="9525">
                     <a:solidFill>
                       <a:srgbClr val="000000"/>
                     </a:solidFill>
@@ -11457,7 +11457,7 @@
               </a:ln>
               <a:extLst>
                 <a:ext uri="{91240B29-F687-4f45-9708-019B960494DF}">
-                  <a14:hiddenLine xmlns="" xmlns:a14="http://schemas.microsoft.com/office/drawing/2010/main" w="9525">
+                  <a14:hiddenLine xmlns:a14="http://schemas.microsoft.com/office/drawing/2010/main" xmlns="" w="9525">
                     <a:solidFill>
                       <a:srgbClr val="000000"/>
                     </a:solidFill>
@@ -11547,7 +11547,7 @@
               </a:ln>
               <a:extLst>
                 <a:ext uri="{91240B29-F687-4f45-9708-019B960494DF}">
-                  <a14:hiddenLine xmlns="" xmlns:a14="http://schemas.microsoft.com/office/drawing/2010/main" w="9525">
+                  <a14:hiddenLine xmlns:a14="http://schemas.microsoft.com/office/drawing/2010/main" xmlns="" w="9525">
                     <a:solidFill>
                       <a:srgbClr val="000000"/>
                     </a:solidFill>
@@ -11615,7 +11615,7 @@
               </a:ln>
               <a:extLst>
                 <a:ext uri="{91240B29-F687-4f45-9708-019B960494DF}">
-                  <a14:hiddenLine xmlns="" xmlns:a14="http://schemas.microsoft.com/office/drawing/2010/main" w="9525">
+                  <a14:hiddenLine xmlns:a14="http://schemas.microsoft.com/office/drawing/2010/main" xmlns="" w="9525">
                     <a:solidFill>
                       <a:srgbClr val="000000"/>
                     </a:solidFill>
@@ -11705,7 +11705,7 @@
               </a:ln>
               <a:extLst>
                 <a:ext uri="{91240B29-F687-4f45-9708-019B960494DF}">
-                  <a14:hiddenLine xmlns="" xmlns:a14="http://schemas.microsoft.com/office/drawing/2010/main" w="9525">
+                  <a14:hiddenLine xmlns:a14="http://schemas.microsoft.com/office/drawing/2010/main" xmlns="" w="9525">
                     <a:solidFill>
                       <a:srgbClr val="000000"/>
                     </a:solidFill>
@@ -11773,7 +11773,7 @@
               </a:ln>
               <a:extLst>
                 <a:ext uri="{91240B29-F687-4f45-9708-019B960494DF}">
-                  <a14:hiddenLine xmlns="" xmlns:a14="http://schemas.microsoft.com/office/drawing/2010/main" w="9525">
+                  <a14:hiddenLine xmlns:a14="http://schemas.microsoft.com/office/drawing/2010/main" xmlns="" w="9525">
                     <a:solidFill>
                       <a:srgbClr val="000000"/>
                     </a:solidFill>
@@ -11863,7 +11863,7 @@
               </a:ln>
               <a:extLst>
                 <a:ext uri="{91240B29-F687-4f45-9708-019B960494DF}">
-                  <a14:hiddenLine xmlns="" xmlns:a14="http://schemas.microsoft.com/office/drawing/2010/main" w="9525">
+                  <a14:hiddenLine xmlns:a14="http://schemas.microsoft.com/office/drawing/2010/main" xmlns="" w="9525">
                     <a:solidFill>
                       <a:srgbClr val="000000"/>
                     </a:solidFill>
@@ -11897,7 +11897,7 @@
               </a:ln>
               <a:extLst>
                 <a:ext uri="{91240B29-F687-4f45-9708-019B960494DF}">
-                  <a14:hiddenLine xmlns="" xmlns:a14="http://schemas.microsoft.com/office/drawing/2010/main" w="9525">
+                  <a14:hiddenLine xmlns:a14="http://schemas.microsoft.com/office/drawing/2010/main" xmlns="" w="9525">
                     <a:solidFill>
                       <a:srgbClr val="000000"/>
                     </a:solidFill>
@@ -12038,7 +12038,7 @@
             <a:fld id="{96DFF08F-DC6B-4601-B491-B0F83F6DD2DA}" type="datetimeFigureOut">
               <a:rPr lang="en-US" smtClean="0"/>
               <a:pPr/>
-              <a:t>9/4/2016</a:t>
+              <a:t>9/5/2016</a:t>
             </a:fld>
             <a:endParaRPr lang="en-US" dirty="0"/>
           </a:p>
@@ -12472,7 +12472,7 @@
         <p:spPr/>
         <p:txBody>
           <a:bodyPr>
-            <a:normAutofit fontScale="90000"/>
+            <a:normAutofit/>
           </a:bodyPr>
           <a:lstStyle/>
           <a:p>
@@ -13026,7 +13026,7 @@
         </p:spPr>
         <p:txBody>
           <a:bodyPr>
-            <a:normAutofit lnSpcReduction="10000"/>
+            <a:normAutofit/>
           </a:bodyPr>
           <a:lstStyle/>
           <a:p>
@@ -13227,7 +13227,6 @@
               <a:rPr lang="en-AU" dirty="0" smtClean="0"/>
               <a:t>. </a:t>
             </a:r>
-            <a:endParaRPr lang="en-AU" dirty="0" smtClean="0"/>
           </a:p>
           <a:p>
             <a:r>
@@ -13370,7 +13369,7 @@
         </p:spPr>
         <p:txBody>
           <a:bodyPr>
-            <a:normAutofit lnSpcReduction="10000"/>
+            <a:normAutofit/>
           </a:bodyPr>
           <a:lstStyle/>
           <a:p>
@@ -13379,15 +13378,7 @@
             </a:pPr>
             <a:r>
               <a:rPr lang="en-AU" dirty="0" smtClean="0"/>
-              <a:t>Cavin-1 expression </a:t>
-            </a:r>
-            <a:r>
-              <a:rPr lang="en-AU" dirty="0" smtClean="0"/>
-              <a:t>attenuates </a:t>
-            </a:r>
-            <a:r>
-              <a:rPr lang="en-AU" dirty="0" smtClean="0"/>
-              <a:t>EV export of microRNAs by manipulating RNA-binding protein export. </a:t>
+              <a:t>Cavin-1 expression attenuates EV export of microRNAs by manipulating RNA-binding protein export. </a:t>
             </a:r>
           </a:p>
           <a:p>
@@ -13771,6 +13762,30 @@
           </a:p>
         </p:txBody>
       </p:sp>
+      <p:pic>
+        <p:nvPicPr>
+          <p:cNvPr id="4" name="Picture 3"/>
+          <p:cNvPicPr>
+            <a:picLocks noChangeAspect="1"/>
+          </p:cNvPicPr>
+          <p:nvPr/>
+        </p:nvPicPr>
+        <p:blipFill>
+          <a:blip r:embed="rId2"/>
+          <a:stretch>
+            <a:fillRect/>
+          </a:stretch>
+        </p:blipFill>
+        <p:spPr>
+          <a:xfrm>
+            <a:off x="1141412" y="2796381"/>
+            <a:ext cx="6810375" cy="2447925"/>
+          </a:xfrm>
+          <a:prstGeom prst="rect">
+            <a:avLst/>
+          </a:prstGeom>
+        </p:spPr>
+      </p:pic>
     </p:spTree>
     <p:extLst>
       <p:ext uri="{BB962C8B-B14F-4D97-AF65-F5344CB8AC3E}">

--- a/BackgroundInfo/MeetingSept.pptx
+++ b/BackgroundInfo/MeetingSept.pptx
@@ -12,9 +12,10 @@
     <p:sldId id="260" r:id="rId6"/>
     <p:sldId id="261" r:id="rId7"/>
     <p:sldId id="263" r:id="rId8"/>
-    <p:sldId id="264" r:id="rId9"/>
-    <p:sldId id="265" r:id="rId10"/>
-    <p:sldId id="266" r:id="rId11"/>
+    <p:sldId id="267" r:id="rId9"/>
+    <p:sldId id="264" r:id="rId10"/>
+    <p:sldId id="265" r:id="rId11"/>
+    <p:sldId id="266" r:id="rId12"/>
   </p:sldIdLst>
   <p:sldSz cx="12192000" cy="6858000"/>
   <p:notesSz cx="6858000" cy="9144000"/>
@@ -171,7 +172,7 @@
           <a:noFill/>
           <a:extLst>
             <a:ext uri="{909E8E84-426E-40dd-AFC4-6F175D3DCCD1}">
-              <a14:hiddenFill xmlns:a14="http://schemas.microsoft.com/office/drawing/2010/main" xmlns="">
+              <a14:hiddenFill xmlns="" xmlns:a14="http://schemas.microsoft.com/office/drawing/2010/main">
                 <a:solidFill>
                   <a:srgbClr val="FFFFFF"/>
                 </a:solidFill>
@@ -231,7 +232,7 @@
             </a:ln>
             <a:extLst>
               <a:ext uri="{91240B29-F687-4f45-9708-019B960494DF}">
-                <a14:hiddenLine xmlns:a14="http://schemas.microsoft.com/office/drawing/2010/main" xmlns="" w="9525">
+                <a14:hiddenLine xmlns="" xmlns:a14="http://schemas.microsoft.com/office/drawing/2010/main" w="9525">
                   <a:solidFill>
                     <a:srgbClr val="000000"/>
                   </a:solidFill>
@@ -321,7 +322,7 @@
             </a:ln>
             <a:extLst>
               <a:ext uri="{91240B29-F687-4f45-9708-019B960494DF}">
-                <a14:hiddenLine xmlns:a14="http://schemas.microsoft.com/office/drawing/2010/main" xmlns="" w="9525">
+                <a14:hiddenLine xmlns="" xmlns:a14="http://schemas.microsoft.com/office/drawing/2010/main" w="9525">
                   <a:solidFill>
                     <a:srgbClr val="000000"/>
                   </a:solidFill>
@@ -411,7 +412,7 @@
             </a:ln>
             <a:extLst>
               <a:ext uri="{91240B29-F687-4f45-9708-019B960494DF}">
-                <a14:hiddenLine xmlns:a14="http://schemas.microsoft.com/office/drawing/2010/main" xmlns="" w="9525">
+                <a14:hiddenLine xmlns="" xmlns:a14="http://schemas.microsoft.com/office/drawing/2010/main" w="9525">
                   <a:solidFill>
                     <a:srgbClr val="000000"/>
                   </a:solidFill>
@@ -445,7 +446,7 @@
             </a:ln>
             <a:extLst>
               <a:ext uri="{91240B29-F687-4f45-9708-019B960494DF}">
-                <a14:hiddenLine xmlns:a14="http://schemas.microsoft.com/office/drawing/2010/main" xmlns="" w="9525">
+                <a14:hiddenLine xmlns="" xmlns:a14="http://schemas.microsoft.com/office/drawing/2010/main" w="9525">
                   <a:solidFill>
                     <a:srgbClr val="000000"/>
                   </a:solidFill>
@@ -535,7 +536,7 @@
             </a:ln>
             <a:extLst>
               <a:ext uri="{91240B29-F687-4f45-9708-019B960494DF}">
-                <a14:hiddenLine xmlns:a14="http://schemas.microsoft.com/office/drawing/2010/main" xmlns="" w="9525">
+                <a14:hiddenLine xmlns="" xmlns:a14="http://schemas.microsoft.com/office/drawing/2010/main" w="9525">
                   <a:solidFill>
                     <a:srgbClr val="000000"/>
                   </a:solidFill>
@@ -597,7 +598,7 @@
             </a:ln>
             <a:extLst>
               <a:ext uri="{91240B29-F687-4f45-9708-019B960494DF}">
-                <a14:hiddenLine xmlns:a14="http://schemas.microsoft.com/office/drawing/2010/main" xmlns="" w="9525">
+                <a14:hiddenLine xmlns="" xmlns:a14="http://schemas.microsoft.com/office/drawing/2010/main" w="9525">
                   <a:solidFill>
                     <a:srgbClr val="000000"/>
                   </a:solidFill>
@@ -659,7 +660,7 @@
             </a:ln>
             <a:extLst>
               <a:ext uri="{91240B29-F687-4f45-9708-019B960494DF}">
-                <a14:hiddenLine xmlns:a14="http://schemas.microsoft.com/office/drawing/2010/main" xmlns="" w="9525">
+                <a14:hiddenLine xmlns="" xmlns:a14="http://schemas.microsoft.com/office/drawing/2010/main" w="9525">
                   <a:solidFill>
                     <a:srgbClr val="000000"/>
                   </a:solidFill>
@@ -749,7 +750,7 @@
             </a:ln>
             <a:extLst>
               <a:ext uri="{91240B29-F687-4f45-9708-019B960494DF}">
-                <a14:hiddenLine xmlns:a14="http://schemas.microsoft.com/office/drawing/2010/main" xmlns="" w="9525">
+                <a14:hiddenLine xmlns="" xmlns:a14="http://schemas.microsoft.com/office/drawing/2010/main" w="9525">
                   <a:solidFill>
                     <a:srgbClr val="000000"/>
                   </a:solidFill>
@@ -811,7 +812,7 @@
             </a:ln>
             <a:extLst>
               <a:ext uri="{91240B29-F687-4f45-9708-019B960494DF}">
-                <a14:hiddenLine xmlns:a14="http://schemas.microsoft.com/office/drawing/2010/main" xmlns="" w="9525">
+                <a14:hiddenLine xmlns="" xmlns:a14="http://schemas.microsoft.com/office/drawing/2010/main" w="9525">
                   <a:solidFill>
                     <a:srgbClr val="000000"/>
                   </a:solidFill>
@@ -873,7 +874,7 @@
             </a:ln>
             <a:extLst>
               <a:ext uri="{91240B29-F687-4f45-9708-019B960494DF}">
-                <a14:hiddenLine xmlns:a14="http://schemas.microsoft.com/office/drawing/2010/main" xmlns="" w="9525">
+                <a14:hiddenLine xmlns="" xmlns:a14="http://schemas.microsoft.com/office/drawing/2010/main" w="9525">
                   <a:solidFill>
                     <a:srgbClr val="000000"/>
                   </a:solidFill>
@@ -963,7 +964,7 @@
             </a:ln>
             <a:extLst>
               <a:ext uri="{91240B29-F687-4f45-9708-019B960494DF}">
-                <a14:hiddenLine xmlns:a14="http://schemas.microsoft.com/office/drawing/2010/main" xmlns="" w="9525">
+                <a14:hiddenLine xmlns="" xmlns:a14="http://schemas.microsoft.com/office/drawing/2010/main" w="9525">
                   <a:solidFill>
                     <a:srgbClr val="000000"/>
                   </a:solidFill>
@@ -1053,7 +1054,7 @@
             </a:ln>
             <a:extLst>
               <a:ext uri="{91240B29-F687-4f45-9708-019B960494DF}">
-                <a14:hiddenLine xmlns:a14="http://schemas.microsoft.com/office/drawing/2010/main" xmlns="" w="9525">
+                <a14:hiddenLine xmlns="" xmlns:a14="http://schemas.microsoft.com/office/drawing/2010/main" w="9525">
                   <a:solidFill>
                     <a:srgbClr val="000000"/>
                   </a:solidFill>
@@ -1115,7 +1116,7 @@
             </a:ln>
             <a:extLst>
               <a:ext uri="{91240B29-F687-4f45-9708-019B960494DF}">
-                <a14:hiddenLine xmlns:a14="http://schemas.microsoft.com/office/drawing/2010/main" xmlns="" w="9525">
+                <a14:hiddenLine xmlns="" xmlns:a14="http://schemas.microsoft.com/office/drawing/2010/main" w="9525">
                   <a:solidFill>
                     <a:srgbClr val="000000"/>
                   </a:solidFill>
@@ -1225,7 +1226,7 @@
             </a:ln>
             <a:extLst>
               <a:ext uri="{91240B29-F687-4f45-9708-019B960494DF}">
-                <a14:hiddenLine xmlns:a14="http://schemas.microsoft.com/office/drawing/2010/main" xmlns="" w="9525">
+                <a14:hiddenLine xmlns="" xmlns:a14="http://schemas.microsoft.com/office/drawing/2010/main" w="9525">
                   <a:solidFill>
                     <a:srgbClr val="000000"/>
                   </a:solidFill>
@@ -1287,7 +1288,7 @@
             </a:ln>
             <a:extLst>
               <a:ext uri="{91240B29-F687-4f45-9708-019B960494DF}">
-                <a14:hiddenLine xmlns:a14="http://schemas.microsoft.com/office/drawing/2010/main" xmlns="" w="9525">
+                <a14:hiddenLine xmlns="" xmlns:a14="http://schemas.microsoft.com/office/drawing/2010/main" w="9525">
                   <a:solidFill>
                     <a:srgbClr val="000000"/>
                   </a:solidFill>
@@ -1377,7 +1378,7 @@
             </a:ln>
             <a:extLst>
               <a:ext uri="{91240B29-F687-4f45-9708-019B960494DF}">
-                <a14:hiddenLine xmlns:a14="http://schemas.microsoft.com/office/drawing/2010/main" xmlns="" w="9525">
+                <a14:hiddenLine xmlns="" xmlns:a14="http://schemas.microsoft.com/office/drawing/2010/main" w="9525">
                   <a:solidFill>
                     <a:srgbClr val="000000"/>
                   </a:solidFill>
@@ -1467,7 +1468,7 @@
             </a:ln>
             <a:extLst>
               <a:ext uri="{91240B29-F687-4f45-9708-019B960494DF}">
-                <a14:hiddenLine xmlns:a14="http://schemas.microsoft.com/office/drawing/2010/main" xmlns="" w="9525">
+                <a14:hiddenLine xmlns="" xmlns:a14="http://schemas.microsoft.com/office/drawing/2010/main" w="9525">
                   <a:solidFill>
                     <a:srgbClr val="000000"/>
                   </a:solidFill>
@@ -1529,7 +1530,7 @@
             </a:ln>
             <a:extLst>
               <a:ext uri="{91240B29-F687-4f45-9708-019B960494DF}">
-                <a14:hiddenLine xmlns:a14="http://schemas.microsoft.com/office/drawing/2010/main" xmlns="" w="9525">
+                <a14:hiddenLine xmlns="" xmlns:a14="http://schemas.microsoft.com/office/drawing/2010/main" w="9525">
                   <a:solidFill>
                     <a:srgbClr val="000000"/>
                   </a:solidFill>
@@ -1619,7 +1620,7 @@
             </a:ln>
             <a:extLst>
               <a:ext uri="{91240B29-F687-4f45-9708-019B960494DF}">
-                <a14:hiddenLine xmlns:a14="http://schemas.microsoft.com/office/drawing/2010/main" xmlns="" w="9525">
+                <a14:hiddenLine xmlns="" xmlns:a14="http://schemas.microsoft.com/office/drawing/2010/main" w="9525">
                   <a:solidFill>
                     <a:srgbClr val="000000"/>
                   </a:solidFill>
@@ -1709,7 +1710,7 @@
             </a:ln>
             <a:extLst>
               <a:ext uri="{91240B29-F687-4f45-9708-019B960494DF}">
-                <a14:hiddenLine xmlns:a14="http://schemas.microsoft.com/office/drawing/2010/main" xmlns="" w="9525">
+                <a14:hiddenLine xmlns="" xmlns:a14="http://schemas.microsoft.com/office/drawing/2010/main" w="9525">
                   <a:solidFill>
                     <a:srgbClr val="000000"/>
                   </a:solidFill>
@@ -1765,7 +1766,7 @@
             </a:ln>
             <a:extLst>
               <a:ext uri="{91240B29-F687-4f45-9708-019B960494DF}">
-                <a14:hiddenLine xmlns:a14="http://schemas.microsoft.com/office/drawing/2010/main" xmlns="" w="9525">
+                <a14:hiddenLine xmlns="" xmlns:a14="http://schemas.microsoft.com/office/drawing/2010/main" w="9525">
                   <a:solidFill>
                     <a:srgbClr val="000000"/>
                   </a:solidFill>
@@ -1855,7 +1856,7 @@
             </a:ln>
             <a:extLst>
               <a:ext uri="{91240B29-F687-4f45-9708-019B960494DF}">
-                <a14:hiddenLine xmlns:a14="http://schemas.microsoft.com/office/drawing/2010/main" xmlns="" w="9525">
+                <a14:hiddenLine xmlns="" xmlns:a14="http://schemas.microsoft.com/office/drawing/2010/main" w="9525">
                   <a:solidFill>
                     <a:srgbClr val="000000"/>
                   </a:solidFill>
@@ -1911,7 +1912,7 @@
             </a:ln>
             <a:extLst>
               <a:ext uri="{91240B29-F687-4f45-9708-019B960494DF}">
-                <a14:hiddenLine xmlns:a14="http://schemas.microsoft.com/office/drawing/2010/main" xmlns="" w="9525">
+                <a14:hiddenLine xmlns="" xmlns:a14="http://schemas.microsoft.com/office/drawing/2010/main" w="9525">
                   <a:solidFill>
                     <a:srgbClr val="000000"/>
                   </a:solidFill>
@@ -2001,7 +2002,7 @@
             </a:ln>
             <a:extLst>
               <a:ext uri="{91240B29-F687-4f45-9708-019B960494DF}">
-                <a14:hiddenLine xmlns:a14="http://schemas.microsoft.com/office/drawing/2010/main" xmlns="" w="9525">
+                <a14:hiddenLine xmlns="" xmlns:a14="http://schemas.microsoft.com/office/drawing/2010/main" w="9525">
                   <a:solidFill>
                     <a:srgbClr val="000000"/>
                   </a:solidFill>
@@ -2069,7 +2070,7 @@
             </a:ln>
             <a:extLst>
               <a:ext uri="{91240B29-F687-4f45-9708-019B960494DF}">
-                <a14:hiddenLine xmlns:a14="http://schemas.microsoft.com/office/drawing/2010/main" xmlns="" w="9525">
+                <a14:hiddenLine xmlns="" xmlns:a14="http://schemas.microsoft.com/office/drawing/2010/main" w="9525">
                   <a:solidFill>
                     <a:srgbClr val="000000"/>
                   </a:solidFill>
@@ -2159,7 +2160,7 @@
             </a:ln>
             <a:extLst>
               <a:ext uri="{91240B29-F687-4f45-9708-019B960494DF}">
-                <a14:hiddenLine xmlns:a14="http://schemas.microsoft.com/office/drawing/2010/main" xmlns="" w="9525">
+                <a14:hiddenLine xmlns="" xmlns:a14="http://schemas.microsoft.com/office/drawing/2010/main" w="9525">
                   <a:solidFill>
                     <a:srgbClr val="000000"/>
                   </a:solidFill>
@@ -2227,7 +2228,7 @@
             </a:ln>
             <a:extLst>
               <a:ext uri="{91240B29-F687-4f45-9708-019B960494DF}">
-                <a14:hiddenLine xmlns:a14="http://schemas.microsoft.com/office/drawing/2010/main" xmlns="" w="9525">
+                <a14:hiddenLine xmlns="" xmlns:a14="http://schemas.microsoft.com/office/drawing/2010/main" w="9525">
                   <a:solidFill>
                     <a:srgbClr val="000000"/>
                   </a:solidFill>
@@ -2317,7 +2318,7 @@
             </a:ln>
             <a:extLst>
               <a:ext uri="{91240B29-F687-4f45-9708-019B960494DF}">
-                <a14:hiddenLine xmlns:a14="http://schemas.microsoft.com/office/drawing/2010/main" xmlns="" w="9525">
+                <a14:hiddenLine xmlns="" xmlns:a14="http://schemas.microsoft.com/office/drawing/2010/main" w="9525">
                   <a:solidFill>
                     <a:srgbClr val="000000"/>
                   </a:solidFill>
@@ -2351,7 +2352,7 @@
             </a:ln>
             <a:extLst>
               <a:ext uri="{91240B29-F687-4f45-9708-019B960494DF}">
-                <a14:hiddenLine xmlns:a14="http://schemas.microsoft.com/office/drawing/2010/main" xmlns="" w="9525">
+                <a14:hiddenLine xmlns="" xmlns:a14="http://schemas.microsoft.com/office/drawing/2010/main" w="9525">
                   <a:solidFill>
                     <a:srgbClr val="000000"/>
                   </a:solidFill>
@@ -2441,7 +2442,7 @@
             </a:ln>
             <a:extLst>
               <a:ext uri="{91240B29-F687-4f45-9708-019B960494DF}">
-                <a14:hiddenLine xmlns:a14="http://schemas.microsoft.com/office/drawing/2010/main" xmlns="" w="9525">
+                <a14:hiddenLine xmlns="" xmlns:a14="http://schemas.microsoft.com/office/drawing/2010/main" w="9525">
                   <a:solidFill>
                     <a:srgbClr val="000000"/>
                   </a:solidFill>
@@ -2503,7 +2504,7 @@
             </a:ln>
             <a:extLst>
               <a:ext uri="{91240B29-F687-4f45-9708-019B960494DF}">
-                <a14:hiddenLine xmlns:a14="http://schemas.microsoft.com/office/drawing/2010/main" xmlns="" w="9525">
+                <a14:hiddenLine xmlns="" xmlns:a14="http://schemas.microsoft.com/office/drawing/2010/main" w="9525">
                   <a:solidFill>
                     <a:srgbClr val="000000"/>
                   </a:solidFill>
@@ -2565,7 +2566,7 @@
             </a:ln>
             <a:extLst>
               <a:ext uri="{91240B29-F687-4f45-9708-019B960494DF}">
-                <a14:hiddenLine xmlns:a14="http://schemas.microsoft.com/office/drawing/2010/main" xmlns="" w="9525">
+                <a14:hiddenLine xmlns="" xmlns:a14="http://schemas.microsoft.com/office/drawing/2010/main" w="9525">
                   <a:solidFill>
                     <a:srgbClr val="000000"/>
                   </a:solidFill>
@@ -2655,7 +2656,7 @@
             </a:ln>
             <a:extLst>
               <a:ext uri="{91240B29-F687-4f45-9708-019B960494DF}">
-                <a14:hiddenLine xmlns:a14="http://schemas.microsoft.com/office/drawing/2010/main" xmlns="" w="9525">
+                <a14:hiddenLine xmlns="" xmlns:a14="http://schemas.microsoft.com/office/drawing/2010/main" w="9525">
                   <a:solidFill>
                     <a:srgbClr val="000000"/>
                   </a:solidFill>
@@ -2723,7 +2724,7 @@
             </a:ln>
             <a:extLst>
               <a:ext uri="{91240B29-F687-4f45-9708-019B960494DF}">
-                <a14:hiddenLine xmlns:a14="http://schemas.microsoft.com/office/drawing/2010/main" xmlns="" w="9525">
+                <a14:hiddenLine xmlns="" xmlns:a14="http://schemas.microsoft.com/office/drawing/2010/main" w="9525">
                   <a:solidFill>
                     <a:srgbClr val="000000"/>
                   </a:solidFill>
@@ -2785,7 +2786,7 @@
             </a:ln>
             <a:extLst>
               <a:ext uri="{91240B29-F687-4f45-9708-019B960494DF}">
-                <a14:hiddenLine xmlns:a14="http://schemas.microsoft.com/office/drawing/2010/main" xmlns="" w="9525">
+                <a14:hiddenLine xmlns="" xmlns:a14="http://schemas.microsoft.com/office/drawing/2010/main" w="9525">
                   <a:solidFill>
                     <a:srgbClr val="000000"/>
                   </a:solidFill>
@@ -2875,7 +2876,7 @@
             </a:ln>
             <a:extLst>
               <a:ext uri="{91240B29-F687-4f45-9708-019B960494DF}">
-                <a14:hiddenLine xmlns:a14="http://schemas.microsoft.com/office/drawing/2010/main" xmlns="" w="9525">
+                <a14:hiddenLine xmlns="" xmlns:a14="http://schemas.microsoft.com/office/drawing/2010/main" w="9525">
                   <a:solidFill>
                     <a:srgbClr val="000000"/>
                   </a:solidFill>
@@ -2937,7 +2938,7 @@
             </a:ln>
             <a:extLst>
               <a:ext uri="{91240B29-F687-4f45-9708-019B960494DF}">
-                <a14:hiddenLine xmlns:a14="http://schemas.microsoft.com/office/drawing/2010/main" xmlns="" w="9525">
+                <a14:hiddenLine xmlns="" xmlns:a14="http://schemas.microsoft.com/office/drawing/2010/main" w="9525">
                   <a:solidFill>
                     <a:srgbClr val="000000"/>
                   </a:solidFill>
@@ -3027,7 +3028,7 @@
             </a:ln>
             <a:extLst>
               <a:ext uri="{91240B29-F687-4f45-9708-019B960494DF}">
-                <a14:hiddenLine xmlns:a14="http://schemas.microsoft.com/office/drawing/2010/main" xmlns="" w="9525">
+                <a14:hiddenLine xmlns="" xmlns:a14="http://schemas.microsoft.com/office/drawing/2010/main" w="9525">
                   <a:solidFill>
                     <a:srgbClr val="000000"/>
                   </a:solidFill>
@@ -3089,7 +3090,7 @@
             </a:ln>
             <a:extLst>
               <a:ext uri="{91240B29-F687-4f45-9708-019B960494DF}">
-                <a14:hiddenLine xmlns:a14="http://schemas.microsoft.com/office/drawing/2010/main" xmlns="" w="9525">
+                <a14:hiddenLine xmlns="" xmlns:a14="http://schemas.microsoft.com/office/drawing/2010/main" w="9525">
                   <a:solidFill>
                     <a:srgbClr val="000000"/>
                   </a:solidFill>
@@ -3179,7 +3180,7 @@
             </a:ln>
             <a:extLst>
               <a:ext uri="{91240B29-F687-4f45-9708-019B960494DF}">
-                <a14:hiddenLine xmlns:a14="http://schemas.microsoft.com/office/drawing/2010/main" xmlns="" w="9525">
+                <a14:hiddenLine xmlns="" xmlns:a14="http://schemas.microsoft.com/office/drawing/2010/main" w="9525">
                   <a:solidFill>
                     <a:srgbClr val="000000"/>
                   </a:solidFill>
@@ -3213,7 +3214,7 @@
             </a:ln>
             <a:extLst>
               <a:ext uri="{91240B29-F687-4f45-9708-019B960494DF}">
-                <a14:hiddenLine xmlns:a14="http://schemas.microsoft.com/office/drawing/2010/main" xmlns="" w="9525">
+                <a14:hiddenLine xmlns="" xmlns:a14="http://schemas.microsoft.com/office/drawing/2010/main" w="9525">
                   <a:solidFill>
                     <a:srgbClr val="000000"/>
                   </a:solidFill>
@@ -3278,7 +3279,7 @@
             </a:ln>
             <a:extLst>
               <a:ext uri="{91240B29-F687-4f45-9708-019B960494DF}">
-                <a14:hiddenLine xmlns:a14="http://schemas.microsoft.com/office/drawing/2010/main" xmlns="" w="9525">
+                <a14:hiddenLine xmlns="" xmlns:a14="http://schemas.microsoft.com/office/drawing/2010/main" w="9525">
                   <a:solidFill>
                     <a:srgbClr val="000000"/>
                   </a:solidFill>
@@ -3368,7 +3369,7 @@
             </a:ln>
             <a:extLst>
               <a:ext uri="{91240B29-F687-4f45-9708-019B960494DF}">
-                <a14:hiddenLine xmlns:a14="http://schemas.microsoft.com/office/drawing/2010/main" xmlns="" w="9525">
+                <a14:hiddenLine xmlns="" xmlns:a14="http://schemas.microsoft.com/office/drawing/2010/main" w="9525">
                   <a:solidFill>
                     <a:srgbClr val="000000"/>
                   </a:solidFill>
@@ -3430,7 +3431,7 @@
             </a:ln>
             <a:extLst>
               <a:ext uri="{91240B29-F687-4f45-9708-019B960494DF}">
-                <a14:hiddenLine xmlns:a14="http://schemas.microsoft.com/office/drawing/2010/main" xmlns="" w="9525">
+                <a14:hiddenLine xmlns="" xmlns:a14="http://schemas.microsoft.com/office/drawing/2010/main" w="9525">
                   <a:solidFill>
                     <a:srgbClr val="000000"/>
                   </a:solidFill>
@@ -3520,7 +3521,7 @@
             </a:ln>
             <a:extLst>
               <a:ext uri="{91240B29-F687-4f45-9708-019B960494DF}">
-                <a14:hiddenLine xmlns:a14="http://schemas.microsoft.com/office/drawing/2010/main" xmlns="" w="9525">
+                <a14:hiddenLine xmlns="" xmlns:a14="http://schemas.microsoft.com/office/drawing/2010/main" w="9525">
                   <a:solidFill>
                     <a:srgbClr val="000000"/>
                   </a:solidFill>
@@ -3610,7 +3611,7 @@
             </a:ln>
             <a:extLst>
               <a:ext uri="{91240B29-F687-4f45-9708-019B960494DF}">
-                <a14:hiddenLine xmlns:a14="http://schemas.microsoft.com/office/drawing/2010/main" xmlns="" w="9525">
+                <a14:hiddenLine xmlns="" xmlns:a14="http://schemas.microsoft.com/office/drawing/2010/main" w="9525">
                   <a:solidFill>
                     <a:srgbClr val="000000"/>
                   </a:solidFill>
@@ -3675,7 +3676,7 @@
             </a:ln>
             <a:extLst>
               <a:ext uri="{91240B29-F687-4f45-9708-019B960494DF}">
-                <a14:hiddenLine xmlns:a14="http://schemas.microsoft.com/office/drawing/2010/main" xmlns="" w="9525">
+                <a14:hiddenLine xmlns="" xmlns:a14="http://schemas.microsoft.com/office/drawing/2010/main" w="9525">
                   <a:solidFill>
                     <a:srgbClr val="000000"/>
                   </a:solidFill>
@@ -3737,7 +3738,7 @@
             </a:ln>
             <a:extLst>
               <a:ext uri="{91240B29-F687-4f45-9708-019B960494DF}">
-                <a14:hiddenLine xmlns:a14="http://schemas.microsoft.com/office/drawing/2010/main" xmlns="" w="9525">
+                <a14:hiddenLine xmlns="" xmlns:a14="http://schemas.microsoft.com/office/drawing/2010/main" w="9525">
                   <a:solidFill>
                     <a:srgbClr val="000000"/>
                   </a:solidFill>
@@ -3827,7 +3828,7 @@
             </a:ln>
             <a:extLst>
               <a:ext uri="{91240B29-F687-4f45-9708-019B960494DF}">
-                <a14:hiddenLine xmlns:a14="http://schemas.microsoft.com/office/drawing/2010/main" xmlns="" w="9525">
+                <a14:hiddenLine xmlns="" xmlns:a14="http://schemas.microsoft.com/office/drawing/2010/main" w="9525">
                   <a:solidFill>
                     <a:srgbClr val="000000"/>
                   </a:solidFill>
@@ -3917,7 +3918,7 @@
             </a:ln>
             <a:extLst>
               <a:ext uri="{91240B29-F687-4f45-9708-019B960494DF}">
-                <a14:hiddenLine xmlns:a14="http://schemas.microsoft.com/office/drawing/2010/main" xmlns="" w="9525">
+                <a14:hiddenLine xmlns="" xmlns:a14="http://schemas.microsoft.com/office/drawing/2010/main" w="9525">
                   <a:solidFill>
                     <a:srgbClr val="000000"/>
                   </a:solidFill>
@@ -3979,7 +3980,7 @@
             </a:ln>
             <a:extLst>
               <a:ext uri="{91240B29-F687-4f45-9708-019B960494DF}">
-                <a14:hiddenLine xmlns:a14="http://schemas.microsoft.com/office/drawing/2010/main" xmlns="" w="9525">
+                <a14:hiddenLine xmlns="" xmlns:a14="http://schemas.microsoft.com/office/drawing/2010/main" w="9525">
                   <a:solidFill>
                     <a:srgbClr val="000000"/>
                   </a:solidFill>
@@ -4099,7 +4100,7 @@
             </a:ln>
             <a:extLst>
               <a:ext uri="{91240B29-F687-4f45-9708-019B960494DF}">
-                <a14:hiddenLine xmlns:a14="http://schemas.microsoft.com/office/drawing/2010/main" xmlns="" w="9525">
+                <a14:hiddenLine xmlns="" xmlns:a14="http://schemas.microsoft.com/office/drawing/2010/main" w="9525">
                   <a:solidFill>
                     <a:srgbClr val="000000"/>
                   </a:solidFill>
@@ -4167,7 +4168,7 @@
             </a:ln>
             <a:extLst>
               <a:ext uri="{91240B29-F687-4f45-9708-019B960494DF}">
-                <a14:hiddenLine xmlns:a14="http://schemas.microsoft.com/office/drawing/2010/main" xmlns="" w="9525">
+                <a14:hiddenLine xmlns="" xmlns:a14="http://schemas.microsoft.com/office/drawing/2010/main" w="9525">
                   <a:solidFill>
                     <a:srgbClr val="000000"/>
                   </a:solidFill>
@@ -4257,7 +4258,7 @@
             </a:ln>
             <a:extLst>
               <a:ext uri="{91240B29-F687-4f45-9708-019B960494DF}">
-                <a14:hiddenLine xmlns:a14="http://schemas.microsoft.com/office/drawing/2010/main" xmlns="" w="9525">
+                <a14:hiddenLine xmlns="" xmlns:a14="http://schemas.microsoft.com/office/drawing/2010/main" w="9525">
                   <a:solidFill>
                     <a:srgbClr val="000000"/>
                   </a:solidFill>
@@ -4397,7 +4398,7 @@
           <a:p>
             <a:fld id="{96DFF08F-DC6B-4601-B491-B0F83F6DD2DA}" type="datetimeFigureOut">
               <a:rPr lang="en-US" smtClean="0"/>
-              <a:t>9/5/2016</a:t>
+              <a:t>9/6/2016</a:t>
             </a:fld>
             <a:endParaRPr lang="en-US" dirty="0"/>
           </a:p>
@@ -4665,7 +4666,7 @@
             <a:fld id="{96DFF08F-DC6B-4601-B491-B0F83F6DD2DA}" type="datetimeFigureOut">
               <a:rPr lang="en-US" smtClean="0"/>
               <a:pPr/>
-              <a:t>9/5/2016</a:t>
+              <a:t>9/6/2016</a:t>
             </a:fld>
             <a:endParaRPr lang="en-US" dirty="0"/>
           </a:p>
@@ -4863,7 +4864,7 @@
             <a:fld id="{96DFF08F-DC6B-4601-B491-B0F83F6DD2DA}" type="datetimeFigureOut">
               <a:rPr lang="en-US" smtClean="0"/>
               <a:pPr/>
-              <a:t>9/5/2016</a:t>
+              <a:t>9/6/2016</a:t>
             </a:fld>
             <a:endParaRPr lang="en-US" dirty="0"/>
           </a:p>
@@ -5128,7 +5129,7 @@
             <a:fld id="{96DFF08F-DC6B-4601-B491-B0F83F6DD2DA}" type="datetimeFigureOut">
               <a:rPr lang="en-US" smtClean="0"/>
               <a:pPr/>
-              <a:t>9/5/2016</a:t>
+              <a:t>9/6/2016</a:t>
             </a:fld>
             <a:endParaRPr lang="en-US" dirty="0"/>
           </a:p>
@@ -5564,7 +5565,7 @@
             <a:fld id="{96DFF08F-DC6B-4601-B491-B0F83F6DD2DA}" type="datetimeFigureOut">
               <a:rPr lang="en-US" smtClean="0"/>
               <a:pPr/>
-              <a:t>9/5/2016</a:t>
+              <a:t>9/6/2016</a:t>
             </a:fld>
             <a:endParaRPr lang="en-US" dirty="0"/>
           </a:p>
@@ -6112,7 +6113,7 @@
             <a:fld id="{96DFF08F-DC6B-4601-B491-B0F83F6DD2DA}" type="datetimeFigureOut">
               <a:rPr lang="en-US" smtClean="0"/>
               <a:pPr/>
-              <a:t>9/5/2016</a:t>
+              <a:t>9/6/2016</a:t>
             </a:fld>
             <a:endParaRPr lang="en-US" dirty="0"/>
           </a:p>
@@ -6834,7 +6835,7 @@
             <a:fld id="{96DFF08F-DC6B-4601-B491-B0F83F6DD2DA}" type="datetimeFigureOut">
               <a:rPr lang="en-US" smtClean="0"/>
               <a:pPr/>
-              <a:t>9/5/2016</a:t>
+              <a:t>9/6/2016</a:t>
             </a:fld>
             <a:endParaRPr lang="en-US" dirty="0"/>
           </a:p>
@@ -7005,7 +7006,7 @@
           <a:p>
             <a:fld id="{96DFF08F-DC6B-4601-B491-B0F83F6DD2DA}" type="datetimeFigureOut">
               <a:rPr lang="en-US" smtClean="0"/>
-              <a:t>9/5/2016</a:t>
+              <a:t>9/6/2016</a:t>
             </a:fld>
             <a:endParaRPr lang="en-US" dirty="0"/>
           </a:p>
@@ -7185,7 +7186,7 @@
           <a:p>
             <a:fld id="{96DFF08F-DC6B-4601-B491-B0F83F6DD2DA}" type="datetimeFigureOut">
               <a:rPr lang="en-US" smtClean="0"/>
-              <a:t>9/5/2016</a:t>
+              <a:t>9/6/2016</a:t>
             </a:fld>
             <a:endParaRPr lang="en-US" dirty="0"/>
           </a:p>
@@ -7355,7 +7356,7 @@
           <a:p>
             <a:fld id="{96DFF08F-DC6B-4601-B491-B0F83F6DD2DA}" type="datetimeFigureOut">
               <a:rPr lang="en-US" smtClean="0"/>
-              <a:t>9/5/2016</a:t>
+              <a:t>9/6/2016</a:t>
             </a:fld>
             <a:endParaRPr lang="en-US" dirty="0"/>
           </a:p>
@@ -7605,7 +7606,7 @@
           <a:p>
             <a:fld id="{96DFF08F-DC6B-4601-B491-B0F83F6DD2DA}" type="datetimeFigureOut">
               <a:rPr lang="en-US" smtClean="0"/>
-              <a:t>9/5/2016</a:t>
+              <a:t>9/6/2016</a:t>
             </a:fld>
             <a:endParaRPr lang="en-US" dirty="0"/>
           </a:p>
@@ -7837,7 +7838,7 @@
           <a:p>
             <a:fld id="{96DFF08F-DC6B-4601-B491-B0F83F6DD2DA}" type="datetimeFigureOut">
               <a:rPr lang="en-US" smtClean="0"/>
-              <a:t>9/5/2016</a:t>
+              <a:t>9/6/2016</a:t>
             </a:fld>
             <a:endParaRPr lang="en-US" dirty="0"/>
           </a:p>
@@ -8218,7 +8219,7 @@
           <a:p>
             <a:fld id="{96DFF08F-DC6B-4601-B491-B0F83F6DD2DA}" type="datetimeFigureOut">
               <a:rPr lang="en-US" smtClean="0"/>
-              <a:t>9/5/2016</a:t>
+              <a:t>9/6/2016</a:t>
             </a:fld>
             <a:endParaRPr lang="en-US" dirty="0"/>
           </a:p>
@@ -8336,7 +8337,7 @@
           <a:p>
             <a:fld id="{96DFF08F-DC6B-4601-B491-B0F83F6DD2DA}" type="datetimeFigureOut">
               <a:rPr lang="en-US" smtClean="0"/>
-              <a:t>9/5/2016</a:t>
+              <a:t>9/6/2016</a:t>
             </a:fld>
             <a:endParaRPr lang="en-US" dirty="0"/>
           </a:p>
@@ -8431,7 +8432,7 @@
           <a:p>
             <a:fld id="{96DFF08F-DC6B-4601-B491-B0F83F6DD2DA}" type="datetimeFigureOut">
               <a:rPr lang="en-US" smtClean="0"/>
-              <a:t>9/5/2016</a:t>
+              <a:t>9/6/2016</a:t>
             </a:fld>
             <a:endParaRPr lang="en-US" dirty="0"/>
           </a:p>
@@ -8680,7 +8681,7 @@
           <a:p>
             <a:fld id="{96DFF08F-DC6B-4601-B491-B0F83F6DD2DA}" type="datetimeFigureOut">
               <a:rPr lang="en-US" smtClean="0"/>
-              <a:t>9/5/2016</a:t>
+              <a:t>9/6/2016</a:t>
             </a:fld>
             <a:endParaRPr lang="en-US" dirty="0"/>
           </a:p>
@@ -8960,7 +8961,7 @@
           <a:p>
             <a:fld id="{96DFF08F-DC6B-4601-B491-B0F83F6DD2DA}" type="datetimeFigureOut">
               <a:rPr lang="en-US" smtClean="0"/>
-              <a:t>9/5/2016</a:t>
+              <a:t>9/6/2016</a:t>
             </a:fld>
             <a:endParaRPr lang="en-US" dirty="0"/>
           </a:p>
@@ -9076,7 +9077,7 @@
           <a:noFill/>
           <a:extLst>
             <a:ext uri="{909E8E84-426E-40dd-AFC4-6F175D3DCCD1}">
-              <a14:hiddenFill xmlns:a14="http://schemas.microsoft.com/office/drawing/2010/main" xmlns="">
+              <a14:hiddenFill xmlns="" xmlns:a14="http://schemas.microsoft.com/office/drawing/2010/main">
                 <a:solidFill>
                   <a:srgbClr val="FFFFFF"/>
                 </a:solidFill>
@@ -9150,7 +9151,7 @@
               </a:ln>
               <a:extLst>
                 <a:ext uri="{91240B29-F687-4f45-9708-019B960494DF}">
-                  <a14:hiddenLine xmlns:a14="http://schemas.microsoft.com/office/drawing/2010/main" xmlns="" w="9525">
+                  <a14:hiddenLine xmlns="" xmlns:a14="http://schemas.microsoft.com/office/drawing/2010/main" w="9525">
                     <a:solidFill>
                       <a:srgbClr val="000000"/>
                     </a:solidFill>
@@ -9240,7 +9241,7 @@
               </a:ln>
               <a:extLst>
                 <a:ext uri="{91240B29-F687-4f45-9708-019B960494DF}">
-                  <a14:hiddenLine xmlns:a14="http://schemas.microsoft.com/office/drawing/2010/main" xmlns="" w="9525">
+                  <a14:hiddenLine xmlns="" xmlns:a14="http://schemas.microsoft.com/office/drawing/2010/main" w="9525">
                     <a:solidFill>
                       <a:srgbClr val="000000"/>
                     </a:solidFill>
@@ -9330,7 +9331,7 @@
               </a:ln>
               <a:extLst>
                 <a:ext uri="{91240B29-F687-4f45-9708-019B960494DF}">
-                  <a14:hiddenLine xmlns:a14="http://schemas.microsoft.com/office/drawing/2010/main" xmlns="" w="9525">
+                  <a14:hiddenLine xmlns="" xmlns:a14="http://schemas.microsoft.com/office/drawing/2010/main" w="9525">
                     <a:solidFill>
                       <a:srgbClr val="000000"/>
                     </a:solidFill>
@@ -9392,7 +9393,7 @@
               </a:ln>
               <a:extLst>
                 <a:ext uri="{91240B29-F687-4f45-9708-019B960494DF}">
-                  <a14:hiddenLine xmlns:a14="http://schemas.microsoft.com/office/drawing/2010/main" xmlns="" w="9525">
+                  <a14:hiddenLine xmlns="" xmlns:a14="http://schemas.microsoft.com/office/drawing/2010/main" w="9525">
                     <a:solidFill>
                       <a:srgbClr val="000000"/>
                     </a:solidFill>
@@ -9482,7 +9483,7 @@
               </a:ln>
               <a:extLst>
                 <a:ext uri="{91240B29-F687-4f45-9708-019B960494DF}">
-                  <a14:hiddenLine xmlns:a14="http://schemas.microsoft.com/office/drawing/2010/main" xmlns="" w="9525">
+                  <a14:hiddenLine xmlns="" xmlns:a14="http://schemas.microsoft.com/office/drawing/2010/main" w="9525">
                     <a:solidFill>
                       <a:srgbClr val="000000"/>
                     </a:solidFill>
@@ -9544,7 +9545,7 @@
               </a:ln>
               <a:extLst>
                 <a:ext uri="{91240B29-F687-4f45-9708-019B960494DF}">
-                  <a14:hiddenLine xmlns:a14="http://schemas.microsoft.com/office/drawing/2010/main" xmlns="" w="9525">
+                  <a14:hiddenLine xmlns="" xmlns:a14="http://schemas.microsoft.com/office/drawing/2010/main" w="9525">
                     <a:solidFill>
                       <a:srgbClr val="000000"/>
                     </a:solidFill>
@@ -9606,7 +9607,7 @@
               </a:ln>
               <a:extLst>
                 <a:ext uri="{91240B29-F687-4f45-9708-019B960494DF}">
-                  <a14:hiddenLine xmlns:a14="http://schemas.microsoft.com/office/drawing/2010/main" xmlns="" w="9525">
+                  <a14:hiddenLine xmlns="" xmlns:a14="http://schemas.microsoft.com/office/drawing/2010/main" w="9525">
                     <a:solidFill>
                       <a:srgbClr val="000000"/>
                     </a:solidFill>
@@ -9696,7 +9697,7 @@
               </a:ln>
               <a:extLst>
                 <a:ext uri="{91240B29-F687-4f45-9708-019B960494DF}">
-                  <a14:hiddenLine xmlns:a14="http://schemas.microsoft.com/office/drawing/2010/main" xmlns="" w="9525">
+                  <a14:hiddenLine xmlns="" xmlns:a14="http://schemas.microsoft.com/office/drawing/2010/main" w="9525">
                     <a:solidFill>
                       <a:srgbClr val="000000"/>
                     </a:solidFill>
@@ -9786,7 +9787,7 @@
               </a:ln>
               <a:extLst>
                 <a:ext uri="{91240B29-F687-4f45-9708-019B960494DF}">
-                  <a14:hiddenLine xmlns:a14="http://schemas.microsoft.com/office/drawing/2010/main" xmlns="" w="9525">
+                  <a14:hiddenLine xmlns="" xmlns:a14="http://schemas.microsoft.com/office/drawing/2010/main" w="9525">
                     <a:solidFill>
                       <a:srgbClr val="000000"/>
                     </a:solidFill>
@@ -9848,7 +9849,7 @@
               </a:ln>
               <a:extLst>
                 <a:ext uri="{91240B29-F687-4f45-9708-019B960494DF}">
-                  <a14:hiddenLine xmlns:a14="http://schemas.microsoft.com/office/drawing/2010/main" xmlns="" w="9525">
+                  <a14:hiddenLine xmlns="" xmlns:a14="http://schemas.microsoft.com/office/drawing/2010/main" w="9525">
                     <a:solidFill>
                       <a:srgbClr val="000000"/>
                     </a:solidFill>
@@ -9958,7 +9959,7 @@
               </a:ln>
               <a:extLst>
                 <a:ext uri="{91240B29-F687-4f45-9708-019B960494DF}">
-                  <a14:hiddenLine xmlns:a14="http://schemas.microsoft.com/office/drawing/2010/main" xmlns="" w="9525">
+                  <a14:hiddenLine xmlns="" xmlns:a14="http://schemas.microsoft.com/office/drawing/2010/main" w="9525">
                     <a:solidFill>
                       <a:srgbClr val="000000"/>
                     </a:solidFill>
@@ -10042,7 +10043,7 @@
               </a:ln>
               <a:extLst>
                 <a:ext uri="{91240B29-F687-4f45-9708-019B960494DF}">
-                  <a14:hiddenLine xmlns:a14="http://schemas.microsoft.com/office/drawing/2010/main" xmlns="" w="9525">
+                  <a14:hiddenLine xmlns="" xmlns:a14="http://schemas.microsoft.com/office/drawing/2010/main" w="9525">
                     <a:solidFill>
                       <a:srgbClr val="000000"/>
                     </a:solidFill>
@@ -10104,7 +10105,7 @@
               </a:ln>
               <a:extLst>
                 <a:ext uri="{91240B29-F687-4f45-9708-019B960494DF}">
-                  <a14:hiddenLine xmlns:a14="http://schemas.microsoft.com/office/drawing/2010/main" xmlns="" w="9525">
+                  <a14:hiddenLine xmlns="" xmlns:a14="http://schemas.microsoft.com/office/drawing/2010/main" w="9525">
                     <a:solidFill>
                       <a:srgbClr val="000000"/>
                     </a:solidFill>
@@ -10166,7 +10167,7 @@
               </a:ln>
               <a:extLst>
                 <a:ext uri="{91240B29-F687-4f45-9708-019B960494DF}">
-                  <a14:hiddenLine xmlns:a14="http://schemas.microsoft.com/office/drawing/2010/main" xmlns="" w="9525">
+                  <a14:hiddenLine xmlns="" xmlns:a14="http://schemas.microsoft.com/office/drawing/2010/main" w="9525">
                     <a:solidFill>
                       <a:srgbClr val="000000"/>
                     </a:solidFill>
@@ -10256,7 +10257,7 @@
               </a:ln>
               <a:extLst>
                 <a:ext uri="{91240B29-F687-4f45-9708-019B960494DF}">
-                  <a14:hiddenLine xmlns:a14="http://schemas.microsoft.com/office/drawing/2010/main" xmlns="" w="9525">
+                  <a14:hiddenLine xmlns="" xmlns:a14="http://schemas.microsoft.com/office/drawing/2010/main" w="9525">
                     <a:solidFill>
                       <a:srgbClr val="000000"/>
                     </a:solidFill>
@@ -10290,7 +10291,7 @@
               </a:ln>
               <a:extLst>
                 <a:ext uri="{91240B29-F687-4f45-9708-019B960494DF}">
-                  <a14:hiddenLine xmlns:a14="http://schemas.microsoft.com/office/drawing/2010/main" xmlns="" w="9525">
+                  <a14:hiddenLine xmlns="" xmlns:a14="http://schemas.microsoft.com/office/drawing/2010/main" w="9525">
                     <a:solidFill>
                       <a:srgbClr val="000000"/>
                     </a:solidFill>
@@ -10355,7 +10356,7 @@
               </a:ln>
               <a:extLst>
                 <a:ext uri="{91240B29-F687-4f45-9708-019B960494DF}">
-                  <a14:hiddenLine xmlns:a14="http://schemas.microsoft.com/office/drawing/2010/main" xmlns="" w="9525">
+                  <a14:hiddenLine xmlns="" xmlns:a14="http://schemas.microsoft.com/office/drawing/2010/main" w="9525">
                     <a:solidFill>
                       <a:srgbClr val="000000"/>
                     </a:solidFill>
@@ -10445,7 +10446,7 @@
               </a:ln>
               <a:extLst>
                 <a:ext uri="{91240B29-F687-4f45-9708-019B960494DF}">
-                  <a14:hiddenLine xmlns:a14="http://schemas.microsoft.com/office/drawing/2010/main" xmlns="" w="9525">
+                  <a14:hiddenLine xmlns="" xmlns:a14="http://schemas.microsoft.com/office/drawing/2010/main" w="9525">
                     <a:solidFill>
                       <a:srgbClr val="000000"/>
                     </a:solidFill>
@@ -10507,7 +10508,7 @@
               </a:ln>
               <a:extLst>
                 <a:ext uri="{91240B29-F687-4f45-9708-019B960494DF}">
-                  <a14:hiddenLine xmlns:a14="http://schemas.microsoft.com/office/drawing/2010/main" xmlns="" w="9525">
+                  <a14:hiddenLine xmlns="" xmlns:a14="http://schemas.microsoft.com/office/drawing/2010/main" w="9525">
                     <a:solidFill>
                       <a:srgbClr val="000000"/>
                     </a:solidFill>
@@ -10597,7 +10598,7 @@
               </a:ln>
               <a:extLst>
                 <a:ext uri="{91240B29-F687-4f45-9708-019B960494DF}">
-                  <a14:hiddenLine xmlns:a14="http://schemas.microsoft.com/office/drawing/2010/main" xmlns="" w="9525">
+                  <a14:hiddenLine xmlns="" xmlns:a14="http://schemas.microsoft.com/office/drawing/2010/main" w="9525">
                     <a:solidFill>
                       <a:srgbClr val="000000"/>
                     </a:solidFill>
@@ -10662,7 +10663,7 @@
               </a:ln>
               <a:extLst>
                 <a:ext uri="{91240B29-F687-4f45-9708-019B960494DF}">
-                  <a14:hiddenLine xmlns:a14="http://schemas.microsoft.com/office/drawing/2010/main" xmlns="" w="9525">
+                  <a14:hiddenLine xmlns="" xmlns:a14="http://schemas.microsoft.com/office/drawing/2010/main" w="9525">
                     <a:solidFill>
                       <a:srgbClr val="000000"/>
                     </a:solidFill>
@@ -10724,7 +10725,7 @@
               </a:ln>
               <a:extLst>
                 <a:ext uri="{91240B29-F687-4f45-9708-019B960494DF}">
-                  <a14:hiddenLine xmlns:a14="http://schemas.microsoft.com/office/drawing/2010/main" xmlns="" w="9525">
+                  <a14:hiddenLine xmlns="" xmlns:a14="http://schemas.microsoft.com/office/drawing/2010/main" w="9525">
                     <a:solidFill>
                       <a:srgbClr val="000000"/>
                     </a:solidFill>
@@ -10814,7 +10815,7 @@
               </a:ln>
               <a:extLst>
                 <a:ext uri="{91240B29-F687-4f45-9708-019B960494DF}">
-                  <a14:hiddenLine xmlns:a14="http://schemas.microsoft.com/office/drawing/2010/main" xmlns="" w="9525">
+                  <a14:hiddenLine xmlns="" xmlns:a14="http://schemas.microsoft.com/office/drawing/2010/main" w="9525">
                     <a:solidFill>
                       <a:srgbClr val="000000"/>
                     </a:solidFill>
@@ -10904,7 +10905,7 @@
               </a:ln>
               <a:extLst>
                 <a:ext uri="{91240B29-F687-4f45-9708-019B960494DF}">
-                  <a14:hiddenLine xmlns:a14="http://schemas.microsoft.com/office/drawing/2010/main" xmlns="" w="9525">
+                  <a14:hiddenLine xmlns="" xmlns:a14="http://schemas.microsoft.com/office/drawing/2010/main" w="9525">
                     <a:solidFill>
                       <a:srgbClr val="000000"/>
                     </a:solidFill>
@@ -10969,7 +10970,7 @@
               </a:ln>
               <a:extLst>
                 <a:ext uri="{91240B29-F687-4f45-9708-019B960494DF}">
-                  <a14:hiddenLine xmlns:a14="http://schemas.microsoft.com/office/drawing/2010/main" xmlns="" w="9525">
+                  <a14:hiddenLine xmlns="" xmlns:a14="http://schemas.microsoft.com/office/drawing/2010/main" w="9525">
                     <a:solidFill>
                       <a:srgbClr val="000000"/>
                     </a:solidFill>
@@ -11089,7 +11090,7 @@
               </a:ln>
               <a:extLst>
                 <a:ext uri="{91240B29-F687-4f45-9708-019B960494DF}">
-                  <a14:hiddenLine xmlns:a14="http://schemas.microsoft.com/office/drawing/2010/main" xmlns="" w="9525">
+                  <a14:hiddenLine xmlns="" xmlns:a14="http://schemas.microsoft.com/office/drawing/2010/main" w="9525">
                     <a:solidFill>
                       <a:srgbClr val="000000"/>
                     </a:solidFill>
@@ -11187,7 +11188,7 @@
               </a:ln>
               <a:extLst>
                 <a:ext uri="{91240B29-F687-4f45-9708-019B960494DF}">
-                  <a14:hiddenLine xmlns:a14="http://schemas.microsoft.com/office/drawing/2010/main" xmlns="" w="9525">
+                  <a14:hiddenLine xmlns="" xmlns:a14="http://schemas.microsoft.com/office/drawing/2010/main" w="9525">
                     <a:solidFill>
                       <a:srgbClr val="000000"/>
                     </a:solidFill>
@@ -11302,7 +11303,7 @@
               </a:ln>
               <a:extLst>
                 <a:ext uri="{91240B29-F687-4f45-9708-019B960494DF}">
-                  <a14:hiddenLine xmlns:a14="http://schemas.microsoft.com/office/drawing/2010/main" xmlns="" w="9525">
+                  <a14:hiddenLine xmlns="" xmlns:a14="http://schemas.microsoft.com/office/drawing/2010/main" w="9525">
                     <a:solidFill>
                       <a:srgbClr val="000000"/>
                     </a:solidFill>
@@ -11392,7 +11393,7 @@
               </a:ln>
               <a:extLst>
                 <a:ext uri="{91240B29-F687-4f45-9708-019B960494DF}">
-                  <a14:hiddenLine xmlns:a14="http://schemas.microsoft.com/office/drawing/2010/main" xmlns="" w="9525">
+                  <a14:hiddenLine xmlns="" xmlns:a14="http://schemas.microsoft.com/office/drawing/2010/main" w="9525">
                     <a:solidFill>
                       <a:srgbClr val="000000"/>
                     </a:solidFill>
@@ -11457,7 +11458,7 @@
               </a:ln>
               <a:extLst>
                 <a:ext uri="{91240B29-F687-4f45-9708-019B960494DF}">
-                  <a14:hiddenLine xmlns:a14="http://schemas.microsoft.com/office/drawing/2010/main" xmlns="" w="9525">
+                  <a14:hiddenLine xmlns="" xmlns:a14="http://schemas.microsoft.com/office/drawing/2010/main" w="9525">
                     <a:solidFill>
                       <a:srgbClr val="000000"/>
                     </a:solidFill>
@@ -11547,7 +11548,7 @@
               </a:ln>
               <a:extLst>
                 <a:ext uri="{91240B29-F687-4f45-9708-019B960494DF}">
-                  <a14:hiddenLine xmlns:a14="http://schemas.microsoft.com/office/drawing/2010/main" xmlns="" w="9525">
+                  <a14:hiddenLine xmlns="" xmlns:a14="http://schemas.microsoft.com/office/drawing/2010/main" w="9525">
                     <a:solidFill>
                       <a:srgbClr val="000000"/>
                     </a:solidFill>
@@ -11615,7 +11616,7 @@
               </a:ln>
               <a:extLst>
                 <a:ext uri="{91240B29-F687-4f45-9708-019B960494DF}">
-                  <a14:hiddenLine xmlns:a14="http://schemas.microsoft.com/office/drawing/2010/main" xmlns="" w="9525">
+                  <a14:hiddenLine xmlns="" xmlns:a14="http://schemas.microsoft.com/office/drawing/2010/main" w="9525">
                     <a:solidFill>
                       <a:srgbClr val="000000"/>
                     </a:solidFill>
@@ -11705,7 +11706,7 @@
               </a:ln>
               <a:extLst>
                 <a:ext uri="{91240B29-F687-4f45-9708-019B960494DF}">
-                  <a14:hiddenLine xmlns:a14="http://schemas.microsoft.com/office/drawing/2010/main" xmlns="" w="9525">
+                  <a14:hiddenLine xmlns="" xmlns:a14="http://schemas.microsoft.com/office/drawing/2010/main" w="9525">
                     <a:solidFill>
                       <a:srgbClr val="000000"/>
                     </a:solidFill>
@@ -11773,7 +11774,7 @@
               </a:ln>
               <a:extLst>
                 <a:ext uri="{91240B29-F687-4f45-9708-019B960494DF}">
-                  <a14:hiddenLine xmlns:a14="http://schemas.microsoft.com/office/drawing/2010/main" xmlns="" w="9525">
+                  <a14:hiddenLine xmlns="" xmlns:a14="http://schemas.microsoft.com/office/drawing/2010/main" w="9525">
                     <a:solidFill>
                       <a:srgbClr val="000000"/>
                     </a:solidFill>
@@ -11863,7 +11864,7 @@
               </a:ln>
               <a:extLst>
                 <a:ext uri="{91240B29-F687-4f45-9708-019B960494DF}">
-                  <a14:hiddenLine xmlns:a14="http://schemas.microsoft.com/office/drawing/2010/main" xmlns="" w="9525">
+                  <a14:hiddenLine xmlns="" xmlns:a14="http://schemas.microsoft.com/office/drawing/2010/main" w="9525">
                     <a:solidFill>
                       <a:srgbClr val="000000"/>
                     </a:solidFill>
@@ -11897,7 +11898,7 @@
               </a:ln>
               <a:extLst>
                 <a:ext uri="{91240B29-F687-4f45-9708-019B960494DF}">
-                  <a14:hiddenLine xmlns:a14="http://schemas.microsoft.com/office/drawing/2010/main" xmlns="" w="9525">
+                  <a14:hiddenLine xmlns="" xmlns:a14="http://schemas.microsoft.com/office/drawing/2010/main" w="9525">
                     <a:solidFill>
                       <a:srgbClr val="000000"/>
                     </a:solidFill>
@@ -12038,7 +12039,7 @@
             <a:fld id="{96DFF08F-DC6B-4601-B491-B0F83F6DD2DA}" type="datetimeFigureOut">
               <a:rPr lang="en-US" smtClean="0"/>
               <a:pPr/>
-              <a:t>9/5/2016</a:t>
+              <a:t>9/6/2016</a:t>
             </a:fld>
             <a:endParaRPr lang="en-US" dirty="0"/>
           </a:p>
@@ -12558,11 +12559,19 @@
           <a:p>
             <a:r>
               <a:rPr lang="en-US" dirty="0" err="1" smtClean="0"/>
-              <a:t>HnrNpk</a:t>
+              <a:t>Hnrnpk</a:t>
             </a:r>
             <a:r>
               <a:rPr lang="en-US" dirty="0" smtClean="0"/>
-              <a:t> pull down</a:t>
+              <a:t> </a:t>
+            </a:r>
+            <a:r>
+              <a:rPr lang="en-US" dirty="0" err="1" smtClean="0"/>
+              <a:t>colocalize</a:t>
+            </a:r>
+            <a:r>
+              <a:rPr lang="en-US" dirty="0" smtClean="0"/>
+              <a:t> with mir-148a</a:t>
             </a:r>
             <a:endParaRPr lang="en-AU" dirty="0"/>
           </a:p>
@@ -12590,6 +12599,167 @@
     </p:spTree>
     <p:extLst>
       <p:ext uri="{BB962C8B-B14F-4D97-AF65-F5344CB8AC3E}">
+        <p14:creationId xmlns:p14="http://schemas.microsoft.com/office/powerpoint/2010/main" val="1482749622"/>
+      </p:ext>
+    </p:extLst>
+  </p:cSld>
+  <p:clrMapOvr>
+    <a:masterClrMapping/>
+  </p:clrMapOvr>
+  <p:timing>
+    <p:tnLst>
+      <p:par>
+        <p:cTn id="1" dur="indefinite" restart="never" nodeType="tmRoot"/>
+      </p:par>
+    </p:tnLst>
+  </p:timing>
+</p:sld>
+</file>
+
+<file path=ppt/slides/slide11.xml><?xml version="1.0" encoding="utf-8"?>
+<p:sld xmlns:a="http://schemas.openxmlformats.org/drawingml/2006/main" xmlns:r="http://schemas.openxmlformats.org/officeDocument/2006/relationships" xmlns:p="http://schemas.openxmlformats.org/presentationml/2006/main">
+  <p:cSld>
+    <p:spTree>
+      <p:nvGrpSpPr>
+        <p:cNvPr id="1" name=""/>
+        <p:cNvGrpSpPr/>
+        <p:nvPr/>
+      </p:nvGrpSpPr>
+      <p:grpSpPr>
+        <a:xfrm>
+          <a:off x="0" y="0"/>
+          <a:ext cx="0" cy="0"/>
+          <a:chOff x="0" y="0"/>
+          <a:chExt cx="0" cy="0"/>
+        </a:xfrm>
+      </p:grpSpPr>
+      <p:sp>
+        <p:nvSpPr>
+          <p:cNvPr id="2" name="Title 1"/>
+          <p:cNvSpPr>
+            <a:spLocks noGrp="1"/>
+          </p:cNvSpPr>
+          <p:nvPr>
+            <p:ph type="title"/>
+          </p:nvPr>
+        </p:nvSpPr>
+        <p:spPr/>
+        <p:txBody>
+          <a:bodyPr/>
+          <a:lstStyle/>
+          <a:p>
+            <a:r>
+              <a:rPr lang="en-US" dirty="0" err="1" smtClean="0"/>
+              <a:t>HnrNpk</a:t>
+            </a:r>
+            <a:r>
+              <a:rPr lang="en-US" dirty="0" smtClean="0"/>
+              <a:t> pull down</a:t>
+            </a:r>
+            <a:endParaRPr lang="en-AU" dirty="0"/>
+          </a:p>
+        </p:txBody>
+      </p:sp>
+      <p:sp>
+        <p:nvSpPr>
+          <p:cNvPr id="3" name="Content Placeholder 2"/>
+          <p:cNvSpPr>
+            <a:spLocks noGrp="1"/>
+          </p:cNvSpPr>
+          <p:nvPr>
+            <p:ph idx="1"/>
+          </p:nvPr>
+        </p:nvSpPr>
+        <p:spPr/>
+        <p:txBody>
+          <a:bodyPr/>
+          <a:lstStyle/>
+          <a:p>
+            <a:r>
+              <a:rPr lang="en-US" dirty="0" smtClean="0"/>
+              <a:t>1; </a:t>
+            </a:r>
+            <a:r>
+              <a:rPr lang="en-US" dirty="0" err="1" smtClean="0"/>
+              <a:t>cont</a:t>
+            </a:r>
+            <a:r>
+              <a:rPr lang="en-US" dirty="0" smtClean="0"/>
+              <a:t> (1.4ng/</a:t>
+            </a:r>
+            <a:r>
+              <a:rPr lang="en-US" dirty="0" err="1" smtClean="0"/>
+              <a:t>ul</a:t>
+            </a:r>
+            <a:r>
+              <a:rPr lang="en-US" dirty="0" smtClean="0"/>
+              <a:t>), K: 11.78ng/</a:t>
+            </a:r>
+            <a:r>
+              <a:rPr lang="en-US" dirty="0" err="1" smtClean="0"/>
+              <a:t>ul</a:t>
+            </a:r>
+            <a:endParaRPr lang="en-US" dirty="0" smtClean="0"/>
+          </a:p>
+          <a:p>
+            <a:r>
+              <a:rPr lang="en-US" dirty="0" smtClean="0"/>
+              <a:t>2. </a:t>
+            </a:r>
+            <a:r>
+              <a:rPr lang="en-US" dirty="0" err="1" smtClean="0"/>
+              <a:t>cont</a:t>
+            </a:r>
+            <a:r>
+              <a:rPr lang="en-US" dirty="0" smtClean="0"/>
+              <a:t> (0.2ng/</a:t>
+            </a:r>
+            <a:r>
+              <a:rPr lang="en-US" dirty="0" err="1" smtClean="0"/>
+              <a:t>ul</a:t>
+            </a:r>
+            <a:r>
+              <a:rPr lang="en-US" dirty="0" smtClean="0"/>
+              <a:t>), K: 4.2ng/</a:t>
+            </a:r>
+            <a:r>
+              <a:rPr lang="en-US" dirty="0" err="1" smtClean="0"/>
+              <a:t>ul</a:t>
+            </a:r>
+            <a:endParaRPr lang="en-US" dirty="0" smtClean="0"/>
+          </a:p>
+          <a:p>
+            <a:r>
+              <a:rPr lang="en-US" dirty="0" smtClean="0"/>
+              <a:t>3. </a:t>
+            </a:r>
+            <a:r>
+              <a:rPr lang="en-US" dirty="0" smtClean="0"/>
+              <a:t>control (0.8ng/</a:t>
+            </a:r>
+            <a:r>
+              <a:rPr lang="en-US" dirty="0" err="1" smtClean="0"/>
+              <a:t>ul</a:t>
+            </a:r>
+            <a:r>
+              <a:rPr lang="en-US" dirty="0" smtClean="0"/>
+              <a:t>), K: 14</a:t>
+            </a:r>
+            <a:r>
+              <a:rPr lang="en-AU" dirty="0" smtClean="0"/>
+              <a:t>.7ng/</a:t>
+            </a:r>
+            <a:r>
+              <a:rPr lang="en-AU" dirty="0" err="1" smtClean="0"/>
+              <a:t>ul</a:t>
+            </a:r>
+            <a:endParaRPr lang="en-US" dirty="0" smtClean="0"/>
+          </a:p>
+        </p:txBody>
+      </p:sp>
+    </p:spTree>
+    <p:extLst>
+      <p:ext uri="{BB962C8B-B14F-4D97-AF65-F5344CB8AC3E}">
         <p14:creationId xmlns:p14="http://schemas.microsoft.com/office/powerpoint/2010/main" val="2786070710"/>
       </p:ext>
     </p:extLst>
@@ -12597,6 +12767,13 @@
   <p:clrMapOvr>
     <a:masterClrMapping/>
   </p:clrMapOvr>
+  <p:timing>
+    <p:tnLst>
+      <p:par>
+        <p:cTn id="1" dur="indefinite" restart="never" nodeType="tmRoot"/>
+      </p:par>
+    </p:tnLst>
+  </p:timing>
 </p:sld>
 </file>
 
@@ -13026,26 +13203,41 @@
         </p:spPr>
         <p:txBody>
           <a:bodyPr>
-            <a:normAutofit/>
+            <a:normAutofit fontScale="92500" lnSpcReduction="10000"/>
           </a:bodyPr>
           <a:lstStyle/>
           <a:p>
             <a:r>
               <a:rPr lang="en-AU" dirty="0" smtClean="0"/>
-              <a:t>Caveolin-1 overexpressed in prostate cancer</a:t>
-            </a:r>
+              <a:t>Caveolin-1 overexpressed in prostate </a:t>
+            </a:r>
+            <a:r>
+              <a:rPr lang="en-AU" dirty="0" smtClean="0"/>
+              <a:t>cancer</a:t>
+            </a:r>
+          </a:p>
+          <a:p>
+            <a:endParaRPr lang="en-AU" dirty="0" smtClean="0"/>
           </a:p>
           <a:p>
             <a:r>
               <a:rPr lang="en-AU" dirty="0" smtClean="0"/>
               <a:t>Knockout caveolin-1 in prostate cancer reduces metastatic phenotype. </a:t>
             </a:r>
+            <a:endParaRPr lang="en-AU" dirty="0" smtClean="0"/>
+          </a:p>
+          <a:p>
+            <a:endParaRPr lang="en-AU" dirty="0" smtClean="0"/>
           </a:p>
           <a:p>
             <a:r>
               <a:rPr lang="en-AU" dirty="0" smtClean="0"/>
               <a:t>Cavin-1 expression also truncates metastasis. </a:t>
             </a:r>
+            <a:endParaRPr lang="en-AU" dirty="0" smtClean="0"/>
+          </a:p>
+          <a:p>
+            <a:endParaRPr lang="en-AU" dirty="0" smtClean="0"/>
           </a:p>
           <a:p>
             <a:r>
@@ -13141,6 +13333,13 @@
   <p:clrMapOvr>
     <a:masterClrMapping/>
   </p:clrMapOvr>
+  <p:timing>
+    <p:tnLst>
+      <p:par>
+        <p:cTn id="1" dur="indefinite" restart="never" nodeType="tmRoot"/>
+      </p:par>
+    </p:tnLst>
+  </p:timing>
 </p:sld>
 </file>
 
@@ -13205,7 +13404,7 @@
         </p:nvSpPr>
         <p:spPr>
           <a:xfrm>
-            <a:off x="932867" y="1679993"/>
+            <a:off x="5272111" y="1480488"/>
             <a:ext cx="6109617" cy="4496218"/>
           </a:xfrm>
         </p:spPr>
@@ -13217,22 +13416,33 @@
           <a:p>
             <a:r>
               <a:rPr lang="en-AU" dirty="0" smtClean="0"/>
+              <a:t>Cavin-1 </a:t>
+            </a:r>
+            <a:r>
+              <a:rPr lang="en-AU" dirty="0" smtClean="0"/>
+              <a:t>expressed in PC3 cell line modifies EV content.  </a:t>
+            </a:r>
+            <a:endParaRPr lang="en-AU" dirty="0" smtClean="0"/>
+          </a:p>
+          <a:p>
+            <a:endParaRPr lang="en-AU" dirty="0" smtClean="0"/>
+          </a:p>
+          <a:p>
+            <a:r>
+              <a:rPr lang="en-AU" dirty="0"/>
               <a:t>EVs transfer biological material </a:t>
             </a:r>
             <a:r>
-              <a:rPr lang="en-AU" dirty="0" err="1" smtClean="0"/>
+              <a:rPr lang="en-AU" dirty="0" err="1"/>
               <a:t>intercellularly</a:t>
             </a:r>
             <a:r>
-              <a:rPr lang="en-AU" dirty="0" smtClean="0"/>
+              <a:rPr lang="en-AU" dirty="0"/>
               <a:t>. </a:t>
             </a:r>
           </a:p>
           <a:p>
-            <a:r>
-              <a:rPr lang="en-AU" dirty="0" smtClean="0"/>
-              <a:t>Cavin-1 expressed in PC3 cell line modifies EV content.  </a:t>
-            </a:r>
+            <a:endParaRPr lang="en-AU" dirty="0" smtClean="0"/>
           </a:p>
           <a:p>
             <a:r>
@@ -13241,12 +13451,18 @@
             </a:r>
             <a:r>
               <a:rPr lang="en-AU" dirty="0" err="1" smtClean="0"/>
-              <a:t>oncogmiR</a:t>
+              <a:t>oncomiR</a:t>
             </a:r>
             <a:r>
               <a:rPr lang="en-AU" dirty="0" smtClean="0"/>
-              <a:t>: miR-148a</a:t>
-            </a:r>
+              <a:t>: </a:t>
+            </a:r>
+            <a:r>
+              <a:rPr lang="en-AU" dirty="0" smtClean="0"/>
+              <a:t>miR-148a</a:t>
+            </a:r>
+          </a:p>
+          <a:p>
             <a:endParaRPr lang="en-AU" dirty="0"/>
           </a:p>
           <a:p>
@@ -13285,8 +13501,8 @@
         </p:blipFill>
         <p:spPr>
           <a:xfrm>
-            <a:off x="7249887" y="1679993"/>
-            <a:ext cx="3658111" cy="3238952"/>
+            <a:off x="932865" y="1679993"/>
+            <a:ext cx="4107931" cy="3637230"/>
           </a:xfrm>
           <a:prstGeom prst="rect">
             <a:avLst/>
@@ -13303,6 +13519,13 @@
   <p:clrMapOvr>
     <a:masterClrMapping/>
   </p:clrMapOvr>
+  <p:timing>
+    <p:tnLst>
+      <p:par>
+        <p:cTn id="1" dur="indefinite" restart="never" nodeType="tmRoot"/>
+      </p:par>
+    </p:tnLst>
+  </p:timing>
 </p:sld>
 </file>
 
@@ -13395,15 +13618,17 @@
               <a:rPr lang="en-AU" dirty="0" smtClean="0"/>
               <a:t>Aims: </a:t>
             </a:r>
-          </a:p>
-          <a:p>
-            <a:pPr>
-              <a:buFontTx/>
-              <a:buChar char="-"/>
-            </a:pPr>
+            <a:endParaRPr lang="en-AU" dirty="0" smtClean="0"/>
+          </a:p>
+          <a:p>
+            <a:pPr marL="898525"/>
             <a:r>
               <a:rPr lang="en-AU" dirty="0" smtClean="0"/>
-              <a:t> Identify additional </a:t>
+              <a:t> </a:t>
+            </a:r>
+            <a:r>
+              <a:rPr lang="en-AU" dirty="0" smtClean="0"/>
+              <a:t>Identify additional </a:t>
             </a:r>
             <a:r>
               <a:rPr lang="en-AU" dirty="0" err="1" smtClean="0"/>
@@ -13415,24 +13640,27 @@
             </a:r>
           </a:p>
           <a:p>
-            <a:pPr>
-              <a:buFontTx/>
-              <a:buChar char="-"/>
-            </a:pPr>
+            <a:pPr marL="898525"/>
             <a:r>
               <a:rPr lang="en-AU" dirty="0"/>
               <a:t> </a:t>
             </a:r>
             <a:r>
               <a:rPr lang="en-AU" dirty="0" smtClean="0"/>
-              <a:t>Identify RNA-binding proteins modified by cavin-1</a:t>
-            </a:r>
-          </a:p>
-          <a:p>
-            <a:pPr>
-              <a:buFontTx/>
-              <a:buChar char="-"/>
-            </a:pPr>
+              <a:t>Identify </a:t>
+            </a:r>
+            <a:r>
+              <a:rPr lang="en-AU" dirty="0" smtClean="0"/>
+              <a:t>RNA-binding proteins modified by </a:t>
+            </a:r>
+            <a:r>
+              <a:rPr lang="en-AU" dirty="0" smtClean="0"/>
+              <a:t>cavin-1in EVs</a:t>
+            </a:r>
+            <a:endParaRPr lang="en-AU" dirty="0" smtClean="0"/>
+          </a:p>
+          <a:p>
+            <a:pPr marL="898525"/>
             <a:r>
               <a:rPr lang="en-AU" dirty="0" smtClean="0"/>
               <a:t> Investigate the interaction between escort protein and </a:t>
@@ -13491,8 +13719,8 @@
         </p:nvSpPr>
         <p:spPr>
           <a:xfrm>
-            <a:off x="1141413" y="248876"/>
-            <a:ext cx="9905998" cy="1478570"/>
+            <a:off x="925945" y="618519"/>
+            <a:ext cx="4703617" cy="1478570"/>
           </a:xfrm>
         </p:spPr>
         <p:txBody>
@@ -13534,22 +13762,49 @@
           <a:lstStyle/>
           <a:p>
             <a:r>
-              <a:rPr lang="en-US" dirty="0" smtClean="0"/>
+              <a:rPr lang="en-AU" dirty="0" smtClean="0"/>
               <a:t>RNA-</a:t>
             </a:r>
             <a:r>
-              <a:rPr lang="en-US" dirty="0" err="1" smtClean="0"/>
+              <a:rPr lang="en-AU" dirty="0" err="1" smtClean="0"/>
               <a:t>seq</a:t>
             </a:r>
             <a:r>
-              <a:rPr lang="en-US" dirty="0" smtClean="0"/>
-              <a:t> data revealed exported miR-148a, 200a, 30a, 19a, and 10b to be truncated by expression of cavin-1. </a:t>
-            </a:r>
-          </a:p>
-          <a:p>
-            <a:r>
-              <a:rPr lang="en-US" dirty="0" smtClean="0"/>
-              <a:t>These share roles in cancer progression. </a:t>
+              <a:rPr lang="en-AU" dirty="0" smtClean="0"/>
+              <a:t> data revealed that not all </a:t>
+            </a:r>
+            <a:r>
+              <a:rPr lang="en-AU" dirty="0" err="1" smtClean="0"/>
+              <a:t>miRs</a:t>
+            </a:r>
+            <a:r>
+              <a:rPr lang="en-AU" dirty="0" smtClean="0"/>
+              <a:t> differentially export were proportionately changed in the EVs. </a:t>
+            </a:r>
+          </a:p>
+          <a:p>
+            <a:endParaRPr lang="en-AU" dirty="0" smtClean="0"/>
+          </a:p>
+          <a:p>
+            <a:r>
+              <a:rPr lang="en-AU" dirty="0" smtClean="0"/>
+              <a:t>Down-</a:t>
+            </a:r>
+            <a:r>
+              <a:rPr lang="en-AU" dirty="0" err="1" smtClean="0"/>
+              <a:t>reg</a:t>
+            </a:r>
+            <a:r>
+              <a:rPr lang="en-AU" dirty="0" smtClean="0"/>
+              <a:t> </a:t>
+            </a:r>
+            <a:r>
+              <a:rPr lang="en-AU" dirty="0" err="1" smtClean="0"/>
+              <a:t>miRs</a:t>
+            </a:r>
+            <a:r>
+              <a:rPr lang="en-AU" dirty="0" smtClean="0"/>
+              <a:t> share roles in cancer progression. </a:t>
             </a:r>
             <a:endParaRPr lang="en-AU" dirty="0"/>
           </a:p>
@@ -13577,14 +13832,90 @@
         </p:blipFill>
         <p:spPr>
           <a:xfrm>
-            <a:off x="5164713" y="1357803"/>
-            <a:ext cx="5882698" cy="5003326"/>
+            <a:off x="5629562" y="265501"/>
+            <a:ext cx="5882698" cy="6112253"/>
           </a:xfrm>
           <a:prstGeom prst="rect">
             <a:avLst/>
           </a:prstGeom>
         </p:spPr>
       </p:pic>
+      <p:cxnSp>
+        <p:nvCxnSpPr>
+          <p:cNvPr id="6" name="Straight Connector 5"/>
+          <p:cNvCxnSpPr/>
+          <p:nvPr/>
+        </p:nvCxnSpPr>
+        <p:spPr>
+          <a:xfrm flipH="1">
+            <a:off x="8726905" y="618519"/>
+            <a:ext cx="16042" cy="3006997"/>
+          </a:xfrm>
+          <a:prstGeom prst="line">
+            <a:avLst/>
+          </a:prstGeom>
+          <a:ln>
+            <a:solidFill>
+              <a:schemeClr val="bg2">
+                <a:lumMod val="50000"/>
+                <a:lumOff val="50000"/>
+              </a:schemeClr>
+            </a:solidFill>
+          </a:ln>
+        </p:spPr>
+        <p:style>
+          <a:lnRef idx="1">
+            <a:schemeClr val="accent1"/>
+          </a:lnRef>
+          <a:fillRef idx="0">
+            <a:schemeClr val="accent1"/>
+          </a:fillRef>
+          <a:effectRef idx="0">
+            <a:schemeClr val="accent1"/>
+          </a:effectRef>
+          <a:fontRef idx="minor">
+            <a:schemeClr val="tx1"/>
+          </a:fontRef>
+        </p:style>
+      </p:cxnSp>
+      <p:cxnSp>
+        <p:nvCxnSpPr>
+          <p:cNvPr id="8" name="Straight Connector 7"/>
+          <p:cNvCxnSpPr/>
+          <p:nvPr/>
+        </p:nvCxnSpPr>
+        <p:spPr>
+          <a:xfrm flipH="1">
+            <a:off x="11028947" y="618519"/>
+            <a:ext cx="16042" cy="3006997"/>
+          </a:xfrm>
+          <a:prstGeom prst="line">
+            <a:avLst/>
+          </a:prstGeom>
+          <a:ln>
+            <a:solidFill>
+              <a:schemeClr val="bg2">
+                <a:lumMod val="50000"/>
+                <a:lumOff val="50000"/>
+              </a:schemeClr>
+            </a:solidFill>
+          </a:ln>
+        </p:spPr>
+        <p:style>
+          <a:lnRef idx="1">
+            <a:schemeClr val="accent1"/>
+          </a:lnRef>
+          <a:fillRef idx="0">
+            <a:schemeClr val="accent1"/>
+          </a:fillRef>
+          <a:effectRef idx="0">
+            <a:schemeClr val="accent1"/>
+          </a:effectRef>
+          <a:fontRef idx="minor">
+            <a:schemeClr val="tx1"/>
+          </a:fontRef>
+        </p:style>
+      </p:cxnSp>
     </p:spTree>
     <p:extLst>
       <p:ext uri="{BB962C8B-B14F-4D97-AF65-F5344CB8AC3E}">
@@ -13595,6 +13926,13 @@
   <p:clrMapOvr>
     <a:masterClrMapping/>
   </p:clrMapOvr>
+  <p:timing>
+    <p:tnLst>
+      <p:par>
+        <p:cTn id="1" dur="indefinite" restart="never" nodeType="tmRoot"/>
+      </p:par>
+    </p:tnLst>
+  </p:timing>
 </p:sld>
 </file>
 
@@ -13625,41 +13963,10 @@
             <p:ph type="title"/>
           </p:nvPr>
         </p:nvSpPr>
-        <p:spPr/>
-        <p:txBody>
-          <a:bodyPr/>
-          <a:lstStyle/>
-          <a:p>
-            <a:r>
-              <a:rPr lang="en-AU" dirty="0" smtClean="0"/>
-              <a:t>Exported </a:t>
-            </a:r>
-            <a:r>
-              <a:rPr lang="en-AU" dirty="0" err="1" smtClean="0"/>
-              <a:t>micrornas</a:t>
-            </a:r>
-            <a:r>
-              <a:rPr lang="en-AU" dirty="0" smtClean="0"/>
-              <a:t> share motif</a:t>
-            </a:r>
-            <a:endParaRPr lang="en-AU" dirty="0"/>
-          </a:p>
-        </p:txBody>
-      </p:sp>
-      <p:sp>
-        <p:nvSpPr>
-          <p:cNvPr id="3" name="Content Placeholder 2"/>
-          <p:cNvSpPr>
-            <a:spLocks noGrp="1"/>
-          </p:cNvSpPr>
-          <p:nvPr>
-            <p:ph idx="1"/>
-          </p:nvPr>
-        </p:nvSpPr>
         <p:spPr>
           <a:xfrm>
-            <a:off x="1141412" y="1752182"/>
-            <a:ext cx="9905999" cy="3541714"/>
+            <a:off x="1141413" y="203700"/>
+            <a:ext cx="9905998" cy="1478570"/>
           </a:xfrm>
         </p:spPr>
         <p:txBody>
@@ -13668,17 +13975,556 @@
           <a:p>
             <a:r>
               <a:rPr lang="en-AU" dirty="0" smtClean="0"/>
-              <a:t>Motif with </a:t>
+              <a:t>Exported </a:t>
             </a:r>
             <a:r>
               <a:rPr lang="en-AU" dirty="0" err="1" smtClean="0"/>
-              <a:t>mirs</a:t>
+              <a:t>micrornas</a:t>
             </a:r>
             <a:r>
               <a:rPr lang="en-AU" dirty="0" smtClean="0"/>
-              <a:t> that it associates to. </a:t>
+              <a:t> share motif</a:t>
             </a:r>
             <a:endParaRPr lang="en-AU" dirty="0"/>
+          </a:p>
+        </p:txBody>
+      </p:sp>
+      <p:cxnSp>
+        <p:nvCxnSpPr>
+          <p:cNvPr id="7" name="Elbow Connector 6"/>
+          <p:cNvCxnSpPr/>
+          <p:nvPr/>
+        </p:nvCxnSpPr>
+        <p:spPr>
+          <a:xfrm>
+            <a:off x="5020888" y="1593392"/>
+            <a:ext cx="1546167" cy="862681"/>
+          </a:xfrm>
+          <a:prstGeom prst="bentConnector3">
+            <a:avLst/>
+          </a:prstGeom>
+        </p:spPr>
+        <p:style>
+          <a:lnRef idx="1">
+            <a:schemeClr val="accent1"/>
+          </a:lnRef>
+          <a:fillRef idx="0">
+            <a:schemeClr val="accent1"/>
+          </a:fillRef>
+          <a:effectRef idx="0">
+            <a:schemeClr val="accent1"/>
+          </a:effectRef>
+          <a:fontRef idx="minor">
+            <a:schemeClr val="tx1"/>
+          </a:fontRef>
+        </p:style>
+      </p:cxnSp>
+      <p:cxnSp>
+        <p:nvCxnSpPr>
+          <p:cNvPr id="8" name="Elbow Connector 7"/>
+          <p:cNvCxnSpPr/>
+          <p:nvPr/>
+        </p:nvCxnSpPr>
+        <p:spPr>
+          <a:xfrm flipV="1">
+            <a:off x="5020888" y="2628944"/>
+            <a:ext cx="1546167" cy="1047263"/>
+          </a:xfrm>
+          <a:prstGeom prst="bentConnector3">
+            <a:avLst>
+              <a:gd name="adj1" fmla="val 50000"/>
+            </a:avLst>
+          </a:prstGeom>
+        </p:spPr>
+        <p:style>
+          <a:lnRef idx="1">
+            <a:schemeClr val="accent1"/>
+          </a:lnRef>
+          <a:fillRef idx="0">
+            <a:schemeClr val="accent1"/>
+          </a:fillRef>
+          <a:effectRef idx="0">
+            <a:schemeClr val="accent1"/>
+          </a:effectRef>
+          <a:fontRef idx="minor">
+            <a:schemeClr val="tx1"/>
+          </a:fontRef>
+        </p:style>
+      </p:cxnSp>
+      <p:sp>
+        <p:nvSpPr>
+          <p:cNvPr id="12" name="TextBox 11"/>
+          <p:cNvSpPr txBox="1"/>
+          <p:nvPr/>
+        </p:nvSpPr>
+        <p:spPr>
+          <a:xfrm>
+            <a:off x="6594014" y="1541632"/>
+            <a:ext cx="2602519" cy="3416320"/>
+          </a:xfrm>
+          <a:prstGeom prst="rect">
+            <a:avLst/>
+          </a:prstGeom>
+          <a:noFill/>
+        </p:spPr>
+        <p:txBody>
+          <a:bodyPr wrap="square" rtlCol="0">
+            <a:spAutoFit/>
+          </a:bodyPr>
+          <a:lstStyle/>
+          <a:p>
+            <a:r>
+              <a:rPr lang="en-US" dirty="0" smtClean="0"/>
+              <a:t>miR-148a-3p: AGUGCA</a:t>
+            </a:r>
+          </a:p>
+          <a:p>
+            <a:r>
+              <a:rPr lang="en-US" dirty="0" smtClean="0"/>
+              <a:t>miR-148b-3p: AGUGCA</a:t>
+            </a:r>
+          </a:p>
+          <a:p>
+            <a:r>
+              <a:rPr lang="en-US" dirty="0" smtClean="0"/>
+              <a:t>miR-429: 		</a:t>
+            </a:r>
+            <a:r>
+              <a:rPr lang="en-AU" dirty="0" smtClean="0"/>
+              <a:t>UGCAAU</a:t>
+            </a:r>
+            <a:r>
+              <a:rPr lang="en-US" dirty="0" smtClean="0"/>
+              <a:t> </a:t>
+            </a:r>
+          </a:p>
+          <a:p>
+            <a:r>
+              <a:rPr lang="en-US" dirty="0" smtClean="0"/>
+              <a:t>miR-32-5p:	AUUGCA</a:t>
+            </a:r>
+          </a:p>
+          <a:p>
+            <a:r>
+              <a:rPr lang="en-US" dirty="0" smtClean="0"/>
+              <a:t>miR-17-5p:	AGUGCU</a:t>
+            </a:r>
+          </a:p>
+          <a:p>
+            <a:r>
+              <a:rPr lang="en-US" dirty="0" smtClean="0"/>
+              <a:t>miR-20b-5p: 	AGUGCU</a:t>
+            </a:r>
+          </a:p>
+          <a:p>
+            <a:r>
+              <a:rPr lang="en-US" dirty="0" smtClean="0"/>
+              <a:t>miR-19a-3p:	UGUGCA</a:t>
+            </a:r>
+          </a:p>
+          <a:p>
+            <a:r>
+              <a:rPr lang="en-US" dirty="0" smtClean="0"/>
+              <a:t>miR-30e-5p: 	UGUAAA</a:t>
+            </a:r>
+          </a:p>
+          <a:p>
+            <a:endParaRPr lang="en-US" dirty="0" smtClean="0"/>
+          </a:p>
+          <a:p>
+            <a:r>
+              <a:rPr lang="en-US" dirty="0" smtClean="0"/>
+              <a:t>No10a-3p, 186-5p, 3615, 98, 200a, </a:t>
+            </a:r>
+          </a:p>
+          <a:p>
+            <a:endParaRPr lang="en-AU" dirty="0"/>
+          </a:p>
+        </p:txBody>
+      </p:sp>
+      <p:pic>
+        <p:nvPicPr>
+          <p:cNvPr id="13" name="Picture 12"/>
+          <p:cNvPicPr>
+            <a:picLocks noChangeAspect="1"/>
+          </p:cNvPicPr>
+          <p:nvPr/>
+        </p:nvPicPr>
+        <p:blipFill>
+          <a:blip r:embed="rId2">
+            <a:extLst>
+              <a:ext uri="{28A0092B-C50C-407E-A947-70E740481C1C}">
+                <a14:useLocalDpi xmlns:a14="http://schemas.microsoft.com/office/drawing/2010/main" val="0"/>
+              </a:ext>
+            </a:extLst>
+          </a:blip>
+          <a:stretch>
+            <a:fillRect/>
+          </a:stretch>
+        </p:blipFill>
+        <p:spPr>
+          <a:xfrm>
+            <a:off x="1787761" y="1766263"/>
+            <a:ext cx="3746474" cy="1737072"/>
+          </a:xfrm>
+          <a:prstGeom prst="rect">
+            <a:avLst/>
+          </a:prstGeom>
+          <a:solidFill>
+            <a:srgbClr val="FFFFFF">
+              <a:shade val="85000"/>
+            </a:srgbClr>
+          </a:solidFill>
+          <a:ln w="190500" cap="rnd">
+            <a:solidFill>
+              <a:srgbClr val="FFFFFF"/>
+            </a:solidFill>
+          </a:ln>
+          <a:effectLst>
+            <a:outerShdw blurRad="50000" algn="tl" rotWithShape="0">
+              <a:srgbClr val="000000">
+                <a:alpha val="41000"/>
+              </a:srgbClr>
+            </a:outerShdw>
+          </a:effectLst>
+          <a:scene3d>
+            <a:camera prst="orthographicFront"/>
+            <a:lightRig rig="twoPt" dir="t">
+              <a:rot lat="0" lon="0" rev="7800000"/>
+            </a:lightRig>
+          </a:scene3d>
+          <a:sp3d contourW="6350">
+            <a:bevelT w="50800" h="16510"/>
+            <a:contourClr>
+              <a:srgbClr val="C0C0C0"/>
+            </a:contourClr>
+          </a:sp3d>
+        </p:spPr>
+      </p:pic>
+      <p:sp>
+        <p:nvSpPr>
+          <p:cNvPr id="14" name="TextBox 13"/>
+          <p:cNvSpPr txBox="1"/>
+          <p:nvPr/>
+        </p:nvSpPr>
+        <p:spPr>
+          <a:xfrm>
+            <a:off x="9223492" y="1593392"/>
+            <a:ext cx="2995466" cy="2031325"/>
+          </a:xfrm>
+          <a:prstGeom prst="rect">
+            <a:avLst/>
+          </a:prstGeom>
+          <a:noFill/>
+        </p:spPr>
+        <p:txBody>
+          <a:bodyPr wrap="square" rtlCol="0">
+            <a:spAutoFit/>
+          </a:bodyPr>
+          <a:lstStyle/>
+          <a:p>
+            <a:r>
+              <a:rPr lang="en-US" dirty="0"/>
+              <a:t>miR-30a-3p: 	UGUAAA</a:t>
+            </a:r>
+          </a:p>
+          <a:p>
+            <a:r>
+              <a:rPr lang="en-US" dirty="0"/>
+              <a:t>miR-16-2-3p:	UGUGCU</a:t>
+            </a:r>
+          </a:p>
+          <a:p>
+            <a:r>
+              <a:rPr lang="en-US" dirty="0"/>
+              <a:t>miR-125a-3p: 	AGUGGA</a:t>
+            </a:r>
+          </a:p>
+          <a:p>
+            <a:r>
+              <a:rPr lang="en-US" dirty="0"/>
+              <a:t>miR-147b: 	UGUGCG</a:t>
+            </a:r>
+          </a:p>
+          <a:p>
+            <a:r>
+              <a:rPr lang="en-US" dirty="0"/>
+              <a:t>miR-10b-5p: 	</a:t>
+            </a:r>
+            <a:r>
+              <a:rPr lang="en-US" dirty="0" smtClean="0"/>
+              <a:t>UGUAGA</a:t>
+            </a:r>
+          </a:p>
+          <a:p>
+            <a:endParaRPr lang="en-US" dirty="0"/>
+          </a:p>
+          <a:p>
+            <a:r>
+              <a:rPr lang="en-US" dirty="0" smtClean="0"/>
+              <a:t>Matches 13/20 Diff. </a:t>
+            </a:r>
+            <a:r>
+              <a:rPr lang="en-US" dirty="0" err="1" smtClean="0"/>
+              <a:t>miRs</a:t>
+            </a:r>
+            <a:endParaRPr lang="en-US" dirty="0"/>
+          </a:p>
+        </p:txBody>
+      </p:sp>
+      <p:pic>
+        <p:nvPicPr>
+          <p:cNvPr id="16" name="Picture 15"/>
+          <p:cNvPicPr/>
+          <p:nvPr/>
+        </p:nvPicPr>
+        <p:blipFill>
+          <a:blip r:embed="rId3"/>
+          <a:stretch>
+            <a:fillRect/>
+          </a:stretch>
+        </p:blipFill>
+        <p:spPr>
+          <a:xfrm>
+            <a:off x="6594014" y="4109273"/>
+            <a:ext cx="4879340" cy="1790700"/>
+          </a:xfrm>
+          <a:prstGeom prst="rect">
+            <a:avLst/>
+          </a:prstGeom>
+        </p:spPr>
+      </p:pic>
+      <p:cxnSp>
+        <p:nvCxnSpPr>
+          <p:cNvPr id="22" name="Elbow Connector 21"/>
+          <p:cNvCxnSpPr/>
+          <p:nvPr/>
+        </p:nvCxnSpPr>
+        <p:spPr>
+          <a:xfrm rot="10800000" flipV="1">
+            <a:off x="5938350" y="4060285"/>
+            <a:ext cx="1007884" cy="936143"/>
+          </a:xfrm>
+          <a:prstGeom prst="bentConnector3">
+            <a:avLst/>
+          </a:prstGeom>
+        </p:spPr>
+        <p:style>
+          <a:lnRef idx="1">
+            <a:schemeClr val="accent1"/>
+          </a:lnRef>
+          <a:fillRef idx="0">
+            <a:schemeClr val="accent1"/>
+          </a:fillRef>
+          <a:effectRef idx="0">
+            <a:schemeClr val="accent1"/>
+          </a:effectRef>
+          <a:fontRef idx="minor">
+            <a:schemeClr val="tx1"/>
+          </a:fontRef>
+        </p:style>
+      </p:cxnSp>
+      <p:cxnSp>
+        <p:nvCxnSpPr>
+          <p:cNvPr id="24" name="Elbow Connector 23"/>
+          <p:cNvCxnSpPr/>
+          <p:nvPr/>
+        </p:nvCxnSpPr>
+        <p:spPr>
+          <a:xfrm rot="10800000">
+            <a:off x="5938349" y="5135511"/>
+            <a:ext cx="1030562" cy="832652"/>
+          </a:xfrm>
+          <a:prstGeom prst="bentConnector3">
+            <a:avLst>
+              <a:gd name="adj1" fmla="val 50000"/>
+            </a:avLst>
+          </a:prstGeom>
+        </p:spPr>
+        <p:style>
+          <a:lnRef idx="1">
+            <a:schemeClr val="accent1"/>
+          </a:lnRef>
+          <a:fillRef idx="0">
+            <a:schemeClr val="accent1"/>
+          </a:fillRef>
+          <a:effectRef idx="0">
+            <a:schemeClr val="accent1"/>
+          </a:effectRef>
+          <a:fontRef idx="minor">
+            <a:schemeClr val="tx1"/>
+          </a:fontRef>
+        </p:style>
+      </p:cxnSp>
+      <p:sp>
+        <p:nvSpPr>
+          <p:cNvPr id="29" name="TextBox 28"/>
+          <p:cNvSpPr txBox="1"/>
+          <p:nvPr/>
+        </p:nvSpPr>
+        <p:spPr>
+          <a:xfrm>
+            <a:off x="1787761" y="4077704"/>
+            <a:ext cx="2983832" cy="2031325"/>
+          </a:xfrm>
+          <a:prstGeom prst="rect">
+            <a:avLst/>
+          </a:prstGeom>
+          <a:noFill/>
+        </p:spPr>
+        <p:txBody>
+          <a:bodyPr wrap="square" rtlCol="0">
+            <a:spAutoFit/>
+          </a:bodyPr>
+          <a:lstStyle/>
+          <a:p>
+            <a:r>
+              <a:rPr lang="en-US" dirty="0" smtClean="0"/>
+              <a:t>miR-22-3p: 	</a:t>
+            </a:r>
+            <a:r>
+              <a:rPr lang="en-AU" dirty="0" smtClean="0"/>
+              <a:t>UGAAGAACU</a:t>
+            </a:r>
+            <a:endParaRPr lang="en-US" dirty="0" smtClean="0"/>
+          </a:p>
+          <a:p>
+            <a:r>
+              <a:rPr lang="en-US" dirty="0" smtClean="0"/>
+              <a:t>miR-148b-3p: 	</a:t>
+            </a:r>
+            <a:r>
+              <a:rPr lang="en-AU" dirty="0"/>
+              <a:t>CACAGAACU</a:t>
+            </a:r>
+            <a:endParaRPr lang="en-US" dirty="0" smtClean="0"/>
+          </a:p>
+          <a:p>
+            <a:r>
+              <a:rPr lang="en-US" dirty="0" smtClean="0"/>
+              <a:t>miR-148a-3p:	</a:t>
+            </a:r>
+            <a:r>
+              <a:rPr lang="en-AU" dirty="0"/>
+              <a:t>UACAGAACU</a:t>
+            </a:r>
+            <a:endParaRPr lang="en-US" dirty="0" smtClean="0"/>
+          </a:p>
+          <a:p>
+            <a:r>
+              <a:rPr lang="en-US" dirty="0" smtClean="0"/>
+              <a:t>miR-19a-3p:	</a:t>
+            </a:r>
+            <a:r>
+              <a:rPr lang="en-AU" dirty="0"/>
+              <a:t>UGCAAAUCU</a:t>
+            </a:r>
+            <a:endParaRPr lang="en-US" dirty="0" smtClean="0"/>
+          </a:p>
+          <a:p>
+            <a:r>
+              <a:rPr lang="en-US" dirty="0" smtClean="0"/>
+              <a:t>miR-30a-5p:	</a:t>
+            </a:r>
+            <a:r>
+              <a:rPr lang="en-AU" dirty="0"/>
+              <a:t>UAAACAUCC</a:t>
+            </a:r>
+            <a:endParaRPr lang="en-US" dirty="0" smtClean="0"/>
+          </a:p>
+          <a:p>
+            <a:r>
+              <a:rPr lang="en-US" dirty="0" smtClean="0"/>
+              <a:t>miR-30e-5p:	</a:t>
+            </a:r>
+            <a:r>
+              <a:rPr lang="en-AU" dirty="0"/>
+              <a:t>UAAACAUCC</a:t>
+            </a:r>
+            <a:endParaRPr lang="en-US" dirty="0" smtClean="0"/>
+          </a:p>
+          <a:p>
+            <a:r>
+              <a:rPr lang="en-US" dirty="0" smtClean="0"/>
+              <a:t>miR-151a-3p:	</a:t>
+            </a:r>
+            <a:r>
+              <a:rPr lang="en-AU" dirty="0"/>
+              <a:t>UGAAGCUCC</a:t>
+            </a:r>
+            <a:endParaRPr lang="en-US" dirty="0"/>
+          </a:p>
+        </p:txBody>
+      </p:sp>
+      <p:sp>
+        <p:nvSpPr>
+          <p:cNvPr id="30" name="TextBox 29"/>
+          <p:cNvSpPr txBox="1"/>
+          <p:nvPr/>
+        </p:nvSpPr>
+        <p:spPr>
+          <a:xfrm>
+            <a:off x="4760785" y="4628507"/>
+            <a:ext cx="1164083" cy="923330"/>
+          </a:xfrm>
+          <a:prstGeom prst="rect">
+            <a:avLst/>
+          </a:prstGeom>
+          <a:noFill/>
+        </p:spPr>
+        <p:txBody>
+          <a:bodyPr wrap="square" rtlCol="0">
+            <a:spAutoFit/>
+          </a:bodyPr>
+          <a:lstStyle/>
+          <a:p>
+            <a:r>
+              <a:rPr lang="en-US" dirty="0" smtClean="0"/>
+              <a:t>Matches 7/20 Diff. </a:t>
+            </a:r>
+            <a:r>
+              <a:rPr lang="en-US" dirty="0" err="1" smtClean="0"/>
+              <a:t>miRs</a:t>
+            </a:r>
+            <a:endParaRPr lang="en-AU" dirty="0"/>
+          </a:p>
+        </p:txBody>
+      </p:sp>
+      <p:sp>
+        <p:nvSpPr>
+          <p:cNvPr id="31" name="TextBox 30"/>
+          <p:cNvSpPr txBox="1"/>
+          <p:nvPr/>
+        </p:nvSpPr>
+        <p:spPr>
+          <a:xfrm>
+            <a:off x="5020888" y="6061506"/>
+            <a:ext cx="6521529" cy="400110"/>
+          </a:xfrm>
+          <a:prstGeom prst="rect">
+            <a:avLst/>
+          </a:prstGeom>
+          <a:noFill/>
+        </p:spPr>
+        <p:txBody>
+          <a:bodyPr wrap="none" rtlCol="0">
+            <a:spAutoFit/>
+          </a:bodyPr>
+          <a:lstStyle/>
+          <a:p>
+            <a:r>
+              <a:rPr lang="en-US" sz="2000" dirty="0" smtClean="0"/>
+              <a:t>Together, motifs match to 15/20 differentially exported </a:t>
+            </a:r>
+            <a:r>
+              <a:rPr lang="en-US" sz="2000" dirty="0" err="1" smtClean="0"/>
+              <a:t>miRs</a:t>
+            </a:r>
+            <a:r>
+              <a:rPr lang="en-US" sz="2000" dirty="0" smtClean="0"/>
+              <a:t>. </a:t>
+            </a:r>
+            <a:endParaRPr lang="en-AU" sz="2000" dirty="0"/>
           </a:p>
         </p:txBody>
       </p:sp>
@@ -13692,6 +14538,13 @@
   <p:clrMapOvr>
     <a:masterClrMapping/>
   </p:clrMapOvr>
+  <p:timing>
+    <p:tnLst>
+      <p:par>
+        <p:cTn id="1" dur="indefinite" restart="never" nodeType="tmRoot"/>
+      </p:par>
+    </p:tnLst>
+  </p:timing>
 </p:sld>
 </file>
 
@@ -13722,41 +14575,27 @@
             <p:ph type="title"/>
           </p:nvPr>
         </p:nvSpPr>
-        <p:spPr/>
+        <p:spPr>
+          <a:xfrm>
+            <a:off x="1141413" y="377886"/>
+            <a:ext cx="9905998" cy="1478570"/>
+          </a:xfrm>
+        </p:spPr>
         <p:txBody>
           <a:bodyPr/>
           <a:lstStyle/>
           <a:p>
             <a:r>
+              <a:rPr lang="en-US" dirty="0" smtClean="0"/>
+              <a:t>Differentially exported </a:t>
+            </a:r>
+            <a:r>
               <a:rPr lang="en-US" dirty="0" err="1" smtClean="0"/>
               <a:t>hnRNPK</a:t>
             </a:r>
             <a:r>
               <a:rPr lang="en-US" dirty="0" smtClean="0"/>
-              <a:t> and its subcellular localization</a:t>
-            </a:r>
-            <a:endParaRPr lang="en-AU" dirty="0"/>
-          </a:p>
-        </p:txBody>
-      </p:sp>
-      <p:sp>
-        <p:nvSpPr>
-          <p:cNvPr id="3" name="Content Placeholder 2"/>
-          <p:cNvSpPr>
-            <a:spLocks noGrp="1"/>
-          </p:cNvSpPr>
-          <p:nvPr>
-            <p:ph idx="1"/>
-          </p:nvPr>
-        </p:nvSpPr>
-        <p:spPr/>
-        <p:txBody>
-          <a:bodyPr/>
-          <a:lstStyle/>
-          <a:p>
-            <a:r>
-              <a:rPr lang="en-US" dirty="0" smtClean="0"/>
-              <a:t>CD9 overlap and ER overlap. </a:t>
+              <a:t> binds similar motif</a:t>
             </a:r>
             <a:endParaRPr lang="en-AU" dirty="0"/>
           </a:p>
@@ -13764,11 +14603,13 @@
       </p:sp>
       <p:pic>
         <p:nvPicPr>
-          <p:cNvPr id="4" name="Picture 3"/>
+          <p:cNvPr id="4" name="Content Placeholder 3"/>
           <p:cNvPicPr>
-            <a:picLocks noChangeAspect="1"/>
+            <a:picLocks noGrp="1" noChangeAspect="1"/>
           </p:cNvPicPr>
-          <p:nvPr/>
+          <p:nvPr>
+            <p:ph idx="1"/>
+          </p:nvPr>
         </p:nvPicPr>
         <p:blipFill>
           <a:blip r:embed="rId2"/>
@@ -13778,24 +14619,151 @@
         </p:blipFill>
         <p:spPr>
           <a:xfrm>
-            <a:off x="1141412" y="2796381"/>
-            <a:ext cx="6810375" cy="2447925"/>
+            <a:off x="1141413" y="2249668"/>
+            <a:ext cx="5051076" cy="3581817"/>
           </a:xfrm>
           <a:prstGeom prst="rect">
             <a:avLst/>
           </a:prstGeom>
         </p:spPr>
       </p:pic>
+      <p:sp>
+        <p:nvSpPr>
+          <p:cNvPr id="5" name="TextBox 4"/>
+          <p:cNvSpPr txBox="1"/>
+          <p:nvPr/>
+        </p:nvSpPr>
+        <p:spPr>
+          <a:xfrm>
+            <a:off x="6716043" y="1532198"/>
+            <a:ext cx="4331368" cy="5016758"/>
+          </a:xfrm>
+          <a:prstGeom prst="rect">
+            <a:avLst/>
+          </a:prstGeom>
+          <a:noFill/>
+        </p:spPr>
+        <p:txBody>
+          <a:bodyPr wrap="square" rtlCol="0">
+            <a:spAutoFit/>
+          </a:bodyPr>
+          <a:lstStyle/>
+          <a:p>
+            <a:r>
+              <a:rPr lang="en-US" sz="2400" dirty="0" err="1" smtClean="0"/>
+              <a:t>hnRNPK</a:t>
+            </a:r>
+            <a:r>
+              <a:rPr lang="en-US" sz="2400" dirty="0" smtClean="0"/>
+              <a:t>:</a:t>
+            </a:r>
+          </a:p>
+          <a:p>
+            <a:endParaRPr lang="en-AU" sz="2400" dirty="0"/>
+          </a:p>
+          <a:p>
+            <a:pPr marL="285750" indent="-285750">
+              <a:buFontTx/>
+              <a:buChar char="-"/>
+            </a:pPr>
+            <a:r>
+              <a:rPr lang="en-US" sz="2400" dirty="0" smtClean="0"/>
+              <a:t>Protein family previously implicated in related function</a:t>
+            </a:r>
+          </a:p>
+          <a:p>
+            <a:pPr marL="285750" indent="-285750">
+              <a:buFontTx/>
+              <a:buChar char="-"/>
+            </a:pPr>
+            <a:endParaRPr lang="en-US" sz="2400" dirty="0" smtClean="0"/>
+          </a:p>
+          <a:p>
+            <a:pPr marL="285750" indent="-285750">
+              <a:buFontTx/>
+              <a:buChar char="-"/>
+            </a:pPr>
+            <a:r>
+              <a:rPr lang="en-US" sz="2400" dirty="0" smtClean="0"/>
+              <a:t>Known to bind to </a:t>
+            </a:r>
+            <a:r>
+              <a:rPr lang="en-US" sz="2400" dirty="0" err="1" smtClean="0"/>
+              <a:t>miRs</a:t>
+            </a:r>
+            <a:endParaRPr lang="en-US" sz="2400" dirty="0" smtClean="0"/>
+          </a:p>
+          <a:p>
+            <a:pPr marL="285750" indent="-285750">
+              <a:buFontTx/>
+              <a:buChar char="-"/>
+            </a:pPr>
+            <a:endParaRPr lang="en-US" sz="2400" dirty="0" smtClean="0"/>
+          </a:p>
+          <a:p>
+            <a:pPr marL="285750" indent="-285750">
+              <a:buFontTx/>
+              <a:buChar char="-"/>
+            </a:pPr>
+            <a:r>
+              <a:rPr lang="en-US" sz="2400" dirty="0" smtClean="0"/>
+              <a:t>Binds AGUGUG region on miR-122-5p (found by </a:t>
+            </a:r>
+            <a:r>
+              <a:rPr lang="en-US" sz="2400" dirty="0" err="1" smtClean="0"/>
+              <a:t>mut</a:t>
+            </a:r>
+            <a:r>
+              <a:rPr lang="en-US" sz="2400" dirty="0" smtClean="0"/>
+              <a:t>. assay)</a:t>
+            </a:r>
+          </a:p>
+          <a:p>
+            <a:pPr marL="285750" indent="-285750">
+              <a:buFontTx/>
+              <a:buChar char="-"/>
+            </a:pPr>
+            <a:endParaRPr lang="en-US" sz="2400" dirty="0" smtClean="0"/>
+          </a:p>
+          <a:p>
+            <a:pPr marL="285750" indent="-285750">
+              <a:buFontTx/>
+              <a:buChar char="-"/>
+            </a:pPr>
+            <a:r>
+              <a:rPr lang="en-US" sz="2400" dirty="0" smtClean="0"/>
+              <a:t>Region matches to AGUGCA motif (p= 0.0593, using FIMO)</a:t>
+            </a:r>
+          </a:p>
+          <a:p>
+            <a:endParaRPr lang="en-US" sz="1600" dirty="0" smtClean="0"/>
+          </a:p>
+          <a:p>
+            <a:pPr marL="285750" indent="-285750">
+              <a:buFontTx/>
+              <a:buChar char="-"/>
+            </a:pPr>
+            <a:endParaRPr lang="en-US" sz="1600" dirty="0" smtClean="0"/>
+          </a:p>
+        </p:txBody>
+      </p:sp>
     </p:spTree>
     <p:extLst>
       <p:ext uri="{BB962C8B-B14F-4D97-AF65-F5344CB8AC3E}">
-        <p14:creationId xmlns:p14="http://schemas.microsoft.com/office/powerpoint/2010/main" val="323310266"/>
+        <p14:creationId xmlns:p14="http://schemas.microsoft.com/office/powerpoint/2010/main" val="2919458153"/>
       </p:ext>
     </p:extLst>
   </p:cSld>
   <p:clrMapOvr>
     <a:masterClrMapping/>
   </p:clrMapOvr>
+  <p:timing>
+    <p:tnLst>
+      <p:par>
+        <p:cTn id="1" dur="indefinite" restart="never" nodeType="tmRoot"/>
+      </p:par>
+    </p:tnLst>
+  </p:timing>
 </p:sld>
 </file>
 
@@ -13833,19 +14801,11 @@
           <a:p>
             <a:r>
               <a:rPr lang="en-US" dirty="0" err="1" smtClean="0"/>
-              <a:t>Hnrnpk</a:t>
+              <a:t>hnRNPK</a:t>
             </a:r>
             <a:r>
               <a:rPr lang="en-US" dirty="0" smtClean="0"/>
-              <a:t> </a:t>
-            </a:r>
-            <a:r>
-              <a:rPr lang="en-US" dirty="0" err="1" smtClean="0"/>
-              <a:t>colocalize</a:t>
-            </a:r>
-            <a:r>
-              <a:rPr lang="en-US" dirty="0" smtClean="0"/>
-              <a:t> with mir-148a</a:t>
+              <a:t> and its subcellular localization</a:t>
             </a:r>
             <a:endParaRPr lang="en-AU" dirty="0"/>
           </a:p>
@@ -13866,20 +14826,55 @@
           <a:bodyPr/>
           <a:lstStyle/>
           <a:p>
+            <a:r>
+              <a:rPr lang="en-US" dirty="0" smtClean="0"/>
+              <a:t>CD9 overlap and ER overlap. </a:t>
+            </a:r>
             <a:endParaRPr lang="en-AU" dirty="0"/>
           </a:p>
         </p:txBody>
       </p:sp>
+      <p:pic>
+        <p:nvPicPr>
+          <p:cNvPr id="5" name="Picture 4"/>
+          <p:cNvPicPr>
+            <a:picLocks noChangeAspect="1"/>
+          </p:cNvPicPr>
+          <p:nvPr/>
+        </p:nvPicPr>
+        <p:blipFill>
+          <a:blip r:embed="rId2"/>
+          <a:stretch>
+            <a:fillRect/>
+          </a:stretch>
+        </p:blipFill>
+        <p:spPr>
+          <a:xfrm>
+            <a:off x="1006391" y="1691481"/>
+            <a:ext cx="6810375" cy="4657725"/>
+          </a:xfrm>
+          <a:prstGeom prst="rect">
+            <a:avLst/>
+          </a:prstGeom>
+        </p:spPr>
+      </p:pic>
     </p:spTree>
     <p:extLst>
       <p:ext uri="{BB962C8B-B14F-4D97-AF65-F5344CB8AC3E}">
-        <p14:creationId xmlns:p14="http://schemas.microsoft.com/office/powerpoint/2010/main" val="1482749622"/>
+        <p14:creationId xmlns:p14="http://schemas.microsoft.com/office/powerpoint/2010/main" val="323310266"/>
       </p:ext>
     </p:extLst>
   </p:cSld>
   <p:clrMapOvr>
     <a:masterClrMapping/>
   </p:clrMapOvr>
+  <p:timing>
+    <p:tnLst>
+      <p:par>
+        <p:cTn id="1" dur="indefinite" restart="never" nodeType="tmRoot"/>
+      </p:par>
+    </p:tnLst>
+  </p:timing>
 </p:sld>
 </file>
 

--- a/BackgroundInfo/MeetingSept.pptx
+++ b/BackgroundInfo/MeetingSept.pptx
@@ -4,6 +4,9 @@
   <p:sldMasterIdLst>
     <p:sldMasterId id="2147483750" r:id="rId1"/>
   </p:sldMasterIdLst>
+  <p:notesMasterIdLst>
+    <p:notesMasterId r:id="rId18"/>
+  </p:notesMasterIdLst>
   <p:sldIdLst>
     <p:sldId id="256" r:id="rId2"/>
     <p:sldId id="257" r:id="rId3"/>
@@ -11,11 +14,16 @@
     <p:sldId id="259" r:id="rId5"/>
     <p:sldId id="260" r:id="rId6"/>
     <p:sldId id="261" r:id="rId7"/>
-    <p:sldId id="263" r:id="rId8"/>
-    <p:sldId id="267" r:id="rId9"/>
-    <p:sldId id="264" r:id="rId10"/>
-    <p:sldId id="265" r:id="rId11"/>
-    <p:sldId id="266" r:id="rId12"/>
+    <p:sldId id="268" r:id="rId8"/>
+    <p:sldId id="263" r:id="rId9"/>
+    <p:sldId id="267" r:id="rId10"/>
+    <p:sldId id="264" r:id="rId11"/>
+    <p:sldId id="269" r:id="rId12"/>
+    <p:sldId id="271" r:id="rId13"/>
+    <p:sldId id="265" r:id="rId14"/>
+    <p:sldId id="272" r:id="rId15"/>
+    <p:sldId id="266" r:id="rId16"/>
+    <p:sldId id="270" r:id="rId17"/>
   </p:sldIdLst>
   <p:sldSz cx="12192000" cy="6858000"/>
   <p:notesSz cx="6858000" cy="9144000"/>
@@ -122,6 +130,564 @@
 </p:presentation>
 </file>
 
+<file path=ppt/notesMasters/notesMaster1.xml><?xml version="1.0" encoding="utf-8"?>
+<p:notesMaster xmlns:a="http://schemas.openxmlformats.org/drawingml/2006/main" xmlns:r="http://schemas.openxmlformats.org/officeDocument/2006/relationships" xmlns:p="http://schemas.openxmlformats.org/presentationml/2006/main">
+  <p:cSld>
+    <p:bg>
+      <p:bgRef idx="1001">
+        <a:schemeClr val="bg1"/>
+      </p:bgRef>
+    </p:bg>
+    <p:spTree>
+      <p:nvGrpSpPr>
+        <p:cNvPr id="1" name=""/>
+        <p:cNvGrpSpPr/>
+        <p:nvPr/>
+      </p:nvGrpSpPr>
+      <p:grpSpPr>
+        <a:xfrm>
+          <a:off x="0" y="0"/>
+          <a:ext cx="0" cy="0"/>
+          <a:chOff x="0" y="0"/>
+          <a:chExt cx="0" cy="0"/>
+        </a:xfrm>
+      </p:grpSpPr>
+      <p:sp>
+        <p:nvSpPr>
+          <p:cNvPr id="2" name="Header Placeholder 1"/>
+          <p:cNvSpPr>
+            <a:spLocks noGrp="1"/>
+          </p:cNvSpPr>
+          <p:nvPr>
+            <p:ph type="hdr" sz="quarter"/>
+          </p:nvPr>
+        </p:nvSpPr>
+        <p:spPr>
+          <a:xfrm>
+            <a:off x="0" y="0"/>
+            <a:ext cx="2971800" cy="458788"/>
+          </a:xfrm>
+          <a:prstGeom prst="rect">
+            <a:avLst/>
+          </a:prstGeom>
+        </p:spPr>
+        <p:txBody>
+          <a:bodyPr vert="horz" lIns="91440" tIns="45720" rIns="91440" bIns="45720" rtlCol="0"/>
+          <a:lstStyle>
+            <a:lvl1pPr algn="l">
+              <a:defRPr sz="1200"/>
+            </a:lvl1pPr>
+          </a:lstStyle>
+          <a:p>
+            <a:endParaRPr lang="en-AU"/>
+          </a:p>
+        </p:txBody>
+      </p:sp>
+      <p:sp>
+        <p:nvSpPr>
+          <p:cNvPr id="3" name="Date Placeholder 2"/>
+          <p:cNvSpPr>
+            <a:spLocks noGrp="1"/>
+          </p:cNvSpPr>
+          <p:nvPr>
+            <p:ph type="dt" idx="1"/>
+          </p:nvPr>
+        </p:nvSpPr>
+        <p:spPr>
+          <a:xfrm>
+            <a:off x="3884613" y="0"/>
+            <a:ext cx="2971800" cy="458788"/>
+          </a:xfrm>
+          <a:prstGeom prst="rect">
+            <a:avLst/>
+          </a:prstGeom>
+        </p:spPr>
+        <p:txBody>
+          <a:bodyPr vert="horz" lIns="91440" tIns="45720" rIns="91440" bIns="45720" rtlCol="0"/>
+          <a:lstStyle>
+            <a:lvl1pPr algn="r">
+              <a:defRPr sz="1200"/>
+            </a:lvl1pPr>
+          </a:lstStyle>
+          <a:p>
+            <a:fld id="{952B9887-EF61-4F00-93DD-31949B706F82}" type="datetimeFigureOut">
+              <a:rPr lang="en-AU" smtClean="0"/>
+              <a:t>7/09/2016</a:t>
+            </a:fld>
+            <a:endParaRPr lang="en-AU"/>
+          </a:p>
+        </p:txBody>
+      </p:sp>
+      <p:sp>
+        <p:nvSpPr>
+          <p:cNvPr id="4" name="Slide Image Placeholder 3"/>
+          <p:cNvSpPr>
+            <a:spLocks noGrp="1" noRot="1" noChangeAspect="1"/>
+          </p:cNvSpPr>
+          <p:nvPr>
+            <p:ph type="sldImg" idx="2"/>
+          </p:nvPr>
+        </p:nvSpPr>
+        <p:spPr>
+          <a:xfrm>
+            <a:off x="685800" y="1143000"/>
+            <a:ext cx="5486400" cy="3086100"/>
+          </a:xfrm>
+          <a:prstGeom prst="rect">
+            <a:avLst/>
+          </a:prstGeom>
+          <a:noFill/>
+          <a:ln w="12700">
+            <a:solidFill>
+              <a:prstClr val="black"/>
+            </a:solidFill>
+          </a:ln>
+        </p:spPr>
+        <p:txBody>
+          <a:bodyPr vert="horz" lIns="91440" tIns="45720" rIns="91440" bIns="45720" rtlCol="0" anchor="ctr"/>
+          <a:lstStyle/>
+          <a:p>
+            <a:endParaRPr lang="en-AU"/>
+          </a:p>
+        </p:txBody>
+      </p:sp>
+      <p:sp>
+        <p:nvSpPr>
+          <p:cNvPr id="5" name="Notes Placeholder 4"/>
+          <p:cNvSpPr>
+            <a:spLocks noGrp="1"/>
+          </p:cNvSpPr>
+          <p:nvPr>
+            <p:ph type="body" sz="quarter" idx="3"/>
+          </p:nvPr>
+        </p:nvSpPr>
+        <p:spPr>
+          <a:xfrm>
+            <a:off x="685800" y="4400550"/>
+            <a:ext cx="5486400" cy="3600450"/>
+          </a:xfrm>
+          <a:prstGeom prst="rect">
+            <a:avLst/>
+          </a:prstGeom>
+        </p:spPr>
+        <p:txBody>
+          <a:bodyPr vert="horz" lIns="91440" tIns="45720" rIns="91440" bIns="45720" rtlCol="0"/>
+          <a:lstStyle/>
+          <a:p>
+            <a:pPr lvl="0"/>
+            <a:r>
+              <a:rPr lang="en-US" smtClean="0"/>
+              <a:t>Click to edit Master text styles</a:t>
+            </a:r>
+          </a:p>
+          <a:p>
+            <a:pPr lvl="1"/>
+            <a:r>
+              <a:rPr lang="en-US" smtClean="0"/>
+              <a:t>Second level</a:t>
+            </a:r>
+          </a:p>
+          <a:p>
+            <a:pPr lvl="2"/>
+            <a:r>
+              <a:rPr lang="en-US" smtClean="0"/>
+              <a:t>Third level</a:t>
+            </a:r>
+          </a:p>
+          <a:p>
+            <a:pPr lvl="3"/>
+            <a:r>
+              <a:rPr lang="en-US" smtClean="0"/>
+              <a:t>Fourth level</a:t>
+            </a:r>
+          </a:p>
+          <a:p>
+            <a:pPr lvl="4"/>
+            <a:r>
+              <a:rPr lang="en-US" smtClean="0"/>
+              <a:t>Fifth level</a:t>
+            </a:r>
+            <a:endParaRPr lang="en-AU"/>
+          </a:p>
+        </p:txBody>
+      </p:sp>
+      <p:sp>
+        <p:nvSpPr>
+          <p:cNvPr id="6" name="Footer Placeholder 5"/>
+          <p:cNvSpPr>
+            <a:spLocks noGrp="1"/>
+          </p:cNvSpPr>
+          <p:nvPr>
+            <p:ph type="ftr" sz="quarter" idx="4"/>
+          </p:nvPr>
+        </p:nvSpPr>
+        <p:spPr>
+          <a:xfrm>
+            <a:off x="0" y="8685213"/>
+            <a:ext cx="2971800" cy="458787"/>
+          </a:xfrm>
+          <a:prstGeom prst="rect">
+            <a:avLst/>
+          </a:prstGeom>
+        </p:spPr>
+        <p:txBody>
+          <a:bodyPr vert="horz" lIns="91440" tIns="45720" rIns="91440" bIns="45720" rtlCol="0" anchor="b"/>
+          <a:lstStyle>
+            <a:lvl1pPr algn="l">
+              <a:defRPr sz="1200"/>
+            </a:lvl1pPr>
+          </a:lstStyle>
+          <a:p>
+            <a:endParaRPr lang="en-AU"/>
+          </a:p>
+        </p:txBody>
+      </p:sp>
+      <p:sp>
+        <p:nvSpPr>
+          <p:cNvPr id="7" name="Slide Number Placeholder 6"/>
+          <p:cNvSpPr>
+            <a:spLocks noGrp="1"/>
+          </p:cNvSpPr>
+          <p:nvPr>
+            <p:ph type="sldNum" sz="quarter" idx="5"/>
+          </p:nvPr>
+        </p:nvSpPr>
+        <p:spPr>
+          <a:xfrm>
+            <a:off x="3884613" y="8685213"/>
+            <a:ext cx="2971800" cy="458787"/>
+          </a:xfrm>
+          <a:prstGeom prst="rect">
+            <a:avLst/>
+          </a:prstGeom>
+        </p:spPr>
+        <p:txBody>
+          <a:bodyPr vert="horz" lIns="91440" tIns="45720" rIns="91440" bIns="45720" rtlCol="0" anchor="b"/>
+          <a:lstStyle>
+            <a:lvl1pPr algn="r">
+              <a:defRPr sz="1200"/>
+            </a:lvl1pPr>
+          </a:lstStyle>
+          <a:p>
+            <a:fld id="{5482D425-CBC1-4781-96EE-045961DC3F34}" type="slidenum">
+              <a:rPr lang="en-AU" smtClean="0"/>
+              <a:t>‹#›</a:t>
+            </a:fld>
+            <a:endParaRPr lang="en-AU"/>
+          </a:p>
+        </p:txBody>
+      </p:sp>
+    </p:spTree>
+    <p:extLst>
+      <p:ext uri="{BB962C8B-B14F-4D97-AF65-F5344CB8AC3E}">
+        <p14:creationId xmlns:p14="http://schemas.microsoft.com/office/powerpoint/2010/main" val="2747920566"/>
+      </p:ext>
+    </p:extLst>
+  </p:cSld>
+  <p:clrMap bg1="lt1" tx1="dk1" bg2="lt2" tx2="dk2" accent1="accent1" accent2="accent2" accent3="accent3" accent4="accent4" accent5="accent5" accent6="accent6" hlink="hlink" folHlink="folHlink"/>
+  <p:notesStyle>
+    <a:lvl1pPr marL="0" algn="l" defTabSz="914400" rtl="0" eaLnBrk="1" latinLnBrk="0" hangingPunct="1">
+      <a:defRPr sz="1200" kern="1200">
+        <a:solidFill>
+          <a:schemeClr val="tx1"/>
+        </a:solidFill>
+        <a:latin typeface="+mn-lt"/>
+        <a:ea typeface="+mn-ea"/>
+        <a:cs typeface="+mn-cs"/>
+      </a:defRPr>
+    </a:lvl1pPr>
+    <a:lvl2pPr marL="457200" algn="l" defTabSz="914400" rtl="0" eaLnBrk="1" latinLnBrk="0" hangingPunct="1">
+      <a:defRPr sz="1200" kern="1200">
+        <a:solidFill>
+          <a:schemeClr val="tx1"/>
+        </a:solidFill>
+        <a:latin typeface="+mn-lt"/>
+        <a:ea typeface="+mn-ea"/>
+        <a:cs typeface="+mn-cs"/>
+      </a:defRPr>
+    </a:lvl2pPr>
+    <a:lvl3pPr marL="914400" algn="l" defTabSz="914400" rtl="0" eaLnBrk="1" latinLnBrk="0" hangingPunct="1">
+      <a:defRPr sz="1200" kern="1200">
+        <a:solidFill>
+          <a:schemeClr val="tx1"/>
+        </a:solidFill>
+        <a:latin typeface="+mn-lt"/>
+        <a:ea typeface="+mn-ea"/>
+        <a:cs typeface="+mn-cs"/>
+      </a:defRPr>
+    </a:lvl3pPr>
+    <a:lvl4pPr marL="1371600" algn="l" defTabSz="914400" rtl="0" eaLnBrk="1" latinLnBrk="0" hangingPunct="1">
+      <a:defRPr sz="1200" kern="1200">
+        <a:solidFill>
+          <a:schemeClr val="tx1"/>
+        </a:solidFill>
+        <a:latin typeface="+mn-lt"/>
+        <a:ea typeface="+mn-ea"/>
+        <a:cs typeface="+mn-cs"/>
+      </a:defRPr>
+    </a:lvl4pPr>
+    <a:lvl5pPr marL="1828800" algn="l" defTabSz="914400" rtl="0" eaLnBrk="1" latinLnBrk="0" hangingPunct="1">
+      <a:defRPr sz="1200" kern="1200">
+        <a:solidFill>
+          <a:schemeClr val="tx1"/>
+        </a:solidFill>
+        <a:latin typeface="+mn-lt"/>
+        <a:ea typeface="+mn-ea"/>
+        <a:cs typeface="+mn-cs"/>
+      </a:defRPr>
+    </a:lvl5pPr>
+    <a:lvl6pPr marL="2286000" algn="l" defTabSz="914400" rtl="0" eaLnBrk="1" latinLnBrk="0" hangingPunct="1">
+      <a:defRPr sz="1200" kern="1200">
+        <a:solidFill>
+          <a:schemeClr val="tx1"/>
+        </a:solidFill>
+        <a:latin typeface="+mn-lt"/>
+        <a:ea typeface="+mn-ea"/>
+        <a:cs typeface="+mn-cs"/>
+      </a:defRPr>
+    </a:lvl6pPr>
+    <a:lvl7pPr marL="2743200" algn="l" defTabSz="914400" rtl="0" eaLnBrk="1" latinLnBrk="0" hangingPunct="1">
+      <a:defRPr sz="1200" kern="1200">
+        <a:solidFill>
+          <a:schemeClr val="tx1"/>
+        </a:solidFill>
+        <a:latin typeface="+mn-lt"/>
+        <a:ea typeface="+mn-ea"/>
+        <a:cs typeface="+mn-cs"/>
+      </a:defRPr>
+    </a:lvl7pPr>
+    <a:lvl8pPr marL="3200400" algn="l" defTabSz="914400" rtl="0" eaLnBrk="1" latinLnBrk="0" hangingPunct="1">
+      <a:defRPr sz="1200" kern="1200">
+        <a:solidFill>
+          <a:schemeClr val="tx1"/>
+        </a:solidFill>
+        <a:latin typeface="+mn-lt"/>
+        <a:ea typeface="+mn-ea"/>
+        <a:cs typeface="+mn-cs"/>
+      </a:defRPr>
+    </a:lvl8pPr>
+    <a:lvl9pPr marL="3657600" algn="l" defTabSz="914400" rtl="0" eaLnBrk="1" latinLnBrk="0" hangingPunct="1">
+      <a:defRPr sz="1200" kern="1200">
+        <a:solidFill>
+          <a:schemeClr val="tx1"/>
+        </a:solidFill>
+        <a:latin typeface="+mn-lt"/>
+        <a:ea typeface="+mn-ea"/>
+        <a:cs typeface="+mn-cs"/>
+      </a:defRPr>
+    </a:lvl9pPr>
+  </p:notesStyle>
+</p:notesMaster>
+</file>
+
+<file path=ppt/notesSlides/notesSlide1.xml><?xml version="1.0" encoding="utf-8"?>
+<p:notes xmlns:a="http://schemas.openxmlformats.org/drawingml/2006/main" xmlns:r="http://schemas.openxmlformats.org/officeDocument/2006/relationships" xmlns:p="http://schemas.openxmlformats.org/presentationml/2006/main">
+  <p:cSld>
+    <p:spTree>
+      <p:nvGrpSpPr>
+        <p:cNvPr id="1" name=""/>
+        <p:cNvGrpSpPr/>
+        <p:nvPr/>
+      </p:nvGrpSpPr>
+      <p:grpSpPr>
+        <a:xfrm>
+          <a:off x="0" y="0"/>
+          <a:ext cx="0" cy="0"/>
+          <a:chOff x="0" y="0"/>
+          <a:chExt cx="0" cy="0"/>
+        </a:xfrm>
+      </p:grpSpPr>
+      <p:sp>
+        <p:nvSpPr>
+          <p:cNvPr id="2" name="Slide Image Placeholder 1"/>
+          <p:cNvSpPr>
+            <a:spLocks noGrp="1" noRot="1" noChangeAspect="1"/>
+          </p:cNvSpPr>
+          <p:nvPr>
+            <p:ph type="sldImg"/>
+          </p:nvPr>
+        </p:nvSpPr>
+        <p:spPr/>
+      </p:sp>
+      <p:sp>
+        <p:nvSpPr>
+          <p:cNvPr id="3" name="Notes Placeholder 2"/>
+          <p:cNvSpPr>
+            <a:spLocks noGrp="1"/>
+          </p:cNvSpPr>
+          <p:nvPr>
+            <p:ph type="body" idx="1"/>
+          </p:nvPr>
+        </p:nvSpPr>
+        <p:spPr/>
+        <p:txBody>
+          <a:bodyPr/>
+          <a:lstStyle/>
+          <a:p>
+            <a:pPr marL="0" marR="0" indent="0" algn="l" defTabSz="914400" rtl="0" eaLnBrk="1" fontAlgn="auto" latinLnBrk="0" hangingPunct="1">
+              <a:lnSpc>
+                <a:spcPct val="100000"/>
+              </a:lnSpc>
+              <a:spcBef>
+                <a:spcPts val="0"/>
+              </a:spcBef>
+              <a:spcAft>
+                <a:spcPts val="0"/>
+              </a:spcAft>
+              <a:buClrTx/>
+              <a:buSzTx/>
+              <a:buFontTx/>
+              <a:buNone/>
+              <a:tabLst/>
+              <a:defRPr/>
+            </a:pPr>
+            <a:r>
+              <a:rPr lang="en-US" dirty="0" err="1" smtClean="0"/>
+              <a:t>miRTarBase</a:t>
+            </a:r>
+            <a:r>
+              <a:rPr lang="en-US" dirty="0" smtClean="0"/>
+              <a:t>&gt; </a:t>
+            </a:r>
+            <a:r>
+              <a:rPr lang="en-US" dirty="0" err="1" smtClean="0"/>
+              <a:t>reactome</a:t>
+            </a:r>
+            <a:r>
+              <a:rPr lang="en-US" dirty="0" smtClean="0"/>
+              <a:t>.</a:t>
+            </a:r>
+            <a:endParaRPr lang="en-AU" dirty="0" smtClean="0"/>
+          </a:p>
+          <a:p>
+            <a:endParaRPr lang="en-AU" dirty="0"/>
+          </a:p>
+        </p:txBody>
+      </p:sp>
+      <p:sp>
+        <p:nvSpPr>
+          <p:cNvPr id="4" name="Slide Number Placeholder 3"/>
+          <p:cNvSpPr>
+            <a:spLocks noGrp="1"/>
+          </p:cNvSpPr>
+          <p:nvPr>
+            <p:ph type="sldNum" sz="quarter" idx="10"/>
+          </p:nvPr>
+        </p:nvSpPr>
+        <p:spPr/>
+        <p:txBody>
+          <a:bodyPr/>
+          <a:lstStyle/>
+          <a:p>
+            <a:fld id="{5482D425-CBC1-4781-96EE-045961DC3F34}" type="slidenum">
+              <a:rPr lang="en-AU" smtClean="0"/>
+              <a:t>7</a:t>
+            </a:fld>
+            <a:endParaRPr lang="en-AU"/>
+          </a:p>
+        </p:txBody>
+      </p:sp>
+    </p:spTree>
+    <p:extLst>
+      <p:ext uri="{BB962C8B-B14F-4D97-AF65-F5344CB8AC3E}">
+        <p14:creationId xmlns:p14="http://schemas.microsoft.com/office/powerpoint/2010/main" val="729190579"/>
+      </p:ext>
+    </p:extLst>
+  </p:cSld>
+  <p:clrMapOvr>
+    <a:masterClrMapping/>
+  </p:clrMapOvr>
+</p:notes>
+</file>
+
+<file path=ppt/notesSlides/notesSlide2.xml><?xml version="1.0" encoding="utf-8"?>
+<p:notes xmlns:a="http://schemas.openxmlformats.org/drawingml/2006/main" xmlns:r="http://schemas.openxmlformats.org/officeDocument/2006/relationships" xmlns:p="http://schemas.openxmlformats.org/presentationml/2006/main">
+  <p:cSld>
+    <p:spTree>
+      <p:nvGrpSpPr>
+        <p:cNvPr id="1" name=""/>
+        <p:cNvGrpSpPr/>
+        <p:nvPr/>
+      </p:nvGrpSpPr>
+      <p:grpSpPr>
+        <a:xfrm>
+          <a:off x="0" y="0"/>
+          <a:ext cx="0" cy="0"/>
+          <a:chOff x="0" y="0"/>
+          <a:chExt cx="0" cy="0"/>
+        </a:xfrm>
+      </p:grpSpPr>
+      <p:sp>
+        <p:nvSpPr>
+          <p:cNvPr id="2" name="Slide Image Placeholder 1"/>
+          <p:cNvSpPr>
+            <a:spLocks noGrp="1" noRot="1" noChangeAspect="1"/>
+          </p:cNvSpPr>
+          <p:nvPr>
+            <p:ph type="sldImg"/>
+          </p:nvPr>
+        </p:nvSpPr>
+        <p:spPr/>
+      </p:sp>
+      <p:sp>
+        <p:nvSpPr>
+          <p:cNvPr id="3" name="Notes Placeholder 2"/>
+          <p:cNvSpPr>
+            <a:spLocks noGrp="1"/>
+          </p:cNvSpPr>
+          <p:nvPr>
+            <p:ph type="body" idx="1"/>
+          </p:nvPr>
+        </p:nvSpPr>
+        <p:spPr/>
+        <p:txBody>
+          <a:bodyPr/>
+          <a:lstStyle/>
+          <a:p>
+            <a:r>
+              <a:rPr lang="en-US" dirty="0" smtClean="0"/>
+              <a:t>FIMO: </a:t>
+            </a:r>
+            <a:endParaRPr lang="en-AU" dirty="0"/>
+          </a:p>
+        </p:txBody>
+      </p:sp>
+      <p:sp>
+        <p:nvSpPr>
+          <p:cNvPr id="4" name="Slide Number Placeholder 3"/>
+          <p:cNvSpPr>
+            <a:spLocks noGrp="1"/>
+          </p:cNvSpPr>
+          <p:nvPr>
+            <p:ph type="sldNum" sz="quarter" idx="10"/>
+          </p:nvPr>
+        </p:nvSpPr>
+        <p:spPr/>
+        <p:txBody>
+          <a:bodyPr/>
+          <a:lstStyle/>
+          <a:p>
+            <a:fld id="{5482D425-CBC1-4781-96EE-045961DC3F34}" type="slidenum">
+              <a:rPr lang="en-AU" smtClean="0"/>
+              <a:t>9</a:t>
+            </a:fld>
+            <a:endParaRPr lang="en-AU"/>
+          </a:p>
+        </p:txBody>
+      </p:sp>
+    </p:spTree>
+    <p:extLst>
+      <p:ext uri="{BB962C8B-B14F-4D97-AF65-F5344CB8AC3E}">
+        <p14:creationId xmlns:p14="http://schemas.microsoft.com/office/powerpoint/2010/main" val="3946584428"/>
+      </p:ext>
+    </p:extLst>
+  </p:cSld>
+  <p:clrMapOvr>
+    <a:masterClrMapping/>
+  </p:clrMapOvr>
+</p:notes>
+</file>
+
 <file path=ppt/slideLayouts/slideLayout1.xml><?xml version="1.0" encoding="utf-8"?>
 <p:sldLayout xmlns:a="http://schemas.openxmlformats.org/drawingml/2006/main" xmlns:r="http://schemas.openxmlformats.org/officeDocument/2006/relationships" xmlns:p="http://schemas.openxmlformats.org/presentationml/2006/main" showMasterSp="0" type="title" preserve="1">
   <p:cSld name="Title Slide">
@@ -172,7 +738,7 @@
           <a:noFill/>
           <a:extLst>
             <a:ext uri="{909E8E84-426E-40dd-AFC4-6F175D3DCCD1}">
-              <a14:hiddenFill xmlns="" xmlns:a14="http://schemas.microsoft.com/office/drawing/2010/main">
+              <a14:hiddenFill xmlns:a14="http://schemas.microsoft.com/office/drawing/2010/main" xmlns="">
                 <a:solidFill>
                   <a:srgbClr val="FFFFFF"/>
                 </a:solidFill>
@@ -232,7 +798,7 @@
             </a:ln>
             <a:extLst>
               <a:ext uri="{91240B29-F687-4f45-9708-019B960494DF}">
-                <a14:hiddenLine xmlns="" xmlns:a14="http://schemas.microsoft.com/office/drawing/2010/main" w="9525">
+                <a14:hiddenLine xmlns:a14="http://schemas.microsoft.com/office/drawing/2010/main" xmlns="" w="9525">
                   <a:solidFill>
                     <a:srgbClr val="000000"/>
                   </a:solidFill>
@@ -322,7 +888,7 @@
             </a:ln>
             <a:extLst>
               <a:ext uri="{91240B29-F687-4f45-9708-019B960494DF}">
-                <a14:hiddenLine xmlns="" xmlns:a14="http://schemas.microsoft.com/office/drawing/2010/main" w="9525">
+                <a14:hiddenLine xmlns:a14="http://schemas.microsoft.com/office/drawing/2010/main" xmlns="" w="9525">
                   <a:solidFill>
                     <a:srgbClr val="000000"/>
                   </a:solidFill>
@@ -412,7 +978,7 @@
             </a:ln>
             <a:extLst>
               <a:ext uri="{91240B29-F687-4f45-9708-019B960494DF}">
-                <a14:hiddenLine xmlns="" xmlns:a14="http://schemas.microsoft.com/office/drawing/2010/main" w="9525">
+                <a14:hiddenLine xmlns:a14="http://schemas.microsoft.com/office/drawing/2010/main" xmlns="" w="9525">
                   <a:solidFill>
                     <a:srgbClr val="000000"/>
                   </a:solidFill>
@@ -446,7 +1012,7 @@
             </a:ln>
             <a:extLst>
               <a:ext uri="{91240B29-F687-4f45-9708-019B960494DF}">
-                <a14:hiddenLine xmlns="" xmlns:a14="http://schemas.microsoft.com/office/drawing/2010/main" w="9525">
+                <a14:hiddenLine xmlns:a14="http://schemas.microsoft.com/office/drawing/2010/main" xmlns="" w="9525">
                   <a:solidFill>
                     <a:srgbClr val="000000"/>
                   </a:solidFill>
@@ -536,7 +1102,7 @@
             </a:ln>
             <a:extLst>
               <a:ext uri="{91240B29-F687-4f45-9708-019B960494DF}">
-                <a14:hiddenLine xmlns="" xmlns:a14="http://schemas.microsoft.com/office/drawing/2010/main" w="9525">
+                <a14:hiddenLine xmlns:a14="http://schemas.microsoft.com/office/drawing/2010/main" xmlns="" w="9525">
                   <a:solidFill>
                     <a:srgbClr val="000000"/>
                   </a:solidFill>
@@ -598,7 +1164,7 @@
             </a:ln>
             <a:extLst>
               <a:ext uri="{91240B29-F687-4f45-9708-019B960494DF}">
-                <a14:hiddenLine xmlns="" xmlns:a14="http://schemas.microsoft.com/office/drawing/2010/main" w="9525">
+                <a14:hiddenLine xmlns:a14="http://schemas.microsoft.com/office/drawing/2010/main" xmlns="" w="9525">
                   <a:solidFill>
                     <a:srgbClr val="000000"/>
                   </a:solidFill>
@@ -660,7 +1226,7 @@
             </a:ln>
             <a:extLst>
               <a:ext uri="{91240B29-F687-4f45-9708-019B960494DF}">
-                <a14:hiddenLine xmlns="" xmlns:a14="http://schemas.microsoft.com/office/drawing/2010/main" w="9525">
+                <a14:hiddenLine xmlns:a14="http://schemas.microsoft.com/office/drawing/2010/main" xmlns="" w="9525">
                   <a:solidFill>
                     <a:srgbClr val="000000"/>
                   </a:solidFill>
@@ -750,7 +1316,7 @@
             </a:ln>
             <a:extLst>
               <a:ext uri="{91240B29-F687-4f45-9708-019B960494DF}">
-                <a14:hiddenLine xmlns="" xmlns:a14="http://schemas.microsoft.com/office/drawing/2010/main" w="9525">
+                <a14:hiddenLine xmlns:a14="http://schemas.microsoft.com/office/drawing/2010/main" xmlns="" w="9525">
                   <a:solidFill>
                     <a:srgbClr val="000000"/>
                   </a:solidFill>
@@ -812,7 +1378,7 @@
             </a:ln>
             <a:extLst>
               <a:ext uri="{91240B29-F687-4f45-9708-019B960494DF}">
-                <a14:hiddenLine xmlns="" xmlns:a14="http://schemas.microsoft.com/office/drawing/2010/main" w="9525">
+                <a14:hiddenLine xmlns:a14="http://schemas.microsoft.com/office/drawing/2010/main" xmlns="" w="9525">
                   <a:solidFill>
                     <a:srgbClr val="000000"/>
                   </a:solidFill>
@@ -874,7 +1440,7 @@
             </a:ln>
             <a:extLst>
               <a:ext uri="{91240B29-F687-4f45-9708-019B960494DF}">
-                <a14:hiddenLine xmlns="" xmlns:a14="http://schemas.microsoft.com/office/drawing/2010/main" w="9525">
+                <a14:hiddenLine xmlns:a14="http://schemas.microsoft.com/office/drawing/2010/main" xmlns="" w="9525">
                   <a:solidFill>
                     <a:srgbClr val="000000"/>
                   </a:solidFill>
@@ -964,7 +1530,7 @@
             </a:ln>
             <a:extLst>
               <a:ext uri="{91240B29-F687-4f45-9708-019B960494DF}">
-                <a14:hiddenLine xmlns="" xmlns:a14="http://schemas.microsoft.com/office/drawing/2010/main" w="9525">
+                <a14:hiddenLine xmlns:a14="http://schemas.microsoft.com/office/drawing/2010/main" xmlns="" w="9525">
                   <a:solidFill>
                     <a:srgbClr val="000000"/>
                   </a:solidFill>
@@ -1054,7 +1620,7 @@
             </a:ln>
             <a:extLst>
               <a:ext uri="{91240B29-F687-4f45-9708-019B960494DF}">
-                <a14:hiddenLine xmlns="" xmlns:a14="http://schemas.microsoft.com/office/drawing/2010/main" w="9525">
+                <a14:hiddenLine xmlns:a14="http://schemas.microsoft.com/office/drawing/2010/main" xmlns="" w="9525">
                   <a:solidFill>
                     <a:srgbClr val="000000"/>
                   </a:solidFill>
@@ -1116,7 +1682,7 @@
             </a:ln>
             <a:extLst>
               <a:ext uri="{91240B29-F687-4f45-9708-019B960494DF}">
-                <a14:hiddenLine xmlns="" xmlns:a14="http://schemas.microsoft.com/office/drawing/2010/main" w="9525">
+                <a14:hiddenLine xmlns:a14="http://schemas.microsoft.com/office/drawing/2010/main" xmlns="" w="9525">
                   <a:solidFill>
                     <a:srgbClr val="000000"/>
                   </a:solidFill>
@@ -1226,7 +1792,7 @@
             </a:ln>
             <a:extLst>
               <a:ext uri="{91240B29-F687-4f45-9708-019B960494DF}">
-                <a14:hiddenLine xmlns="" xmlns:a14="http://schemas.microsoft.com/office/drawing/2010/main" w="9525">
+                <a14:hiddenLine xmlns:a14="http://schemas.microsoft.com/office/drawing/2010/main" xmlns="" w="9525">
                   <a:solidFill>
                     <a:srgbClr val="000000"/>
                   </a:solidFill>
@@ -1288,7 +1854,7 @@
             </a:ln>
             <a:extLst>
               <a:ext uri="{91240B29-F687-4f45-9708-019B960494DF}">
-                <a14:hiddenLine xmlns="" xmlns:a14="http://schemas.microsoft.com/office/drawing/2010/main" w="9525">
+                <a14:hiddenLine xmlns:a14="http://schemas.microsoft.com/office/drawing/2010/main" xmlns="" w="9525">
                   <a:solidFill>
                     <a:srgbClr val="000000"/>
                   </a:solidFill>
@@ -1378,7 +1944,7 @@
             </a:ln>
             <a:extLst>
               <a:ext uri="{91240B29-F687-4f45-9708-019B960494DF}">
-                <a14:hiddenLine xmlns="" xmlns:a14="http://schemas.microsoft.com/office/drawing/2010/main" w="9525">
+                <a14:hiddenLine xmlns:a14="http://schemas.microsoft.com/office/drawing/2010/main" xmlns="" w="9525">
                   <a:solidFill>
                     <a:srgbClr val="000000"/>
                   </a:solidFill>
@@ -1468,7 +2034,7 @@
             </a:ln>
             <a:extLst>
               <a:ext uri="{91240B29-F687-4f45-9708-019B960494DF}">
-                <a14:hiddenLine xmlns="" xmlns:a14="http://schemas.microsoft.com/office/drawing/2010/main" w="9525">
+                <a14:hiddenLine xmlns:a14="http://schemas.microsoft.com/office/drawing/2010/main" xmlns="" w="9525">
                   <a:solidFill>
                     <a:srgbClr val="000000"/>
                   </a:solidFill>
@@ -1530,7 +2096,7 @@
             </a:ln>
             <a:extLst>
               <a:ext uri="{91240B29-F687-4f45-9708-019B960494DF}">
-                <a14:hiddenLine xmlns="" xmlns:a14="http://schemas.microsoft.com/office/drawing/2010/main" w="9525">
+                <a14:hiddenLine xmlns:a14="http://schemas.microsoft.com/office/drawing/2010/main" xmlns="" w="9525">
                   <a:solidFill>
                     <a:srgbClr val="000000"/>
                   </a:solidFill>
@@ -1620,7 +2186,7 @@
             </a:ln>
             <a:extLst>
               <a:ext uri="{91240B29-F687-4f45-9708-019B960494DF}">
-                <a14:hiddenLine xmlns="" xmlns:a14="http://schemas.microsoft.com/office/drawing/2010/main" w="9525">
+                <a14:hiddenLine xmlns:a14="http://schemas.microsoft.com/office/drawing/2010/main" xmlns="" w="9525">
                   <a:solidFill>
                     <a:srgbClr val="000000"/>
                   </a:solidFill>
@@ -1710,7 +2276,7 @@
             </a:ln>
             <a:extLst>
               <a:ext uri="{91240B29-F687-4f45-9708-019B960494DF}">
-                <a14:hiddenLine xmlns="" xmlns:a14="http://schemas.microsoft.com/office/drawing/2010/main" w="9525">
+                <a14:hiddenLine xmlns:a14="http://schemas.microsoft.com/office/drawing/2010/main" xmlns="" w="9525">
                   <a:solidFill>
                     <a:srgbClr val="000000"/>
                   </a:solidFill>
@@ -1766,7 +2332,7 @@
             </a:ln>
             <a:extLst>
               <a:ext uri="{91240B29-F687-4f45-9708-019B960494DF}">
-                <a14:hiddenLine xmlns="" xmlns:a14="http://schemas.microsoft.com/office/drawing/2010/main" w="9525">
+                <a14:hiddenLine xmlns:a14="http://schemas.microsoft.com/office/drawing/2010/main" xmlns="" w="9525">
                   <a:solidFill>
                     <a:srgbClr val="000000"/>
                   </a:solidFill>
@@ -1856,7 +2422,7 @@
             </a:ln>
             <a:extLst>
               <a:ext uri="{91240B29-F687-4f45-9708-019B960494DF}">
-                <a14:hiddenLine xmlns="" xmlns:a14="http://schemas.microsoft.com/office/drawing/2010/main" w="9525">
+                <a14:hiddenLine xmlns:a14="http://schemas.microsoft.com/office/drawing/2010/main" xmlns="" w="9525">
                   <a:solidFill>
                     <a:srgbClr val="000000"/>
                   </a:solidFill>
@@ -1912,7 +2478,7 @@
             </a:ln>
             <a:extLst>
               <a:ext uri="{91240B29-F687-4f45-9708-019B960494DF}">
-                <a14:hiddenLine xmlns="" xmlns:a14="http://schemas.microsoft.com/office/drawing/2010/main" w="9525">
+                <a14:hiddenLine xmlns:a14="http://schemas.microsoft.com/office/drawing/2010/main" xmlns="" w="9525">
                   <a:solidFill>
                     <a:srgbClr val="000000"/>
                   </a:solidFill>
@@ -2002,7 +2568,7 @@
             </a:ln>
             <a:extLst>
               <a:ext uri="{91240B29-F687-4f45-9708-019B960494DF}">
-                <a14:hiddenLine xmlns="" xmlns:a14="http://schemas.microsoft.com/office/drawing/2010/main" w="9525">
+                <a14:hiddenLine xmlns:a14="http://schemas.microsoft.com/office/drawing/2010/main" xmlns="" w="9525">
                   <a:solidFill>
                     <a:srgbClr val="000000"/>
                   </a:solidFill>
@@ -2070,7 +2636,7 @@
             </a:ln>
             <a:extLst>
               <a:ext uri="{91240B29-F687-4f45-9708-019B960494DF}">
-                <a14:hiddenLine xmlns="" xmlns:a14="http://schemas.microsoft.com/office/drawing/2010/main" w="9525">
+                <a14:hiddenLine xmlns:a14="http://schemas.microsoft.com/office/drawing/2010/main" xmlns="" w="9525">
                   <a:solidFill>
                     <a:srgbClr val="000000"/>
                   </a:solidFill>
@@ -2160,7 +2726,7 @@
             </a:ln>
             <a:extLst>
               <a:ext uri="{91240B29-F687-4f45-9708-019B960494DF}">
-                <a14:hiddenLine xmlns="" xmlns:a14="http://schemas.microsoft.com/office/drawing/2010/main" w="9525">
+                <a14:hiddenLine xmlns:a14="http://schemas.microsoft.com/office/drawing/2010/main" xmlns="" w="9525">
                   <a:solidFill>
                     <a:srgbClr val="000000"/>
                   </a:solidFill>
@@ -2228,7 +2794,7 @@
             </a:ln>
             <a:extLst>
               <a:ext uri="{91240B29-F687-4f45-9708-019B960494DF}">
-                <a14:hiddenLine xmlns="" xmlns:a14="http://schemas.microsoft.com/office/drawing/2010/main" w="9525">
+                <a14:hiddenLine xmlns:a14="http://schemas.microsoft.com/office/drawing/2010/main" xmlns="" w="9525">
                   <a:solidFill>
                     <a:srgbClr val="000000"/>
                   </a:solidFill>
@@ -2318,7 +2884,7 @@
             </a:ln>
             <a:extLst>
               <a:ext uri="{91240B29-F687-4f45-9708-019B960494DF}">
-                <a14:hiddenLine xmlns="" xmlns:a14="http://schemas.microsoft.com/office/drawing/2010/main" w="9525">
+                <a14:hiddenLine xmlns:a14="http://schemas.microsoft.com/office/drawing/2010/main" xmlns="" w="9525">
                   <a:solidFill>
                     <a:srgbClr val="000000"/>
                   </a:solidFill>
@@ -2352,7 +2918,7 @@
             </a:ln>
             <a:extLst>
               <a:ext uri="{91240B29-F687-4f45-9708-019B960494DF}">
-                <a14:hiddenLine xmlns="" xmlns:a14="http://schemas.microsoft.com/office/drawing/2010/main" w="9525">
+                <a14:hiddenLine xmlns:a14="http://schemas.microsoft.com/office/drawing/2010/main" xmlns="" w="9525">
                   <a:solidFill>
                     <a:srgbClr val="000000"/>
                   </a:solidFill>
@@ -2442,7 +3008,7 @@
             </a:ln>
             <a:extLst>
               <a:ext uri="{91240B29-F687-4f45-9708-019B960494DF}">
-                <a14:hiddenLine xmlns="" xmlns:a14="http://schemas.microsoft.com/office/drawing/2010/main" w="9525">
+                <a14:hiddenLine xmlns:a14="http://schemas.microsoft.com/office/drawing/2010/main" xmlns="" w="9525">
                   <a:solidFill>
                     <a:srgbClr val="000000"/>
                   </a:solidFill>
@@ -2504,7 +3070,7 @@
             </a:ln>
             <a:extLst>
               <a:ext uri="{91240B29-F687-4f45-9708-019B960494DF}">
-                <a14:hiddenLine xmlns="" xmlns:a14="http://schemas.microsoft.com/office/drawing/2010/main" w="9525">
+                <a14:hiddenLine xmlns:a14="http://schemas.microsoft.com/office/drawing/2010/main" xmlns="" w="9525">
                   <a:solidFill>
                     <a:srgbClr val="000000"/>
                   </a:solidFill>
@@ -2566,7 +3132,7 @@
             </a:ln>
             <a:extLst>
               <a:ext uri="{91240B29-F687-4f45-9708-019B960494DF}">
-                <a14:hiddenLine xmlns="" xmlns:a14="http://schemas.microsoft.com/office/drawing/2010/main" w="9525">
+                <a14:hiddenLine xmlns:a14="http://schemas.microsoft.com/office/drawing/2010/main" xmlns="" w="9525">
                   <a:solidFill>
                     <a:srgbClr val="000000"/>
                   </a:solidFill>
@@ -2656,7 +3222,7 @@
             </a:ln>
             <a:extLst>
               <a:ext uri="{91240B29-F687-4f45-9708-019B960494DF}">
-                <a14:hiddenLine xmlns="" xmlns:a14="http://schemas.microsoft.com/office/drawing/2010/main" w="9525">
+                <a14:hiddenLine xmlns:a14="http://schemas.microsoft.com/office/drawing/2010/main" xmlns="" w="9525">
                   <a:solidFill>
                     <a:srgbClr val="000000"/>
                   </a:solidFill>
@@ -2724,7 +3290,7 @@
             </a:ln>
             <a:extLst>
               <a:ext uri="{91240B29-F687-4f45-9708-019B960494DF}">
-                <a14:hiddenLine xmlns="" xmlns:a14="http://schemas.microsoft.com/office/drawing/2010/main" w="9525">
+                <a14:hiddenLine xmlns:a14="http://schemas.microsoft.com/office/drawing/2010/main" xmlns="" w="9525">
                   <a:solidFill>
                     <a:srgbClr val="000000"/>
                   </a:solidFill>
@@ -2786,7 +3352,7 @@
             </a:ln>
             <a:extLst>
               <a:ext uri="{91240B29-F687-4f45-9708-019B960494DF}">
-                <a14:hiddenLine xmlns="" xmlns:a14="http://schemas.microsoft.com/office/drawing/2010/main" w="9525">
+                <a14:hiddenLine xmlns:a14="http://schemas.microsoft.com/office/drawing/2010/main" xmlns="" w="9525">
                   <a:solidFill>
                     <a:srgbClr val="000000"/>
                   </a:solidFill>
@@ -2876,7 +3442,7 @@
             </a:ln>
             <a:extLst>
               <a:ext uri="{91240B29-F687-4f45-9708-019B960494DF}">
-                <a14:hiddenLine xmlns="" xmlns:a14="http://schemas.microsoft.com/office/drawing/2010/main" w="9525">
+                <a14:hiddenLine xmlns:a14="http://schemas.microsoft.com/office/drawing/2010/main" xmlns="" w="9525">
                   <a:solidFill>
                     <a:srgbClr val="000000"/>
                   </a:solidFill>
@@ -2938,7 +3504,7 @@
             </a:ln>
             <a:extLst>
               <a:ext uri="{91240B29-F687-4f45-9708-019B960494DF}">
-                <a14:hiddenLine xmlns="" xmlns:a14="http://schemas.microsoft.com/office/drawing/2010/main" w="9525">
+                <a14:hiddenLine xmlns:a14="http://schemas.microsoft.com/office/drawing/2010/main" xmlns="" w="9525">
                   <a:solidFill>
                     <a:srgbClr val="000000"/>
                   </a:solidFill>
@@ -3028,7 +3594,7 @@
             </a:ln>
             <a:extLst>
               <a:ext uri="{91240B29-F687-4f45-9708-019B960494DF}">
-                <a14:hiddenLine xmlns="" xmlns:a14="http://schemas.microsoft.com/office/drawing/2010/main" w="9525">
+                <a14:hiddenLine xmlns:a14="http://schemas.microsoft.com/office/drawing/2010/main" xmlns="" w="9525">
                   <a:solidFill>
                     <a:srgbClr val="000000"/>
                   </a:solidFill>
@@ -3090,7 +3656,7 @@
             </a:ln>
             <a:extLst>
               <a:ext uri="{91240B29-F687-4f45-9708-019B960494DF}">
-                <a14:hiddenLine xmlns="" xmlns:a14="http://schemas.microsoft.com/office/drawing/2010/main" w="9525">
+                <a14:hiddenLine xmlns:a14="http://schemas.microsoft.com/office/drawing/2010/main" xmlns="" w="9525">
                   <a:solidFill>
                     <a:srgbClr val="000000"/>
                   </a:solidFill>
@@ -3180,7 +3746,7 @@
             </a:ln>
             <a:extLst>
               <a:ext uri="{91240B29-F687-4f45-9708-019B960494DF}">
-                <a14:hiddenLine xmlns="" xmlns:a14="http://schemas.microsoft.com/office/drawing/2010/main" w="9525">
+                <a14:hiddenLine xmlns:a14="http://schemas.microsoft.com/office/drawing/2010/main" xmlns="" w="9525">
                   <a:solidFill>
                     <a:srgbClr val="000000"/>
                   </a:solidFill>
@@ -3214,7 +3780,7 @@
             </a:ln>
             <a:extLst>
               <a:ext uri="{91240B29-F687-4f45-9708-019B960494DF}">
-                <a14:hiddenLine xmlns="" xmlns:a14="http://schemas.microsoft.com/office/drawing/2010/main" w="9525">
+                <a14:hiddenLine xmlns:a14="http://schemas.microsoft.com/office/drawing/2010/main" xmlns="" w="9525">
                   <a:solidFill>
                     <a:srgbClr val="000000"/>
                   </a:solidFill>
@@ -3279,7 +3845,7 @@
             </a:ln>
             <a:extLst>
               <a:ext uri="{91240B29-F687-4f45-9708-019B960494DF}">
-                <a14:hiddenLine xmlns="" xmlns:a14="http://schemas.microsoft.com/office/drawing/2010/main" w="9525">
+                <a14:hiddenLine xmlns:a14="http://schemas.microsoft.com/office/drawing/2010/main" xmlns="" w="9525">
                   <a:solidFill>
                     <a:srgbClr val="000000"/>
                   </a:solidFill>
@@ -3369,7 +3935,7 @@
             </a:ln>
             <a:extLst>
               <a:ext uri="{91240B29-F687-4f45-9708-019B960494DF}">
-                <a14:hiddenLine xmlns="" xmlns:a14="http://schemas.microsoft.com/office/drawing/2010/main" w="9525">
+                <a14:hiddenLine xmlns:a14="http://schemas.microsoft.com/office/drawing/2010/main" xmlns="" w="9525">
                   <a:solidFill>
                     <a:srgbClr val="000000"/>
                   </a:solidFill>
@@ -3431,7 +3997,7 @@
             </a:ln>
             <a:extLst>
               <a:ext uri="{91240B29-F687-4f45-9708-019B960494DF}">
-                <a14:hiddenLine xmlns="" xmlns:a14="http://schemas.microsoft.com/office/drawing/2010/main" w="9525">
+                <a14:hiddenLine xmlns:a14="http://schemas.microsoft.com/office/drawing/2010/main" xmlns="" w="9525">
                   <a:solidFill>
                     <a:srgbClr val="000000"/>
                   </a:solidFill>
@@ -3521,7 +4087,7 @@
             </a:ln>
             <a:extLst>
               <a:ext uri="{91240B29-F687-4f45-9708-019B960494DF}">
-                <a14:hiddenLine xmlns="" xmlns:a14="http://schemas.microsoft.com/office/drawing/2010/main" w="9525">
+                <a14:hiddenLine xmlns:a14="http://schemas.microsoft.com/office/drawing/2010/main" xmlns="" w="9525">
                   <a:solidFill>
                     <a:srgbClr val="000000"/>
                   </a:solidFill>
@@ -3611,7 +4177,7 @@
             </a:ln>
             <a:extLst>
               <a:ext uri="{91240B29-F687-4f45-9708-019B960494DF}">
-                <a14:hiddenLine xmlns="" xmlns:a14="http://schemas.microsoft.com/office/drawing/2010/main" w="9525">
+                <a14:hiddenLine xmlns:a14="http://schemas.microsoft.com/office/drawing/2010/main" xmlns="" w="9525">
                   <a:solidFill>
                     <a:srgbClr val="000000"/>
                   </a:solidFill>
@@ -3676,7 +4242,7 @@
             </a:ln>
             <a:extLst>
               <a:ext uri="{91240B29-F687-4f45-9708-019B960494DF}">
-                <a14:hiddenLine xmlns="" xmlns:a14="http://schemas.microsoft.com/office/drawing/2010/main" w="9525">
+                <a14:hiddenLine xmlns:a14="http://schemas.microsoft.com/office/drawing/2010/main" xmlns="" w="9525">
                   <a:solidFill>
                     <a:srgbClr val="000000"/>
                   </a:solidFill>
@@ -3738,7 +4304,7 @@
             </a:ln>
             <a:extLst>
               <a:ext uri="{91240B29-F687-4f45-9708-019B960494DF}">
-                <a14:hiddenLine xmlns="" xmlns:a14="http://schemas.microsoft.com/office/drawing/2010/main" w="9525">
+                <a14:hiddenLine xmlns:a14="http://schemas.microsoft.com/office/drawing/2010/main" xmlns="" w="9525">
                   <a:solidFill>
                     <a:srgbClr val="000000"/>
                   </a:solidFill>
@@ -3828,7 +4394,7 @@
             </a:ln>
             <a:extLst>
               <a:ext uri="{91240B29-F687-4f45-9708-019B960494DF}">
-                <a14:hiddenLine xmlns="" xmlns:a14="http://schemas.microsoft.com/office/drawing/2010/main" w="9525">
+                <a14:hiddenLine xmlns:a14="http://schemas.microsoft.com/office/drawing/2010/main" xmlns="" w="9525">
                   <a:solidFill>
                     <a:srgbClr val="000000"/>
                   </a:solidFill>
@@ -3918,7 +4484,7 @@
             </a:ln>
             <a:extLst>
               <a:ext uri="{91240B29-F687-4f45-9708-019B960494DF}">
-                <a14:hiddenLine xmlns="" xmlns:a14="http://schemas.microsoft.com/office/drawing/2010/main" w="9525">
+                <a14:hiddenLine xmlns:a14="http://schemas.microsoft.com/office/drawing/2010/main" xmlns="" w="9525">
                   <a:solidFill>
                     <a:srgbClr val="000000"/>
                   </a:solidFill>
@@ -3980,7 +4546,7 @@
             </a:ln>
             <a:extLst>
               <a:ext uri="{91240B29-F687-4f45-9708-019B960494DF}">
-                <a14:hiddenLine xmlns="" xmlns:a14="http://schemas.microsoft.com/office/drawing/2010/main" w="9525">
+                <a14:hiddenLine xmlns:a14="http://schemas.microsoft.com/office/drawing/2010/main" xmlns="" w="9525">
                   <a:solidFill>
                     <a:srgbClr val="000000"/>
                   </a:solidFill>
@@ -4100,7 +4666,7 @@
             </a:ln>
             <a:extLst>
               <a:ext uri="{91240B29-F687-4f45-9708-019B960494DF}">
-                <a14:hiddenLine xmlns="" xmlns:a14="http://schemas.microsoft.com/office/drawing/2010/main" w="9525">
+                <a14:hiddenLine xmlns:a14="http://schemas.microsoft.com/office/drawing/2010/main" xmlns="" w="9525">
                   <a:solidFill>
                     <a:srgbClr val="000000"/>
                   </a:solidFill>
@@ -4168,7 +4734,7 @@
             </a:ln>
             <a:extLst>
               <a:ext uri="{91240B29-F687-4f45-9708-019B960494DF}">
-                <a14:hiddenLine xmlns="" xmlns:a14="http://schemas.microsoft.com/office/drawing/2010/main" w="9525">
+                <a14:hiddenLine xmlns:a14="http://schemas.microsoft.com/office/drawing/2010/main" xmlns="" w="9525">
                   <a:solidFill>
                     <a:srgbClr val="000000"/>
                   </a:solidFill>
@@ -4258,7 +4824,7 @@
             </a:ln>
             <a:extLst>
               <a:ext uri="{91240B29-F687-4f45-9708-019B960494DF}">
-                <a14:hiddenLine xmlns="" xmlns:a14="http://schemas.microsoft.com/office/drawing/2010/main" w="9525">
+                <a14:hiddenLine xmlns:a14="http://schemas.microsoft.com/office/drawing/2010/main" xmlns="" w="9525">
                   <a:solidFill>
                     <a:srgbClr val="000000"/>
                   </a:solidFill>
@@ -4398,7 +4964,7 @@
           <a:p>
             <a:fld id="{96DFF08F-DC6B-4601-B491-B0F83F6DD2DA}" type="datetimeFigureOut">
               <a:rPr lang="en-US" smtClean="0"/>
-              <a:t>9/6/2016</a:t>
+              <a:t>9/7/2016</a:t>
             </a:fld>
             <a:endParaRPr lang="en-US" dirty="0"/>
           </a:p>
@@ -4666,7 +5232,7 @@
             <a:fld id="{96DFF08F-DC6B-4601-B491-B0F83F6DD2DA}" type="datetimeFigureOut">
               <a:rPr lang="en-US" smtClean="0"/>
               <a:pPr/>
-              <a:t>9/6/2016</a:t>
+              <a:t>9/7/2016</a:t>
             </a:fld>
             <a:endParaRPr lang="en-US" dirty="0"/>
           </a:p>
@@ -4864,7 +5430,7 @@
             <a:fld id="{96DFF08F-DC6B-4601-B491-B0F83F6DD2DA}" type="datetimeFigureOut">
               <a:rPr lang="en-US" smtClean="0"/>
               <a:pPr/>
-              <a:t>9/6/2016</a:t>
+              <a:t>9/7/2016</a:t>
             </a:fld>
             <a:endParaRPr lang="en-US" dirty="0"/>
           </a:p>
@@ -5129,7 +5695,7 @@
             <a:fld id="{96DFF08F-DC6B-4601-B491-B0F83F6DD2DA}" type="datetimeFigureOut">
               <a:rPr lang="en-US" smtClean="0"/>
               <a:pPr/>
-              <a:t>9/6/2016</a:t>
+              <a:t>9/7/2016</a:t>
             </a:fld>
             <a:endParaRPr lang="en-US" dirty="0"/>
           </a:p>
@@ -5565,7 +6131,7 @@
             <a:fld id="{96DFF08F-DC6B-4601-B491-B0F83F6DD2DA}" type="datetimeFigureOut">
               <a:rPr lang="en-US" smtClean="0"/>
               <a:pPr/>
-              <a:t>9/6/2016</a:t>
+              <a:t>9/7/2016</a:t>
             </a:fld>
             <a:endParaRPr lang="en-US" dirty="0"/>
           </a:p>
@@ -6113,7 +6679,7 @@
             <a:fld id="{96DFF08F-DC6B-4601-B491-B0F83F6DD2DA}" type="datetimeFigureOut">
               <a:rPr lang="en-US" smtClean="0"/>
               <a:pPr/>
-              <a:t>9/6/2016</a:t>
+              <a:t>9/7/2016</a:t>
             </a:fld>
             <a:endParaRPr lang="en-US" dirty="0"/>
           </a:p>
@@ -6835,7 +7401,7 @@
             <a:fld id="{96DFF08F-DC6B-4601-B491-B0F83F6DD2DA}" type="datetimeFigureOut">
               <a:rPr lang="en-US" smtClean="0"/>
               <a:pPr/>
-              <a:t>9/6/2016</a:t>
+              <a:t>9/7/2016</a:t>
             </a:fld>
             <a:endParaRPr lang="en-US" dirty="0"/>
           </a:p>
@@ -7006,7 +7572,7 @@
           <a:p>
             <a:fld id="{96DFF08F-DC6B-4601-B491-B0F83F6DD2DA}" type="datetimeFigureOut">
               <a:rPr lang="en-US" smtClean="0"/>
-              <a:t>9/6/2016</a:t>
+              <a:t>9/7/2016</a:t>
             </a:fld>
             <a:endParaRPr lang="en-US" dirty="0"/>
           </a:p>
@@ -7186,7 +7752,7 @@
           <a:p>
             <a:fld id="{96DFF08F-DC6B-4601-B491-B0F83F6DD2DA}" type="datetimeFigureOut">
               <a:rPr lang="en-US" smtClean="0"/>
-              <a:t>9/6/2016</a:t>
+              <a:t>9/7/2016</a:t>
             </a:fld>
             <a:endParaRPr lang="en-US" dirty="0"/>
           </a:p>
@@ -7356,7 +7922,7 @@
           <a:p>
             <a:fld id="{96DFF08F-DC6B-4601-B491-B0F83F6DD2DA}" type="datetimeFigureOut">
               <a:rPr lang="en-US" smtClean="0"/>
-              <a:t>9/6/2016</a:t>
+              <a:t>9/7/2016</a:t>
             </a:fld>
             <a:endParaRPr lang="en-US" dirty="0"/>
           </a:p>
@@ -7606,7 +8172,7 @@
           <a:p>
             <a:fld id="{96DFF08F-DC6B-4601-B491-B0F83F6DD2DA}" type="datetimeFigureOut">
               <a:rPr lang="en-US" smtClean="0"/>
-              <a:t>9/6/2016</a:t>
+              <a:t>9/7/2016</a:t>
             </a:fld>
             <a:endParaRPr lang="en-US" dirty="0"/>
           </a:p>
@@ -7838,7 +8404,7 @@
           <a:p>
             <a:fld id="{96DFF08F-DC6B-4601-B491-B0F83F6DD2DA}" type="datetimeFigureOut">
               <a:rPr lang="en-US" smtClean="0"/>
-              <a:t>9/6/2016</a:t>
+              <a:t>9/7/2016</a:t>
             </a:fld>
             <a:endParaRPr lang="en-US" dirty="0"/>
           </a:p>
@@ -8219,7 +8785,7 @@
           <a:p>
             <a:fld id="{96DFF08F-DC6B-4601-B491-B0F83F6DD2DA}" type="datetimeFigureOut">
               <a:rPr lang="en-US" smtClean="0"/>
-              <a:t>9/6/2016</a:t>
+              <a:t>9/7/2016</a:t>
             </a:fld>
             <a:endParaRPr lang="en-US" dirty="0"/>
           </a:p>
@@ -8337,7 +8903,7 @@
           <a:p>
             <a:fld id="{96DFF08F-DC6B-4601-B491-B0F83F6DD2DA}" type="datetimeFigureOut">
               <a:rPr lang="en-US" smtClean="0"/>
-              <a:t>9/6/2016</a:t>
+              <a:t>9/7/2016</a:t>
             </a:fld>
             <a:endParaRPr lang="en-US" dirty="0"/>
           </a:p>
@@ -8432,7 +8998,7 @@
           <a:p>
             <a:fld id="{96DFF08F-DC6B-4601-B491-B0F83F6DD2DA}" type="datetimeFigureOut">
               <a:rPr lang="en-US" smtClean="0"/>
-              <a:t>9/6/2016</a:t>
+              <a:t>9/7/2016</a:t>
             </a:fld>
             <a:endParaRPr lang="en-US" dirty="0"/>
           </a:p>
@@ -8681,7 +9247,7 @@
           <a:p>
             <a:fld id="{96DFF08F-DC6B-4601-B491-B0F83F6DD2DA}" type="datetimeFigureOut">
               <a:rPr lang="en-US" smtClean="0"/>
-              <a:t>9/6/2016</a:t>
+              <a:t>9/7/2016</a:t>
             </a:fld>
             <a:endParaRPr lang="en-US" dirty="0"/>
           </a:p>
@@ -8961,7 +9527,7 @@
           <a:p>
             <a:fld id="{96DFF08F-DC6B-4601-B491-B0F83F6DD2DA}" type="datetimeFigureOut">
               <a:rPr lang="en-US" smtClean="0"/>
-              <a:t>9/6/2016</a:t>
+              <a:t>9/7/2016</a:t>
             </a:fld>
             <a:endParaRPr lang="en-US" dirty="0"/>
           </a:p>
@@ -9077,7 +9643,7 @@
           <a:noFill/>
           <a:extLst>
             <a:ext uri="{909E8E84-426E-40dd-AFC4-6F175D3DCCD1}">
-              <a14:hiddenFill xmlns="" xmlns:a14="http://schemas.microsoft.com/office/drawing/2010/main">
+              <a14:hiddenFill xmlns:a14="http://schemas.microsoft.com/office/drawing/2010/main" xmlns="">
                 <a:solidFill>
                   <a:srgbClr val="FFFFFF"/>
                 </a:solidFill>
@@ -9151,7 +9717,7 @@
               </a:ln>
               <a:extLst>
                 <a:ext uri="{91240B29-F687-4f45-9708-019B960494DF}">
-                  <a14:hiddenLine xmlns="" xmlns:a14="http://schemas.microsoft.com/office/drawing/2010/main" w="9525">
+                  <a14:hiddenLine xmlns:a14="http://schemas.microsoft.com/office/drawing/2010/main" xmlns="" w="9525">
                     <a:solidFill>
                       <a:srgbClr val="000000"/>
                     </a:solidFill>
@@ -9241,7 +9807,7 @@
               </a:ln>
               <a:extLst>
                 <a:ext uri="{91240B29-F687-4f45-9708-019B960494DF}">
-                  <a14:hiddenLine xmlns="" xmlns:a14="http://schemas.microsoft.com/office/drawing/2010/main" w="9525">
+                  <a14:hiddenLine xmlns:a14="http://schemas.microsoft.com/office/drawing/2010/main" xmlns="" w="9525">
                     <a:solidFill>
                       <a:srgbClr val="000000"/>
                     </a:solidFill>
@@ -9331,7 +9897,7 @@
               </a:ln>
               <a:extLst>
                 <a:ext uri="{91240B29-F687-4f45-9708-019B960494DF}">
-                  <a14:hiddenLine xmlns="" xmlns:a14="http://schemas.microsoft.com/office/drawing/2010/main" w="9525">
+                  <a14:hiddenLine xmlns:a14="http://schemas.microsoft.com/office/drawing/2010/main" xmlns="" w="9525">
                     <a:solidFill>
                       <a:srgbClr val="000000"/>
                     </a:solidFill>
@@ -9393,7 +9959,7 @@
               </a:ln>
               <a:extLst>
                 <a:ext uri="{91240B29-F687-4f45-9708-019B960494DF}">
-                  <a14:hiddenLine xmlns="" xmlns:a14="http://schemas.microsoft.com/office/drawing/2010/main" w="9525">
+                  <a14:hiddenLine xmlns:a14="http://schemas.microsoft.com/office/drawing/2010/main" xmlns="" w="9525">
                     <a:solidFill>
                       <a:srgbClr val="000000"/>
                     </a:solidFill>
@@ -9483,7 +10049,7 @@
               </a:ln>
               <a:extLst>
                 <a:ext uri="{91240B29-F687-4f45-9708-019B960494DF}">
-                  <a14:hiddenLine xmlns="" xmlns:a14="http://schemas.microsoft.com/office/drawing/2010/main" w="9525">
+                  <a14:hiddenLine xmlns:a14="http://schemas.microsoft.com/office/drawing/2010/main" xmlns="" w="9525">
                     <a:solidFill>
                       <a:srgbClr val="000000"/>
                     </a:solidFill>
@@ -9545,7 +10111,7 @@
               </a:ln>
               <a:extLst>
                 <a:ext uri="{91240B29-F687-4f45-9708-019B960494DF}">
-                  <a14:hiddenLine xmlns="" xmlns:a14="http://schemas.microsoft.com/office/drawing/2010/main" w="9525">
+                  <a14:hiddenLine xmlns:a14="http://schemas.microsoft.com/office/drawing/2010/main" xmlns="" w="9525">
                     <a:solidFill>
                       <a:srgbClr val="000000"/>
                     </a:solidFill>
@@ -9607,7 +10173,7 @@
               </a:ln>
               <a:extLst>
                 <a:ext uri="{91240B29-F687-4f45-9708-019B960494DF}">
-                  <a14:hiddenLine xmlns="" xmlns:a14="http://schemas.microsoft.com/office/drawing/2010/main" w="9525">
+                  <a14:hiddenLine xmlns:a14="http://schemas.microsoft.com/office/drawing/2010/main" xmlns="" w="9525">
                     <a:solidFill>
                       <a:srgbClr val="000000"/>
                     </a:solidFill>
@@ -9697,7 +10263,7 @@
               </a:ln>
               <a:extLst>
                 <a:ext uri="{91240B29-F687-4f45-9708-019B960494DF}">
-                  <a14:hiddenLine xmlns="" xmlns:a14="http://schemas.microsoft.com/office/drawing/2010/main" w="9525">
+                  <a14:hiddenLine xmlns:a14="http://schemas.microsoft.com/office/drawing/2010/main" xmlns="" w="9525">
                     <a:solidFill>
                       <a:srgbClr val="000000"/>
                     </a:solidFill>
@@ -9787,7 +10353,7 @@
               </a:ln>
               <a:extLst>
                 <a:ext uri="{91240B29-F687-4f45-9708-019B960494DF}">
-                  <a14:hiddenLine xmlns="" xmlns:a14="http://schemas.microsoft.com/office/drawing/2010/main" w="9525">
+                  <a14:hiddenLine xmlns:a14="http://schemas.microsoft.com/office/drawing/2010/main" xmlns="" w="9525">
                     <a:solidFill>
                       <a:srgbClr val="000000"/>
                     </a:solidFill>
@@ -9849,7 +10415,7 @@
               </a:ln>
               <a:extLst>
                 <a:ext uri="{91240B29-F687-4f45-9708-019B960494DF}">
-                  <a14:hiddenLine xmlns="" xmlns:a14="http://schemas.microsoft.com/office/drawing/2010/main" w="9525">
+                  <a14:hiddenLine xmlns:a14="http://schemas.microsoft.com/office/drawing/2010/main" xmlns="" w="9525">
                     <a:solidFill>
                       <a:srgbClr val="000000"/>
                     </a:solidFill>
@@ -9959,7 +10525,7 @@
               </a:ln>
               <a:extLst>
                 <a:ext uri="{91240B29-F687-4f45-9708-019B960494DF}">
-                  <a14:hiddenLine xmlns="" xmlns:a14="http://schemas.microsoft.com/office/drawing/2010/main" w="9525">
+                  <a14:hiddenLine xmlns:a14="http://schemas.microsoft.com/office/drawing/2010/main" xmlns="" w="9525">
                     <a:solidFill>
                       <a:srgbClr val="000000"/>
                     </a:solidFill>
@@ -10043,7 +10609,7 @@
               </a:ln>
               <a:extLst>
                 <a:ext uri="{91240B29-F687-4f45-9708-019B960494DF}">
-                  <a14:hiddenLine xmlns="" xmlns:a14="http://schemas.microsoft.com/office/drawing/2010/main" w="9525">
+                  <a14:hiddenLine xmlns:a14="http://schemas.microsoft.com/office/drawing/2010/main" xmlns="" w="9525">
                     <a:solidFill>
                       <a:srgbClr val="000000"/>
                     </a:solidFill>
@@ -10105,7 +10671,7 @@
               </a:ln>
               <a:extLst>
                 <a:ext uri="{91240B29-F687-4f45-9708-019B960494DF}">
-                  <a14:hiddenLine xmlns="" xmlns:a14="http://schemas.microsoft.com/office/drawing/2010/main" w="9525">
+                  <a14:hiddenLine xmlns:a14="http://schemas.microsoft.com/office/drawing/2010/main" xmlns="" w="9525">
                     <a:solidFill>
                       <a:srgbClr val="000000"/>
                     </a:solidFill>
@@ -10167,7 +10733,7 @@
               </a:ln>
               <a:extLst>
                 <a:ext uri="{91240B29-F687-4f45-9708-019B960494DF}">
-                  <a14:hiddenLine xmlns="" xmlns:a14="http://schemas.microsoft.com/office/drawing/2010/main" w="9525">
+                  <a14:hiddenLine xmlns:a14="http://schemas.microsoft.com/office/drawing/2010/main" xmlns="" w="9525">
                     <a:solidFill>
                       <a:srgbClr val="000000"/>
                     </a:solidFill>
@@ -10257,7 +10823,7 @@
               </a:ln>
               <a:extLst>
                 <a:ext uri="{91240B29-F687-4f45-9708-019B960494DF}">
-                  <a14:hiddenLine xmlns="" xmlns:a14="http://schemas.microsoft.com/office/drawing/2010/main" w="9525">
+                  <a14:hiddenLine xmlns:a14="http://schemas.microsoft.com/office/drawing/2010/main" xmlns="" w="9525">
                     <a:solidFill>
                       <a:srgbClr val="000000"/>
                     </a:solidFill>
@@ -10291,7 +10857,7 @@
               </a:ln>
               <a:extLst>
                 <a:ext uri="{91240B29-F687-4f45-9708-019B960494DF}">
-                  <a14:hiddenLine xmlns="" xmlns:a14="http://schemas.microsoft.com/office/drawing/2010/main" w="9525">
+                  <a14:hiddenLine xmlns:a14="http://schemas.microsoft.com/office/drawing/2010/main" xmlns="" w="9525">
                     <a:solidFill>
                       <a:srgbClr val="000000"/>
                     </a:solidFill>
@@ -10356,7 +10922,7 @@
               </a:ln>
               <a:extLst>
                 <a:ext uri="{91240B29-F687-4f45-9708-019B960494DF}">
-                  <a14:hiddenLine xmlns="" xmlns:a14="http://schemas.microsoft.com/office/drawing/2010/main" w="9525">
+                  <a14:hiddenLine xmlns:a14="http://schemas.microsoft.com/office/drawing/2010/main" xmlns="" w="9525">
                     <a:solidFill>
                       <a:srgbClr val="000000"/>
                     </a:solidFill>
@@ -10446,7 +11012,7 @@
               </a:ln>
               <a:extLst>
                 <a:ext uri="{91240B29-F687-4f45-9708-019B960494DF}">
-                  <a14:hiddenLine xmlns="" xmlns:a14="http://schemas.microsoft.com/office/drawing/2010/main" w="9525">
+                  <a14:hiddenLine xmlns:a14="http://schemas.microsoft.com/office/drawing/2010/main" xmlns="" w="9525">
                     <a:solidFill>
                       <a:srgbClr val="000000"/>
                     </a:solidFill>
@@ -10508,7 +11074,7 @@
               </a:ln>
               <a:extLst>
                 <a:ext uri="{91240B29-F687-4f45-9708-019B960494DF}">
-                  <a14:hiddenLine xmlns="" xmlns:a14="http://schemas.microsoft.com/office/drawing/2010/main" w="9525">
+                  <a14:hiddenLine xmlns:a14="http://schemas.microsoft.com/office/drawing/2010/main" xmlns="" w="9525">
                     <a:solidFill>
                       <a:srgbClr val="000000"/>
                     </a:solidFill>
@@ -10598,7 +11164,7 @@
               </a:ln>
               <a:extLst>
                 <a:ext uri="{91240B29-F687-4f45-9708-019B960494DF}">
-                  <a14:hiddenLine xmlns="" xmlns:a14="http://schemas.microsoft.com/office/drawing/2010/main" w="9525">
+                  <a14:hiddenLine xmlns:a14="http://schemas.microsoft.com/office/drawing/2010/main" xmlns="" w="9525">
                     <a:solidFill>
                       <a:srgbClr val="000000"/>
                     </a:solidFill>
@@ -10663,7 +11229,7 @@
               </a:ln>
               <a:extLst>
                 <a:ext uri="{91240B29-F687-4f45-9708-019B960494DF}">
-                  <a14:hiddenLine xmlns="" xmlns:a14="http://schemas.microsoft.com/office/drawing/2010/main" w="9525">
+                  <a14:hiddenLine xmlns:a14="http://schemas.microsoft.com/office/drawing/2010/main" xmlns="" w="9525">
                     <a:solidFill>
                       <a:srgbClr val="000000"/>
                     </a:solidFill>
@@ -10725,7 +11291,7 @@
               </a:ln>
               <a:extLst>
                 <a:ext uri="{91240B29-F687-4f45-9708-019B960494DF}">
-                  <a14:hiddenLine xmlns="" xmlns:a14="http://schemas.microsoft.com/office/drawing/2010/main" w="9525">
+                  <a14:hiddenLine xmlns:a14="http://schemas.microsoft.com/office/drawing/2010/main" xmlns="" w="9525">
                     <a:solidFill>
                       <a:srgbClr val="000000"/>
                     </a:solidFill>
@@ -10815,7 +11381,7 @@
               </a:ln>
               <a:extLst>
                 <a:ext uri="{91240B29-F687-4f45-9708-019B960494DF}">
-                  <a14:hiddenLine xmlns="" xmlns:a14="http://schemas.microsoft.com/office/drawing/2010/main" w="9525">
+                  <a14:hiddenLine xmlns:a14="http://schemas.microsoft.com/office/drawing/2010/main" xmlns="" w="9525">
                     <a:solidFill>
                       <a:srgbClr val="000000"/>
                     </a:solidFill>
@@ -10905,7 +11471,7 @@
               </a:ln>
               <a:extLst>
                 <a:ext uri="{91240B29-F687-4f45-9708-019B960494DF}">
-                  <a14:hiddenLine xmlns="" xmlns:a14="http://schemas.microsoft.com/office/drawing/2010/main" w="9525">
+                  <a14:hiddenLine xmlns:a14="http://schemas.microsoft.com/office/drawing/2010/main" xmlns="" w="9525">
                     <a:solidFill>
                       <a:srgbClr val="000000"/>
                     </a:solidFill>
@@ -10970,7 +11536,7 @@
               </a:ln>
               <a:extLst>
                 <a:ext uri="{91240B29-F687-4f45-9708-019B960494DF}">
-                  <a14:hiddenLine xmlns="" xmlns:a14="http://schemas.microsoft.com/office/drawing/2010/main" w="9525">
+                  <a14:hiddenLine xmlns:a14="http://schemas.microsoft.com/office/drawing/2010/main" xmlns="" w="9525">
                     <a:solidFill>
                       <a:srgbClr val="000000"/>
                     </a:solidFill>
@@ -11090,7 +11656,7 @@
               </a:ln>
               <a:extLst>
                 <a:ext uri="{91240B29-F687-4f45-9708-019B960494DF}">
-                  <a14:hiddenLine xmlns="" xmlns:a14="http://schemas.microsoft.com/office/drawing/2010/main" w="9525">
+                  <a14:hiddenLine xmlns:a14="http://schemas.microsoft.com/office/drawing/2010/main" xmlns="" w="9525">
                     <a:solidFill>
                       <a:srgbClr val="000000"/>
                     </a:solidFill>
@@ -11188,7 +11754,7 @@
               </a:ln>
               <a:extLst>
                 <a:ext uri="{91240B29-F687-4f45-9708-019B960494DF}">
-                  <a14:hiddenLine xmlns="" xmlns:a14="http://schemas.microsoft.com/office/drawing/2010/main" w="9525">
+                  <a14:hiddenLine xmlns:a14="http://schemas.microsoft.com/office/drawing/2010/main" xmlns="" w="9525">
                     <a:solidFill>
                       <a:srgbClr val="000000"/>
                     </a:solidFill>
@@ -11303,7 +11869,7 @@
               </a:ln>
               <a:extLst>
                 <a:ext uri="{91240B29-F687-4f45-9708-019B960494DF}">
-                  <a14:hiddenLine xmlns="" xmlns:a14="http://schemas.microsoft.com/office/drawing/2010/main" w="9525">
+                  <a14:hiddenLine xmlns:a14="http://schemas.microsoft.com/office/drawing/2010/main" xmlns="" w="9525">
                     <a:solidFill>
                       <a:srgbClr val="000000"/>
                     </a:solidFill>
@@ -11393,7 +11959,7 @@
               </a:ln>
               <a:extLst>
                 <a:ext uri="{91240B29-F687-4f45-9708-019B960494DF}">
-                  <a14:hiddenLine xmlns="" xmlns:a14="http://schemas.microsoft.com/office/drawing/2010/main" w="9525">
+                  <a14:hiddenLine xmlns:a14="http://schemas.microsoft.com/office/drawing/2010/main" xmlns="" w="9525">
                     <a:solidFill>
                       <a:srgbClr val="000000"/>
                     </a:solidFill>
@@ -11458,7 +12024,7 @@
               </a:ln>
               <a:extLst>
                 <a:ext uri="{91240B29-F687-4f45-9708-019B960494DF}">
-                  <a14:hiddenLine xmlns="" xmlns:a14="http://schemas.microsoft.com/office/drawing/2010/main" w="9525">
+                  <a14:hiddenLine xmlns:a14="http://schemas.microsoft.com/office/drawing/2010/main" xmlns="" w="9525">
                     <a:solidFill>
                       <a:srgbClr val="000000"/>
                     </a:solidFill>
@@ -11548,7 +12114,7 @@
               </a:ln>
               <a:extLst>
                 <a:ext uri="{91240B29-F687-4f45-9708-019B960494DF}">
-                  <a14:hiddenLine xmlns="" xmlns:a14="http://schemas.microsoft.com/office/drawing/2010/main" w="9525">
+                  <a14:hiddenLine xmlns:a14="http://schemas.microsoft.com/office/drawing/2010/main" xmlns="" w="9525">
                     <a:solidFill>
                       <a:srgbClr val="000000"/>
                     </a:solidFill>
@@ -11616,7 +12182,7 @@
               </a:ln>
               <a:extLst>
                 <a:ext uri="{91240B29-F687-4f45-9708-019B960494DF}">
-                  <a14:hiddenLine xmlns="" xmlns:a14="http://schemas.microsoft.com/office/drawing/2010/main" w="9525">
+                  <a14:hiddenLine xmlns:a14="http://schemas.microsoft.com/office/drawing/2010/main" xmlns="" w="9525">
                     <a:solidFill>
                       <a:srgbClr val="000000"/>
                     </a:solidFill>
@@ -11706,7 +12272,7 @@
               </a:ln>
               <a:extLst>
                 <a:ext uri="{91240B29-F687-4f45-9708-019B960494DF}">
-                  <a14:hiddenLine xmlns="" xmlns:a14="http://schemas.microsoft.com/office/drawing/2010/main" w="9525">
+                  <a14:hiddenLine xmlns:a14="http://schemas.microsoft.com/office/drawing/2010/main" xmlns="" w="9525">
                     <a:solidFill>
                       <a:srgbClr val="000000"/>
                     </a:solidFill>
@@ -11774,7 +12340,7 @@
               </a:ln>
               <a:extLst>
                 <a:ext uri="{91240B29-F687-4f45-9708-019B960494DF}">
-                  <a14:hiddenLine xmlns="" xmlns:a14="http://schemas.microsoft.com/office/drawing/2010/main" w="9525">
+                  <a14:hiddenLine xmlns:a14="http://schemas.microsoft.com/office/drawing/2010/main" xmlns="" w="9525">
                     <a:solidFill>
                       <a:srgbClr val="000000"/>
                     </a:solidFill>
@@ -11864,7 +12430,7 @@
               </a:ln>
               <a:extLst>
                 <a:ext uri="{91240B29-F687-4f45-9708-019B960494DF}">
-                  <a14:hiddenLine xmlns="" xmlns:a14="http://schemas.microsoft.com/office/drawing/2010/main" w="9525">
+                  <a14:hiddenLine xmlns:a14="http://schemas.microsoft.com/office/drawing/2010/main" xmlns="" w="9525">
                     <a:solidFill>
                       <a:srgbClr val="000000"/>
                     </a:solidFill>
@@ -11898,7 +12464,7 @@
               </a:ln>
               <a:extLst>
                 <a:ext uri="{91240B29-F687-4f45-9708-019B960494DF}">
-                  <a14:hiddenLine xmlns="" xmlns:a14="http://schemas.microsoft.com/office/drawing/2010/main" w="9525">
+                  <a14:hiddenLine xmlns:a14="http://schemas.microsoft.com/office/drawing/2010/main" xmlns="" w="9525">
                     <a:solidFill>
                       <a:srgbClr val="000000"/>
                     </a:solidFill>
@@ -12039,7 +12605,7 @@
             <a:fld id="{96DFF08F-DC6B-4601-B491-B0F83F6DD2DA}" type="datetimeFigureOut">
               <a:rPr lang="en-US" smtClean="0"/>
               <a:pPr/>
-              <a:t>9/6/2016</a:t>
+              <a:t>9/7/2016</a:t>
             </a:fld>
             <a:endParaRPr lang="en-US" dirty="0"/>
           </a:p>
@@ -12552,54 +13118,56 @@
             <p:ph type="title"/>
           </p:nvPr>
         </p:nvSpPr>
-        <p:spPr/>
+        <p:spPr>
+          <a:xfrm>
+            <a:off x="1141412" y="212911"/>
+            <a:ext cx="9905998" cy="1478570"/>
+          </a:xfrm>
+        </p:spPr>
         <p:txBody>
           <a:bodyPr/>
           <a:lstStyle/>
           <a:p>
             <a:r>
               <a:rPr lang="en-US" dirty="0" err="1" smtClean="0"/>
-              <a:t>Hnrnpk</a:t>
+              <a:t>hnRNPK</a:t>
             </a:r>
             <a:r>
               <a:rPr lang="en-US" dirty="0" smtClean="0"/>
-              <a:t> </a:t>
-            </a:r>
-            <a:r>
-              <a:rPr lang="en-US" dirty="0" err="1" smtClean="0"/>
-              <a:t>colocalize</a:t>
-            </a:r>
-            <a:r>
-              <a:rPr lang="en-US" dirty="0" smtClean="0"/>
-              <a:t> with mir-148a</a:t>
+              <a:t> and its subcellular localization</a:t>
             </a:r>
             <a:endParaRPr lang="en-AU" dirty="0"/>
           </a:p>
         </p:txBody>
       </p:sp>
-      <p:sp>
-        <p:nvSpPr>
-          <p:cNvPr id="3" name="Content Placeholder 2"/>
-          <p:cNvSpPr>
-            <a:spLocks noGrp="1"/>
-          </p:cNvSpPr>
-          <p:nvPr>
-            <p:ph idx="1"/>
-          </p:nvPr>
-        </p:nvSpPr>
-        <p:spPr/>
-        <p:txBody>
-          <a:bodyPr/>
-          <a:lstStyle/>
-          <a:p>
-            <a:endParaRPr lang="en-AU" dirty="0"/>
-          </a:p>
-        </p:txBody>
-      </p:sp>
+      <p:pic>
+        <p:nvPicPr>
+          <p:cNvPr id="5" name="Picture 4"/>
+          <p:cNvPicPr>
+            <a:picLocks noChangeAspect="1"/>
+          </p:cNvPicPr>
+          <p:nvPr/>
+        </p:nvPicPr>
+        <p:blipFill>
+          <a:blip r:embed="rId2"/>
+          <a:stretch>
+            <a:fillRect/>
+          </a:stretch>
+        </p:blipFill>
+        <p:spPr>
+          <a:xfrm>
+            <a:off x="2441053" y="1691481"/>
+            <a:ext cx="6810375" cy="4657725"/>
+          </a:xfrm>
+          <a:prstGeom prst="rect">
+            <a:avLst/>
+          </a:prstGeom>
+        </p:spPr>
+      </p:pic>
     </p:spTree>
     <p:extLst>
       <p:ext uri="{BB962C8B-B14F-4D97-AF65-F5344CB8AC3E}">
-        <p14:creationId xmlns:p14="http://schemas.microsoft.com/office/powerpoint/2010/main" val="1482749622"/>
+        <p14:creationId xmlns:p14="http://schemas.microsoft.com/office/powerpoint/2010/main" val="323310266"/>
       </p:ext>
     </p:extLst>
   </p:cSld>
@@ -12648,6 +13216,348 @@
           <a:bodyPr/>
           <a:lstStyle/>
           <a:p>
+            <a:endParaRPr lang="en-AU"/>
+          </a:p>
+        </p:txBody>
+      </p:sp>
+      <p:pic>
+        <p:nvPicPr>
+          <p:cNvPr id="4" name="Content Placeholder 3"/>
+          <p:cNvPicPr>
+            <a:picLocks noGrp="1" noChangeAspect="1"/>
+          </p:cNvPicPr>
+          <p:nvPr>
+            <p:ph idx="1"/>
+          </p:nvPr>
+        </p:nvPicPr>
+        <p:blipFill>
+          <a:blip r:embed="rId2"/>
+          <a:stretch>
+            <a:fillRect/>
+          </a:stretch>
+        </p:blipFill>
+        <p:spPr>
+          <a:xfrm>
+            <a:off x="1340069" y="267262"/>
+            <a:ext cx="8994228" cy="6209737"/>
+          </a:xfrm>
+          <a:prstGeom prst="rect">
+            <a:avLst/>
+          </a:prstGeom>
+        </p:spPr>
+      </p:pic>
+    </p:spTree>
+    <p:extLst>
+      <p:ext uri="{BB962C8B-B14F-4D97-AF65-F5344CB8AC3E}">
+        <p14:creationId xmlns:p14="http://schemas.microsoft.com/office/powerpoint/2010/main" val="2569331124"/>
+      </p:ext>
+    </p:extLst>
+  </p:cSld>
+  <p:clrMapOvr>
+    <a:masterClrMapping/>
+  </p:clrMapOvr>
+</p:sld>
+</file>
+
+<file path=ppt/slides/slide12.xml><?xml version="1.0" encoding="utf-8"?>
+<p:sld xmlns:a="http://schemas.openxmlformats.org/drawingml/2006/main" xmlns:r="http://schemas.openxmlformats.org/officeDocument/2006/relationships" xmlns:p="http://schemas.openxmlformats.org/presentationml/2006/main">
+  <p:cSld>
+    <p:spTree>
+      <p:nvGrpSpPr>
+        <p:cNvPr id="1" name=""/>
+        <p:cNvGrpSpPr/>
+        <p:nvPr/>
+      </p:nvGrpSpPr>
+      <p:grpSpPr>
+        <a:xfrm>
+          <a:off x="0" y="0"/>
+          <a:ext cx="0" cy="0"/>
+          <a:chOff x="0" y="0"/>
+          <a:chExt cx="0" cy="0"/>
+        </a:xfrm>
+      </p:grpSpPr>
+      <p:sp>
+        <p:nvSpPr>
+          <p:cNvPr id="2" name="Title 1"/>
+          <p:cNvSpPr>
+            <a:spLocks noGrp="1"/>
+          </p:cNvSpPr>
+          <p:nvPr>
+            <p:ph type="title"/>
+          </p:nvPr>
+        </p:nvSpPr>
+        <p:spPr>
+          <a:xfrm>
+            <a:off x="1180827" y="1020539"/>
+            <a:ext cx="9905998" cy="1478570"/>
+          </a:xfrm>
+        </p:spPr>
+        <p:txBody>
+          <a:bodyPr/>
+          <a:lstStyle/>
+          <a:p>
+            <a:r>
+              <a:rPr lang="en-US" cap="none" dirty="0" err="1" smtClean="0"/>
+              <a:t>miR</a:t>
+            </a:r>
+            <a:r>
+              <a:rPr lang="en-US" cap="none" dirty="0" smtClean="0"/>
+              <a:t>-ISH</a:t>
+            </a:r>
+            <a:endParaRPr lang="en-AU" cap="none" dirty="0"/>
+          </a:p>
+        </p:txBody>
+      </p:sp>
+      <p:pic>
+        <p:nvPicPr>
+          <p:cNvPr id="4" name="Content Placeholder 3"/>
+          <p:cNvPicPr>
+            <a:picLocks noGrp="1" noChangeAspect="1"/>
+          </p:cNvPicPr>
+          <p:nvPr>
+            <p:ph idx="1"/>
+          </p:nvPr>
+        </p:nvPicPr>
+        <p:blipFill>
+          <a:blip r:embed="rId2"/>
+          <a:stretch>
+            <a:fillRect/>
+          </a:stretch>
+        </p:blipFill>
+        <p:spPr>
+          <a:xfrm>
+            <a:off x="3046001" y="1357803"/>
+            <a:ext cx="6602495" cy="4758280"/>
+          </a:xfrm>
+          <a:prstGeom prst="rect">
+            <a:avLst/>
+          </a:prstGeom>
+        </p:spPr>
+      </p:pic>
+    </p:spTree>
+    <p:extLst>
+      <p:ext uri="{BB962C8B-B14F-4D97-AF65-F5344CB8AC3E}">
+        <p14:creationId xmlns:p14="http://schemas.microsoft.com/office/powerpoint/2010/main" val="4163968873"/>
+      </p:ext>
+    </p:extLst>
+  </p:cSld>
+  <p:clrMapOvr>
+    <a:masterClrMapping/>
+  </p:clrMapOvr>
+</p:sld>
+</file>
+
+<file path=ppt/slides/slide13.xml><?xml version="1.0" encoding="utf-8"?>
+<p:sld xmlns:a="http://schemas.openxmlformats.org/drawingml/2006/main" xmlns:r="http://schemas.openxmlformats.org/officeDocument/2006/relationships" xmlns:p="http://schemas.openxmlformats.org/presentationml/2006/main">
+  <p:cSld>
+    <p:spTree>
+      <p:nvGrpSpPr>
+        <p:cNvPr id="1" name=""/>
+        <p:cNvGrpSpPr/>
+        <p:nvPr/>
+      </p:nvGrpSpPr>
+      <p:grpSpPr>
+        <a:xfrm>
+          <a:off x="0" y="0"/>
+          <a:ext cx="0" cy="0"/>
+          <a:chOff x="0" y="0"/>
+          <a:chExt cx="0" cy="0"/>
+        </a:xfrm>
+      </p:grpSpPr>
+      <p:sp>
+        <p:nvSpPr>
+          <p:cNvPr id="2" name="Title 1"/>
+          <p:cNvSpPr>
+            <a:spLocks noGrp="1"/>
+          </p:cNvSpPr>
+          <p:nvPr>
+            <p:ph type="title"/>
+          </p:nvPr>
+        </p:nvSpPr>
+        <p:spPr>
+          <a:xfrm>
+            <a:off x="1171261" y="-358944"/>
+            <a:ext cx="9905998" cy="1478570"/>
+          </a:xfrm>
+        </p:spPr>
+        <p:txBody>
+          <a:bodyPr/>
+          <a:lstStyle/>
+          <a:p>
+            <a:r>
+              <a:rPr lang="en-US" cap="none" dirty="0" err="1" smtClean="0"/>
+              <a:t>HnRNPk</a:t>
+            </a:r>
+            <a:r>
+              <a:rPr lang="en-US" cap="none" dirty="0" smtClean="0"/>
+              <a:t> co-localize with mir-148a </a:t>
+            </a:r>
+            <a:endParaRPr lang="en-AU" cap="none" dirty="0"/>
+          </a:p>
+        </p:txBody>
+      </p:sp>
+      <p:pic>
+        <p:nvPicPr>
+          <p:cNvPr id="4" name="Content Placeholder 3"/>
+          <p:cNvPicPr>
+            <a:picLocks noGrp="1" noChangeAspect="1"/>
+          </p:cNvPicPr>
+          <p:nvPr>
+            <p:ph idx="1"/>
+          </p:nvPr>
+        </p:nvPicPr>
+        <p:blipFill>
+          <a:blip r:embed="rId2"/>
+          <a:stretch>
+            <a:fillRect/>
+          </a:stretch>
+        </p:blipFill>
+        <p:spPr>
+          <a:xfrm>
+            <a:off x="1914073" y="728116"/>
+            <a:ext cx="8420374" cy="5767380"/>
+          </a:xfrm>
+          <a:prstGeom prst="rect">
+            <a:avLst/>
+          </a:prstGeom>
+        </p:spPr>
+      </p:pic>
+    </p:spTree>
+    <p:extLst>
+      <p:ext uri="{BB962C8B-B14F-4D97-AF65-F5344CB8AC3E}">
+        <p14:creationId xmlns:p14="http://schemas.microsoft.com/office/powerpoint/2010/main" val="1482749622"/>
+      </p:ext>
+    </p:extLst>
+  </p:cSld>
+  <p:clrMapOvr>
+    <a:masterClrMapping/>
+  </p:clrMapOvr>
+  <p:timing>
+    <p:tnLst>
+      <p:par>
+        <p:cTn id="1" dur="indefinite" restart="never" nodeType="tmRoot"/>
+      </p:par>
+    </p:tnLst>
+  </p:timing>
+</p:sld>
+</file>
+
+<file path=ppt/slides/slide14.xml><?xml version="1.0" encoding="utf-8"?>
+<p:sld xmlns:a="http://schemas.openxmlformats.org/drawingml/2006/main" xmlns:r="http://schemas.openxmlformats.org/officeDocument/2006/relationships" xmlns:p="http://schemas.openxmlformats.org/presentationml/2006/main">
+  <p:cSld>
+    <p:spTree>
+      <p:nvGrpSpPr>
+        <p:cNvPr id="1" name=""/>
+        <p:cNvGrpSpPr/>
+        <p:nvPr/>
+      </p:nvGrpSpPr>
+      <p:grpSpPr>
+        <a:xfrm>
+          <a:off x="0" y="0"/>
+          <a:ext cx="0" cy="0"/>
+          <a:chOff x="0" y="0"/>
+          <a:chExt cx="0" cy="0"/>
+        </a:xfrm>
+      </p:grpSpPr>
+      <p:sp>
+        <p:nvSpPr>
+          <p:cNvPr id="2" name="Title 1"/>
+          <p:cNvSpPr>
+            <a:spLocks noGrp="1"/>
+          </p:cNvSpPr>
+          <p:nvPr>
+            <p:ph type="title"/>
+          </p:nvPr>
+        </p:nvSpPr>
+        <p:spPr/>
+        <p:txBody>
+          <a:bodyPr/>
+          <a:lstStyle/>
+          <a:p>
+            <a:r>
+              <a:rPr lang="en-US" dirty="0" smtClean="0"/>
+              <a:t>RNA Immunoprecipitation</a:t>
+            </a:r>
+            <a:endParaRPr lang="en-AU" dirty="0"/>
+          </a:p>
+        </p:txBody>
+      </p:sp>
+      <p:pic>
+        <p:nvPicPr>
+          <p:cNvPr id="4" name="Content Placeholder 3"/>
+          <p:cNvPicPr>
+            <a:picLocks noGrp="1" noChangeAspect="1"/>
+          </p:cNvPicPr>
+          <p:nvPr>
+            <p:ph idx="1"/>
+          </p:nvPr>
+        </p:nvPicPr>
+        <p:blipFill>
+          <a:blip r:embed="rId2"/>
+          <a:stretch>
+            <a:fillRect/>
+          </a:stretch>
+        </p:blipFill>
+        <p:spPr>
+          <a:xfrm>
+            <a:off x="2585052" y="2185383"/>
+            <a:ext cx="6198914" cy="3104580"/>
+          </a:xfrm>
+          <a:prstGeom prst="rect">
+            <a:avLst/>
+          </a:prstGeom>
+        </p:spPr>
+      </p:pic>
+    </p:spTree>
+    <p:extLst>
+      <p:ext uri="{BB962C8B-B14F-4D97-AF65-F5344CB8AC3E}">
+        <p14:creationId xmlns:p14="http://schemas.microsoft.com/office/powerpoint/2010/main" val="1422511157"/>
+      </p:ext>
+    </p:extLst>
+  </p:cSld>
+  <p:clrMapOvr>
+    <a:masterClrMapping/>
+  </p:clrMapOvr>
+</p:sld>
+</file>
+
+<file path=ppt/slides/slide15.xml><?xml version="1.0" encoding="utf-8"?>
+<p:sld xmlns:a="http://schemas.openxmlformats.org/drawingml/2006/main" xmlns:r="http://schemas.openxmlformats.org/officeDocument/2006/relationships" xmlns:p="http://schemas.openxmlformats.org/presentationml/2006/main">
+  <p:cSld>
+    <p:spTree>
+      <p:nvGrpSpPr>
+        <p:cNvPr id="1" name=""/>
+        <p:cNvGrpSpPr/>
+        <p:nvPr/>
+      </p:nvGrpSpPr>
+      <p:grpSpPr>
+        <a:xfrm>
+          <a:off x="0" y="0"/>
+          <a:ext cx="0" cy="0"/>
+          <a:chOff x="0" y="0"/>
+          <a:chExt cx="0" cy="0"/>
+        </a:xfrm>
+      </p:grpSpPr>
+      <p:sp>
+        <p:nvSpPr>
+          <p:cNvPr id="2" name="Title 1"/>
+          <p:cNvSpPr>
+            <a:spLocks noGrp="1"/>
+          </p:cNvSpPr>
+          <p:nvPr>
+            <p:ph type="title"/>
+          </p:nvPr>
+        </p:nvSpPr>
+        <p:spPr>
+          <a:xfrm>
+            <a:off x="1141413" y="586987"/>
+            <a:ext cx="9905998" cy="1478570"/>
+          </a:xfrm>
+        </p:spPr>
+        <p:txBody>
+          <a:bodyPr/>
+          <a:lstStyle/>
+          <a:p>
             <a:r>
               <a:rPr lang="en-US" dirty="0" err="1" smtClean="0"/>
               <a:t>HnrNpk</a:t>
@@ -12670,97 +13580,705 @@
             <p:ph idx="1"/>
           </p:nvPr>
         </p:nvSpPr>
+        <p:spPr>
+          <a:xfrm>
+            <a:off x="1574962" y="2136744"/>
+            <a:ext cx="9905999" cy="3541714"/>
+          </a:xfrm>
+        </p:spPr>
+        <p:txBody>
+          <a:bodyPr/>
+          <a:lstStyle/>
+          <a:p>
+            <a:pPr marL="0" indent="0">
+              <a:buNone/>
+            </a:pPr>
+            <a:r>
+              <a:rPr lang="en-US" dirty="0" smtClean="0"/>
+              <a:t>3 replicates of </a:t>
+            </a:r>
+            <a:r>
+              <a:rPr lang="en-US" dirty="0" err="1" smtClean="0"/>
+              <a:t>hnRNPK</a:t>
+            </a:r>
+            <a:r>
+              <a:rPr lang="en-US" dirty="0" smtClean="0"/>
+              <a:t> IP for RNA binding </a:t>
+            </a:r>
+          </a:p>
+          <a:p>
+            <a:pPr marL="0" indent="0">
+              <a:buNone/>
+            </a:pPr>
+            <a:endParaRPr lang="en-US" dirty="0" smtClean="0"/>
+          </a:p>
+        </p:txBody>
+      </p:sp>
+      <p:pic>
+        <p:nvPicPr>
+          <p:cNvPr id="4" name="Picture 3"/>
+          <p:cNvPicPr>
+            <a:picLocks noChangeAspect="1"/>
+          </p:cNvPicPr>
+          <p:nvPr/>
+        </p:nvPicPr>
+        <p:blipFill>
+          <a:blip r:embed="rId2"/>
+          <a:stretch>
+            <a:fillRect/>
+          </a:stretch>
+        </p:blipFill>
+        <p:spPr>
+          <a:xfrm>
+            <a:off x="7362222" y="1179123"/>
+            <a:ext cx="2979683" cy="4082067"/>
+          </a:xfrm>
+          <a:prstGeom prst="rect">
+            <a:avLst/>
+          </a:prstGeom>
+        </p:spPr>
+      </p:pic>
+      <p:graphicFrame>
+        <p:nvGraphicFramePr>
+          <p:cNvPr id="5" name="Table 4"/>
+          <p:cNvGraphicFramePr>
+            <a:graphicFrameLocks noGrp="1"/>
+          </p:cNvGraphicFramePr>
+          <p:nvPr>
+            <p:extLst>
+              <p:ext uri="{D42A27DB-BD31-4B8C-83A1-F6EECF244321}">
+                <p14:modId xmlns:p14="http://schemas.microsoft.com/office/powerpoint/2010/main" val="3068490761"/>
+              </p:ext>
+            </p:extLst>
+          </p:nvPr>
+        </p:nvGraphicFramePr>
+        <p:xfrm>
+          <a:off x="1141413" y="2971800"/>
+          <a:ext cx="5929587" cy="1871603"/>
+        </p:xfrm>
+        <a:graphic>
+          <a:graphicData uri="http://schemas.openxmlformats.org/drawingml/2006/table">
+            <a:tbl>
+              <a:tblPr firstRow="1" bandRow="1">
+                <a:tableStyleId>{073A0DAA-6AF3-43AB-8588-CEC1D06C72B9}</a:tableStyleId>
+              </a:tblPr>
+              <a:tblGrid>
+                <a:gridCol w="1976529"/>
+                <a:gridCol w="1976529"/>
+                <a:gridCol w="1976529"/>
+              </a:tblGrid>
+              <a:tr h="388243">
+                <a:tc>
+                  <a:txBody>
+                    <a:bodyPr/>
+                    <a:lstStyle/>
+                    <a:p>
+                      <a:endParaRPr lang="en-AU" dirty="0"/>
+                    </a:p>
+                  </a:txBody>
+                  <a:tcPr>
+                    <a:lnL w="12700" cap="flat" cmpd="sng" algn="ctr">
+                      <a:noFill/>
+                      <a:prstDash val="solid"/>
+                      <a:round/>
+                      <a:headEnd type="none" w="med" len="med"/>
+                      <a:tailEnd type="none" w="med" len="med"/>
+                    </a:lnL>
+                    <a:lnR w="12700" cap="flat" cmpd="sng" algn="ctr">
+                      <a:solidFill>
+                        <a:schemeClr val="tx1"/>
+                      </a:solidFill>
+                      <a:prstDash val="solid"/>
+                      <a:round/>
+                      <a:headEnd type="none" w="med" len="med"/>
+                      <a:tailEnd type="none" w="med" len="med"/>
+                    </a:lnR>
+                    <a:lnT w="12700" cap="flat" cmpd="sng" algn="ctr">
+                      <a:noFill/>
+                      <a:prstDash val="solid"/>
+                      <a:round/>
+                      <a:headEnd type="none" w="med" len="med"/>
+                      <a:tailEnd type="none" w="med" len="med"/>
+                    </a:lnT>
+                    <a:lnB w="12700" cap="flat" cmpd="sng" algn="ctr">
+                      <a:solidFill>
+                        <a:schemeClr val="tx1"/>
+                      </a:solidFill>
+                      <a:prstDash val="solid"/>
+                      <a:round/>
+                      <a:headEnd type="none" w="med" len="med"/>
+                      <a:tailEnd type="none" w="med" len="med"/>
+                    </a:lnB>
+                    <a:lnTlToBr w="12700" cmpd="sng">
+                      <a:noFill/>
+                      <a:prstDash val="solid"/>
+                    </a:lnTlToBr>
+                    <a:lnBlToTr w="12700" cmpd="sng">
+                      <a:noFill/>
+                      <a:prstDash val="solid"/>
+                    </a:lnBlToTr>
+                    <a:noFill/>
+                  </a:tcPr>
+                </a:tc>
+                <a:tc gridSpan="2">
+                  <a:txBody>
+                    <a:bodyPr/>
+                    <a:lstStyle/>
+                    <a:p>
+                      <a:pPr algn="ctr"/>
+                      <a:r>
+                        <a:rPr lang="en-US" dirty="0" smtClean="0"/>
+                        <a:t>RNA eluted (ng/</a:t>
+                      </a:r>
+                      <a:r>
+                        <a:rPr lang="en-US" dirty="0" err="1" smtClean="0"/>
+                        <a:t>uL</a:t>
+                      </a:r>
+                      <a:r>
+                        <a:rPr lang="en-US" dirty="0" smtClean="0"/>
+                        <a:t>)</a:t>
+                      </a:r>
+                      <a:endParaRPr lang="en-AU" dirty="0"/>
+                    </a:p>
+                  </a:txBody>
+                  <a:tcPr anchor="ctr">
+                    <a:lnL w="12700" cap="flat" cmpd="sng" algn="ctr">
+                      <a:solidFill>
+                        <a:schemeClr val="tx1"/>
+                      </a:solidFill>
+                      <a:prstDash val="solid"/>
+                      <a:round/>
+                      <a:headEnd type="none" w="med" len="med"/>
+                      <a:tailEnd type="none" w="med" len="med"/>
+                    </a:lnL>
+                  </a:tcPr>
+                </a:tc>
+                <a:tc hMerge="1">
+                  <a:txBody>
+                    <a:bodyPr/>
+                    <a:lstStyle/>
+                    <a:p>
+                      <a:endParaRPr lang="en-AU" dirty="0"/>
+                    </a:p>
+                  </a:txBody>
+                  <a:tcPr/>
+                </a:tc>
+              </a:tr>
+              <a:tr h="370840">
+                <a:tc>
+                  <a:txBody>
+                    <a:bodyPr/>
+                    <a:lstStyle/>
+                    <a:p>
+                      <a:r>
+                        <a:rPr lang="en-US" dirty="0" smtClean="0"/>
+                        <a:t>Replicate</a:t>
+                      </a:r>
+                      <a:endParaRPr lang="en-AU" dirty="0"/>
+                    </a:p>
+                  </a:txBody>
+                  <a:tcPr>
+                    <a:lnT w="12700" cap="flat" cmpd="sng" algn="ctr">
+                      <a:solidFill>
+                        <a:schemeClr val="tx1"/>
+                      </a:solidFill>
+                      <a:prstDash val="solid"/>
+                      <a:round/>
+                      <a:headEnd type="none" w="med" len="med"/>
+                      <a:tailEnd type="none" w="med" len="med"/>
+                    </a:lnT>
+                  </a:tcPr>
+                </a:tc>
+                <a:tc>
+                  <a:txBody>
+                    <a:bodyPr/>
+                    <a:lstStyle/>
+                    <a:p>
+                      <a:r>
+                        <a:rPr lang="en-US" dirty="0" err="1" smtClean="0"/>
+                        <a:t>hnRNPK</a:t>
+                      </a:r>
+                      <a:endParaRPr lang="en-AU" dirty="0"/>
+                    </a:p>
+                  </a:txBody>
+                  <a:tcPr/>
+                </a:tc>
+                <a:tc>
+                  <a:txBody>
+                    <a:bodyPr/>
+                    <a:lstStyle/>
+                    <a:p>
+                      <a:r>
+                        <a:rPr lang="en-US" dirty="0" err="1" smtClean="0"/>
+                        <a:t>Rb</a:t>
+                      </a:r>
+                      <a:r>
+                        <a:rPr lang="en-US" baseline="0" dirty="0" smtClean="0"/>
+                        <a:t> IgG</a:t>
+                      </a:r>
+                      <a:endParaRPr lang="en-AU" dirty="0"/>
+                    </a:p>
+                  </a:txBody>
+                  <a:tcPr/>
+                </a:tc>
+              </a:tr>
+              <a:tr h="370840">
+                <a:tc>
+                  <a:txBody>
+                    <a:bodyPr/>
+                    <a:lstStyle/>
+                    <a:p>
+                      <a:r>
+                        <a:rPr lang="en-US" dirty="0" smtClean="0"/>
+                        <a:t>1</a:t>
+                      </a:r>
+                      <a:endParaRPr lang="en-AU" dirty="0"/>
+                    </a:p>
+                  </a:txBody>
+                  <a:tcPr/>
+                </a:tc>
+                <a:tc>
+                  <a:txBody>
+                    <a:bodyPr/>
+                    <a:lstStyle/>
+                    <a:p>
+                      <a:r>
+                        <a:rPr lang="en-US" dirty="0" smtClean="0"/>
+                        <a:t>11.78</a:t>
+                      </a:r>
+                      <a:endParaRPr lang="en-AU" dirty="0"/>
+                    </a:p>
+                  </a:txBody>
+                  <a:tcPr/>
+                </a:tc>
+                <a:tc>
+                  <a:txBody>
+                    <a:bodyPr/>
+                    <a:lstStyle/>
+                    <a:p>
+                      <a:r>
+                        <a:rPr lang="en-US" dirty="0" smtClean="0"/>
+                        <a:t>1.40</a:t>
+                      </a:r>
+                      <a:endParaRPr lang="en-AU" dirty="0"/>
+                    </a:p>
+                  </a:txBody>
+                  <a:tcPr/>
+                </a:tc>
+              </a:tr>
+              <a:tr h="370840">
+                <a:tc>
+                  <a:txBody>
+                    <a:bodyPr/>
+                    <a:lstStyle/>
+                    <a:p>
+                      <a:r>
+                        <a:rPr lang="en-US" dirty="0" smtClean="0"/>
+                        <a:t>2</a:t>
+                      </a:r>
+                      <a:endParaRPr lang="en-AU" dirty="0"/>
+                    </a:p>
+                  </a:txBody>
+                  <a:tcPr/>
+                </a:tc>
+                <a:tc>
+                  <a:txBody>
+                    <a:bodyPr/>
+                    <a:lstStyle/>
+                    <a:p>
+                      <a:r>
+                        <a:rPr lang="en-US" dirty="0" smtClean="0"/>
+                        <a:t>4.20</a:t>
+                      </a:r>
+                      <a:endParaRPr lang="en-AU" dirty="0"/>
+                    </a:p>
+                  </a:txBody>
+                  <a:tcPr/>
+                </a:tc>
+                <a:tc>
+                  <a:txBody>
+                    <a:bodyPr/>
+                    <a:lstStyle/>
+                    <a:p>
+                      <a:r>
+                        <a:rPr lang="en-US" dirty="0" smtClean="0"/>
+                        <a:t>0.20</a:t>
+                      </a:r>
+                      <a:endParaRPr lang="en-AU" dirty="0"/>
+                    </a:p>
+                  </a:txBody>
+                  <a:tcPr/>
+                </a:tc>
+              </a:tr>
+              <a:tr h="370840">
+                <a:tc>
+                  <a:txBody>
+                    <a:bodyPr/>
+                    <a:lstStyle/>
+                    <a:p>
+                      <a:r>
+                        <a:rPr lang="en-US" dirty="0" smtClean="0"/>
+                        <a:t>3</a:t>
+                      </a:r>
+                      <a:endParaRPr lang="en-AU" dirty="0"/>
+                    </a:p>
+                  </a:txBody>
+                  <a:tcPr/>
+                </a:tc>
+                <a:tc>
+                  <a:txBody>
+                    <a:bodyPr/>
+                    <a:lstStyle/>
+                    <a:p>
+                      <a:r>
+                        <a:rPr lang="en-US" dirty="0" smtClean="0"/>
+                        <a:t>14.7</a:t>
+                      </a:r>
+                      <a:endParaRPr lang="en-AU" dirty="0"/>
+                    </a:p>
+                  </a:txBody>
+                  <a:tcPr/>
+                </a:tc>
+                <a:tc>
+                  <a:txBody>
+                    <a:bodyPr/>
+                    <a:lstStyle/>
+                    <a:p>
+                      <a:r>
+                        <a:rPr lang="en-US" dirty="0" smtClean="0"/>
+                        <a:t>0.80</a:t>
+                      </a:r>
+                      <a:endParaRPr lang="en-AU" dirty="0"/>
+                    </a:p>
+                  </a:txBody>
+                  <a:tcPr/>
+                </a:tc>
+              </a:tr>
+            </a:tbl>
+          </a:graphicData>
+        </a:graphic>
+      </p:graphicFrame>
+    </p:spTree>
+    <p:extLst>
+      <p:ext uri="{BB962C8B-B14F-4D97-AF65-F5344CB8AC3E}">
+        <p14:creationId xmlns:p14="http://schemas.microsoft.com/office/powerpoint/2010/main" val="2786070710"/>
+      </p:ext>
+    </p:extLst>
+  </p:cSld>
+  <p:clrMapOvr>
+    <a:masterClrMapping/>
+  </p:clrMapOvr>
+  <p:timing>
+    <p:tnLst>
+      <p:par>
+        <p:cTn id="1" dur="indefinite" restart="never" nodeType="tmRoot"/>
+      </p:par>
+    </p:tnLst>
+  </p:timing>
+</p:sld>
+</file>
+
+<file path=ppt/slides/slide16.xml><?xml version="1.0" encoding="utf-8"?>
+<p:sld xmlns:a="http://schemas.openxmlformats.org/drawingml/2006/main" xmlns:r="http://schemas.openxmlformats.org/officeDocument/2006/relationships" xmlns:p="http://schemas.openxmlformats.org/presentationml/2006/main">
+  <p:cSld>
+    <p:spTree>
+      <p:nvGrpSpPr>
+        <p:cNvPr id="1" name=""/>
+        <p:cNvGrpSpPr/>
+        <p:nvPr/>
+      </p:nvGrpSpPr>
+      <p:grpSpPr>
+        <a:xfrm>
+          <a:off x="0" y="0"/>
+          <a:ext cx="0" cy="0"/>
+          <a:chOff x="0" y="0"/>
+          <a:chExt cx="0" cy="0"/>
+        </a:xfrm>
+      </p:grpSpPr>
+      <p:sp>
+        <p:nvSpPr>
+          <p:cNvPr id="2" name="Title 1"/>
+          <p:cNvSpPr>
+            <a:spLocks noGrp="1"/>
+          </p:cNvSpPr>
+          <p:nvPr>
+            <p:ph type="title"/>
+          </p:nvPr>
+        </p:nvSpPr>
         <p:spPr/>
         <p:txBody>
           <a:bodyPr/>
           <a:lstStyle/>
           <a:p>
+            <a:endParaRPr lang="en-AU"/>
+          </a:p>
+        </p:txBody>
+      </p:sp>
+      <p:pic>
+        <p:nvPicPr>
+          <p:cNvPr id="4" name="Content Placeholder 3"/>
+          <p:cNvPicPr>
+            <a:picLocks noGrp="1" noChangeAspect="1"/>
+          </p:cNvPicPr>
+          <p:nvPr>
+            <p:ph idx="1"/>
+          </p:nvPr>
+        </p:nvPicPr>
+        <p:blipFill>
+          <a:blip r:embed="rId2">
+            <a:extLst>
+              <a:ext uri="{28A0092B-C50C-407E-A947-70E740481C1C}">
+                <a14:useLocalDpi xmlns:a14="http://schemas.microsoft.com/office/drawing/2010/main" val="0"/>
+              </a:ext>
+            </a:extLst>
+          </a:blip>
+          <a:stretch>
+            <a:fillRect/>
+          </a:stretch>
+        </p:blipFill>
+        <p:spPr>
+          <a:xfrm>
+            <a:off x="1679714" y="1095703"/>
+            <a:ext cx="8829396" cy="4703379"/>
+          </a:xfrm>
+        </p:spPr>
+      </p:pic>
+      <p:sp>
+        <p:nvSpPr>
+          <p:cNvPr id="5" name="Rectangle 4"/>
+          <p:cNvSpPr/>
+          <p:nvPr/>
+        </p:nvSpPr>
+        <p:spPr>
+          <a:xfrm>
+            <a:off x="1679714" y="725213"/>
+            <a:ext cx="2956035" cy="3838903"/>
+          </a:xfrm>
+          <a:prstGeom prst="rect">
+            <a:avLst/>
+          </a:prstGeom>
+          <a:noFill/>
+          <a:ln>
+            <a:solidFill>
+              <a:srgbClr val="FF0000"/>
+            </a:solidFill>
+          </a:ln>
+        </p:spPr>
+        <p:style>
+          <a:lnRef idx="2">
+            <a:schemeClr val="accent1">
+              <a:shade val="50000"/>
+            </a:schemeClr>
+          </a:lnRef>
+          <a:fillRef idx="1">
+            <a:schemeClr val="accent1"/>
+          </a:fillRef>
+          <a:effectRef idx="0">
+            <a:schemeClr val="accent1"/>
+          </a:effectRef>
+          <a:fontRef idx="minor">
+            <a:schemeClr val="lt1"/>
+          </a:fontRef>
+        </p:style>
+        <p:txBody>
+          <a:bodyPr rtlCol="0" anchor="ctr"/>
+          <a:lstStyle/>
+          <a:p>
+            <a:pPr algn="ctr"/>
+            <a:endParaRPr lang="en-AU"/>
+          </a:p>
+        </p:txBody>
+      </p:sp>
+      <p:sp>
+        <p:nvSpPr>
+          <p:cNvPr id="6" name="TextBox 5"/>
+          <p:cNvSpPr txBox="1"/>
+          <p:nvPr/>
+        </p:nvSpPr>
+        <p:spPr>
+          <a:xfrm>
+            <a:off x="2522484" y="726371"/>
+            <a:ext cx="1387111" cy="369332"/>
+          </a:xfrm>
+          <a:prstGeom prst="rect">
+            <a:avLst/>
+          </a:prstGeom>
+          <a:noFill/>
+        </p:spPr>
+        <p:txBody>
+          <a:bodyPr wrap="none" rtlCol="0">
+            <a:spAutoFit/>
+          </a:bodyPr>
+          <a:lstStyle/>
+          <a:p>
             <a:r>
               <a:rPr lang="en-US" dirty="0" smtClean="0"/>
-              <a:t>1; </a:t>
-            </a:r>
+              <a:t>Control (IgG)</a:t>
+            </a:r>
+            <a:endParaRPr lang="en-AU" dirty="0"/>
+          </a:p>
+        </p:txBody>
+      </p:sp>
+      <p:sp>
+        <p:nvSpPr>
+          <p:cNvPr id="7" name="Rectangle 6"/>
+          <p:cNvSpPr/>
+          <p:nvPr/>
+        </p:nvSpPr>
+        <p:spPr>
+          <a:xfrm>
+            <a:off x="4690929" y="725213"/>
+            <a:ext cx="5818181" cy="3838903"/>
+          </a:xfrm>
+          <a:prstGeom prst="rect">
+            <a:avLst/>
+          </a:prstGeom>
+          <a:noFill/>
+          <a:ln>
+            <a:solidFill>
+              <a:srgbClr val="00B0F0"/>
+            </a:solidFill>
+          </a:ln>
+        </p:spPr>
+        <p:style>
+          <a:lnRef idx="2">
+            <a:schemeClr val="accent1">
+              <a:shade val="50000"/>
+            </a:schemeClr>
+          </a:lnRef>
+          <a:fillRef idx="1">
+            <a:schemeClr val="accent1"/>
+          </a:fillRef>
+          <a:effectRef idx="0">
+            <a:schemeClr val="accent1"/>
+          </a:effectRef>
+          <a:fontRef idx="minor">
+            <a:schemeClr val="lt1"/>
+          </a:fontRef>
+        </p:style>
+        <p:txBody>
+          <a:bodyPr rtlCol="0" anchor="ctr"/>
+          <a:lstStyle/>
+          <a:p>
+            <a:pPr algn="ctr"/>
+            <a:endParaRPr lang="en-AU"/>
+          </a:p>
+        </p:txBody>
+      </p:sp>
+      <p:sp>
+        <p:nvSpPr>
+          <p:cNvPr id="8" name="TextBox 7"/>
+          <p:cNvSpPr txBox="1"/>
+          <p:nvPr/>
+        </p:nvSpPr>
+        <p:spPr>
+          <a:xfrm>
+            <a:off x="7001244" y="725213"/>
+            <a:ext cx="962123" cy="369332"/>
+          </a:xfrm>
+          <a:prstGeom prst="rect">
+            <a:avLst/>
+          </a:prstGeom>
+          <a:noFill/>
+        </p:spPr>
+        <p:txBody>
+          <a:bodyPr wrap="none" rtlCol="0">
+            <a:spAutoFit/>
+          </a:bodyPr>
+          <a:lstStyle/>
+          <a:p>
             <a:r>
               <a:rPr lang="en-US" dirty="0" err="1" smtClean="0"/>
-              <a:t>cont</a:t>
+              <a:t>hnRNPK</a:t>
             </a:r>
             <a:r>
               <a:rPr lang="en-US" dirty="0" smtClean="0"/>
-              <a:t> (1.4ng/</a:t>
-            </a:r>
-            <a:r>
-              <a:rPr lang="en-US" dirty="0" err="1" smtClean="0"/>
-              <a:t>ul</a:t>
-            </a:r>
+              <a:t> </a:t>
+            </a:r>
+            <a:endParaRPr lang="en-AU" dirty="0"/>
+          </a:p>
+        </p:txBody>
+      </p:sp>
+      <p:sp>
+        <p:nvSpPr>
+          <p:cNvPr id="9" name="Rectangle 8"/>
+          <p:cNvSpPr/>
+          <p:nvPr/>
+        </p:nvSpPr>
+        <p:spPr>
+          <a:xfrm>
+            <a:off x="1679714" y="4564116"/>
+            <a:ext cx="5920305" cy="1615967"/>
+          </a:xfrm>
+          <a:prstGeom prst="rect">
+            <a:avLst/>
+          </a:prstGeom>
+          <a:noFill/>
+          <a:ln>
+            <a:solidFill>
+              <a:srgbClr val="00B050"/>
+            </a:solidFill>
+          </a:ln>
+        </p:spPr>
+        <p:style>
+          <a:lnRef idx="2">
+            <a:schemeClr val="accent1">
+              <a:shade val="50000"/>
+            </a:schemeClr>
+          </a:lnRef>
+          <a:fillRef idx="1">
+            <a:schemeClr val="accent1"/>
+          </a:fillRef>
+          <a:effectRef idx="0">
+            <a:schemeClr val="accent1"/>
+          </a:effectRef>
+          <a:fontRef idx="minor">
+            <a:schemeClr val="lt1"/>
+          </a:fontRef>
+        </p:style>
+        <p:txBody>
+          <a:bodyPr rtlCol="0" anchor="ctr"/>
+          <a:lstStyle/>
+          <a:p>
+            <a:pPr algn="ctr"/>
+            <a:endParaRPr lang="en-AU"/>
+          </a:p>
+        </p:txBody>
+      </p:sp>
+      <p:sp>
+        <p:nvSpPr>
+          <p:cNvPr id="10" name="TextBox 9"/>
+          <p:cNvSpPr txBox="1"/>
+          <p:nvPr/>
+        </p:nvSpPr>
+        <p:spPr>
+          <a:xfrm>
+            <a:off x="4099035" y="5799082"/>
+            <a:ext cx="1517531" cy="369332"/>
+          </a:xfrm>
+          <a:prstGeom prst="rect">
+            <a:avLst/>
+          </a:prstGeom>
+          <a:noFill/>
+        </p:spPr>
+        <p:txBody>
+          <a:bodyPr wrap="none" rtlCol="0">
+            <a:spAutoFit/>
+          </a:bodyPr>
+          <a:lstStyle/>
+          <a:p>
             <a:r>
               <a:rPr lang="en-US" dirty="0" smtClean="0"/>
-              <a:t>), K: 11.78ng/</a:t>
-            </a:r>
-            <a:r>
-              <a:rPr lang="en-US" dirty="0" err="1" smtClean="0"/>
-              <a:t>ul</a:t>
-            </a:r>
-            <a:endParaRPr lang="en-US" dirty="0" smtClean="0"/>
-          </a:p>
-          <a:p>
-            <a:r>
-              <a:rPr lang="en-US" dirty="0" smtClean="0"/>
-              <a:t>2. </a:t>
-            </a:r>
-            <a:r>
-              <a:rPr lang="en-US" dirty="0" err="1" smtClean="0"/>
-              <a:t>cont</a:t>
-            </a:r>
-            <a:r>
-              <a:rPr lang="en-US" dirty="0" smtClean="0"/>
-              <a:t> (0.2ng/</a:t>
-            </a:r>
-            <a:r>
-              <a:rPr lang="en-US" dirty="0" err="1" smtClean="0"/>
-              <a:t>ul</a:t>
-            </a:r>
-            <a:r>
-              <a:rPr lang="en-US" dirty="0" smtClean="0"/>
-              <a:t>), K: 4.2ng/</a:t>
-            </a:r>
-            <a:r>
-              <a:rPr lang="en-US" dirty="0" err="1" smtClean="0"/>
-              <a:t>ul</a:t>
-            </a:r>
-            <a:endParaRPr lang="en-US" dirty="0" smtClean="0"/>
-          </a:p>
-          <a:p>
-            <a:r>
-              <a:rPr lang="en-US" dirty="0" smtClean="0"/>
-              <a:t>3. </a:t>
-            </a:r>
-            <a:r>
-              <a:rPr lang="en-US" dirty="0" smtClean="0"/>
-              <a:t>control (0.8ng/</a:t>
-            </a:r>
-            <a:r>
-              <a:rPr lang="en-US" dirty="0" err="1" smtClean="0"/>
-              <a:t>ul</a:t>
-            </a:r>
-            <a:r>
-              <a:rPr lang="en-US" dirty="0" smtClean="0"/>
-              <a:t>), K: 14</a:t>
-            </a:r>
-            <a:r>
-              <a:rPr lang="en-AU" dirty="0" smtClean="0"/>
-              <a:t>.7ng/</a:t>
-            </a:r>
-            <a:r>
-              <a:rPr lang="en-AU" dirty="0" err="1" smtClean="0"/>
-              <a:t>ul</a:t>
-            </a:r>
-            <a:endParaRPr lang="en-US" dirty="0" smtClean="0"/>
+              <a:t>Total Cell RNA</a:t>
+            </a:r>
+            <a:endParaRPr lang="en-AU" dirty="0"/>
           </a:p>
         </p:txBody>
       </p:sp>
     </p:spTree>
     <p:extLst>
       <p:ext uri="{BB962C8B-B14F-4D97-AF65-F5344CB8AC3E}">
-        <p14:creationId xmlns:p14="http://schemas.microsoft.com/office/powerpoint/2010/main" val="2786070710"/>
+        <p14:creationId xmlns:p14="http://schemas.microsoft.com/office/powerpoint/2010/main" val="2154240224"/>
       </p:ext>
     </p:extLst>
   </p:cSld>
@@ -12829,7 +14347,7 @@
         </p:nvSpPr>
         <p:spPr>
           <a:xfrm>
-            <a:off x="809193" y="2124744"/>
+            <a:off x="951983" y="2125300"/>
             <a:ext cx="5142429" cy="3541714"/>
           </a:xfrm>
         </p:spPr>
@@ -12845,13 +14363,17 @@
           <a:p>
             <a:r>
               <a:rPr lang="en-AU" dirty="0" smtClean="0"/>
+              <a:t>Bone </a:t>
+            </a:r>
+            <a:r>
+              <a:rPr lang="en-AU" dirty="0" smtClean="0"/>
+              <a:t>metastasis leads to poor outcome. </a:t>
+            </a:r>
+          </a:p>
+          <a:p>
+            <a:r>
+              <a:rPr lang="en-AU" dirty="0"/>
               <a:t>Metastasis reduced 5 year survival to 29.3%</a:t>
-            </a:r>
-          </a:p>
-          <a:p>
-            <a:r>
-              <a:rPr lang="en-AU" dirty="0" smtClean="0"/>
-              <a:t>Bone metastasis leads to poor outcome. </a:t>
             </a:r>
           </a:p>
           <a:p>
@@ -13209,11 +14731,7 @@
           <a:p>
             <a:r>
               <a:rPr lang="en-AU" dirty="0" smtClean="0"/>
-              <a:t>Caveolin-1 overexpressed in prostate </a:t>
-            </a:r>
-            <a:r>
-              <a:rPr lang="en-AU" dirty="0" smtClean="0"/>
-              <a:t>cancer</a:t>
+              <a:t>Caveolin-1 overexpressed in prostate cancer</a:t>
             </a:r>
           </a:p>
           <a:p>
@@ -13224,7 +14742,6 @@
               <a:rPr lang="en-AU" dirty="0" smtClean="0"/>
               <a:t>Knockout caveolin-1 in prostate cancer reduces metastatic phenotype. </a:t>
             </a:r>
-            <a:endParaRPr lang="en-AU" dirty="0" smtClean="0"/>
           </a:p>
           <a:p>
             <a:endParaRPr lang="en-AU" dirty="0" smtClean="0"/>
@@ -13234,7 +14751,6 @@
               <a:rPr lang="en-AU" dirty="0" smtClean="0"/>
               <a:t>Cavin-1 expression also truncates metastasis. </a:t>
             </a:r>
-            <a:endParaRPr lang="en-AU" dirty="0" smtClean="0"/>
           </a:p>
           <a:p>
             <a:endParaRPr lang="en-AU" dirty="0" smtClean="0"/>
@@ -13416,13 +14932,8 @@
           <a:p>
             <a:r>
               <a:rPr lang="en-AU" dirty="0" smtClean="0"/>
-              <a:t>Cavin-1 </a:t>
-            </a:r>
-            <a:r>
-              <a:rPr lang="en-AU" dirty="0" smtClean="0"/>
-              <a:t>expressed in PC3 cell line modifies EV content.  </a:t>
-            </a:r>
-            <a:endParaRPr lang="en-AU" dirty="0" smtClean="0"/>
+              <a:t>Cavin-1 expressed in PC3 cell line modifies EV content.  </a:t>
+            </a:r>
           </a:p>
           <a:p>
             <a:endParaRPr lang="en-AU" dirty="0" smtClean="0"/>
@@ -13455,11 +14966,7 @@
             </a:r>
             <a:r>
               <a:rPr lang="en-AU" dirty="0" smtClean="0"/>
-              <a:t>: </a:t>
-            </a:r>
-            <a:r>
-              <a:rPr lang="en-AU" dirty="0" smtClean="0"/>
-              <a:t>miR-148a</a:t>
+              <a:t>: miR-148a</a:t>
             </a:r>
           </a:p>
           <a:p>
@@ -13618,17 +15125,12 @@
               <a:rPr lang="en-AU" dirty="0" smtClean="0"/>
               <a:t>Aims: </a:t>
             </a:r>
-            <a:endParaRPr lang="en-AU" dirty="0" smtClean="0"/>
           </a:p>
           <a:p>
             <a:pPr marL="898525"/>
             <a:r>
               <a:rPr lang="en-AU" dirty="0" smtClean="0"/>
-              <a:t> </a:t>
-            </a:r>
-            <a:r>
-              <a:rPr lang="en-AU" dirty="0" smtClean="0"/>
-              <a:t>Identify additional </a:t>
+              <a:t> Identify additional </a:t>
             </a:r>
             <a:r>
               <a:rPr lang="en-AU" dirty="0" err="1" smtClean="0"/>
@@ -13647,17 +15149,8 @@
             </a:r>
             <a:r>
               <a:rPr lang="en-AU" dirty="0" smtClean="0"/>
-              <a:t>Identify </a:t>
-            </a:r>
-            <a:r>
-              <a:rPr lang="en-AU" dirty="0" smtClean="0"/>
-              <a:t>RNA-binding proteins modified by </a:t>
-            </a:r>
-            <a:r>
-              <a:rPr lang="en-AU" dirty="0" smtClean="0"/>
-              <a:t>cavin-1in EVs</a:t>
-            </a:r>
-            <a:endParaRPr lang="en-AU" dirty="0" smtClean="0"/>
+              <a:t>Identify RNA-binding proteins modified by cavin-1in EVs</a:t>
+            </a:r>
           </a:p>
           <a:p>
             <a:pPr marL="898525"/>
@@ -13666,12 +15159,8 @@
               <a:t> Investigate the interaction between escort protein and </a:t>
             </a:r>
             <a:r>
-              <a:rPr lang="en-AU" dirty="0" err="1" smtClean="0"/>
-              <a:t>microrna</a:t>
-            </a:r>
-            <a:r>
               <a:rPr lang="en-AU" dirty="0" smtClean="0"/>
-              <a:t>. </a:t>
+              <a:t>microRNA. </a:t>
             </a:r>
             <a:endParaRPr lang="en-AU" dirty="0"/>
           </a:p>
@@ -13762,27 +15251,29 @@
           <a:lstStyle/>
           <a:p>
             <a:r>
-              <a:rPr lang="en-AU" dirty="0" smtClean="0"/>
-              <a:t>RNA-</a:t>
-            </a:r>
-            <a:r>
-              <a:rPr lang="en-AU" dirty="0" err="1" smtClean="0"/>
-              <a:t>seq</a:t>
-            </a:r>
-            <a:r>
-              <a:rPr lang="en-AU" dirty="0" smtClean="0"/>
-              <a:t> data revealed that not all </a:t>
-            </a:r>
-            <a:r>
-              <a:rPr lang="en-AU" dirty="0" err="1" smtClean="0"/>
+              <a:rPr lang="en-US" dirty="0" smtClean="0"/>
+              <a:t>Are other </a:t>
+            </a:r>
+            <a:r>
+              <a:rPr lang="en-US" dirty="0" err="1" smtClean="0"/>
               <a:t>miRs</a:t>
             </a:r>
             <a:r>
-              <a:rPr lang="en-AU" dirty="0" smtClean="0"/>
-              <a:t> differentially export were proportionately changed in the EVs. </a:t>
-            </a:r>
-          </a:p>
-          <a:p>
+              <a:rPr lang="en-US" dirty="0" smtClean="0"/>
+              <a:t> modified?</a:t>
+            </a:r>
+          </a:p>
+          <a:p>
+            <a:r>
+              <a:rPr lang="en-US" dirty="0" smtClean="0"/>
+              <a:t>Sampling vs. selective export</a:t>
+            </a:r>
+          </a:p>
+          <a:p>
+            <a:r>
+              <a:rPr lang="en-US" dirty="0" smtClean="0"/>
+              <a:t>Selective export of 19miRs truncated by cavin-1; 54 via sampling</a:t>
+            </a:r>
             <a:endParaRPr lang="en-AU" dirty="0" smtClean="0"/>
           </a:p>
           <a:p>
@@ -13916,6 +15407,41 @@
           </a:fontRef>
         </p:style>
       </p:cxnSp>
+      <p:cxnSp>
+        <p:nvCxnSpPr>
+          <p:cNvPr id="7" name="Straight Connector 6"/>
+          <p:cNvCxnSpPr/>
+          <p:nvPr/>
+        </p:nvCxnSpPr>
+        <p:spPr>
+          <a:xfrm flipV="1">
+            <a:off x="6168044" y="4738256"/>
+            <a:ext cx="1363287" cy="1639498"/>
+          </a:xfrm>
+          <a:prstGeom prst="line">
+            <a:avLst/>
+          </a:prstGeom>
+          <a:ln w="28575">
+            <a:solidFill>
+              <a:srgbClr val="FF0000"/>
+            </a:solidFill>
+          </a:ln>
+        </p:spPr>
+        <p:style>
+          <a:lnRef idx="1">
+            <a:schemeClr val="accent1"/>
+          </a:lnRef>
+          <a:fillRef idx="0">
+            <a:schemeClr val="accent1"/>
+          </a:fillRef>
+          <a:effectRef idx="0">
+            <a:schemeClr val="accent1"/>
+          </a:effectRef>
+          <a:fontRef idx="minor">
+            <a:schemeClr val="tx1"/>
+          </a:fontRef>
+        </p:style>
+      </p:cxnSp>
     </p:spTree>
     <p:extLst>
       <p:ext uri="{BB962C8B-B14F-4D97-AF65-F5344CB8AC3E}">
@@ -13937,6 +15463,809 @@
 </file>
 
 <file path=ppt/slides/slide7.xml><?xml version="1.0" encoding="utf-8"?>
+<p:sld xmlns:a="http://schemas.openxmlformats.org/drawingml/2006/main" xmlns:r="http://schemas.openxmlformats.org/officeDocument/2006/relationships" xmlns:p="http://schemas.openxmlformats.org/presentationml/2006/main">
+  <p:cSld>
+    <p:spTree>
+      <p:nvGrpSpPr>
+        <p:cNvPr id="1" name=""/>
+        <p:cNvGrpSpPr/>
+        <p:nvPr/>
+      </p:nvGrpSpPr>
+      <p:grpSpPr>
+        <a:xfrm>
+          <a:off x="0" y="0"/>
+          <a:ext cx="0" cy="0"/>
+          <a:chOff x="0" y="0"/>
+          <a:chExt cx="0" cy="0"/>
+        </a:xfrm>
+      </p:grpSpPr>
+      <p:sp>
+        <p:nvSpPr>
+          <p:cNvPr id="2" name="Title 1"/>
+          <p:cNvSpPr>
+            <a:spLocks noGrp="1"/>
+          </p:cNvSpPr>
+          <p:nvPr>
+            <p:ph type="title"/>
+          </p:nvPr>
+        </p:nvSpPr>
+        <p:spPr>
+          <a:xfrm>
+            <a:off x="1141413" y="0"/>
+            <a:ext cx="9905998" cy="1478570"/>
+          </a:xfrm>
+        </p:spPr>
+        <p:txBody>
+          <a:bodyPr/>
+          <a:lstStyle/>
+          <a:p>
+            <a:r>
+              <a:rPr lang="en-US" dirty="0" smtClean="0"/>
+              <a:t>Mir targeted pathways</a:t>
+            </a:r>
+            <a:endParaRPr lang="en-AU" dirty="0"/>
+          </a:p>
+        </p:txBody>
+      </p:sp>
+      <p:pic>
+        <p:nvPicPr>
+          <p:cNvPr id="4" name="Content Placeholder 3"/>
+          <p:cNvPicPr>
+            <a:picLocks noGrp="1" noChangeAspect="1"/>
+          </p:cNvPicPr>
+          <p:nvPr>
+            <p:ph idx="1"/>
+          </p:nvPr>
+        </p:nvPicPr>
+        <p:blipFill>
+          <a:blip r:embed="rId3">
+            <a:extLst>
+              <a:ext uri="{28A0092B-C50C-407E-A947-70E740481C1C}">
+                <a14:useLocalDpi xmlns:a14="http://schemas.microsoft.com/office/drawing/2010/main" val="0"/>
+              </a:ext>
+            </a:extLst>
+          </a:blip>
+          <a:stretch>
+            <a:fillRect/>
+          </a:stretch>
+        </p:blipFill>
+        <p:spPr>
+          <a:xfrm>
+            <a:off x="42914" y="1330036"/>
+            <a:ext cx="12102995" cy="5010005"/>
+          </a:xfrm>
+        </p:spPr>
+      </p:pic>
+      <p:graphicFrame>
+        <p:nvGraphicFramePr>
+          <p:cNvPr id="5" name="Table 4"/>
+          <p:cNvGraphicFramePr>
+            <a:graphicFrameLocks noGrp="1"/>
+          </p:cNvGraphicFramePr>
+          <p:nvPr>
+            <p:extLst>
+              <p:ext uri="{D42A27DB-BD31-4B8C-83A1-F6EECF244321}">
+                <p14:modId xmlns:p14="http://schemas.microsoft.com/office/powerpoint/2010/main" val="374319006"/>
+              </p:ext>
+            </p:extLst>
+          </p:nvPr>
+        </p:nvGraphicFramePr>
+        <p:xfrm>
+          <a:off x="345089" y="1148281"/>
+          <a:ext cx="6709980" cy="5191760"/>
+        </p:xfrm>
+        <a:graphic>
+          <a:graphicData uri="http://schemas.openxmlformats.org/drawingml/2006/table">
+            <a:tbl>
+              <a:tblPr firstRow="1" bandRow="1">
+                <a:tableStyleId>{073A0DAA-6AF3-43AB-8588-CEC1D06C72B9}</a:tableStyleId>
+              </a:tblPr>
+              <a:tblGrid>
+                <a:gridCol w="3354990"/>
+                <a:gridCol w="3354990"/>
+              </a:tblGrid>
+              <a:tr h="370840">
+                <a:tc>
+                  <a:txBody>
+                    <a:bodyPr/>
+                    <a:lstStyle/>
+                    <a:p>
+                      <a:pPr algn="l" fontAlgn="b"/>
+                      <a:r>
+                        <a:rPr lang="en-AU" sz="1100" u="none" strike="noStrike" dirty="0">
+                          <a:effectLst/>
+                        </a:rPr>
+                        <a:t>Pathway name</a:t>
+                      </a:r>
+                      <a:endParaRPr lang="en-AU" sz="1100" b="0" i="0" u="none" strike="noStrike" dirty="0">
+                        <a:solidFill>
+                          <a:srgbClr val="000000"/>
+                        </a:solidFill>
+                        <a:effectLst/>
+                        <a:latin typeface="Calibri" panose="020F0502020204030204" pitchFamily="34" charset="0"/>
+                      </a:endParaRPr>
+                    </a:p>
+                  </a:txBody>
+                  <a:tcPr marL="9525" marR="9525" marT="9525" marB="0" anchor="b"/>
+                </a:tc>
+                <a:tc>
+                  <a:txBody>
+                    <a:bodyPr/>
+                    <a:lstStyle/>
+                    <a:p>
+                      <a:pPr algn="l" fontAlgn="b"/>
+                      <a:r>
+                        <a:rPr lang="en-AU" sz="1100" u="none" strike="noStrike" dirty="0">
+                          <a:effectLst/>
+                        </a:rPr>
+                        <a:t>Entities FDR</a:t>
+                      </a:r>
+                      <a:endParaRPr lang="en-AU" sz="1100" b="0" i="0" u="none" strike="noStrike" dirty="0">
+                        <a:solidFill>
+                          <a:srgbClr val="000000"/>
+                        </a:solidFill>
+                        <a:effectLst/>
+                        <a:latin typeface="Calibri" panose="020F0502020204030204" pitchFamily="34" charset="0"/>
+                      </a:endParaRPr>
+                    </a:p>
+                  </a:txBody>
+                  <a:tcPr marL="9525" marR="9525" marT="9525" marB="0" anchor="b"/>
+                </a:tc>
+              </a:tr>
+              <a:tr h="370840">
+                <a:tc>
+                  <a:txBody>
+                    <a:bodyPr/>
+                    <a:lstStyle/>
+                    <a:p>
+                      <a:pPr algn="l" fontAlgn="b"/>
+                      <a:r>
+                        <a:rPr lang="en-AU" sz="1100" u="none" strike="noStrike" dirty="0">
+                          <a:effectLst/>
+                        </a:rPr>
+                        <a:t>Endosomal/</a:t>
+                      </a:r>
+                      <a:r>
+                        <a:rPr lang="en-AU" sz="1100" u="none" strike="noStrike" dirty="0" err="1">
+                          <a:effectLst/>
+                        </a:rPr>
+                        <a:t>Vacuolar</a:t>
+                      </a:r>
+                      <a:r>
+                        <a:rPr lang="en-AU" sz="1100" u="none" strike="noStrike" dirty="0">
+                          <a:effectLst/>
+                        </a:rPr>
+                        <a:t> pathway</a:t>
+                      </a:r>
+                      <a:endParaRPr lang="en-AU" sz="1100" b="0" i="0" u="none" strike="noStrike" dirty="0">
+                        <a:solidFill>
+                          <a:srgbClr val="000000"/>
+                        </a:solidFill>
+                        <a:effectLst/>
+                        <a:latin typeface="Calibri" panose="020F0502020204030204" pitchFamily="34" charset="0"/>
+                      </a:endParaRPr>
+                    </a:p>
+                  </a:txBody>
+                  <a:tcPr marL="9525" marR="9525" marT="9525" marB="0" anchor="b"/>
+                </a:tc>
+                <a:tc>
+                  <a:txBody>
+                    <a:bodyPr/>
+                    <a:lstStyle/>
+                    <a:p>
+                      <a:pPr algn="r" fontAlgn="b"/>
+                      <a:r>
+                        <a:rPr lang="en-AU" sz="1100" u="none" strike="noStrike">
+                          <a:effectLst/>
+                        </a:rPr>
+                        <a:t>9.99E-10</a:t>
+                      </a:r>
+                      <a:endParaRPr lang="en-AU" sz="1100" b="0" i="0" u="none" strike="noStrike">
+                        <a:solidFill>
+                          <a:srgbClr val="000000"/>
+                        </a:solidFill>
+                        <a:effectLst/>
+                        <a:latin typeface="Calibri" panose="020F0502020204030204" pitchFamily="34" charset="0"/>
+                      </a:endParaRPr>
+                    </a:p>
+                  </a:txBody>
+                  <a:tcPr marL="9525" marR="9525" marT="9525" marB="0" anchor="b"/>
+                </a:tc>
+              </a:tr>
+              <a:tr h="370840">
+                <a:tc>
+                  <a:txBody>
+                    <a:bodyPr/>
+                    <a:lstStyle/>
+                    <a:p>
+                      <a:pPr algn="l" fontAlgn="b"/>
+                      <a:r>
+                        <a:rPr lang="en-AU" sz="1100" u="none" strike="noStrike">
+                          <a:effectLst/>
+                        </a:rPr>
+                        <a:t>Antigen Presentation: Folding, assembly and peptide loading of class I MHC</a:t>
+                      </a:r>
+                      <a:endParaRPr lang="en-AU" sz="1100" b="0" i="0" u="none" strike="noStrike">
+                        <a:solidFill>
+                          <a:srgbClr val="000000"/>
+                        </a:solidFill>
+                        <a:effectLst/>
+                        <a:latin typeface="Calibri" panose="020F0502020204030204" pitchFamily="34" charset="0"/>
+                      </a:endParaRPr>
+                    </a:p>
+                  </a:txBody>
+                  <a:tcPr marL="9525" marR="9525" marT="9525" marB="0" anchor="b"/>
+                </a:tc>
+                <a:tc>
+                  <a:txBody>
+                    <a:bodyPr/>
+                    <a:lstStyle/>
+                    <a:p>
+                      <a:pPr algn="r" fontAlgn="b"/>
+                      <a:r>
+                        <a:rPr lang="en-AU" sz="1100" u="none" strike="noStrike">
+                          <a:effectLst/>
+                        </a:rPr>
+                        <a:t>2.31E-09</a:t>
+                      </a:r>
+                      <a:endParaRPr lang="en-AU" sz="1100" b="0" i="0" u="none" strike="noStrike">
+                        <a:solidFill>
+                          <a:srgbClr val="000000"/>
+                        </a:solidFill>
+                        <a:effectLst/>
+                        <a:latin typeface="Calibri" panose="020F0502020204030204" pitchFamily="34" charset="0"/>
+                      </a:endParaRPr>
+                    </a:p>
+                  </a:txBody>
+                  <a:tcPr marL="9525" marR="9525" marT="9525" marB="0" anchor="b"/>
+                </a:tc>
+              </a:tr>
+              <a:tr h="370840">
+                <a:tc>
+                  <a:txBody>
+                    <a:bodyPr/>
+                    <a:lstStyle/>
+                    <a:p>
+                      <a:pPr algn="l" fontAlgn="b"/>
+                      <a:r>
+                        <a:rPr lang="en-AU" sz="1100" u="none" strike="noStrike">
+                          <a:effectLst/>
+                        </a:rPr>
+                        <a:t>Interferon alpha/beta signaling</a:t>
+                      </a:r>
+                      <a:endParaRPr lang="en-AU" sz="1100" b="0" i="0" u="none" strike="noStrike">
+                        <a:solidFill>
+                          <a:srgbClr val="000000"/>
+                        </a:solidFill>
+                        <a:effectLst/>
+                        <a:latin typeface="Calibri" panose="020F0502020204030204" pitchFamily="34" charset="0"/>
+                      </a:endParaRPr>
+                    </a:p>
+                  </a:txBody>
+                  <a:tcPr marL="9525" marR="9525" marT="9525" marB="0" anchor="b"/>
+                </a:tc>
+                <a:tc>
+                  <a:txBody>
+                    <a:bodyPr/>
+                    <a:lstStyle/>
+                    <a:p>
+                      <a:pPr algn="r" fontAlgn="b"/>
+                      <a:r>
+                        <a:rPr lang="en-AU" sz="1100" u="none" strike="noStrike">
+                          <a:effectLst/>
+                        </a:rPr>
+                        <a:t>1.50E-07</a:t>
+                      </a:r>
+                      <a:endParaRPr lang="en-AU" sz="1100" b="0" i="0" u="none" strike="noStrike">
+                        <a:solidFill>
+                          <a:srgbClr val="000000"/>
+                        </a:solidFill>
+                        <a:effectLst/>
+                        <a:latin typeface="Calibri" panose="020F0502020204030204" pitchFamily="34" charset="0"/>
+                      </a:endParaRPr>
+                    </a:p>
+                  </a:txBody>
+                  <a:tcPr marL="9525" marR="9525" marT="9525" marB="0" anchor="b"/>
+                </a:tc>
+              </a:tr>
+              <a:tr h="370840">
+                <a:tc>
+                  <a:txBody>
+                    <a:bodyPr/>
+                    <a:lstStyle/>
+                    <a:p>
+                      <a:pPr algn="l" fontAlgn="b"/>
+                      <a:r>
+                        <a:rPr lang="en-AU" sz="1100" u="none" strike="noStrike">
+                          <a:effectLst/>
+                        </a:rPr>
+                        <a:t>ER-Phagosome pathway</a:t>
+                      </a:r>
+                      <a:endParaRPr lang="en-AU" sz="1100" b="0" i="0" u="none" strike="noStrike">
+                        <a:solidFill>
+                          <a:srgbClr val="000000"/>
+                        </a:solidFill>
+                        <a:effectLst/>
+                        <a:latin typeface="Calibri" panose="020F0502020204030204" pitchFamily="34" charset="0"/>
+                      </a:endParaRPr>
+                    </a:p>
+                  </a:txBody>
+                  <a:tcPr marL="9525" marR="9525" marT="9525" marB="0" anchor="b"/>
+                </a:tc>
+                <a:tc>
+                  <a:txBody>
+                    <a:bodyPr/>
+                    <a:lstStyle/>
+                    <a:p>
+                      <a:pPr algn="r" fontAlgn="b"/>
+                      <a:r>
+                        <a:rPr lang="en-AU" sz="1100" u="none" strike="noStrike">
+                          <a:effectLst/>
+                        </a:rPr>
+                        <a:t>2.63E-06</a:t>
+                      </a:r>
+                      <a:endParaRPr lang="en-AU" sz="1100" b="0" i="0" u="none" strike="noStrike">
+                        <a:solidFill>
+                          <a:srgbClr val="000000"/>
+                        </a:solidFill>
+                        <a:effectLst/>
+                        <a:latin typeface="Calibri" panose="020F0502020204030204" pitchFamily="34" charset="0"/>
+                      </a:endParaRPr>
+                    </a:p>
+                  </a:txBody>
+                  <a:tcPr marL="9525" marR="9525" marT="9525" marB="0" anchor="b"/>
+                </a:tc>
+              </a:tr>
+              <a:tr h="370840">
+                <a:tc>
+                  <a:txBody>
+                    <a:bodyPr/>
+                    <a:lstStyle/>
+                    <a:p>
+                      <a:pPr algn="l" fontAlgn="b"/>
+                      <a:r>
+                        <a:rPr lang="en-AU" sz="1100" u="none" strike="noStrike">
+                          <a:effectLst/>
+                        </a:rPr>
+                        <a:t>Antigen processing-Cross presentation</a:t>
+                      </a:r>
+                      <a:endParaRPr lang="en-AU" sz="1100" b="0" i="0" u="none" strike="noStrike">
+                        <a:solidFill>
+                          <a:srgbClr val="000000"/>
+                        </a:solidFill>
+                        <a:effectLst/>
+                        <a:latin typeface="Calibri" panose="020F0502020204030204" pitchFamily="34" charset="0"/>
+                      </a:endParaRPr>
+                    </a:p>
+                  </a:txBody>
+                  <a:tcPr marL="9525" marR="9525" marT="9525" marB="0" anchor="b"/>
+                </a:tc>
+                <a:tc>
+                  <a:txBody>
+                    <a:bodyPr/>
+                    <a:lstStyle/>
+                    <a:p>
+                      <a:pPr algn="r" fontAlgn="b"/>
+                      <a:r>
+                        <a:rPr lang="en-AU" sz="1100" u="none" strike="noStrike">
+                          <a:effectLst/>
+                        </a:rPr>
+                        <a:t>6.95E-06</a:t>
+                      </a:r>
+                      <a:endParaRPr lang="en-AU" sz="1100" b="0" i="0" u="none" strike="noStrike">
+                        <a:solidFill>
+                          <a:srgbClr val="000000"/>
+                        </a:solidFill>
+                        <a:effectLst/>
+                        <a:latin typeface="Calibri" panose="020F0502020204030204" pitchFamily="34" charset="0"/>
+                      </a:endParaRPr>
+                    </a:p>
+                  </a:txBody>
+                  <a:tcPr marL="9525" marR="9525" marT="9525" marB="0" anchor="b"/>
+                </a:tc>
+              </a:tr>
+              <a:tr h="370840">
+                <a:tc>
+                  <a:txBody>
+                    <a:bodyPr/>
+                    <a:lstStyle/>
+                    <a:p>
+                      <a:pPr algn="l" fontAlgn="b"/>
+                      <a:r>
+                        <a:rPr lang="en-AU" sz="1100" u="none" strike="noStrike">
+                          <a:effectLst/>
+                        </a:rPr>
+                        <a:t>Interferon gamma signaling</a:t>
+                      </a:r>
+                      <a:endParaRPr lang="en-AU" sz="1100" b="0" i="0" u="none" strike="noStrike">
+                        <a:solidFill>
+                          <a:srgbClr val="000000"/>
+                        </a:solidFill>
+                        <a:effectLst/>
+                        <a:latin typeface="Calibri" panose="020F0502020204030204" pitchFamily="34" charset="0"/>
+                      </a:endParaRPr>
+                    </a:p>
+                  </a:txBody>
+                  <a:tcPr marL="9525" marR="9525" marT="9525" marB="0" anchor="b"/>
+                </a:tc>
+                <a:tc>
+                  <a:txBody>
+                    <a:bodyPr/>
+                    <a:lstStyle/>
+                    <a:p>
+                      <a:pPr algn="r" fontAlgn="b"/>
+                      <a:r>
+                        <a:rPr lang="en-AU" sz="1100" u="none" strike="noStrike">
+                          <a:effectLst/>
+                        </a:rPr>
+                        <a:t>3.89E-05</a:t>
+                      </a:r>
+                      <a:endParaRPr lang="en-AU" sz="1100" b="0" i="0" u="none" strike="noStrike">
+                        <a:solidFill>
+                          <a:srgbClr val="000000"/>
+                        </a:solidFill>
+                        <a:effectLst/>
+                        <a:latin typeface="Calibri" panose="020F0502020204030204" pitchFamily="34" charset="0"/>
+                      </a:endParaRPr>
+                    </a:p>
+                  </a:txBody>
+                  <a:tcPr marL="9525" marR="9525" marT="9525" marB="0" anchor="b"/>
+                </a:tc>
+              </a:tr>
+              <a:tr h="370840">
+                <a:tc>
+                  <a:txBody>
+                    <a:bodyPr/>
+                    <a:lstStyle/>
+                    <a:p>
+                      <a:pPr algn="l" fontAlgn="b"/>
+                      <a:r>
+                        <a:rPr lang="en-AU" sz="1100" u="none" strike="noStrike">
+                          <a:effectLst/>
+                        </a:rPr>
+                        <a:t>Class I MHC mediated antigen processing &amp; presentation</a:t>
+                      </a:r>
+                      <a:endParaRPr lang="en-AU" sz="1100" b="0" i="0" u="none" strike="noStrike">
+                        <a:solidFill>
+                          <a:srgbClr val="000000"/>
+                        </a:solidFill>
+                        <a:effectLst/>
+                        <a:latin typeface="Calibri" panose="020F0502020204030204" pitchFamily="34" charset="0"/>
+                      </a:endParaRPr>
+                    </a:p>
+                  </a:txBody>
+                  <a:tcPr marL="9525" marR="9525" marT="9525" marB="0" anchor="b"/>
+                </a:tc>
+                <a:tc>
+                  <a:txBody>
+                    <a:bodyPr/>
+                    <a:lstStyle/>
+                    <a:p>
+                      <a:pPr algn="r" fontAlgn="b"/>
+                      <a:r>
+                        <a:rPr lang="en-AU" sz="1100" u="none" strike="noStrike">
+                          <a:effectLst/>
+                        </a:rPr>
+                        <a:t>3.57E-04</a:t>
+                      </a:r>
+                      <a:endParaRPr lang="en-AU" sz="1100" b="0" i="0" u="none" strike="noStrike">
+                        <a:solidFill>
+                          <a:srgbClr val="000000"/>
+                        </a:solidFill>
+                        <a:effectLst/>
+                        <a:latin typeface="Calibri" panose="020F0502020204030204" pitchFamily="34" charset="0"/>
+                      </a:endParaRPr>
+                    </a:p>
+                  </a:txBody>
+                  <a:tcPr marL="9525" marR="9525" marT="9525" marB="0" anchor="b"/>
+                </a:tc>
+              </a:tr>
+              <a:tr h="370840">
+                <a:tc>
+                  <a:txBody>
+                    <a:bodyPr/>
+                    <a:lstStyle/>
+                    <a:p>
+                      <a:pPr algn="l" fontAlgn="b"/>
+                      <a:r>
+                        <a:rPr lang="en-AU" sz="1100" u="none" strike="noStrike">
+                          <a:effectLst/>
+                        </a:rPr>
+                        <a:t>Intrinsic Pathway for Apoptosis</a:t>
+                      </a:r>
+                      <a:endParaRPr lang="en-AU" sz="1100" b="0" i="0" u="none" strike="noStrike">
+                        <a:solidFill>
+                          <a:srgbClr val="000000"/>
+                        </a:solidFill>
+                        <a:effectLst/>
+                        <a:latin typeface="Calibri" panose="020F0502020204030204" pitchFamily="34" charset="0"/>
+                      </a:endParaRPr>
+                    </a:p>
+                  </a:txBody>
+                  <a:tcPr marL="9525" marR="9525" marT="9525" marB="0" anchor="b"/>
+                </a:tc>
+                <a:tc>
+                  <a:txBody>
+                    <a:bodyPr/>
+                    <a:lstStyle/>
+                    <a:p>
+                      <a:pPr algn="r" fontAlgn="b"/>
+                      <a:r>
+                        <a:rPr lang="en-AU" sz="1100" u="none" strike="noStrike">
+                          <a:effectLst/>
+                        </a:rPr>
+                        <a:t>0.003287</a:t>
+                      </a:r>
+                      <a:endParaRPr lang="en-AU" sz="1100" b="0" i="0" u="none" strike="noStrike">
+                        <a:solidFill>
+                          <a:srgbClr val="000000"/>
+                        </a:solidFill>
+                        <a:effectLst/>
+                        <a:latin typeface="Calibri" panose="020F0502020204030204" pitchFamily="34" charset="0"/>
+                      </a:endParaRPr>
+                    </a:p>
+                  </a:txBody>
+                  <a:tcPr marL="9525" marR="9525" marT="9525" marB="0" anchor="b"/>
+                </a:tc>
+              </a:tr>
+              <a:tr h="370840">
+                <a:tc>
+                  <a:txBody>
+                    <a:bodyPr/>
+                    <a:lstStyle/>
+                    <a:p>
+                      <a:pPr algn="l" fontAlgn="b"/>
+                      <a:r>
+                        <a:rPr lang="en-AU" sz="1100" u="none" strike="noStrike">
+                          <a:effectLst/>
+                        </a:rPr>
+                        <a:t>Apoptosis</a:t>
+                      </a:r>
+                      <a:endParaRPr lang="en-AU" sz="1100" b="0" i="0" u="none" strike="noStrike">
+                        <a:solidFill>
+                          <a:srgbClr val="000000"/>
+                        </a:solidFill>
+                        <a:effectLst/>
+                        <a:latin typeface="Calibri" panose="020F0502020204030204" pitchFamily="34" charset="0"/>
+                      </a:endParaRPr>
+                    </a:p>
+                  </a:txBody>
+                  <a:tcPr marL="9525" marR="9525" marT="9525" marB="0" anchor="b"/>
+                </a:tc>
+                <a:tc>
+                  <a:txBody>
+                    <a:bodyPr/>
+                    <a:lstStyle/>
+                    <a:p>
+                      <a:pPr algn="r" fontAlgn="b"/>
+                      <a:r>
+                        <a:rPr lang="en-AU" sz="1100" u="none" strike="noStrike">
+                          <a:effectLst/>
+                        </a:rPr>
+                        <a:t>0.012709</a:t>
+                      </a:r>
+                      <a:endParaRPr lang="en-AU" sz="1100" b="0" i="0" u="none" strike="noStrike">
+                        <a:solidFill>
+                          <a:srgbClr val="000000"/>
+                        </a:solidFill>
+                        <a:effectLst/>
+                        <a:latin typeface="Calibri" panose="020F0502020204030204" pitchFamily="34" charset="0"/>
+                      </a:endParaRPr>
+                    </a:p>
+                  </a:txBody>
+                  <a:tcPr marL="9525" marR="9525" marT="9525" marB="0" anchor="b"/>
+                </a:tc>
+              </a:tr>
+              <a:tr h="370840">
+                <a:tc>
+                  <a:txBody>
+                    <a:bodyPr/>
+                    <a:lstStyle/>
+                    <a:p>
+                      <a:pPr algn="l" fontAlgn="b"/>
+                      <a:r>
+                        <a:rPr lang="en-AU" sz="1100" u="none" strike="noStrike">
+                          <a:effectLst/>
+                        </a:rPr>
+                        <a:t>Activation of BH3-only proteins</a:t>
+                      </a:r>
+                      <a:endParaRPr lang="en-AU" sz="1100" b="0" i="0" u="none" strike="noStrike">
+                        <a:solidFill>
+                          <a:srgbClr val="000000"/>
+                        </a:solidFill>
+                        <a:effectLst/>
+                        <a:latin typeface="Calibri" panose="020F0502020204030204" pitchFamily="34" charset="0"/>
+                      </a:endParaRPr>
+                    </a:p>
+                  </a:txBody>
+                  <a:tcPr marL="9525" marR="9525" marT="9525" marB="0" anchor="b"/>
+                </a:tc>
+                <a:tc>
+                  <a:txBody>
+                    <a:bodyPr/>
+                    <a:lstStyle/>
+                    <a:p>
+                      <a:pPr algn="r" fontAlgn="b"/>
+                      <a:r>
+                        <a:rPr lang="en-AU" sz="1100" u="none" strike="noStrike">
+                          <a:effectLst/>
+                        </a:rPr>
+                        <a:t>0.022553</a:t>
+                      </a:r>
+                      <a:endParaRPr lang="en-AU" sz="1100" b="0" i="0" u="none" strike="noStrike">
+                        <a:solidFill>
+                          <a:srgbClr val="000000"/>
+                        </a:solidFill>
+                        <a:effectLst/>
+                        <a:latin typeface="Calibri" panose="020F0502020204030204" pitchFamily="34" charset="0"/>
+                      </a:endParaRPr>
+                    </a:p>
+                  </a:txBody>
+                  <a:tcPr marL="9525" marR="9525" marT="9525" marB="0" anchor="b"/>
+                </a:tc>
+              </a:tr>
+              <a:tr h="370840">
+                <a:tc>
+                  <a:txBody>
+                    <a:bodyPr/>
+                    <a:lstStyle/>
+                    <a:p>
+                      <a:pPr algn="l" fontAlgn="b"/>
+                      <a:r>
+                        <a:rPr lang="en-AU" sz="1100" u="none" strike="noStrike">
+                          <a:effectLst/>
+                        </a:rPr>
+                        <a:t>Programmed Cell Death</a:t>
+                      </a:r>
+                      <a:endParaRPr lang="en-AU" sz="1100" b="0" i="0" u="none" strike="noStrike">
+                        <a:solidFill>
+                          <a:srgbClr val="000000"/>
+                        </a:solidFill>
+                        <a:effectLst/>
+                        <a:latin typeface="Calibri" panose="020F0502020204030204" pitchFamily="34" charset="0"/>
+                      </a:endParaRPr>
+                    </a:p>
+                  </a:txBody>
+                  <a:tcPr marL="9525" marR="9525" marT="9525" marB="0" anchor="b"/>
+                </a:tc>
+                <a:tc>
+                  <a:txBody>
+                    <a:bodyPr/>
+                    <a:lstStyle/>
+                    <a:p>
+                      <a:pPr algn="r" fontAlgn="b"/>
+                      <a:r>
+                        <a:rPr lang="en-AU" sz="1100" u="none" strike="noStrike">
+                          <a:effectLst/>
+                        </a:rPr>
+                        <a:t>0.023677</a:t>
+                      </a:r>
+                      <a:endParaRPr lang="en-AU" sz="1100" b="0" i="0" u="none" strike="noStrike">
+                        <a:solidFill>
+                          <a:srgbClr val="000000"/>
+                        </a:solidFill>
+                        <a:effectLst/>
+                        <a:latin typeface="Calibri" panose="020F0502020204030204" pitchFamily="34" charset="0"/>
+                      </a:endParaRPr>
+                    </a:p>
+                  </a:txBody>
+                  <a:tcPr marL="9525" marR="9525" marT="9525" marB="0" anchor="b"/>
+                </a:tc>
+              </a:tr>
+              <a:tr h="370840">
+                <a:tc>
+                  <a:txBody>
+                    <a:bodyPr/>
+                    <a:lstStyle/>
+                    <a:p>
+                      <a:pPr algn="l" fontAlgn="b"/>
+                      <a:r>
+                        <a:rPr lang="en-AU" sz="1100" u="none" strike="noStrike">
+                          <a:effectLst/>
+                        </a:rPr>
+                        <a:t>Regulation of TP53 Expression</a:t>
+                      </a:r>
+                      <a:endParaRPr lang="en-AU" sz="1100" b="0" i="0" u="none" strike="noStrike">
+                        <a:solidFill>
+                          <a:srgbClr val="000000"/>
+                        </a:solidFill>
+                        <a:effectLst/>
+                        <a:latin typeface="Calibri" panose="020F0502020204030204" pitchFamily="34" charset="0"/>
+                      </a:endParaRPr>
+                    </a:p>
+                  </a:txBody>
+                  <a:tcPr marL="9525" marR="9525" marT="9525" marB="0" anchor="b"/>
+                </a:tc>
+                <a:tc>
+                  <a:txBody>
+                    <a:bodyPr/>
+                    <a:lstStyle/>
+                    <a:p>
+                      <a:pPr algn="r" fontAlgn="b"/>
+                      <a:r>
+                        <a:rPr lang="en-AU" sz="1100" u="none" strike="noStrike">
+                          <a:effectLst/>
+                        </a:rPr>
+                        <a:t>0.078783</a:t>
+                      </a:r>
+                      <a:endParaRPr lang="en-AU" sz="1100" b="0" i="0" u="none" strike="noStrike">
+                        <a:solidFill>
+                          <a:srgbClr val="000000"/>
+                        </a:solidFill>
+                        <a:effectLst/>
+                        <a:latin typeface="Calibri" panose="020F0502020204030204" pitchFamily="34" charset="0"/>
+                      </a:endParaRPr>
+                    </a:p>
+                  </a:txBody>
+                  <a:tcPr marL="9525" marR="9525" marT="9525" marB="0" anchor="b"/>
+                </a:tc>
+              </a:tr>
+              <a:tr h="370840">
+                <a:tc>
+                  <a:txBody>
+                    <a:bodyPr/>
+                    <a:lstStyle/>
+                    <a:p>
+                      <a:pPr algn="l" fontAlgn="b"/>
+                      <a:r>
+                        <a:rPr lang="en-AU" sz="1100" u="none" strike="noStrike">
+                          <a:effectLst/>
+                        </a:rPr>
+                        <a:t>Interferon Signaling</a:t>
+                      </a:r>
+                      <a:endParaRPr lang="en-AU" sz="1100" b="0" i="0" u="none" strike="noStrike">
+                        <a:solidFill>
+                          <a:srgbClr val="000000"/>
+                        </a:solidFill>
+                        <a:effectLst/>
+                        <a:latin typeface="Calibri" panose="020F0502020204030204" pitchFamily="34" charset="0"/>
+                      </a:endParaRPr>
+                    </a:p>
+                  </a:txBody>
+                  <a:tcPr marL="9525" marR="9525" marT="9525" marB="0" anchor="b"/>
+                </a:tc>
+                <a:tc>
+                  <a:txBody>
+                    <a:bodyPr/>
+                    <a:lstStyle/>
+                    <a:p>
+                      <a:pPr algn="r" fontAlgn="b"/>
+                      <a:r>
+                        <a:rPr lang="en-AU" sz="1100" u="none" strike="noStrike" dirty="0">
+                          <a:effectLst/>
+                        </a:rPr>
+                        <a:t>0.093491</a:t>
+                      </a:r>
+                      <a:endParaRPr lang="en-AU" sz="1100" b="0" i="0" u="none" strike="noStrike" dirty="0">
+                        <a:solidFill>
+                          <a:srgbClr val="000000"/>
+                        </a:solidFill>
+                        <a:effectLst/>
+                        <a:latin typeface="Calibri" panose="020F0502020204030204" pitchFamily="34" charset="0"/>
+                      </a:endParaRPr>
+                    </a:p>
+                  </a:txBody>
+                  <a:tcPr marL="9525" marR="9525" marT="9525" marB="0" anchor="b"/>
+                </a:tc>
+              </a:tr>
+            </a:tbl>
+          </a:graphicData>
+        </a:graphic>
+      </p:graphicFrame>
+    </p:spTree>
+    <p:extLst>
+      <p:ext uri="{BB962C8B-B14F-4D97-AF65-F5344CB8AC3E}">
+        <p14:creationId xmlns:p14="http://schemas.microsoft.com/office/powerpoint/2010/main" val="1432080062"/>
+      </p:ext>
+    </p:extLst>
+  </p:cSld>
+  <p:clrMapOvr>
+    <a:masterClrMapping/>
+  </p:clrMapOvr>
+</p:sld>
+</file>
+
+<file path=ppt/slides/slide8.xml><?xml version="1.0" encoding="utf-8"?>
 <p:sld xmlns:a="http://schemas.openxmlformats.org/drawingml/2006/main" xmlns:r="http://schemas.openxmlformats.org/officeDocument/2006/relationships" xmlns:p="http://schemas.openxmlformats.org/presentationml/2006/main">
   <p:cSld>
     <p:spTree>
@@ -14060,7 +16389,7 @@
         <p:spPr>
           <a:xfrm>
             <a:off x="6594014" y="1541632"/>
-            <a:ext cx="2602519" cy="3416320"/>
+            <a:ext cx="2602519" cy="2031325"/>
           </a:xfrm>
           <a:prstGeom prst="rect">
             <a:avLst/>
@@ -14119,26 +16448,17 @@
           <a:p>
             <a:r>
               <a:rPr lang="en-US" dirty="0" smtClean="0"/>
-              <a:t>miR-19a-3p:	UGUGCA</a:t>
-            </a:r>
-          </a:p>
-          <a:p>
+              <a:t>miR-30e-5p</a:t>
+            </a:r>
             <a:r>
               <a:rPr lang="en-US" dirty="0" smtClean="0"/>
-              <a:t>miR-30e-5p: 	UGUAAA</a:t>
-            </a:r>
-          </a:p>
-          <a:p>
+              <a:t>: 	</a:t>
+            </a:r>
+            <a:r>
+              <a:rPr lang="en-US" dirty="0" smtClean="0"/>
+              <a:t>UGUAAA</a:t>
+            </a:r>
             <a:endParaRPr lang="en-US" dirty="0" smtClean="0"/>
-          </a:p>
-          <a:p>
-            <a:r>
-              <a:rPr lang="en-US" dirty="0" smtClean="0"/>
-              <a:t>No10a-3p, 186-5p, 3615, 98, 200a, </a:t>
-            </a:r>
-          </a:p>
-          <a:p>
-            <a:endParaRPr lang="en-AU" dirty="0"/>
           </a:p>
         </p:txBody>
       </p:sp>
@@ -14164,8 +16484,8 @@
         </p:blipFill>
         <p:spPr>
           <a:xfrm>
-            <a:off x="1787761" y="1766263"/>
-            <a:ext cx="3746474" cy="1737072"/>
+            <a:off x="1787761" y="1730636"/>
+            <a:ext cx="3879942" cy="1798955"/>
           </a:xfrm>
           <a:prstGeom prst="rect">
             <a:avLst/>
@@ -14175,28 +16495,29 @@
               <a:shade val="85000"/>
             </a:srgbClr>
           </a:solidFill>
-          <a:ln w="190500" cap="rnd">
+          <a:ln w="88900" cap="sq">
             <a:solidFill>
               <a:srgbClr val="FFFFFF"/>
             </a:solidFill>
+            <a:miter lim="800000"/>
           </a:ln>
           <a:effectLst>
-            <a:outerShdw blurRad="50000" algn="tl" rotWithShape="0">
+            <a:outerShdw blurRad="55000" dist="18000" dir="5400000" algn="tl" rotWithShape="0">
               <a:srgbClr val="000000">
-                <a:alpha val="41000"/>
+                <a:alpha val="40000"/>
               </a:srgbClr>
             </a:outerShdw>
           </a:effectLst>
           <a:scene3d>
             <a:camera prst="orthographicFront"/>
             <a:lightRig rig="twoPt" dir="t">
-              <a:rot lat="0" lon="0" rev="7800000"/>
+              <a:rot lat="0" lon="0" rev="7200000"/>
             </a:lightRig>
           </a:scene3d>
-          <a:sp3d contourW="6350">
-            <a:bevelT w="50800" h="16510"/>
+          <a:sp3d>
+            <a:bevelT w="25400" h="19050"/>
             <a:contourClr>
-              <a:srgbClr val="C0C0C0"/>
+              <a:srgbClr val="FFFFFF"/>
             </a:contourClr>
           </a:sp3d>
         </p:spPr>
@@ -14262,7 +16583,15 @@
           <a:p>
             <a:r>
               <a:rPr lang="en-US" dirty="0" smtClean="0"/>
-              <a:t>Matches 13/20 Diff. </a:t>
+              <a:t>Matches </a:t>
+            </a:r>
+            <a:r>
+              <a:rPr lang="en-US" dirty="0" smtClean="0"/>
+              <a:t>12/19 </a:t>
+            </a:r>
+            <a:r>
+              <a:rPr lang="en-US" dirty="0" smtClean="0"/>
+              <a:t>Diff. </a:t>
             </a:r>
             <a:r>
               <a:rPr lang="en-US" dirty="0" err="1" smtClean="0"/>
@@ -14365,7 +16694,7 @@
         <p:spPr>
           <a:xfrm>
             <a:off x="1787761" y="4077704"/>
-            <a:ext cx="2983832" cy="2031325"/>
+            <a:ext cx="2983832" cy="1754326"/>
           </a:xfrm>
           <a:prstGeom prst="rect">
             <a:avLst/>
@@ -14413,18 +16742,11 @@
           <a:p>
             <a:r>
               <a:rPr lang="en-US" dirty="0" smtClean="0"/>
-              <a:t>miR-19a-3p:	</a:t>
-            </a:r>
-            <a:r>
-              <a:rPr lang="en-AU" dirty="0"/>
-              <a:t>UGCAAAUCU</a:t>
-            </a:r>
-            <a:endParaRPr lang="en-US" dirty="0" smtClean="0"/>
-          </a:p>
-          <a:p>
+              <a:t>miR-30a-5p</a:t>
+            </a:r>
             <a:r>
               <a:rPr lang="en-US" dirty="0" smtClean="0"/>
-              <a:t>miR-30a-5p:	</a:t>
+              <a:t>:	</a:t>
             </a:r>
             <a:r>
               <a:rPr lang="en-AU" dirty="0"/>
@@ -14480,7 +16802,19 @@
           <a:p>
             <a:r>
               <a:rPr lang="en-US" dirty="0" smtClean="0"/>
-              <a:t>Matches 7/20 Diff. </a:t>
+              <a:t>Matches </a:t>
+            </a:r>
+            <a:r>
+              <a:rPr lang="en-US" dirty="0"/>
+              <a:t>6</a:t>
+            </a:r>
+            <a:r>
+              <a:rPr lang="en-US" dirty="0" smtClean="0"/>
+              <a:t>/19 </a:t>
+            </a:r>
+            <a:r>
+              <a:rPr lang="en-US" dirty="0" smtClean="0"/>
+              <a:t>Diff. </a:t>
             </a:r>
             <a:r>
               <a:rPr lang="en-US" dirty="0" err="1" smtClean="0"/>
@@ -14514,7 +16848,15 @@
           <a:p>
             <a:r>
               <a:rPr lang="en-US" sz="2000" dirty="0" smtClean="0"/>
-              <a:t>Together, motifs match to 15/20 differentially exported </a:t>
+              <a:t>Together, motifs match to </a:t>
+            </a:r>
+            <a:r>
+              <a:rPr lang="en-US" sz="2000" dirty="0" smtClean="0"/>
+              <a:t>14/19 </a:t>
+            </a:r>
+            <a:r>
+              <a:rPr lang="en-US" sz="2000" dirty="0" smtClean="0"/>
+              <a:t>differentially exported </a:t>
             </a:r>
             <a:r>
               <a:rPr lang="en-US" sz="2000" dirty="0" err="1" smtClean="0"/>
@@ -14532,225 +16874,6 @@
     <p:extLst>
       <p:ext uri="{BB962C8B-B14F-4D97-AF65-F5344CB8AC3E}">
         <p14:creationId xmlns:p14="http://schemas.microsoft.com/office/powerpoint/2010/main" val="2793909930"/>
-      </p:ext>
-    </p:extLst>
-  </p:cSld>
-  <p:clrMapOvr>
-    <a:masterClrMapping/>
-  </p:clrMapOvr>
-  <p:timing>
-    <p:tnLst>
-      <p:par>
-        <p:cTn id="1" dur="indefinite" restart="never" nodeType="tmRoot"/>
-      </p:par>
-    </p:tnLst>
-  </p:timing>
-</p:sld>
-</file>
-
-<file path=ppt/slides/slide8.xml><?xml version="1.0" encoding="utf-8"?>
-<p:sld xmlns:a="http://schemas.openxmlformats.org/drawingml/2006/main" xmlns:r="http://schemas.openxmlformats.org/officeDocument/2006/relationships" xmlns:p="http://schemas.openxmlformats.org/presentationml/2006/main">
-  <p:cSld>
-    <p:spTree>
-      <p:nvGrpSpPr>
-        <p:cNvPr id="1" name=""/>
-        <p:cNvGrpSpPr/>
-        <p:nvPr/>
-      </p:nvGrpSpPr>
-      <p:grpSpPr>
-        <a:xfrm>
-          <a:off x="0" y="0"/>
-          <a:ext cx="0" cy="0"/>
-          <a:chOff x="0" y="0"/>
-          <a:chExt cx="0" cy="0"/>
-        </a:xfrm>
-      </p:grpSpPr>
-      <p:sp>
-        <p:nvSpPr>
-          <p:cNvPr id="2" name="Title 1"/>
-          <p:cNvSpPr>
-            <a:spLocks noGrp="1"/>
-          </p:cNvSpPr>
-          <p:nvPr>
-            <p:ph type="title"/>
-          </p:nvPr>
-        </p:nvSpPr>
-        <p:spPr>
-          <a:xfrm>
-            <a:off x="1141413" y="377886"/>
-            <a:ext cx="9905998" cy="1478570"/>
-          </a:xfrm>
-        </p:spPr>
-        <p:txBody>
-          <a:bodyPr/>
-          <a:lstStyle/>
-          <a:p>
-            <a:r>
-              <a:rPr lang="en-US" dirty="0" smtClean="0"/>
-              <a:t>Differentially exported </a:t>
-            </a:r>
-            <a:r>
-              <a:rPr lang="en-US" dirty="0" err="1" smtClean="0"/>
-              <a:t>hnRNPK</a:t>
-            </a:r>
-            <a:r>
-              <a:rPr lang="en-US" dirty="0" smtClean="0"/>
-              <a:t> binds similar motif</a:t>
-            </a:r>
-            <a:endParaRPr lang="en-AU" dirty="0"/>
-          </a:p>
-        </p:txBody>
-      </p:sp>
-      <p:pic>
-        <p:nvPicPr>
-          <p:cNvPr id="4" name="Content Placeholder 3"/>
-          <p:cNvPicPr>
-            <a:picLocks noGrp="1" noChangeAspect="1"/>
-          </p:cNvPicPr>
-          <p:nvPr>
-            <p:ph idx="1"/>
-          </p:nvPr>
-        </p:nvPicPr>
-        <p:blipFill>
-          <a:blip r:embed="rId2"/>
-          <a:stretch>
-            <a:fillRect/>
-          </a:stretch>
-        </p:blipFill>
-        <p:spPr>
-          <a:xfrm>
-            <a:off x="1141413" y="2249668"/>
-            <a:ext cx="5051076" cy="3581817"/>
-          </a:xfrm>
-          <a:prstGeom prst="rect">
-            <a:avLst/>
-          </a:prstGeom>
-        </p:spPr>
-      </p:pic>
-      <p:sp>
-        <p:nvSpPr>
-          <p:cNvPr id="5" name="TextBox 4"/>
-          <p:cNvSpPr txBox="1"/>
-          <p:nvPr/>
-        </p:nvSpPr>
-        <p:spPr>
-          <a:xfrm>
-            <a:off x="6716043" y="1532198"/>
-            <a:ext cx="4331368" cy="5016758"/>
-          </a:xfrm>
-          <a:prstGeom prst="rect">
-            <a:avLst/>
-          </a:prstGeom>
-          <a:noFill/>
-        </p:spPr>
-        <p:txBody>
-          <a:bodyPr wrap="square" rtlCol="0">
-            <a:spAutoFit/>
-          </a:bodyPr>
-          <a:lstStyle/>
-          <a:p>
-            <a:r>
-              <a:rPr lang="en-US" sz="2400" dirty="0" err="1" smtClean="0"/>
-              <a:t>hnRNPK</a:t>
-            </a:r>
-            <a:r>
-              <a:rPr lang="en-US" sz="2400" dirty="0" smtClean="0"/>
-              <a:t>:</a:t>
-            </a:r>
-          </a:p>
-          <a:p>
-            <a:endParaRPr lang="en-AU" sz="2400" dirty="0"/>
-          </a:p>
-          <a:p>
-            <a:pPr marL="285750" indent="-285750">
-              <a:buFontTx/>
-              <a:buChar char="-"/>
-            </a:pPr>
-            <a:r>
-              <a:rPr lang="en-US" sz="2400" dirty="0" smtClean="0"/>
-              <a:t>Protein family previously implicated in related function</a:t>
-            </a:r>
-          </a:p>
-          <a:p>
-            <a:pPr marL="285750" indent="-285750">
-              <a:buFontTx/>
-              <a:buChar char="-"/>
-            </a:pPr>
-            <a:endParaRPr lang="en-US" sz="2400" dirty="0" smtClean="0"/>
-          </a:p>
-          <a:p>
-            <a:pPr marL="285750" indent="-285750">
-              <a:buFontTx/>
-              <a:buChar char="-"/>
-            </a:pPr>
-            <a:r>
-              <a:rPr lang="en-US" sz="2400" dirty="0" smtClean="0"/>
-              <a:t>Known to bind to </a:t>
-            </a:r>
-            <a:r>
-              <a:rPr lang="en-US" sz="2400" dirty="0" err="1" smtClean="0"/>
-              <a:t>miRs</a:t>
-            </a:r>
-            <a:endParaRPr lang="en-US" sz="2400" dirty="0" smtClean="0"/>
-          </a:p>
-          <a:p>
-            <a:pPr marL="285750" indent="-285750">
-              <a:buFontTx/>
-              <a:buChar char="-"/>
-            </a:pPr>
-            <a:endParaRPr lang="en-US" sz="2400" dirty="0" smtClean="0"/>
-          </a:p>
-          <a:p>
-            <a:pPr marL="285750" indent="-285750">
-              <a:buFontTx/>
-              <a:buChar char="-"/>
-            </a:pPr>
-            <a:r>
-              <a:rPr lang="en-US" sz="2400" dirty="0" smtClean="0"/>
-              <a:t>Binds AGUGUG region on miR-122-5p (found by </a:t>
-            </a:r>
-            <a:r>
-              <a:rPr lang="en-US" sz="2400" dirty="0" err="1" smtClean="0"/>
-              <a:t>mut</a:t>
-            </a:r>
-            <a:r>
-              <a:rPr lang="en-US" sz="2400" dirty="0" smtClean="0"/>
-              <a:t>. assay)</a:t>
-            </a:r>
-          </a:p>
-          <a:p>
-            <a:pPr marL="285750" indent="-285750">
-              <a:buFontTx/>
-              <a:buChar char="-"/>
-            </a:pPr>
-            <a:endParaRPr lang="en-US" sz="2400" dirty="0" smtClean="0"/>
-          </a:p>
-          <a:p>
-            <a:pPr marL="285750" indent="-285750">
-              <a:buFontTx/>
-              <a:buChar char="-"/>
-            </a:pPr>
-            <a:r>
-              <a:rPr lang="en-US" sz="2400" dirty="0" smtClean="0"/>
-              <a:t>Region matches to AGUGCA motif (p= 0.0593, using FIMO)</a:t>
-            </a:r>
-          </a:p>
-          <a:p>
-            <a:endParaRPr lang="en-US" sz="1600" dirty="0" smtClean="0"/>
-          </a:p>
-          <a:p>
-            <a:pPr marL="285750" indent="-285750">
-              <a:buFontTx/>
-              <a:buChar char="-"/>
-            </a:pPr>
-            <a:endParaRPr lang="en-US" sz="1600" dirty="0" smtClean="0"/>
-          </a:p>
-        </p:txBody>
-      </p:sp>
-    </p:spTree>
-    <p:extLst>
-      <p:ext uri="{BB962C8B-B14F-4D97-AF65-F5344CB8AC3E}">
-        <p14:creationId xmlns:p14="http://schemas.microsoft.com/office/powerpoint/2010/main" val="2919458153"/>
       </p:ext>
     </p:extLst>
   </p:cSld>
@@ -14794,41 +16917,27 @@
             <p:ph type="title"/>
           </p:nvPr>
         </p:nvSpPr>
-        <p:spPr/>
+        <p:spPr>
+          <a:xfrm>
+            <a:off x="1141413" y="377886"/>
+            <a:ext cx="9905998" cy="1478570"/>
+          </a:xfrm>
+        </p:spPr>
         <p:txBody>
           <a:bodyPr/>
           <a:lstStyle/>
           <a:p>
             <a:r>
+              <a:rPr lang="en-US" dirty="0" smtClean="0"/>
+              <a:t>Differentially exported </a:t>
+            </a:r>
+            <a:r>
               <a:rPr lang="en-US" dirty="0" err="1" smtClean="0"/>
               <a:t>hnRNPK</a:t>
             </a:r>
             <a:r>
               <a:rPr lang="en-US" dirty="0" smtClean="0"/>
-              <a:t> and its subcellular localization</a:t>
-            </a:r>
-            <a:endParaRPr lang="en-AU" dirty="0"/>
-          </a:p>
-        </p:txBody>
-      </p:sp>
-      <p:sp>
-        <p:nvSpPr>
-          <p:cNvPr id="3" name="Content Placeholder 2"/>
-          <p:cNvSpPr>
-            <a:spLocks noGrp="1"/>
-          </p:cNvSpPr>
-          <p:nvPr>
-            <p:ph idx="1"/>
-          </p:nvPr>
-        </p:nvSpPr>
-        <p:spPr/>
-        <p:txBody>
-          <a:bodyPr/>
-          <a:lstStyle/>
-          <a:p>
-            <a:r>
-              <a:rPr lang="en-US" dirty="0" smtClean="0"/>
-              <a:t>CD9 overlap and ER overlap. </a:t>
+              <a:t> binds similar motif</a:t>
             </a:r>
             <a:endParaRPr lang="en-AU" dirty="0"/>
           </a:p>
@@ -14836,32 +16945,162 @@
       </p:sp>
       <p:pic>
         <p:nvPicPr>
-          <p:cNvPr id="5" name="Picture 4"/>
+          <p:cNvPr id="4" name="Content Placeholder 3"/>
           <p:cNvPicPr>
-            <a:picLocks noChangeAspect="1"/>
+            <a:picLocks noGrp="1" noChangeAspect="1"/>
           </p:cNvPicPr>
-          <p:nvPr/>
+          <p:nvPr>
+            <p:ph idx="1"/>
+          </p:nvPr>
         </p:nvPicPr>
         <p:blipFill>
-          <a:blip r:embed="rId2"/>
+          <a:blip r:embed="rId3"/>
           <a:stretch>
             <a:fillRect/>
           </a:stretch>
         </p:blipFill>
         <p:spPr>
           <a:xfrm>
-            <a:off x="1006391" y="1691481"/>
-            <a:ext cx="6810375" cy="4657725"/>
+            <a:off x="1141413" y="2249668"/>
+            <a:ext cx="5051076" cy="3581817"/>
           </a:xfrm>
           <a:prstGeom prst="rect">
             <a:avLst/>
           </a:prstGeom>
         </p:spPr>
       </p:pic>
+      <p:sp>
+        <p:nvSpPr>
+          <p:cNvPr id="5" name="TextBox 4"/>
+          <p:cNvSpPr txBox="1"/>
+          <p:nvPr/>
+        </p:nvSpPr>
+        <p:spPr>
+          <a:xfrm>
+            <a:off x="6716043" y="1532198"/>
+            <a:ext cx="4331368" cy="5016758"/>
+          </a:xfrm>
+          <a:prstGeom prst="rect">
+            <a:avLst/>
+          </a:prstGeom>
+          <a:noFill/>
+        </p:spPr>
+        <p:txBody>
+          <a:bodyPr wrap="square" rtlCol="0">
+            <a:spAutoFit/>
+          </a:bodyPr>
+          <a:lstStyle/>
+          <a:p>
+            <a:r>
+              <a:rPr lang="en-US" sz="2400" dirty="0" err="1" smtClean="0"/>
+              <a:t>hnRNPK</a:t>
+            </a:r>
+            <a:r>
+              <a:rPr lang="en-US" sz="2400" dirty="0" smtClean="0"/>
+              <a:t>:</a:t>
+            </a:r>
+          </a:p>
+          <a:p>
+            <a:endParaRPr lang="en-AU" sz="2400" dirty="0"/>
+          </a:p>
+          <a:p>
+            <a:pPr marL="285750" indent="-285750">
+              <a:buFontTx/>
+              <a:buChar char="-"/>
+            </a:pPr>
+            <a:r>
+              <a:rPr lang="en-US" sz="2400" dirty="0" smtClean="0"/>
+              <a:t>Protein family previously implicated in related function</a:t>
+            </a:r>
+          </a:p>
+          <a:p>
+            <a:pPr marL="285750" indent="-285750">
+              <a:buFontTx/>
+              <a:buChar char="-"/>
+            </a:pPr>
+            <a:endParaRPr lang="en-US" sz="2400" dirty="0" smtClean="0"/>
+          </a:p>
+          <a:p>
+            <a:pPr marL="285750" indent="-285750">
+              <a:buFontTx/>
+              <a:buChar char="-"/>
+            </a:pPr>
+            <a:r>
+              <a:rPr lang="en-US" sz="2400" dirty="0" smtClean="0"/>
+              <a:t>Known to bind to </a:t>
+            </a:r>
+            <a:r>
+              <a:rPr lang="en-US" sz="2400" dirty="0" err="1" smtClean="0"/>
+              <a:t>miRs</a:t>
+            </a:r>
+            <a:endParaRPr lang="en-US" sz="2400" dirty="0" smtClean="0"/>
+          </a:p>
+          <a:p>
+            <a:pPr marL="285750" indent="-285750">
+              <a:buFontTx/>
+              <a:buChar char="-"/>
+            </a:pPr>
+            <a:endParaRPr lang="en-US" sz="2400" dirty="0" smtClean="0"/>
+          </a:p>
+          <a:p>
+            <a:pPr marL="285750" indent="-285750">
+              <a:buFontTx/>
+              <a:buChar char="-"/>
+            </a:pPr>
+            <a:r>
+              <a:rPr lang="en-US" sz="2400" dirty="0" smtClean="0"/>
+              <a:t>Binds AGUGUG region on miR-122-5p (found by </a:t>
+            </a:r>
+            <a:r>
+              <a:rPr lang="en-US" sz="2400" dirty="0" err="1" smtClean="0"/>
+              <a:t>mut</a:t>
+            </a:r>
+            <a:r>
+              <a:rPr lang="en-US" sz="2400" dirty="0" smtClean="0"/>
+              <a:t>. assay)</a:t>
+            </a:r>
+          </a:p>
+          <a:p>
+            <a:pPr marL="285750" indent="-285750">
+              <a:buFontTx/>
+              <a:buChar char="-"/>
+            </a:pPr>
+            <a:endParaRPr lang="en-US" sz="2400" dirty="0" smtClean="0"/>
+          </a:p>
+          <a:p>
+            <a:pPr marL="285750" indent="-285750">
+              <a:buFontTx/>
+              <a:buChar char="-"/>
+            </a:pPr>
+            <a:r>
+              <a:rPr lang="en-US" sz="2400" dirty="0" smtClean="0">
+                <a:solidFill>
+                  <a:srgbClr val="FF0000"/>
+                </a:solidFill>
+              </a:rPr>
+              <a:t>Region matches to AGUGCA motif (p= 0.0593, using FIMO)</a:t>
+            </a:r>
+          </a:p>
+          <a:p>
+            <a:endParaRPr lang="en-US" sz="1600" dirty="0" smtClean="0">
+              <a:solidFill>
+                <a:srgbClr val="FF0000"/>
+              </a:solidFill>
+            </a:endParaRPr>
+          </a:p>
+          <a:p>
+            <a:pPr marL="285750" indent="-285750">
+              <a:buFontTx/>
+              <a:buChar char="-"/>
+            </a:pPr>
+            <a:endParaRPr lang="en-US" sz="1600" dirty="0" smtClean="0"/>
+          </a:p>
+        </p:txBody>
+      </p:sp>
     </p:spTree>
     <p:extLst>
       <p:ext uri="{BB962C8B-B14F-4D97-AF65-F5344CB8AC3E}">
-        <p14:creationId xmlns:p14="http://schemas.microsoft.com/office/powerpoint/2010/main" val="323310266"/>
+        <p14:creationId xmlns:p14="http://schemas.microsoft.com/office/powerpoint/2010/main" val="2919458153"/>
       </p:ext>
     </p:extLst>
   </p:cSld>
@@ -15127,4 +17366,265 @@
     </a:ext>
   </a:extLst>
 </a:theme>
+</file>
+
+<file path=ppt/theme/theme2.xml><?xml version="1.0" encoding="utf-8"?>
+<a:theme xmlns:a="http://schemas.openxmlformats.org/drawingml/2006/main" name="Office Theme">
+  <a:themeElements>
+    <a:clrScheme name="Office">
+      <a:dk1>
+        <a:sysClr val="windowText" lastClr="000000"/>
+      </a:dk1>
+      <a:lt1>
+        <a:sysClr val="window" lastClr="FFFFFF"/>
+      </a:lt1>
+      <a:dk2>
+        <a:srgbClr val="44546A"/>
+      </a:dk2>
+      <a:lt2>
+        <a:srgbClr val="E7E6E6"/>
+      </a:lt2>
+      <a:accent1>
+        <a:srgbClr val="5B9BD5"/>
+      </a:accent1>
+      <a:accent2>
+        <a:srgbClr val="ED7D31"/>
+      </a:accent2>
+      <a:accent3>
+        <a:srgbClr val="A5A5A5"/>
+      </a:accent3>
+      <a:accent4>
+        <a:srgbClr val="FFC000"/>
+      </a:accent4>
+      <a:accent5>
+        <a:srgbClr val="4472C4"/>
+      </a:accent5>
+      <a:accent6>
+        <a:srgbClr val="70AD47"/>
+      </a:accent6>
+      <a:hlink>
+        <a:srgbClr val="0563C1"/>
+      </a:hlink>
+      <a:folHlink>
+        <a:srgbClr val="954F72"/>
+      </a:folHlink>
+    </a:clrScheme>
+    <a:fontScheme name="Office">
+      <a:majorFont>
+        <a:latin typeface="Calibri Light" panose="020F0302020204030204"/>
+        <a:ea typeface=""/>
+        <a:cs typeface=""/>
+        <a:font script="Jpan" typeface="ＭＳ Ｐゴシック"/>
+        <a:font script="Hang" typeface="맑은 고딕"/>
+        <a:font script="Hans" typeface="宋体"/>
+        <a:font script="Hant" typeface="新細明體"/>
+        <a:font script="Arab" typeface="Times New Roman"/>
+        <a:font script="Hebr" typeface="Times New Roman"/>
+        <a:font script="Thai" typeface="Angsana New"/>
+        <a:font script="Ethi" typeface="Nyala"/>
+        <a:font script="Beng" typeface="Vrinda"/>
+        <a:font script="Gujr" typeface="Shruti"/>
+        <a:font script="Khmr" typeface="MoolBoran"/>
+        <a:font script="Knda" typeface="Tunga"/>
+        <a:font script="Guru" typeface="Raavi"/>
+        <a:font script="Cans" typeface="Euphemia"/>
+        <a:font script="Cher" typeface="Plantagenet Cherokee"/>
+        <a:font script="Yiii" typeface="Microsoft Yi Baiti"/>
+        <a:font script="Tibt" typeface="Microsoft Himalaya"/>
+        <a:font script="Thaa" typeface="MV Boli"/>
+        <a:font script="Deva" typeface="Mangal"/>
+        <a:font script="Telu" typeface="Gautami"/>
+        <a:font script="Taml" typeface="Latha"/>
+        <a:font script="Syrc" typeface="Estrangelo Edessa"/>
+        <a:font script="Orya" typeface="Kalinga"/>
+        <a:font script="Mlym" typeface="Kartika"/>
+        <a:font script="Laoo" typeface="DokChampa"/>
+        <a:font script="Sinh" typeface="Iskoola Pota"/>
+        <a:font script="Mong" typeface="Mongolian Baiti"/>
+        <a:font script="Viet" typeface="Times New Roman"/>
+        <a:font script="Uigh" typeface="Microsoft Uighur"/>
+        <a:font script="Geor" typeface="Sylfaen"/>
+      </a:majorFont>
+      <a:minorFont>
+        <a:latin typeface="Calibri" panose="020F0502020204030204"/>
+        <a:ea typeface=""/>
+        <a:cs typeface=""/>
+        <a:font script="Jpan" typeface="ＭＳ Ｐゴシック"/>
+        <a:font script="Hang" typeface="맑은 고딕"/>
+        <a:font script="Hans" typeface="宋体"/>
+        <a:font script="Hant" typeface="新細明體"/>
+        <a:font script="Arab" typeface="Arial"/>
+        <a:font script="Hebr" typeface="Arial"/>
+        <a:font script="Thai" typeface="Cordia New"/>
+        <a:font script="Ethi" typeface="Nyala"/>
+        <a:font script="Beng" typeface="Vrinda"/>
+        <a:font script="Gujr" typeface="Shruti"/>
+        <a:font script="Khmr" typeface="DaunPenh"/>
+        <a:font script="Knda" typeface="Tunga"/>
+        <a:font script="Guru" typeface="Raavi"/>
+        <a:font script="Cans" typeface="Euphemia"/>
+        <a:font script="Cher" typeface="Plantagenet Cherokee"/>
+        <a:font script="Yiii" typeface="Microsoft Yi Baiti"/>
+        <a:font script="Tibt" typeface="Microsoft Himalaya"/>
+        <a:font script="Thaa" typeface="MV Boli"/>
+        <a:font script="Deva" typeface="Mangal"/>
+        <a:font script="Telu" typeface="Gautami"/>
+        <a:font script="Taml" typeface="Latha"/>
+        <a:font script="Syrc" typeface="Estrangelo Edessa"/>
+        <a:font script="Orya" typeface="Kalinga"/>
+        <a:font script="Mlym" typeface="Kartika"/>
+        <a:font script="Laoo" typeface="DokChampa"/>
+        <a:font script="Sinh" typeface="Iskoola Pota"/>
+        <a:font script="Mong" typeface="Mongolian Baiti"/>
+        <a:font script="Viet" typeface="Arial"/>
+        <a:font script="Uigh" typeface="Microsoft Uighur"/>
+        <a:font script="Geor" typeface="Sylfaen"/>
+      </a:minorFont>
+    </a:fontScheme>
+    <a:fmtScheme name="Office">
+      <a:fillStyleLst>
+        <a:solidFill>
+          <a:schemeClr val="phClr"/>
+        </a:solidFill>
+        <a:gradFill rotWithShape="1">
+          <a:gsLst>
+            <a:gs pos="0">
+              <a:schemeClr val="phClr">
+                <a:lumMod val="110000"/>
+                <a:satMod val="105000"/>
+                <a:tint val="67000"/>
+              </a:schemeClr>
+            </a:gs>
+            <a:gs pos="50000">
+              <a:schemeClr val="phClr">
+                <a:lumMod val="105000"/>
+                <a:satMod val="103000"/>
+                <a:tint val="73000"/>
+              </a:schemeClr>
+            </a:gs>
+            <a:gs pos="100000">
+              <a:schemeClr val="phClr">
+                <a:lumMod val="105000"/>
+                <a:satMod val="109000"/>
+                <a:tint val="81000"/>
+              </a:schemeClr>
+            </a:gs>
+          </a:gsLst>
+          <a:lin ang="5400000" scaled="0"/>
+        </a:gradFill>
+        <a:gradFill rotWithShape="1">
+          <a:gsLst>
+            <a:gs pos="0">
+              <a:schemeClr val="phClr">
+                <a:satMod val="103000"/>
+                <a:lumMod val="102000"/>
+                <a:tint val="94000"/>
+              </a:schemeClr>
+            </a:gs>
+            <a:gs pos="50000">
+              <a:schemeClr val="phClr">
+                <a:satMod val="110000"/>
+                <a:lumMod val="100000"/>
+                <a:shade val="100000"/>
+              </a:schemeClr>
+            </a:gs>
+            <a:gs pos="100000">
+              <a:schemeClr val="phClr">
+                <a:lumMod val="99000"/>
+                <a:satMod val="120000"/>
+                <a:shade val="78000"/>
+              </a:schemeClr>
+            </a:gs>
+          </a:gsLst>
+          <a:lin ang="5400000" scaled="0"/>
+        </a:gradFill>
+      </a:fillStyleLst>
+      <a:lnStyleLst>
+        <a:ln w="6350" cap="flat" cmpd="sng" algn="ctr">
+          <a:solidFill>
+            <a:schemeClr val="phClr"/>
+          </a:solidFill>
+          <a:prstDash val="solid"/>
+          <a:miter lim="800000"/>
+        </a:ln>
+        <a:ln w="12700" cap="flat" cmpd="sng" algn="ctr">
+          <a:solidFill>
+            <a:schemeClr val="phClr"/>
+          </a:solidFill>
+          <a:prstDash val="solid"/>
+          <a:miter lim="800000"/>
+        </a:ln>
+        <a:ln w="19050" cap="flat" cmpd="sng" algn="ctr">
+          <a:solidFill>
+            <a:schemeClr val="phClr"/>
+          </a:solidFill>
+          <a:prstDash val="solid"/>
+          <a:miter lim="800000"/>
+        </a:ln>
+      </a:lnStyleLst>
+      <a:effectStyleLst>
+        <a:effectStyle>
+          <a:effectLst/>
+        </a:effectStyle>
+        <a:effectStyle>
+          <a:effectLst/>
+        </a:effectStyle>
+        <a:effectStyle>
+          <a:effectLst>
+            <a:outerShdw blurRad="57150" dist="19050" dir="5400000" algn="ctr" rotWithShape="0">
+              <a:srgbClr val="000000">
+                <a:alpha val="63000"/>
+              </a:srgbClr>
+            </a:outerShdw>
+          </a:effectLst>
+        </a:effectStyle>
+      </a:effectStyleLst>
+      <a:bgFillStyleLst>
+        <a:solidFill>
+          <a:schemeClr val="phClr"/>
+        </a:solidFill>
+        <a:solidFill>
+          <a:schemeClr val="phClr">
+            <a:tint val="95000"/>
+            <a:satMod val="170000"/>
+          </a:schemeClr>
+        </a:solidFill>
+        <a:gradFill rotWithShape="1">
+          <a:gsLst>
+            <a:gs pos="0">
+              <a:schemeClr val="phClr">
+                <a:tint val="93000"/>
+                <a:satMod val="150000"/>
+                <a:shade val="98000"/>
+                <a:lumMod val="102000"/>
+              </a:schemeClr>
+            </a:gs>
+            <a:gs pos="50000">
+              <a:schemeClr val="phClr">
+                <a:tint val="98000"/>
+                <a:satMod val="130000"/>
+                <a:shade val="90000"/>
+                <a:lumMod val="103000"/>
+              </a:schemeClr>
+            </a:gs>
+            <a:gs pos="100000">
+              <a:schemeClr val="phClr">
+                <a:shade val="63000"/>
+                <a:satMod val="120000"/>
+              </a:schemeClr>
+            </a:gs>
+          </a:gsLst>
+          <a:lin ang="5400000" scaled="0"/>
+        </a:gradFill>
+      </a:bgFillStyleLst>
+    </a:fmtScheme>
+  </a:themeElements>
+  <a:objectDefaults/>
+  <a:extraClrSchemeLst/>
+  <a:extLst>
+    <a:ext uri="{05A4C25C-085E-4340-85A3-A5531E510DB2}">
+      <thm15:themeFamily xmlns:thm15="http://schemas.microsoft.com/office/thememl/2012/main" name="Office Theme" id="{62F939B6-93AF-4DB8-9C6B-D6C7DFDC589F}" vid="{4A3C46E8-61CC-4603-A589-7422A47A8E4A}"/>
+    </a:ext>
+  </a:extLst>
+</a:theme>
 </file>
--- a/BackgroundInfo/MeetingSept.pptx
+++ b/BackgroundInfo/MeetingSept.pptx
@@ -5,7 +5,7 @@
     <p:sldMasterId id="2147483750" r:id="rId1"/>
   </p:sldMasterIdLst>
   <p:notesMasterIdLst>
-    <p:notesMasterId r:id="rId18"/>
+    <p:notesMasterId r:id="rId19"/>
   </p:notesMasterIdLst>
   <p:sldIdLst>
     <p:sldId id="256" r:id="rId2"/>
@@ -21,9 +21,10 @@
     <p:sldId id="269" r:id="rId12"/>
     <p:sldId id="271" r:id="rId13"/>
     <p:sldId id="265" r:id="rId14"/>
-    <p:sldId id="272" r:id="rId15"/>
-    <p:sldId id="266" r:id="rId16"/>
-    <p:sldId id="270" r:id="rId17"/>
+    <p:sldId id="273" r:id="rId15"/>
+    <p:sldId id="272" r:id="rId16"/>
+    <p:sldId id="266" r:id="rId17"/>
+    <p:sldId id="270" r:id="rId18"/>
   </p:sldIdLst>
   <p:sldSz cx="12192000" cy="6858000"/>
   <p:notesSz cx="6858000" cy="9144000"/>
@@ -648,6 +649,14 @@
               <a:rPr lang="en-US" dirty="0" smtClean="0"/>
               <a:t>FIMO: </a:t>
             </a:r>
+            <a:r>
+              <a:rPr lang="en-US" dirty="0" smtClean="0"/>
+              <a:t>find individual motif</a:t>
+            </a:r>
+            <a:r>
+              <a:rPr lang="en-US" baseline="0" dirty="0" smtClean="0"/>
+              <a:t> occurrences. </a:t>
+            </a:r>
             <a:endParaRPr lang="en-AU" dirty="0"/>
           </a:p>
         </p:txBody>
@@ -738,7 +747,7 @@
           <a:noFill/>
           <a:extLst>
             <a:ext uri="{909E8E84-426E-40dd-AFC4-6F175D3DCCD1}">
-              <a14:hiddenFill xmlns:a14="http://schemas.microsoft.com/office/drawing/2010/main" xmlns="">
+              <a14:hiddenFill xmlns="" xmlns:a14="http://schemas.microsoft.com/office/drawing/2010/main">
                 <a:solidFill>
                   <a:srgbClr val="FFFFFF"/>
                 </a:solidFill>
@@ -798,7 +807,7 @@
             </a:ln>
             <a:extLst>
               <a:ext uri="{91240B29-F687-4f45-9708-019B960494DF}">
-                <a14:hiddenLine xmlns:a14="http://schemas.microsoft.com/office/drawing/2010/main" xmlns="" w="9525">
+                <a14:hiddenLine xmlns="" xmlns:a14="http://schemas.microsoft.com/office/drawing/2010/main" w="9525">
                   <a:solidFill>
                     <a:srgbClr val="000000"/>
                   </a:solidFill>
@@ -888,7 +897,7 @@
             </a:ln>
             <a:extLst>
               <a:ext uri="{91240B29-F687-4f45-9708-019B960494DF}">
-                <a14:hiddenLine xmlns:a14="http://schemas.microsoft.com/office/drawing/2010/main" xmlns="" w="9525">
+                <a14:hiddenLine xmlns="" xmlns:a14="http://schemas.microsoft.com/office/drawing/2010/main" w="9525">
                   <a:solidFill>
                     <a:srgbClr val="000000"/>
                   </a:solidFill>
@@ -978,7 +987,7 @@
             </a:ln>
             <a:extLst>
               <a:ext uri="{91240B29-F687-4f45-9708-019B960494DF}">
-                <a14:hiddenLine xmlns:a14="http://schemas.microsoft.com/office/drawing/2010/main" xmlns="" w="9525">
+                <a14:hiddenLine xmlns="" xmlns:a14="http://schemas.microsoft.com/office/drawing/2010/main" w="9525">
                   <a:solidFill>
                     <a:srgbClr val="000000"/>
                   </a:solidFill>
@@ -1012,7 +1021,7 @@
             </a:ln>
             <a:extLst>
               <a:ext uri="{91240B29-F687-4f45-9708-019B960494DF}">
-                <a14:hiddenLine xmlns:a14="http://schemas.microsoft.com/office/drawing/2010/main" xmlns="" w="9525">
+                <a14:hiddenLine xmlns="" xmlns:a14="http://schemas.microsoft.com/office/drawing/2010/main" w="9525">
                   <a:solidFill>
                     <a:srgbClr val="000000"/>
                   </a:solidFill>
@@ -1102,7 +1111,7 @@
             </a:ln>
             <a:extLst>
               <a:ext uri="{91240B29-F687-4f45-9708-019B960494DF}">
-                <a14:hiddenLine xmlns:a14="http://schemas.microsoft.com/office/drawing/2010/main" xmlns="" w="9525">
+                <a14:hiddenLine xmlns="" xmlns:a14="http://schemas.microsoft.com/office/drawing/2010/main" w="9525">
                   <a:solidFill>
                     <a:srgbClr val="000000"/>
                   </a:solidFill>
@@ -1164,7 +1173,7 @@
             </a:ln>
             <a:extLst>
               <a:ext uri="{91240B29-F687-4f45-9708-019B960494DF}">
-                <a14:hiddenLine xmlns:a14="http://schemas.microsoft.com/office/drawing/2010/main" xmlns="" w="9525">
+                <a14:hiddenLine xmlns="" xmlns:a14="http://schemas.microsoft.com/office/drawing/2010/main" w="9525">
                   <a:solidFill>
                     <a:srgbClr val="000000"/>
                   </a:solidFill>
@@ -1226,7 +1235,7 @@
             </a:ln>
             <a:extLst>
               <a:ext uri="{91240B29-F687-4f45-9708-019B960494DF}">
-                <a14:hiddenLine xmlns:a14="http://schemas.microsoft.com/office/drawing/2010/main" xmlns="" w="9525">
+                <a14:hiddenLine xmlns="" xmlns:a14="http://schemas.microsoft.com/office/drawing/2010/main" w="9525">
                   <a:solidFill>
                     <a:srgbClr val="000000"/>
                   </a:solidFill>
@@ -1316,7 +1325,7 @@
             </a:ln>
             <a:extLst>
               <a:ext uri="{91240B29-F687-4f45-9708-019B960494DF}">
-                <a14:hiddenLine xmlns:a14="http://schemas.microsoft.com/office/drawing/2010/main" xmlns="" w="9525">
+                <a14:hiddenLine xmlns="" xmlns:a14="http://schemas.microsoft.com/office/drawing/2010/main" w="9525">
                   <a:solidFill>
                     <a:srgbClr val="000000"/>
                   </a:solidFill>
@@ -1378,7 +1387,7 @@
             </a:ln>
             <a:extLst>
               <a:ext uri="{91240B29-F687-4f45-9708-019B960494DF}">
-                <a14:hiddenLine xmlns:a14="http://schemas.microsoft.com/office/drawing/2010/main" xmlns="" w="9525">
+                <a14:hiddenLine xmlns="" xmlns:a14="http://schemas.microsoft.com/office/drawing/2010/main" w="9525">
                   <a:solidFill>
                     <a:srgbClr val="000000"/>
                   </a:solidFill>
@@ -1440,7 +1449,7 @@
             </a:ln>
             <a:extLst>
               <a:ext uri="{91240B29-F687-4f45-9708-019B960494DF}">
-                <a14:hiddenLine xmlns:a14="http://schemas.microsoft.com/office/drawing/2010/main" xmlns="" w="9525">
+                <a14:hiddenLine xmlns="" xmlns:a14="http://schemas.microsoft.com/office/drawing/2010/main" w="9525">
                   <a:solidFill>
                     <a:srgbClr val="000000"/>
                   </a:solidFill>
@@ -1530,7 +1539,7 @@
             </a:ln>
             <a:extLst>
               <a:ext uri="{91240B29-F687-4f45-9708-019B960494DF}">
-                <a14:hiddenLine xmlns:a14="http://schemas.microsoft.com/office/drawing/2010/main" xmlns="" w="9525">
+                <a14:hiddenLine xmlns="" xmlns:a14="http://schemas.microsoft.com/office/drawing/2010/main" w="9525">
                   <a:solidFill>
                     <a:srgbClr val="000000"/>
                   </a:solidFill>
@@ -1620,7 +1629,7 @@
             </a:ln>
             <a:extLst>
               <a:ext uri="{91240B29-F687-4f45-9708-019B960494DF}">
-                <a14:hiddenLine xmlns:a14="http://schemas.microsoft.com/office/drawing/2010/main" xmlns="" w="9525">
+                <a14:hiddenLine xmlns="" xmlns:a14="http://schemas.microsoft.com/office/drawing/2010/main" w="9525">
                   <a:solidFill>
                     <a:srgbClr val="000000"/>
                   </a:solidFill>
@@ -1682,7 +1691,7 @@
             </a:ln>
             <a:extLst>
               <a:ext uri="{91240B29-F687-4f45-9708-019B960494DF}">
-                <a14:hiddenLine xmlns:a14="http://schemas.microsoft.com/office/drawing/2010/main" xmlns="" w="9525">
+                <a14:hiddenLine xmlns="" xmlns:a14="http://schemas.microsoft.com/office/drawing/2010/main" w="9525">
                   <a:solidFill>
                     <a:srgbClr val="000000"/>
                   </a:solidFill>
@@ -1792,7 +1801,7 @@
             </a:ln>
             <a:extLst>
               <a:ext uri="{91240B29-F687-4f45-9708-019B960494DF}">
-                <a14:hiddenLine xmlns:a14="http://schemas.microsoft.com/office/drawing/2010/main" xmlns="" w="9525">
+                <a14:hiddenLine xmlns="" xmlns:a14="http://schemas.microsoft.com/office/drawing/2010/main" w="9525">
                   <a:solidFill>
                     <a:srgbClr val="000000"/>
                   </a:solidFill>
@@ -1854,7 +1863,7 @@
             </a:ln>
             <a:extLst>
               <a:ext uri="{91240B29-F687-4f45-9708-019B960494DF}">
-                <a14:hiddenLine xmlns:a14="http://schemas.microsoft.com/office/drawing/2010/main" xmlns="" w="9525">
+                <a14:hiddenLine xmlns="" xmlns:a14="http://schemas.microsoft.com/office/drawing/2010/main" w="9525">
                   <a:solidFill>
                     <a:srgbClr val="000000"/>
                   </a:solidFill>
@@ -1944,7 +1953,7 @@
             </a:ln>
             <a:extLst>
               <a:ext uri="{91240B29-F687-4f45-9708-019B960494DF}">
-                <a14:hiddenLine xmlns:a14="http://schemas.microsoft.com/office/drawing/2010/main" xmlns="" w="9525">
+                <a14:hiddenLine xmlns="" xmlns:a14="http://schemas.microsoft.com/office/drawing/2010/main" w="9525">
                   <a:solidFill>
                     <a:srgbClr val="000000"/>
                   </a:solidFill>
@@ -2034,7 +2043,7 @@
             </a:ln>
             <a:extLst>
               <a:ext uri="{91240B29-F687-4f45-9708-019B960494DF}">
-                <a14:hiddenLine xmlns:a14="http://schemas.microsoft.com/office/drawing/2010/main" xmlns="" w="9525">
+                <a14:hiddenLine xmlns="" xmlns:a14="http://schemas.microsoft.com/office/drawing/2010/main" w="9525">
                   <a:solidFill>
                     <a:srgbClr val="000000"/>
                   </a:solidFill>
@@ -2096,7 +2105,7 @@
             </a:ln>
             <a:extLst>
               <a:ext uri="{91240B29-F687-4f45-9708-019B960494DF}">
-                <a14:hiddenLine xmlns:a14="http://schemas.microsoft.com/office/drawing/2010/main" xmlns="" w="9525">
+                <a14:hiddenLine xmlns="" xmlns:a14="http://schemas.microsoft.com/office/drawing/2010/main" w="9525">
                   <a:solidFill>
                     <a:srgbClr val="000000"/>
                   </a:solidFill>
@@ -2186,7 +2195,7 @@
             </a:ln>
             <a:extLst>
               <a:ext uri="{91240B29-F687-4f45-9708-019B960494DF}">
-                <a14:hiddenLine xmlns:a14="http://schemas.microsoft.com/office/drawing/2010/main" xmlns="" w="9525">
+                <a14:hiddenLine xmlns="" xmlns:a14="http://schemas.microsoft.com/office/drawing/2010/main" w="9525">
                   <a:solidFill>
                     <a:srgbClr val="000000"/>
                   </a:solidFill>
@@ -2276,7 +2285,7 @@
             </a:ln>
             <a:extLst>
               <a:ext uri="{91240B29-F687-4f45-9708-019B960494DF}">
-                <a14:hiddenLine xmlns:a14="http://schemas.microsoft.com/office/drawing/2010/main" xmlns="" w="9525">
+                <a14:hiddenLine xmlns="" xmlns:a14="http://schemas.microsoft.com/office/drawing/2010/main" w="9525">
                   <a:solidFill>
                     <a:srgbClr val="000000"/>
                   </a:solidFill>
@@ -2332,7 +2341,7 @@
             </a:ln>
             <a:extLst>
               <a:ext uri="{91240B29-F687-4f45-9708-019B960494DF}">
-                <a14:hiddenLine xmlns:a14="http://schemas.microsoft.com/office/drawing/2010/main" xmlns="" w="9525">
+                <a14:hiddenLine xmlns="" xmlns:a14="http://schemas.microsoft.com/office/drawing/2010/main" w="9525">
                   <a:solidFill>
                     <a:srgbClr val="000000"/>
                   </a:solidFill>
@@ -2422,7 +2431,7 @@
             </a:ln>
             <a:extLst>
               <a:ext uri="{91240B29-F687-4f45-9708-019B960494DF}">
-                <a14:hiddenLine xmlns:a14="http://schemas.microsoft.com/office/drawing/2010/main" xmlns="" w="9525">
+                <a14:hiddenLine xmlns="" xmlns:a14="http://schemas.microsoft.com/office/drawing/2010/main" w="9525">
                   <a:solidFill>
                     <a:srgbClr val="000000"/>
                   </a:solidFill>
@@ -2478,7 +2487,7 @@
             </a:ln>
             <a:extLst>
               <a:ext uri="{91240B29-F687-4f45-9708-019B960494DF}">
-                <a14:hiddenLine xmlns:a14="http://schemas.microsoft.com/office/drawing/2010/main" xmlns="" w="9525">
+                <a14:hiddenLine xmlns="" xmlns:a14="http://schemas.microsoft.com/office/drawing/2010/main" w="9525">
                   <a:solidFill>
                     <a:srgbClr val="000000"/>
                   </a:solidFill>
@@ -2568,7 +2577,7 @@
             </a:ln>
             <a:extLst>
               <a:ext uri="{91240B29-F687-4f45-9708-019B960494DF}">
-                <a14:hiddenLine xmlns:a14="http://schemas.microsoft.com/office/drawing/2010/main" xmlns="" w="9525">
+                <a14:hiddenLine xmlns="" xmlns:a14="http://schemas.microsoft.com/office/drawing/2010/main" w="9525">
                   <a:solidFill>
                     <a:srgbClr val="000000"/>
                   </a:solidFill>
@@ -2636,7 +2645,7 @@
             </a:ln>
             <a:extLst>
               <a:ext uri="{91240B29-F687-4f45-9708-019B960494DF}">
-                <a14:hiddenLine xmlns:a14="http://schemas.microsoft.com/office/drawing/2010/main" xmlns="" w="9525">
+                <a14:hiddenLine xmlns="" xmlns:a14="http://schemas.microsoft.com/office/drawing/2010/main" w="9525">
                   <a:solidFill>
                     <a:srgbClr val="000000"/>
                   </a:solidFill>
@@ -2726,7 +2735,7 @@
             </a:ln>
             <a:extLst>
               <a:ext uri="{91240B29-F687-4f45-9708-019B960494DF}">
-                <a14:hiddenLine xmlns:a14="http://schemas.microsoft.com/office/drawing/2010/main" xmlns="" w="9525">
+                <a14:hiddenLine xmlns="" xmlns:a14="http://schemas.microsoft.com/office/drawing/2010/main" w="9525">
                   <a:solidFill>
                     <a:srgbClr val="000000"/>
                   </a:solidFill>
@@ -2794,7 +2803,7 @@
             </a:ln>
             <a:extLst>
               <a:ext uri="{91240B29-F687-4f45-9708-019B960494DF}">
-                <a14:hiddenLine xmlns:a14="http://schemas.microsoft.com/office/drawing/2010/main" xmlns="" w="9525">
+                <a14:hiddenLine xmlns="" xmlns:a14="http://schemas.microsoft.com/office/drawing/2010/main" w="9525">
                   <a:solidFill>
                     <a:srgbClr val="000000"/>
                   </a:solidFill>
@@ -2884,7 +2893,7 @@
             </a:ln>
             <a:extLst>
               <a:ext uri="{91240B29-F687-4f45-9708-019B960494DF}">
-                <a14:hiddenLine xmlns:a14="http://schemas.microsoft.com/office/drawing/2010/main" xmlns="" w="9525">
+                <a14:hiddenLine xmlns="" xmlns:a14="http://schemas.microsoft.com/office/drawing/2010/main" w="9525">
                   <a:solidFill>
                     <a:srgbClr val="000000"/>
                   </a:solidFill>
@@ -2918,7 +2927,7 @@
             </a:ln>
             <a:extLst>
               <a:ext uri="{91240B29-F687-4f45-9708-019B960494DF}">
-                <a14:hiddenLine xmlns:a14="http://schemas.microsoft.com/office/drawing/2010/main" xmlns="" w="9525">
+                <a14:hiddenLine xmlns="" xmlns:a14="http://schemas.microsoft.com/office/drawing/2010/main" w="9525">
                   <a:solidFill>
                     <a:srgbClr val="000000"/>
                   </a:solidFill>
@@ -3008,7 +3017,7 @@
             </a:ln>
             <a:extLst>
               <a:ext uri="{91240B29-F687-4f45-9708-019B960494DF}">
-                <a14:hiddenLine xmlns:a14="http://schemas.microsoft.com/office/drawing/2010/main" xmlns="" w="9525">
+                <a14:hiddenLine xmlns="" xmlns:a14="http://schemas.microsoft.com/office/drawing/2010/main" w="9525">
                   <a:solidFill>
                     <a:srgbClr val="000000"/>
                   </a:solidFill>
@@ -3070,7 +3079,7 @@
             </a:ln>
             <a:extLst>
               <a:ext uri="{91240B29-F687-4f45-9708-019B960494DF}">
-                <a14:hiddenLine xmlns:a14="http://schemas.microsoft.com/office/drawing/2010/main" xmlns="" w="9525">
+                <a14:hiddenLine xmlns="" xmlns:a14="http://schemas.microsoft.com/office/drawing/2010/main" w="9525">
                   <a:solidFill>
                     <a:srgbClr val="000000"/>
                   </a:solidFill>
@@ -3132,7 +3141,7 @@
             </a:ln>
             <a:extLst>
               <a:ext uri="{91240B29-F687-4f45-9708-019B960494DF}">
-                <a14:hiddenLine xmlns:a14="http://schemas.microsoft.com/office/drawing/2010/main" xmlns="" w="9525">
+                <a14:hiddenLine xmlns="" xmlns:a14="http://schemas.microsoft.com/office/drawing/2010/main" w="9525">
                   <a:solidFill>
                     <a:srgbClr val="000000"/>
                   </a:solidFill>
@@ -3222,7 +3231,7 @@
             </a:ln>
             <a:extLst>
               <a:ext uri="{91240B29-F687-4f45-9708-019B960494DF}">
-                <a14:hiddenLine xmlns:a14="http://schemas.microsoft.com/office/drawing/2010/main" xmlns="" w="9525">
+                <a14:hiddenLine xmlns="" xmlns:a14="http://schemas.microsoft.com/office/drawing/2010/main" w="9525">
                   <a:solidFill>
                     <a:srgbClr val="000000"/>
                   </a:solidFill>
@@ -3290,7 +3299,7 @@
             </a:ln>
             <a:extLst>
               <a:ext uri="{91240B29-F687-4f45-9708-019B960494DF}">
-                <a14:hiddenLine xmlns:a14="http://schemas.microsoft.com/office/drawing/2010/main" xmlns="" w="9525">
+                <a14:hiddenLine xmlns="" xmlns:a14="http://schemas.microsoft.com/office/drawing/2010/main" w="9525">
                   <a:solidFill>
                     <a:srgbClr val="000000"/>
                   </a:solidFill>
@@ -3352,7 +3361,7 @@
             </a:ln>
             <a:extLst>
               <a:ext uri="{91240B29-F687-4f45-9708-019B960494DF}">
-                <a14:hiddenLine xmlns:a14="http://schemas.microsoft.com/office/drawing/2010/main" xmlns="" w="9525">
+                <a14:hiddenLine xmlns="" xmlns:a14="http://schemas.microsoft.com/office/drawing/2010/main" w="9525">
                   <a:solidFill>
                     <a:srgbClr val="000000"/>
                   </a:solidFill>
@@ -3442,7 +3451,7 @@
             </a:ln>
             <a:extLst>
               <a:ext uri="{91240B29-F687-4f45-9708-019B960494DF}">
-                <a14:hiddenLine xmlns:a14="http://schemas.microsoft.com/office/drawing/2010/main" xmlns="" w="9525">
+                <a14:hiddenLine xmlns="" xmlns:a14="http://schemas.microsoft.com/office/drawing/2010/main" w="9525">
                   <a:solidFill>
                     <a:srgbClr val="000000"/>
                   </a:solidFill>
@@ -3504,7 +3513,7 @@
             </a:ln>
             <a:extLst>
               <a:ext uri="{91240B29-F687-4f45-9708-019B960494DF}">
-                <a14:hiddenLine xmlns:a14="http://schemas.microsoft.com/office/drawing/2010/main" xmlns="" w="9525">
+                <a14:hiddenLine xmlns="" xmlns:a14="http://schemas.microsoft.com/office/drawing/2010/main" w="9525">
                   <a:solidFill>
                     <a:srgbClr val="000000"/>
                   </a:solidFill>
@@ -3594,7 +3603,7 @@
             </a:ln>
             <a:extLst>
               <a:ext uri="{91240B29-F687-4f45-9708-019B960494DF}">
-                <a14:hiddenLine xmlns:a14="http://schemas.microsoft.com/office/drawing/2010/main" xmlns="" w="9525">
+                <a14:hiddenLine xmlns="" xmlns:a14="http://schemas.microsoft.com/office/drawing/2010/main" w="9525">
                   <a:solidFill>
                     <a:srgbClr val="000000"/>
                   </a:solidFill>
@@ -3656,7 +3665,7 @@
             </a:ln>
             <a:extLst>
               <a:ext uri="{91240B29-F687-4f45-9708-019B960494DF}">
-                <a14:hiddenLine xmlns:a14="http://schemas.microsoft.com/office/drawing/2010/main" xmlns="" w="9525">
+                <a14:hiddenLine xmlns="" xmlns:a14="http://schemas.microsoft.com/office/drawing/2010/main" w="9525">
                   <a:solidFill>
                     <a:srgbClr val="000000"/>
                   </a:solidFill>
@@ -3746,7 +3755,7 @@
             </a:ln>
             <a:extLst>
               <a:ext uri="{91240B29-F687-4f45-9708-019B960494DF}">
-                <a14:hiddenLine xmlns:a14="http://schemas.microsoft.com/office/drawing/2010/main" xmlns="" w="9525">
+                <a14:hiddenLine xmlns="" xmlns:a14="http://schemas.microsoft.com/office/drawing/2010/main" w="9525">
                   <a:solidFill>
                     <a:srgbClr val="000000"/>
                   </a:solidFill>
@@ -3780,7 +3789,7 @@
             </a:ln>
             <a:extLst>
               <a:ext uri="{91240B29-F687-4f45-9708-019B960494DF}">
-                <a14:hiddenLine xmlns:a14="http://schemas.microsoft.com/office/drawing/2010/main" xmlns="" w="9525">
+                <a14:hiddenLine xmlns="" xmlns:a14="http://schemas.microsoft.com/office/drawing/2010/main" w="9525">
                   <a:solidFill>
                     <a:srgbClr val="000000"/>
                   </a:solidFill>
@@ -3845,7 +3854,7 @@
             </a:ln>
             <a:extLst>
               <a:ext uri="{91240B29-F687-4f45-9708-019B960494DF}">
-                <a14:hiddenLine xmlns:a14="http://schemas.microsoft.com/office/drawing/2010/main" xmlns="" w="9525">
+                <a14:hiddenLine xmlns="" xmlns:a14="http://schemas.microsoft.com/office/drawing/2010/main" w="9525">
                   <a:solidFill>
                     <a:srgbClr val="000000"/>
                   </a:solidFill>
@@ -3935,7 +3944,7 @@
             </a:ln>
             <a:extLst>
               <a:ext uri="{91240B29-F687-4f45-9708-019B960494DF}">
-                <a14:hiddenLine xmlns:a14="http://schemas.microsoft.com/office/drawing/2010/main" xmlns="" w="9525">
+                <a14:hiddenLine xmlns="" xmlns:a14="http://schemas.microsoft.com/office/drawing/2010/main" w="9525">
                   <a:solidFill>
                     <a:srgbClr val="000000"/>
                   </a:solidFill>
@@ -3997,7 +4006,7 @@
             </a:ln>
             <a:extLst>
               <a:ext uri="{91240B29-F687-4f45-9708-019B960494DF}">
-                <a14:hiddenLine xmlns:a14="http://schemas.microsoft.com/office/drawing/2010/main" xmlns="" w="9525">
+                <a14:hiddenLine xmlns="" xmlns:a14="http://schemas.microsoft.com/office/drawing/2010/main" w="9525">
                   <a:solidFill>
                     <a:srgbClr val="000000"/>
                   </a:solidFill>
@@ -4087,7 +4096,7 @@
             </a:ln>
             <a:extLst>
               <a:ext uri="{91240B29-F687-4f45-9708-019B960494DF}">
-                <a14:hiddenLine xmlns:a14="http://schemas.microsoft.com/office/drawing/2010/main" xmlns="" w="9525">
+                <a14:hiddenLine xmlns="" xmlns:a14="http://schemas.microsoft.com/office/drawing/2010/main" w="9525">
                   <a:solidFill>
                     <a:srgbClr val="000000"/>
                   </a:solidFill>
@@ -4177,7 +4186,7 @@
             </a:ln>
             <a:extLst>
               <a:ext uri="{91240B29-F687-4f45-9708-019B960494DF}">
-                <a14:hiddenLine xmlns:a14="http://schemas.microsoft.com/office/drawing/2010/main" xmlns="" w="9525">
+                <a14:hiddenLine xmlns="" xmlns:a14="http://schemas.microsoft.com/office/drawing/2010/main" w="9525">
                   <a:solidFill>
                     <a:srgbClr val="000000"/>
                   </a:solidFill>
@@ -4242,7 +4251,7 @@
             </a:ln>
             <a:extLst>
               <a:ext uri="{91240B29-F687-4f45-9708-019B960494DF}">
-                <a14:hiddenLine xmlns:a14="http://schemas.microsoft.com/office/drawing/2010/main" xmlns="" w="9525">
+                <a14:hiddenLine xmlns="" xmlns:a14="http://schemas.microsoft.com/office/drawing/2010/main" w="9525">
                   <a:solidFill>
                     <a:srgbClr val="000000"/>
                   </a:solidFill>
@@ -4304,7 +4313,7 @@
             </a:ln>
             <a:extLst>
               <a:ext uri="{91240B29-F687-4f45-9708-019B960494DF}">
-                <a14:hiddenLine xmlns:a14="http://schemas.microsoft.com/office/drawing/2010/main" xmlns="" w="9525">
+                <a14:hiddenLine xmlns="" xmlns:a14="http://schemas.microsoft.com/office/drawing/2010/main" w="9525">
                   <a:solidFill>
                     <a:srgbClr val="000000"/>
                   </a:solidFill>
@@ -4394,7 +4403,7 @@
             </a:ln>
             <a:extLst>
               <a:ext uri="{91240B29-F687-4f45-9708-019B960494DF}">
-                <a14:hiddenLine xmlns:a14="http://schemas.microsoft.com/office/drawing/2010/main" xmlns="" w="9525">
+                <a14:hiddenLine xmlns="" xmlns:a14="http://schemas.microsoft.com/office/drawing/2010/main" w="9525">
                   <a:solidFill>
                     <a:srgbClr val="000000"/>
                   </a:solidFill>
@@ -4484,7 +4493,7 @@
             </a:ln>
             <a:extLst>
               <a:ext uri="{91240B29-F687-4f45-9708-019B960494DF}">
-                <a14:hiddenLine xmlns:a14="http://schemas.microsoft.com/office/drawing/2010/main" xmlns="" w="9525">
+                <a14:hiddenLine xmlns="" xmlns:a14="http://schemas.microsoft.com/office/drawing/2010/main" w="9525">
                   <a:solidFill>
                     <a:srgbClr val="000000"/>
                   </a:solidFill>
@@ -4546,7 +4555,7 @@
             </a:ln>
             <a:extLst>
               <a:ext uri="{91240B29-F687-4f45-9708-019B960494DF}">
-                <a14:hiddenLine xmlns:a14="http://schemas.microsoft.com/office/drawing/2010/main" xmlns="" w="9525">
+                <a14:hiddenLine xmlns="" xmlns:a14="http://schemas.microsoft.com/office/drawing/2010/main" w="9525">
                   <a:solidFill>
                     <a:srgbClr val="000000"/>
                   </a:solidFill>
@@ -4666,7 +4675,7 @@
             </a:ln>
             <a:extLst>
               <a:ext uri="{91240B29-F687-4f45-9708-019B960494DF}">
-                <a14:hiddenLine xmlns:a14="http://schemas.microsoft.com/office/drawing/2010/main" xmlns="" w="9525">
+                <a14:hiddenLine xmlns="" xmlns:a14="http://schemas.microsoft.com/office/drawing/2010/main" w="9525">
                   <a:solidFill>
                     <a:srgbClr val="000000"/>
                   </a:solidFill>
@@ -4734,7 +4743,7 @@
             </a:ln>
             <a:extLst>
               <a:ext uri="{91240B29-F687-4f45-9708-019B960494DF}">
-                <a14:hiddenLine xmlns:a14="http://schemas.microsoft.com/office/drawing/2010/main" xmlns="" w="9525">
+                <a14:hiddenLine xmlns="" xmlns:a14="http://schemas.microsoft.com/office/drawing/2010/main" w="9525">
                   <a:solidFill>
                     <a:srgbClr val="000000"/>
                   </a:solidFill>
@@ -4824,7 +4833,7 @@
             </a:ln>
             <a:extLst>
               <a:ext uri="{91240B29-F687-4f45-9708-019B960494DF}">
-                <a14:hiddenLine xmlns:a14="http://schemas.microsoft.com/office/drawing/2010/main" xmlns="" w="9525">
+                <a14:hiddenLine xmlns="" xmlns:a14="http://schemas.microsoft.com/office/drawing/2010/main" w="9525">
                   <a:solidFill>
                     <a:srgbClr val="000000"/>
                   </a:solidFill>
@@ -9643,7 +9652,7 @@
           <a:noFill/>
           <a:extLst>
             <a:ext uri="{909E8E84-426E-40dd-AFC4-6F175D3DCCD1}">
-              <a14:hiddenFill xmlns:a14="http://schemas.microsoft.com/office/drawing/2010/main" xmlns="">
+              <a14:hiddenFill xmlns="" xmlns:a14="http://schemas.microsoft.com/office/drawing/2010/main">
                 <a:solidFill>
                   <a:srgbClr val="FFFFFF"/>
                 </a:solidFill>
@@ -9717,7 +9726,7 @@
               </a:ln>
               <a:extLst>
                 <a:ext uri="{91240B29-F687-4f45-9708-019B960494DF}">
-                  <a14:hiddenLine xmlns:a14="http://schemas.microsoft.com/office/drawing/2010/main" xmlns="" w="9525">
+                  <a14:hiddenLine xmlns="" xmlns:a14="http://schemas.microsoft.com/office/drawing/2010/main" w="9525">
                     <a:solidFill>
                       <a:srgbClr val="000000"/>
                     </a:solidFill>
@@ -9807,7 +9816,7 @@
               </a:ln>
               <a:extLst>
                 <a:ext uri="{91240B29-F687-4f45-9708-019B960494DF}">
-                  <a14:hiddenLine xmlns:a14="http://schemas.microsoft.com/office/drawing/2010/main" xmlns="" w="9525">
+                  <a14:hiddenLine xmlns="" xmlns:a14="http://schemas.microsoft.com/office/drawing/2010/main" w="9525">
                     <a:solidFill>
                       <a:srgbClr val="000000"/>
                     </a:solidFill>
@@ -9897,7 +9906,7 @@
               </a:ln>
               <a:extLst>
                 <a:ext uri="{91240B29-F687-4f45-9708-019B960494DF}">
-                  <a14:hiddenLine xmlns:a14="http://schemas.microsoft.com/office/drawing/2010/main" xmlns="" w="9525">
+                  <a14:hiddenLine xmlns="" xmlns:a14="http://schemas.microsoft.com/office/drawing/2010/main" w="9525">
                     <a:solidFill>
                       <a:srgbClr val="000000"/>
                     </a:solidFill>
@@ -9959,7 +9968,7 @@
               </a:ln>
               <a:extLst>
                 <a:ext uri="{91240B29-F687-4f45-9708-019B960494DF}">
-                  <a14:hiddenLine xmlns:a14="http://schemas.microsoft.com/office/drawing/2010/main" xmlns="" w="9525">
+                  <a14:hiddenLine xmlns="" xmlns:a14="http://schemas.microsoft.com/office/drawing/2010/main" w="9525">
                     <a:solidFill>
                       <a:srgbClr val="000000"/>
                     </a:solidFill>
@@ -10049,7 +10058,7 @@
               </a:ln>
               <a:extLst>
                 <a:ext uri="{91240B29-F687-4f45-9708-019B960494DF}">
-                  <a14:hiddenLine xmlns:a14="http://schemas.microsoft.com/office/drawing/2010/main" xmlns="" w="9525">
+                  <a14:hiddenLine xmlns="" xmlns:a14="http://schemas.microsoft.com/office/drawing/2010/main" w="9525">
                     <a:solidFill>
                       <a:srgbClr val="000000"/>
                     </a:solidFill>
@@ -10111,7 +10120,7 @@
               </a:ln>
               <a:extLst>
                 <a:ext uri="{91240B29-F687-4f45-9708-019B960494DF}">
-                  <a14:hiddenLine xmlns:a14="http://schemas.microsoft.com/office/drawing/2010/main" xmlns="" w="9525">
+                  <a14:hiddenLine xmlns="" xmlns:a14="http://schemas.microsoft.com/office/drawing/2010/main" w="9525">
                     <a:solidFill>
                       <a:srgbClr val="000000"/>
                     </a:solidFill>
@@ -10173,7 +10182,7 @@
               </a:ln>
               <a:extLst>
                 <a:ext uri="{91240B29-F687-4f45-9708-019B960494DF}">
-                  <a14:hiddenLine xmlns:a14="http://schemas.microsoft.com/office/drawing/2010/main" xmlns="" w="9525">
+                  <a14:hiddenLine xmlns="" xmlns:a14="http://schemas.microsoft.com/office/drawing/2010/main" w="9525">
                     <a:solidFill>
                       <a:srgbClr val="000000"/>
                     </a:solidFill>
@@ -10263,7 +10272,7 @@
               </a:ln>
               <a:extLst>
                 <a:ext uri="{91240B29-F687-4f45-9708-019B960494DF}">
-                  <a14:hiddenLine xmlns:a14="http://schemas.microsoft.com/office/drawing/2010/main" xmlns="" w="9525">
+                  <a14:hiddenLine xmlns="" xmlns:a14="http://schemas.microsoft.com/office/drawing/2010/main" w="9525">
                     <a:solidFill>
                       <a:srgbClr val="000000"/>
                     </a:solidFill>
@@ -10353,7 +10362,7 @@
               </a:ln>
               <a:extLst>
                 <a:ext uri="{91240B29-F687-4f45-9708-019B960494DF}">
-                  <a14:hiddenLine xmlns:a14="http://schemas.microsoft.com/office/drawing/2010/main" xmlns="" w="9525">
+                  <a14:hiddenLine xmlns="" xmlns:a14="http://schemas.microsoft.com/office/drawing/2010/main" w="9525">
                     <a:solidFill>
                       <a:srgbClr val="000000"/>
                     </a:solidFill>
@@ -10415,7 +10424,7 @@
               </a:ln>
               <a:extLst>
                 <a:ext uri="{91240B29-F687-4f45-9708-019B960494DF}">
-                  <a14:hiddenLine xmlns:a14="http://schemas.microsoft.com/office/drawing/2010/main" xmlns="" w="9525">
+                  <a14:hiddenLine xmlns="" xmlns:a14="http://schemas.microsoft.com/office/drawing/2010/main" w="9525">
                     <a:solidFill>
                       <a:srgbClr val="000000"/>
                     </a:solidFill>
@@ -10525,7 +10534,7 @@
               </a:ln>
               <a:extLst>
                 <a:ext uri="{91240B29-F687-4f45-9708-019B960494DF}">
-                  <a14:hiddenLine xmlns:a14="http://schemas.microsoft.com/office/drawing/2010/main" xmlns="" w="9525">
+                  <a14:hiddenLine xmlns="" xmlns:a14="http://schemas.microsoft.com/office/drawing/2010/main" w="9525">
                     <a:solidFill>
                       <a:srgbClr val="000000"/>
                     </a:solidFill>
@@ -10609,7 +10618,7 @@
               </a:ln>
               <a:extLst>
                 <a:ext uri="{91240B29-F687-4f45-9708-019B960494DF}">
-                  <a14:hiddenLine xmlns:a14="http://schemas.microsoft.com/office/drawing/2010/main" xmlns="" w="9525">
+                  <a14:hiddenLine xmlns="" xmlns:a14="http://schemas.microsoft.com/office/drawing/2010/main" w="9525">
                     <a:solidFill>
                       <a:srgbClr val="000000"/>
                     </a:solidFill>
@@ -10671,7 +10680,7 @@
               </a:ln>
               <a:extLst>
                 <a:ext uri="{91240B29-F687-4f45-9708-019B960494DF}">
-                  <a14:hiddenLine xmlns:a14="http://schemas.microsoft.com/office/drawing/2010/main" xmlns="" w="9525">
+                  <a14:hiddenLine xmlns="" xmlns:a14="http://schemas.microsoft.com/office/drawing/2010/main" w="9525">
                     <a:solidFill>
                       <a:srgbClr val="000000"/>
                     </a:solidFill>
@@ -10733,7 +10742,7 @@
               </a:ln>
               <a:extLst>
                 <a:ext uri="{91240B29-F687-4f45-9708-019B960494DF}">
-                  <a14:hiddenLine xmlns:a14="http://schemas.microsoft.com/office/drawing/2010/main" xmlns="" w="9525">
+                  <a14:hiddenLine xmlns="" xmlns:a14="http://schemas.microsoft.com/office/drawing/2010/main" w="9525">
                     <a:solidFill>
                       <a:srgbClr val="000000"/>
                     </a:solidFill>
@@ -10823,7 +10832,7 @@
               </a:ln>
               <a:extLst>
                 <a:ext uri="{91240B29-F687-4f45-9708-019B960494DF}">
-                  <a14:hiddenLine xmlns:a14="http://schemas.microsoft.com/office/drawing/2010/main" xmlns="" w="9525">
+                  <a14:hiddenLine xmlns="" xmlns:a14="http://schemas.microsoft.com/office/drawing/2010/main" w="9525">
                     <a:solidFill>
                       <a:srgbClr val="000000"/>
                     </a:solidFill>
@@ -10857,7 +10866,7 @@
               </a:ln>
               <a:extLst>
                 <a:ext uri="{91240B29-F687-4f45-9708-019B960494DF}">
-                  <a14:hiddenLine xmlns:a14="http://schemas.microsoft.com/office/drawing/2010/main" xmlns="" w="9525">
+                  <a14:hiddenLine xmlns="" xmlns:a14="http://schemas.microsoft.com/office/drawing/2010/main" w="9525">
                     <a:solidFill>
                       <a:srgbClr val="000000"/>
                     </a:solidFill>
@@ -10922,7 +10931,7 @@
               </a:ln>
               <a:extLst>
                 <a:ext uri="{91240B29-F687-4f45-9708-019B960494DF}">
-                  <a14:hiddenLine xmlns:a14="http://schemas.microsoft.com/office/drawing/2010/main" xmlns="" w="9525">
+                  <a14:hiddenLine xmlns="" xmlns:a14="http://schemas.microsoft.com/office/drawing/2010/main" w="9525">
                     <a:solidFill>
                       <a:srgbClr val="000000"/>
                     </a:solidFill>
@@ -11012,7 +11021,7 @@
               </a:ln>
               <a:extLst>
                 <a:ext uri="{91240B29-F687-4f45-9708-019B960494DF}">
-                  <a14:hiddenLine xmlns:a14="http://schemas.microsoft.com/office/drawing/2010/main" xmlns="" w="9525">
+                  <a14:hiddenLine xmlns="" xmlns:a14="http://schemas.microsoft.com/office/drawing/2010/main" w="9525">
                     <a:solidFill>
                       <a:srgbClr val="000000"/>
                     </a:solidFill>
@@ -11074,7 +11083,7 @@
               </a:ln>
               <a:extLst>
                 <a:ext uri="{91240B29-F687-4f45-9708-019B960494DF}">
-                  <a14:hiddenLine xmlns:a14="http://schemas.microsoft.com/office/drawing/2010/main" xmlns="" w="9525">
+                  <a14:hiddenLine xmlns="" xmlns:a14="http://schemas.microsoft.com/office/drawing/2010/main" w="9525">
                     <a:solidFill>
                       <a:srgbClr val="000000"/>
                     </a:solidFill>
@@ -11164,7 +11173,7 @@
               </a:ln>
               <a:extLst>
                 <a:ext uri="{91240B29-F687-4f45-9708-019B960494DF}">
-                  <a14:hiddenLine xmlns:a14="http://schemas.microsoft.com/office/drawing/2010/main" xmlns="" w="9525">
+                  <a14:hiddenLine xmlns="" xmlns:a14="http://schemas.microsoft.com/office/drawing/2010/main" w="9525">
                     <a:solidFill>
                       <a:srgbClr val="000000"/>
                     </a:solidFill>
@@ -11229,7 +11238,7 @@
               </a:ln>
               <a:extLst>
                 <a:ext uri="{91240B29-F687-4f45-9708-019B960494DF}">
-                  <a14:hiddenLine xmlns:a14="http://schemas.microsoft.com/office/drawing/2010/main" xmlns="" w="9525">
+                  <a14:hiddenLine xmlns="" xmlns:a14="http://schemas.microsoft.com/office/drawing/2010/main" w="9525">
                     <a:solidFill>
                       <a:srgbClr val="000000"/>
                     </a:solidFill>
@@ -11291,7 +11300,7 @@
               </a:ln>
               <a:extLst>
                 <a:ext uri="{91240B29-F687-4f45-9708-019B960494DF}">
-                  <a14:hiddenLine xmlns:a14="http://schemas.microsoft.com/office/drawing/2010/main" xmlns="" w="9525">
+                  <a14:hiddenLine xmlns="" xmlns:a14="http://schemas.microsoft.com/office/drawing/2010/main" w="9525">
                     <a:solidFill>
                       <a:srgbClr val="000000"/>
                     </a:solidFill>
@@ -11381,7 +11390,7 @@
               </a:ln>
               <a:extLst>
                 <a:ext uri="{91240B29-F687-4f45-9708-019B960494DF}">
-                  <a14:hiddenLine xmlns:a14="http://schemas.microsoft.com/office/drawing/2010/main" xmlns="" w="9525">
+                  <a14:hiddenLine xmlns="" xmlns:a14="http://schemas.microsoft.com/office/drawing/2010/main" w="9525">
                     <a:solidFill>
                       <a:srgbClr val="000000"/>
                     </a:solidFill>
@@ -11471,7 +11480,7 @@
               </a:ln>
               <a:extLst>
                 <a:ext uri="{91240B29-F687-4f45-9708-019B960494DF}">
-                  <a14:hiddenLine xmlns:a14="http://schemas.microsoft.com/office/drawing/2010/main" xmlns="" w="9525">
+                  <a14:hiddenLine xmlns="" xmlns:a14="http://schemas.microsoft.com/office/drawing/2010/main" w="9525">
                     <a:solidFill>
                       <a:srgbClr val="000000"/>
                     </a:solidFill>
@@ -11536,7 +11545,7 @@
               </a:ln>
               <a:extLst>
                 <a:ext uri="{91240B29-F687-4f45-9708-019B960494DF}">
-                  <a14:hiddenLine xmlns:a14="http://schemas.microsoft.com/office/drawing/2010/main" xmlns="" w="9525">
+                  <a14:hiddenLine xmlns="" xmlns:a14="http://schemas.microsoft.com/office/drawing/2010/main" w="9525">
                     <a:solidFill>
                       <a:srgbClr val="000000"/>
                     </a:solidFill>
@@ -11656,7 +11665,7 @@
               </a:ln>
               <a:extLst>
                 <a:ext uri="{91240B29-F687-4f45-9708-019B960494DF}">
-                  <a14:hiddenLine xmlns:a14="http://schemas.microsoft.com/office/drawing/2010/main" xmlns="" w="9525">
+                  <a14:hiddenLine xmlns="" xmlns:a14="http://schemas.microsoft.com/office/drawing/2010/main" w="9525">
                     <a:solidFill>
                       <a:srgbClr val="000000"/>
                     </a:solidFill>
@@ -11754,7 +11763,7 @@
               </a:ln>
               <a:extLst>
                 <a:ext uri="{91240B29-F687-4f45-9708-019B960494DF}">
-                  <a14:hiddenLine xmlns:a14="http://schemas.microsoft.com/office/drawing/2010/main" xmlns="" w="9525">
+                  <a14:hiddenLine xmlns="" xmlns:a14="http://schemas.microsoft.com/office/drawing/2010/main" w="9525">
                     <a:solidFill>
                       <a:srgbClr val="000000"/>
                     </a:solidFill>
@@ -11869,7 +11878,7 @@
               </a:ln>
               <a:extLst>
                 <a:ext uri="{91240B29-F687-4f45-9708-019B960494DF}">
-                  <a14:hiddenLine xmlns:a14="http://schemas.microsoft.com/office/drawing/2010/main" xmlns="" w="9525">
+                  <a14:hiddenLine xmlns="" xmlns:a14="http://schemas.microsoft.com/office/drawing/2010/main" w="9525">
                     <a:solidFill>
                       <a:srgbClr val="000000"/>
                     </a:solidFill>
@@ -11959,7 +11968,7 @@
               </a:ln>
               <a:extLst>
                 <a:ext uri="{91240B29-F687-4f45-9708-019B960494DF}">
-                  <a14:hiddenLine xmlns:a14="http://schemas.microsoft.com/office/drawing/2010/main" xmlns="" w="9525">
+                  <a14:hiddenLine xmlns="" xmlns:a14="http://schemas.microsoft.com/office/drawing/2010/main" w="9525">
                     <a:solidFill>
                       <a:srgbClr val="000000"/>
                     </a:solidFill>
@@ -12024,7 +12033,7 @@
               </a:ln>
               <a:extLst>
                 <a:ext uri="{91240B29-F687-4f45-9708-019B960494DF}">
-                  <a14:hiddenLine xmlns:a14="http://schemas.microsoft.com/office/drawing/2010/main" xmlns="" w="9525">
+                  <a14:hiddenLine xmlns="" xmlns:a14="http://schemas.microsoft.com/office/drawing/2010/main" w="9525">
                     <a:solidFill>
                       <a:srgbClr val="000000"/>
                     </a:solidFill>
@@ -12114,7 +12123,7 @@
               </a:ln>
               <a:extLst>
                 <a:ext uri="{91240B29-F687-4f45-9708-019B960494DF}">
-                  <a14:hiddenLine xmlns:a14="http://schemas.microsoft.com/office/drawing/2010/main" xmlns="" w="9525">
+                  <a14:hiddenLine xmlns="" xmlns:a14="http://schemas.microsoft.com/office/drawing/2010/main" w="9525">
                     <a:solidFill>
                       <a:srgbClr val="000000"/>
                     </a:solidFill>
@@ -12182,7 +12191,7 @@
               </a:ln>
               <a:extLst>
                 <a:ext uri="{91240B29-F687-4f45-9708-019B960494DF}">
-                  <a14:hiddenLine xmlns:a14="http://schemas.microsoft.com/office/drawing/2010/main" xmlns="" w="9525">
+                  <a14:hiddenLine xmlns="" xmlns:a14="http://schemas.microsoft.com/office/drawing/2010/main" w="9525">
                     <a:solidFill>
                       <a:srgbClr val="000000"/>
                     </a:solidFill>
@@ -12272,7 +12281,7 @@
               </a:ln>
               <a:extLst>
                 <a:ext uri="{91240B29-F687-4f45-9708-019B960494DF}">
-                  <a14:hiddenLine xmlns:a14="http://schemas.microsoft.com/office/drawing/2010/main" xmlns="" w="9525">
+                  <a14:hiddenLine xmlns="" xmlns:a14="http://schemas.microsoft.com/office/drawing/2010/main" w="9525">
                     <a:solidFill>
                       <a:srgbClr val="000000"/>
                     </a:solidFill>
@@ -12340,7 +12349,7 @@
               </a:ln>
               <a:extLst>
                 <a:ext uri="{91240B29-F687-4f45-9708-019B960494DF}">
-                  <a14:hiddenLine xmlns:a14="http://schemas.microsoft.com/office/drawing/2010/main" xmlns="" w="9525">
+                  <a14:hiddenLine xmlns="" xmlns:a14="http://schemas.microsoft.com/office/drawing/2010/main" w="9525">
                     <a:solidFill>
                       <a:srgbClr val="000000"/>
                     </a:solidFill>
@@ -12430,7 +12439,7 @@
               </a:ln>
               <a:extLst>
                 <a:ext uri="{91240B29-F687-4f45-9708-019B960494DF}">
-                  <a14:hiddenLine xmlns:a14="http://schemas.microsoft.com/office/drawing/2010/main" xmlns="" w="9525">
+                  <a14:hiddenLine xmlns="" xmlns:a14="http://schemas.microsoft.com/office/drawing/2010/main" w="9525">
                     <a:solidFill>
                       <a:srgbClr val="000000"/>
                     </a:solidFill>
@@ -12464,7 +12473,7 @@
               </a:ln>
               <a:extLst>
                 <a:ext uri="{91240B29-F687-4f45-9708-019B960494DF}">
-                  <a14:hiddenLine xmlns:a14="http://schemas.microsoft.com/office/drawing/2010/main" xmlns="" w="9525">
+                  <a14:hiddenLine xmlns="" xmlns:a14="http://schemas.microsoft.com/office/drawing/2010/main" w="9525">
                     <a:solidFill>
                       <a:srgbClr val="000000"/>
                     </a:solidFill>
@@ -13036,7 +13045,12 @@
             <p:ph type="ctrTitle"/>
           </p:nvPr>
         </p:nvSpPr>
-        <p:spPr/>
+        <p:spPr>
+          <a:xfrm>
+            <a:off x="1876423" y="1493838"/>
+            <a:ext cx="8791575" cy="2387600"/>
+          </a:xfrm>
+        </p:spPr>
         <p:txBody>
           <a:bodyPr>
             <a:normAutofit/>
@@ -13044,18 +13058,10 @@
           <a:lstStyle/>
           <a:p>
             <a:r>
-              <a:rPr lang="en-AU" dirty="0" smtClean="0"/>
-              <a:t>Control of extracellular vesicle </a:t>
-            </a:r>
-            <a:r>
-              <a:rPr lang="en-AU" dirty="0" err="1" smtClean="0"/>
-              <a:t>microRna</a:t>
-            </a:r>
-            <a:r>
-              <a:rPr lang="en-AU" dirty="0" smtClean="0"/>
-              <a:t> export in prostate cancer. </a:t>
-            </a:r>
-            <a:endParaRPr lang="en-AU" dirty="0"/>
+              <a:rPr lang="en-AU" cap="none" dirty="0" smtClean="0"/>
+              <a:t>Control of extracellular vesicle microRNA export in prostate cancer. </a:t>
+            </a:r>
+            <a:endParaRPr lang="en-AU" cap="none" dirty="0"/>
           </a:p>
         </p:txBody>
       </p:sp>
@@ -13069,12 +13075,17 @@
             <p:ph type="subTitle" idx="1"/>
           </p:nvPr>
         </p:nvSpPr>
-        <p:spPr/>
+        <p:spPr>
+          <a:xfrm>
+            <a:off x="1876423" y="4745038"/>
+            <a:ext cx="8791575" cy="1655762"/>
+          </a:xfrm>
+        </p:spPr>
         <p:txBody>
           <a:bodyPr/>
           <a:lstStyle/>
           <a:p>
-            <a:endParaRPr lang="en-AU"/>
+            <a:endParaRPr lang="en-AU" dirty="0"/>
           </a:p>
         </p:txBody>
       </p:sp>
@@ -13129,14 +13140,14 @@
           <a:lstStyle/>
           <a:p>
             <a:r>
-              <a:rPr lang="en-US" dirty="0" err="1" smtClean="0"/>
-              <a:t>hnRNPK</a:t>
-            </a:r>
-            <a:r>
-              <a:rPr lang="en-US" dirty="0" smtClean="0"/>
+              <a:rPr lang="en-US" cap="none" dirty="0" err="1" smtClean="0"/>
+              <a:t>HnRNPK</a:t>
+            </a:r>
+            <a:r>
+              <a:rPr lang="en-US" cap="none" dirty="0" smtClean="0"/>
               <a:t> and its subcellular localization</a:t>
             </a:r>
-            <a:endParaRPr lang="en-AU" dirty="0"/>
+            <a:endParaRPr lang="en-AU" cap="none" dirty="0"/>
           </a:p>
         </p:txBody>
       </p:sp>
@@ -13256,6 +13267,13 @@
   <p:clrMapOvr>
     <a:masterClrMapping/>
   </p:clrMapOvr>
+  <p:timing>
+    <p:tnLst>
+      <p:par>
+        <p:cTn id="1" dur="indefinite" restart="never" nodeType="tmRoot"/>
+      </p:par>
+    </p:tnLst>
+  </p:timing>
 </p:sld>
 </file>
 
@@ -13326,7 +13344,7 @@
         </p:blipFill>
         <p:spPr>
           <a:xfrm>
-            <a:off x="3046001" y="1357803"/>
+            <a:off x="3746088" y="1186353"/>
             <a:ext cx="6602495" cy="4758280"/>
           </a:xfrm>
           <a:prstGeom prst="rect">
@@ -13344,6 +13362,13 @@
   <p:clrMapOvr>
     <a:masterClrMapping/>
   </p:clrMapOvr>
+  <p:timing>
+    <p:tnLst>
+      <p:par>
+        <p:cTn id="1" dur="indefinite" restart="never" nodeType="tmRoot"/>
+      </p:par>
+    </p:tnLst>
+  </p:timing>
 </p:sld>
 </file>
 
@@ -13390,7 +13415,15 @@
             </a:r>
             <a:r>
               <a:rPr lang="en-US" cap="none" dirty="0" smtClean="0"/>
-              <a:t> co-localize with mir-148a </a:t>
+              <a:t> co-localize </a:t>
+            </a:r>
+            <a:r>
+              <a:rPr lang="en-US" cap="none" smtClean="0"/>
+              <a:t>with </a:t>
+            </a:r>
+            <a:r>
+              <a:rPr lang="en-US" cap="none" smtClean="0"/>
+              <a:t>miR-148a </a:t>
             </a:r>
             <a:endParaRPr lang="en-AU" cap="none" dirty="0"/>
           </a:p>
@@ -13414,7 +13447,7 @@
         </p:blipFill>
         <p:spPr>
           <a:xfrm>
-            <a:off x="1914073" y="728116"/>
+            <a:off x="1914073" y="756691"/>
             <a:ext cx="8420374" cy="5767380"/>
           </a:xfrm>
           <a:prstGeom prst="rect">
@@ -13474,9 +13507,88 @@
           <a:bodyPr/>
           <a:lstStyle/>
           <a:p>
+            <a:endParaRPr lang="en-AU"/>
+          </a:p>
+        </p:txBody>
+      </p:sp>
+      <p:sp>
+        <p:nvSpPr>
+          <p:cNvPr id="3" name="Content Placeholder 2"/>
+          <p:cNvSpPr>
+            <a:spLocks noGrp="1"/>
+          </p:cNvSpPr>
+          <p:nvPr>
+            <p:ph idx="1"/>
+          </p:nvPr>
+        </p:nvSpPr>
+        <p:spPr/>
+        <p:txBody>
+          <a:bodyPr/>
+          <a:lstStyle/>
+          <a:p>
+            <a:endParaRPr lang="en-AU"/>
+          </a:p>
+        </p:txBody>
+      </p:sp>
+    </p:spTree>
+    <p:extLst>
+      <p:ext uri="{BB962C8B-B14F-4D97-AF65-F5344CB8AC3E}">
+        <p14:creationId xmlns:p14="http://schemas.microsoft.com/office/powerpoint/2010/main" val="2462032881"/>
+      </p:ext>
+    </p:extLst>
+  </p:cSld>
+  <p:clrMapOvr>
+    <a:masterClrMapping/>
+  </p:clrMapOvr>
+  <p:timing>
+    <p:tnLst>
+      <p:par>
+        <p:cTn id="1" dur="indefinite" restart="never" nodeType="tmRoot"/>
+      </p:par>
+    </p:tnLst>
+  </p:timing>
+</p:sld>
+</file>
+
+<file path=ppt/slides/slide15.xml><?xml version="1.0" encoding="utf-8"?>
+<p:sld xmlns:a="http://schemas.openxmlformats.org/drawingml/2006/main" xmlns:r="http://schemas.openxmlformats.org/officeDocument/2006/relationships" xmlns:p="http://schemas.openxmlformats.org/presentationml/2006/main">
+  <p:cSld>
+    <p:spTree>
+      <p:nvGrpSpPr>
+        <p:cNvPr id="1" name=""/>
+        <p:cNvGrpSpPr/>
+        <p:nvPr/>
+      </p:nvGrpSpPr>
+      <p:grpSpPr>
+        <a:xfrm>
+          <a:off x="0" y="0"/>
+          <a:ext cx="0" cy="0"/>
+          <a:chOff x="0" y="0"/>
+          <a:chExt cx="0" cy="0"/>
+        </a:xfrm>
+      </p:grpSpPr>
+      <p:sp>
+        <p:nvSpPr>
+          <p:cNvPr id="2" name="Title 1"/>
+          <p:cNvSpPr>
+            <a:spLocks noGrp="1"/>
+          </p:cNvSpPr>
+          <p:nvPr>
+            <p:ph type="title"/>
+          </p:nvPr>
+        </p:nvSpPr>
+        <p:spPr/>
+        <p:txBody>
+          <a:bodyPr/>
+          <a:lstStyle/>
+          <a:p>
             <a:r>
               <a:rPr lang="en-US" dirty="0" smtClean="0"/>
-              <a:t>RNA Immunoprecipitation</a:t>
+              <a:t>RNA </a:t>
+            </a:r>
+            <a:r>
+              <a:rPr lang="en-US" cap="none" dirty="0" smtClean="0"/>
+              <a:t>Immunoprecipitation</a:t>
             </a:r>
             <a:endParaRPr lang="en-AU" dirty="0"/>
           </a:p>
@@ -13518,10 +13630,17 @@
   <p:clrMapOvr>
     <a:masterClrMapping/>
   </p:clrMapOvr>
+  <p:timing>
+    <p:tnLst>
+      <p:par>
+        <p:cTn id="1" dur="indefinite" restart="never" nodeType="tmRoot"/>
+      </p:par>
+    </p:tnLst>
+  </p:timing>
 </p:sld>
 </file>
 
-<file path=ppt/slides/slide15.xml><?xml version="1.0" encoding="utf-8"?>
+<file path=ppt/slides/slide16.xml><?xml version="1.0" encoding="utf-8"?>
 <p:sld xmlns:a="http://schemas.openxmlformats.org/drawingml/2006/main" xmlns:r="http://schemas.openxmlformats.org/officeDocument/2006/relationships" xmlns:p="http://schemas.openxmlformats.org/presentationml/2006/main">
   <p:cSld>
     <p:spTree>
@@ -13559,14 +13678,14 @@
           <a:lstStyle/>
           <a:p>
             <a:r>
-              <a:rPr lang="en-US" dirty="0" err="1" smtClean="0"/>
-              <a:t>HnrNpk</a:t>
-            </a:r>
-            <a:r>
-              <a:rPr lang="en-US" dirty="0" smtClean="0"/>
-              <a:t> pull down</a:t>
-            </a:r>
-            <a:endParaRPr lang="en-AU" dirty="0"/>
+              <a:rPr lang="en-US" cap="none" dirty="0" err="1" smtClean="0"/>
+              <a:t>HnRNPK</a:t>
+            </a:r>
+            <a:r>
+              <a:rPr lang="en-US" cap="none" dirty="0" smtClean="0"/>
+              <a:t> IP</a:t>
+            </a:r>
+            <a:endParaRPr lang="en-AU" cap="none" dirty="0"/>
           </a:p>
         </p:txBody>
       </p:sp>
@@ -13582,7 +13701,7 @@
         </p:nvSpPr>
         <p:spPr>
           <a:xfrm>
-            <a:off x="1574962" y="2136744"/>
+            <a:off x="989175" y="2136744"/>
             <a:ext cx="9905999" cy="3541714"/>
           </a:xfrm>
         </p:spPr>
@@ -13958,6 +14077,36 @@
           </a:graphicData>
         </a:graphic>
       </p:graphicFrame>
+      <p:sp>
+        <p:nvSpPr>
+          <p:cNvPr id="6" name="TextBox 5"/>
+          <p:cNvSpPr txBox="1"/>
+          <p:nvPr/>
+        </p:nvSpPr>
+        <p:spPr>
+          <a:xfrm>
+            <a:off x="7788943" y="809791"/>
+            <a:ext cx="2356735" cy="369332"/>
+          </a:xfrm>
+          <a:prstGeom prst="rect">
+            <a:avLst/>
+          </a:prstGeom>
+          <a:noFill/>
+        </p:spPr>
+        <p:txBody>
+          <a:bodyPr wrap="none" rtlCol="0">
+            <a:spAutoFit/>
+          </a:bodyPr>
+          <a:lstStyle/>
+          <a:p>
+            <a:r>
+              <a:rPr lang="en-AU" dirty="0" smtClean="0"/>
+              <a:t>Western of IP result</a:t>
+            </a:r>
+            <a:endParaRPr lang="en-AU" dirty="0"/>
+          </a:p>
+        </p:txBody>
+      </p:sp>
     </p:spTree>
     <p:extLst>
       <p:ext uri="{BB962C8B-B14F-4D97-AF65-F5344CB8AC3E}">
@@ -13978,7 +14127,7 @@
 </p:sld>
 </file>
 
-<file path=ppt/slides/slide16.xml><?xml version="1.0" encoding="utf-8"?>
+<file path=ppt/slides/slide17.xml><?xml version="1.0" encoding="utf-8"?>
 <p:sld xmlns:a="http://schemas.openxmlformats.org/drawingml/2006/main" xmlns:r="http://schemas.openxmlformats.org/officeDocument/2006/relationships" xmlns:p="http://schemas.openxmlformats.org/presentationml/2006/main">
   <p:cSld>
     <p:spTree>
@@ -14328,10 +14477,10 @@
           <a:lstStyle/>
           <a:p>
             <a:r>
-              <a:rPr lang="en-AU" dirty="0" smtClean="0"/>
-              <a:t>Prostate cancer</a:t>
-            </a:r>
-            <a:endParaRPr lang="en-AU" dirty="0"/>
+              <a:rPr lang="en-AU" cap="none" dirty="0" smtClean="0"/>
+              <a:t>Prostate Cancer</a:t>
+            </a:r>
+            <a:endParaRPr lang="en-AU" cap="none" dirty="0"/>
           </a:p>
         </p:txBody>
       </p:sp>
@@ -14363,11 +14512,7 @@
           <a:p>
             <a:r>
               <a:rPr lang="en-AU" dirty="0" smtClean="0"/>
-              <a:t>Bone </a:t>
-            </a:r>
-            <a:r>
-              <a:rPr lang="en-AU" dirty="0" smtClean="0"/>
-              <a:t>metastasis leads to poor outcome. </a:t>
+              <a:t>Bone metastasis leads to poor outcome. </a:t>
             </a:r>
           </a:p>
           <a:p>
@@ -14696,14 +14841,14 @@
           <a:lstStyle/>
           <a:p>
             <a:r>
-              <a:rPr lang="en-AU" sz="3200" dirty="0" smtClean="0"/>
+              <a:rPr lang="en-AU" sz="3200" cap="none" dirty="0" smtClean="0"/>
               <a:t>Caveolin-1</a:t>
             </a:r>
             <a:r>
-              <a:rPr lang="en-AU" dirty="0" smtClean="0"/>
-              <a:t>: Biomarker of progression </a:t>
-            </a:r>
-            <a:endParaRPr lang="en-AU" dirty="0"/>
+              <a:rPr lang="en-AU" cap="none" dirty="0" smtClean="0"/>
+              <a:t>: Biomarker of Progression </a:t>
+            </a:r>
+            <a:endParaRPr lang="en-AU" cap="none" dirty="0"/>
           </a:p>
         </p:txBody>
       </p:sp>
@@ -14725,7 +14870,7 @@
         </p:spPr>
         <p:txBody>
           <a:bodyPr>
-            <a:normAutofit fontScale="92500" lnSpcReduction="10000"/>
+            <a:normAutofit fontScale="85000" lnSpcReduction="20000"/>
           </a:bodyPr>
           <a:lstStyle/>
           <a:p>
@@ -14897,14 +15042,18 @@
           <a:lstStyle/>
           <a:p>
             <a:r>
-              <a:rPr lang="en-AU" dirty="0" err="1" smtClean="0"/>
-              <a:t>Evs</a:t>
-            </a:r>
-            <a:r>
-              <a:rPr lang="en-AU" dirty="0" smtClean="0"/>
-              <a:t> and microRNAs</a:t>
-            </a:r>
-            <a:endParaRPr lang="en-AU" dirty="0"/>
+              <a:rPr lang="en-AU" cap="none" dirty="0" smtClean="0"/>
+              <a:t>EVs and microRNAs in </a:t>
+            </a:r>
+            <a:r>
+              <a:rPr lang="en-AU" cap="none" dirty="0" err="1" smtClean="0"/>
+              <a:t>PCa</a:t>
+            </a:r>
+            <a:r>
+              <a:rPr lang="en-AU" cap="none" dirty="0" smtClean="0"/>
+              <a:t>.</a:t>
+            </a:r>
+            <a:endParaRPr lang="en-AU" cap="none" dirty="0"/>
           </a:p>
         </p:txBody>
       </p:sp>
@@ -14926,20 +15075,11 @@
         </p:spPr>
         <p:txBody>
           <a:bodyPr>
-            <a:normAutofit/>
+            <a:normAutofit fontScale="92500"/>
           </a:bodyPr>
           <a:lstStyle/>
           <a:p>
             <a:r>
-              <a:rPr lang="en-AU" dirty="0" smtClean="0"/>
-              <a:t>Cavin-1 expressed in PC3 cell line modifies EV content.  </a:t>
-            </a:r>
-          </a:p>
-          <a:p>
-            <a:endParaRPr lang="en-AU" dirty="0" smtClean="0"/>
-          </a:p>
-          <a:p>
-            <a:r>
               <a:rPr lang="en-AU" dirty="0"/>
               <a:t>EVs transfer biological material </a:t>
             </a:r>
@@ -14950,6 +15090,24 @@
             <a:r>
               <a:rPr lang="en-AU" dirty="0"/>
               <a:t>. </a:t>
+            </a:r>
+            <a:endParaRPr lang="en-AU" dirty="0" smtClean="0"/>
+          </a:p>
+          <a:p>
+            <a:endParaRPr lang="en-AU" dirty="0"/>
+          </a:p>
+          <a:p>
+            <a:r>
+              <a:rPr lang="en-AU" dirty="0"/>
+              <a:t>c</a:t>
+            </a:r>
+            <a:r>
+              <a:rPr lang="en-AU" dirty="0" smtClean="0"/>
+              <a:t>avin-1 </a:t>
+            </a:r>
+            <a:r>
+              <a:rPr lang="en-AU" dirty="0" smtClean="0"/>
+              <a:t>expressed in PC3 cell line modifies EV content.  </a:t>
             </a:r>
           </a:p>
           <a:p>
@@ -15008,7 +15166,7 @@
         </p:blipFill>
         <p:spPr>
           <a:xfrm>
-            <a:off x="932865" y="1679993"/>
+            <a:off x="932866" y="1749601"/>
             <a:ext cx="4107931" cy="3637230"/>
           </a:xfrm>
           <a:prstGeom prst="rect">
@@ -15074,10 +15232,10 @@
           <a:lstStyle/>
           <a:p>
             <a:r>
-              <a:rPr lang="en-AU" dirty="0" smtClean="0"/>
-              <a:t>Hypothesis and aims: </a:t>
-            </a:r>
-            <a:endParaRPr lang="en-AU" dirty="0"/>
+              <a:rPr lang="en-AU" cap="none" dirty="0" smtClean="0"/>
+              <a:t>Hypothesis and Aims: </a:t>
+            </a:r>
+            <a:endParaRPr lang="en-AU" cap="none" dirty="0"/>
           </a:p>
         </p:txBody>
       </p:sp>
@@ -15099,7 +15257,7 @@
         </p:spPr>
         <p:txBody>
           <a:bodyPr>
-            <a:normAutofit/>
+            <a:normAutofit lnSpcReduction="10000"/>
           </a:bodyPr>
           <a:lstStyle/>
           <a:p>
@@ -15156,11 +15314,7 @@
             <a:pPr marL="898525"/>
             <a:r>
               <a:rPr lang="en-AU" dirty="0" smtClean="0"/>
-              <a:t> Investigate the interaction between escort protein and </a:t>
-            </a:r>
-            <a:r>
-              <a:rPr lang="en-AU" dirty="0" smtClean="0"/>
-              <a:t>microRNA. </a:t>
+              <a:t> Investigate the interaction between escort protein and microRNA. </a:t>
             </a:r>
             <a:endParaRPr lang="en-AU" dirty="0"/>
           </a:p>
@@ -15213,18 +15367,16 @@
           </a:xfrm>
         </p:spPr>
         <p:txBody>
-          <a:bodyPr/>
+          <a:bodyPr>
+            <a:normAutofit fontScale="90000"/>
+          </a:bodyPr>
           <a:lstStyle/>
           <a:p>
             <a:r>
-              <a:rPr lang="en-AU" dirty="0" err="1" smtClean="0"/>
-              <a:t>Micrornas</a:t>
-            </a:r>
-            <a:r>
-              <a:rPr lang="en-AU" dirty="0" smtClean="0"/>
-              <a:t> selectively exported</a:t>
-            </a:r>
-            <a:endParaRPr lang="en-AU" dirty="0"/>
+              <a:rPr lang="en-AU" cap="none" dirty="0" smtClean="0"/>
+              <a:t>MicroRNAs differentially exported</a:t>
+            </a:r>
+            <a:endParaRPr lang="en-AU" cap="none" dirty="0"/>
           </a:p>
         </p:txBody>
       </p:sp>
@@ -15265,16 +15417,9 @@
           </a:p>
           <a:p>
             <a:r>
-              <a:rPr lang="en-US" dirty="0" smtClean="0"/>
-              <a:t>Sampling vs. selective export</a:t>
-            </a:r>
-          </a:p>
-          <a:p>
-            <a:r>
-              <a:rPr lang="en-US" dirty="0" smtClean="0"/>
-              <a:t>Selective export of 19miRs truncated by cavin-1; 54 via sampling</a:t>
-            </a:r>
-            <a:endParaRPr lang="en-AU" dirty="0" smtClean="0"/>
+              <a:rPr lang="en-AU" dirty="0" smtClean="0"/>
+              <a:t>5miRs significantly attenuated by cavin-1</a:t>
+            </a:r>
           </a:p>
           <a:p>
             <a:r>
@@ -15500,10 +15645,18 @@
           <a:lstStyle/>
           <a:p>
             <a:r>
-              <a:rPr lang="en-US" dirty="0" smtClean="0"/>
-              <a:t>Mir targeted pathways</a:t>
-            </a:r>
-            <a:endParaRPr lang="en-AU" dirty="0"/>
+              <a:rPr lang="en-US" cap="none" dirty="0" err="1"/>
+              <a:t>m</a:t>
+            </a:r>
+            <a:r>
+              <a:rPr lang="en-US" cap="none" dirty="0" err="1" smtClean="0"/>
+              <a:t>iR</a:t>
+            </a:r>
+            <a:r>
+              <a:rPr lang="en-US" cap="none" dirty="0" smtClean="0"/>
+              <a:t> targeted pathways</a:t>
+            </a:r>
+            <a:endParaRPr lang="en-AU" cap="none" dirty="0"/>
           </a:p>
         </p:txBody>
       </p:sp>
@@ -16262,6 +16415,81 @@
   <p:clrMapOvr>
     <a:masterClrMapping/>
   </p:clrMapOvr>
+  <p:timing>
+    <p:tnLst>
+      <p:par>
+        <p:cTn id="1" dur="indefinite" restart="never" nodeType="tmRoot">
+          <p:childTnLst>
+            <p:seq concurrent="1" nextAc="seek">
+              <p:cTn id="2" dur="indefinite" nodeType="mainSeq">
+                <p:childTnLst>
+                  <p:par>
+                    <p:cTn id="3" fill="hold">
+                      <p:stCondLst>
+                        <p:cond delay="indefinite"/>
+                      </p:stCondLst>
+                      <p:childTnLst>
+                        <p:par>
+                          <p:cTn id="4" fill="hold">
+                            <p:stCondLst>
+                              <p:cond delay="0"/>
+                            </p:stCondLst>
+                            <p:childTnLst>
+                              <p:par>
+                                <p:cTn id="5" presetID="1" presetClass="entr" presetSubtype="0" fill="hold" nodeType="clickEffect">
+                                  <p:stCondLst>
+                                    <p:cond delay="0"/>
+                                  </p:stCondLst>
+                                  <p:childTnLst>
+                                    <p:set>
+                                      <p:cBhvr>
+                                        <p:cTn id="6" dur="1" fill="hold">
+                                          <p:stCondLst>
+                                            <p:cond delay="0"/>
+                                          </p:stCondLst>
+                                        </p:cTn>
+                                        <p:tgtEl>
+                                          <p:spTgt spid="5"/>
+                                        </p:tgtEl>
+                                        <p:attrNameLst>
+                                          <p:attrName>style.visibility</p:attrName>
+                                        </p:attrNameLst>
+                                      </p:cBhvr>
+                                      <p:to>
+                                        <p:strVal val="visible"/>
+                                      </p:to>
+                                    </p:set>
+                                  </p:childTnLst>
+                                </p:cTn>
+                              </p:par>
+                            </p:childTnLst>
+                          </p:cTn>
+                        </p:par>
+                      </p:childTnLst>
+                    </p:cTn>
+                  </p:par>
+                </p:childTnLst>
+              </p:cTn>
+              <p:prevCondLst>
+                <p:cond evt="onPrev" delay="0">
+                  <p:tgtEl>
+                    <p:sldTgt/>
+                  </p:tgtEl>
+                </p:cond>
+              </p:prevCondLst>
+              <p:nextCondLst>
+                <p:cond evt="onNext" delay="0">
+                  <p:tgtEl>
+                    <p:sldTgt/>
+                  </p:tgtEl>
+                </p:cond>
+              </p:nextCondLst>
+            </p:seq>
+          </p:childTnLst>
+        </p:cTn>
+      </p:par>
+    </p:tnLst>
+  </p:timing>
 </p:sld>
 </file>
 
@@ -16303,18 +16531,10 @@
           <a:lstStyle/>
           <a:p>
             <a:r>
-              <a:rPr lang="en-AU" dirty="0" smtClean="0"/>
-              <a:t>Exported </a:t>
-            </a:r>
-            <a:r>
-              <a:rPr lang="en-AU" dirty="0" err="1" smtClean="0"/>
-              <a:t>micrornas</a:t>
-            </a:r>
-            <a:r>
-              <a:rPr lang="en-AU" dirty="0" smtClean="0"/>
-              <a:t> share motif</a:t>
-            </a:r>
-            <a:endParaRPr lang="en-AU" dirty="0"/>
+              <a:rPr lang="en-AU" cap="none" dirty="0" smtClean="0"/>
+              <a:t>Exported microRNAs share motif</a:t>
+            </a:r>
+            <a:endParaRPr lang="en-AU" cap="none" dirty="0"/>
           </a:p>
         </p:txBody>
       </p:sp>
@@ -16326,7 +16546,7 @@
         </p:nvCxnSpPr>
         <p:spPr>
           <a:xfrm>
-            <a:off x="5020888" y="1593392"/>
+            <a:off x="4392181" y="1488402"/>
             <a:ext cx="1546167" cy="862681"/>
           </a:xfrm>
           <a:prstGeom prst="bentConnector3">
@@ -16356,7 +16576,7 @@
         </p:nvCxnSpPr>
         <p:spPr>
           <a:xfrm flipV="1">
-            <a:off x="5020888" y="2628944"/>
+            <a:off x="4392181" y="2660300"/>
             <a:ext cx="1546167" cy="1047263"/>
           </a:xfrm>
           <a:prstGeom prst="bentConnector3">
@@ -16388,8 +16608,8 @@
         </p:nvSpPr>
         <p:spPr>
           <a:xfrm>
-            <a:off x="6594014" y="1541632"/>
-            <a:ext cx="2602519" cy="2031325"/>
+            <a:off x="5938980" y="1593390"/>
+            <a:ext cx="3094704" cy="2031325"/>
           </a:xfrm>
           <a:prstGeom prst="rect">
             <a:avLst/>
@@ -16404,14 +16624,24 @@
           <a:p>
             <a:r>
               <a:rPr lang="en-US" dirty="0" smtClean="0"/>
-              <a:t>miR-148a-3p: AGUGCA</a:t>
-            </a:r>
-          </a:p>
-          <a:p>
+              <a:t>miR-148a-3p: </a:t>
+            </a:r>
             <a:r>
               <a:rPr lang="en-US" dirty="0" smtClean="0"/>
-              <a:t>miR-148b-3p: AGUGCA</a:t>
-            </a:r>
+              <a:t>	AGUGCA</a:t>
+            </a:r>
+            <a:endParaRPr lang="en-US" dirty="0" smtClean="0"/>
+          </a:p>
+          <a:p>
+            <a:r>
+              <a:rPr lang="en-US" dirty="0" smtClean="0"/>
+              <a:t>miR-148b-3p: </a:t>
+            </a:r>
+            <a:r>
+              <a:rPr lang="en-US" dirty="0" smtClean="0"/>
+              <a:t>	AGUGCA</a:t>
+            </a:r>
+            <a:endParaRPr lang="en-US" dirty="0" smtClean="0"/>
           </a:p>
           <a:p>
             <a:r>
@@ -16430,14 +16660,24 @@
           <a:p>
             <a:r>
               <a:rPr lang="en-US" dirty="0" smtClean="0"/>
-              <a:t>miR-32-5p:	AUUGCA</a:t>
-            </a:r>
-          </a:p>
-          <a:p>
+              <a:t>miR-32-5p:	</a:t>
+            </a:r>
             <a:r>
               <a:rPr lang="en-US" dirty="0" smtClean="0"/>
-              <a:t>miR-17-5p:	AGUGCU</a:t>
-            </a:r>
+              <a:t>	AUUGCA</a:t>
+            </a:r>
+            <a:endParaRPr lang="en-US" dirty="0" smtClean="0"/>
+          </a:p>
+          <a:p>
+            <a:r>
+              <a:rPr lang="en-US" dirty="0" smtClean="0"/>
+              <a:t>miR-17-5p:	</a:t>
+            </a:r>
+            <a:r>
+              <a:rPr lang="en-US" dirty="0" smtClean="0"/>
+              <a:t>	AGUGCU</a:t>
+            </a:r>
+            <a:endParaRPr lang="en-US" dirty="0" smtClean="0"/>
           </a:p>
           <a:p>
             <a:r>
@@ -16448,17 +16688,8 @@
           <a:p>
             <a:r>
               <a:rPr lang="en-US" dirty="0" smtClean="0"/>
-              <a:t>miR-30e-5p</a:t>
-            </a:r>
-            <a:r>
-              <a:rPr lang="en-US" dirty="0" smtClean="0"/>
-              <a:t>: 	</a:t>
-            </a:r>
-            <a:r>
-              <a:rPr lang="en-US" dirty="0" smtClean="0"/>
-              <a:t>UGUAAA</a:t>
-            </a:r>
-            <a:endParaRPr lang="en-US" dirty="0" smtClean="0"/>
+              <a:t>miR-30e-5p: 	UGUAAA</a:t>
+            </a:r>
           </a:p>
         </p:txBody>
       </p:sp>
@@ -16484,7 +16715,7 @@
         </p:blipFill>
         <p:spPr>
           <a:xfrm>
-            <a:off x="1787761" y="1730636"/>
+            <a:off x="1113987" y="1709576"/>
             <a:ext cx="3879942" cy="1798955"/>
           </a:xfrm>
           <a:prstGeom prst="rect">
@@ -16530,8 +16761,8 @@
         </p:nvSpPr>
         <p:spPr>
           <a:xfrm>
-            <a:off x="9223492" y="1593392"/>
-            <a:ext cx="2995466" cy="2031325"/>
+            <a:off x="8996996" y="1558670"/>
+            <a:ext cx="2995466" cy="2308324"/>
           </a:xfrm>
           <a:prstGeom prst="rect">
             <a:avLst/>
@@ -16564,8 +16795,13 @@
           <a:p>
             <a:r>
               <a:rPr lang="en-US" dirty="0"/>
-              <a:t>miR-147b: 	UGUGCG</a:t>
-            </a:r>
+              <a:t>miR-147b: 	</a:t>
+            </a:r>
+            <a:r>
+              <a:rPr lang="en-US" dirty="0" smtClean="0"/>
+              <a:t>	UGUGCG</a:t>
+            </a:r>
+            <a:endParaRPr lang="en-US" dirty="0"/>
           </a:p>
           <a:p>
             <a:r>
@@ -16583,15 +16819,7 @@
           <a:p>
             <a:r>
               <a:rPr lang="en-US" dirty="0" smtClean="0"/>
-              <a:t>Matches </a:t>
-            </a:r>
-            <a:r>
-              <a:rPr lang="en-US" dirty="0" smtClean="0"/>
-              <a:t>12/19 </a:t>
-            </a:r>
-            <a:r>
-              <a:rPr lang="en-US" dirty="0" smtClean="0"/>
-              <a:t>Diff. </a:t>
+              <a:t>Matches 12/19 Diff. </a:t>
             </a:r>
             <a:r>
               <a:rPr lang="en-US" dirty="0" err="1" smtClean="0"/>
@@ -16693,8 +16921,8 @@
         </p:nvSpPr>
         <p:spPr>
           <a:xfrm>
-            <a:off x="1787761" y="4077704"/>
-            <a:ext cx="2983832" cy="1754326"/>
+            <a:off x="1141413" y="4077704"/>
+            <a:ext cx="3630180" cy="1754326"/>
           </a:xfrm>
           <a:prstGeom prst="rect">
             <a:avLst/>
@@ -16742,11 +16970,7 @@
           <a:p>
             <a:r>
               <a:rPr lang="en-US" dirty="0" smtClean="0"/>
-              <a:t>miR-30a-5p</a:t>
-            </a:r>
-            <a:r>
-              <a:rPr lang="en-US" dirty="0" smtClean="0"/>
-              <a:t>:	</a:t>
+              <a:t>miR-30a-5p:	</a:t>
             </a:r>
             <a:r>
               <a:rPr lang="en-AU" dirty="0"/>
@@ -16810,11 +17034,7 @@
             </a:r>
             <a:r>
               <a:rPr lang="en-US" dirty="0" smtClean="0"/>
-              <a:t>/19 </a:t>
-            </a:r>
-            <a:r>
-              <a:rPr lang="en-US" dirty="0" smtClean="0"/>
-              <a:t>Diff. </a:t>
+              <a:t>/19 Diff. </a:t>
             </a:r>
             <a:r>
               <a:rPr lang="en-US" dirty="0" err="1" smtClean="0"/>
@@ -16832,7 +17052,7 @@
         </p:nvSpPr>
         <p:spPr>
           <a:xfrm>
-            <a:off x="5020888" y="6061506"/>
+            <a:off x="3549276" y="6050666"/>
             <a:ext cx="6521529" cy="400110"/>
           </a:xfrm>
           <a:prstGeom prst="rect">
@@ -16848,15 +17068,7 @@
           <a:p>
             <a:r>
               <a:rPr lang="en-US" sz="2000" dirty="0" smtClean="0"/>
-              <a:t>Together, motifs match to </a:t>
-            </a:r>
-            <a:r>
-              <a:rPr lang="en-US" sz="2000" dirty="0" smtClean="0"/>
-              <a:t>14/19 </a:t>
-            </a:r>
-            <a:r>
-              <a:rPr lang="en-US" sz="2000" dirty="0" smtClean="0"/>
-              <a:t>differentially exported </a:t>
+              <a:t>Together, motifs match to 14/19 differentially exported </a:t>
             </a:r>
             <a:r>
               <a:rPr lang="en-US" sz="2000" dirty="0" err="1" smtClean="0"/>
@@ -16928,18 +17140,18 @@
           <a:lstStyle/>
           <a:p>
             <a:r>
-              <a:rPr lang="en-US" dirty="0" smtClean="0"/>
+              <a:rPr lang="en-US" cap="none" dirty="0" smtClean="0"/>
               <a:t>Differentially exported </a:t>
             </a:r>
             <a:r>
-              <a:rPr lang="en-US" dirty="0" err="1" smtClean="0"/>
+              <a:rPr lang="en-US" cap="none" dirty="0" err="1" smtClean="0"/>
               <a:t>hnRNPK</a:t>
             </a:r>
             <a:r>
-              <a:rPr lang="en-US" dirty="0" smtClean="0"/>
+              <a:rPr lang="en-US" cap="none" dirty="0" smtClean="0"/>
               <a:t> binds similar motif</a:t>
             </a:r>
-            <a:endParaRPr lang="en-AU" dirty="0"/>
+            <a:endParaRPr lang="en-AU" cap="none" dirty="0"/>
           </a:p>
         </p:txBody>
       </p:sp>
@@ -16978,7 +17190,7 @@
         <p:spPr>
           <a:xfrm>
             <a:off x="6716043" y="1532198"/>
-            <a:ext cx="4331368" cy="5016758"/>
+            <a:ext cx="4331368" cy="4401205"/>
           </a:xfrm>
           <a:prstGeom prst="rect">
             <a:avLst/>
@@ -17009,7 +17221,7 @@
               <a:buChar char="-"/>
             </a:pPr>
             <a:r>
-              <a:rPr lang="en-US" sz="2400" dirty="0" smtClean="0"/>
+              <a:rPr lang="en-US" sz="2000" dirty="0" smtClean="0"/>
               <a:t>Protein family previously implicated in related function</a:t>
             </a:r>
           </a:p>
@@ -17018,7 +17230,7 @@
               <a:buFontTx/>
               <a:buChar char="-"/>
             </a:pPr>
-            <a:endParaRPr lang="en-US" sz="2400" dirty="0" smtClean="0"/>
+            <a:endParaRPr lang="en-US" sz="2000" dirty="0" smtClean="0"/>
           </a:p>
           <a:p>
             <a:pPr marL="285750" indent="-285750">
@@ -17026,21 +17238,21 @@
               <a:buChar char="-"/>
             </a:pPr>
             <a:r>
-              <a:rPr lang="en-US" sz="2400" dirty="0" smtClean="0"/>
+              <a:rPr lang="en-US" sz="2000" dirty="0" smtClean="0"/>
               <a:t>Known to bind to </a:t>
             </a:r>
             <a:r>
-              <a:rPr lang="en-US" sz="2400" dirty="0" err="1" smtClean="0"/>
+              <a:rPr lang="en-US" sz="2000" dirty="0" err="1" smtClean="0"/>
               <a:t>miRs</a:t>
             </a:r>
-            <a:endParaRPr lang="en-US" sz="2400" dirty="0" smtClean="0"/>
+            <a:endParaRPr lang="en-US" sz="2000" dirty="0" smtClean="0"/>
           </a:p>
           <a:p>
             <a:pPr marL="285750" indent="-285750">
               <a:buFontTx/>
               <a:buChar char="-"/>
             </a:pPr>
-            <a:endParaRPr lang="en-US" sz="2400" dirty="0" smtClean="0"/>
+            <a:endParaRPr lang="en-US" sz="2000" dirty="0" smtClean="0"/>
           </a:p>
           <a:p>
             <a:pPr marL="285750" indent="-285750">
@@ -17048,15 +17260,15 @@
               <a:buChar char="-"/>
             </a:pPr>
             <a:r>
-              <a:rPr lang="en-US" sz="2400" dirty="0" smtClean="0"/>
+              <a:rPr lang="en-US" sz="2000" dirty="0" smtClean="0"/>
               <a:t>Binds AGUGUG region on miR-122-5p (found by </a:t>
             </a:r>
             <a:r>
-              <a:rPr lang="en-US" sz="2400" dirty="0" err="1" smtClean="0"/>
+              <a:rPr lang="en-US" sz="2000" dirty="0" err="1" smtClean="0"/>
               <a:t>mut</a:t>
             </a:r>
             <a:r>
-              <a:rPr lang="en-US" sz="2400" dirty="0" smtClean="0"/>
+              <a:rPr lang="en-US" sz="2000" dirty="0" smtClean="0"/>
               <a:t>. assay)</a:t>
             </a:r>
           </a:p>
@@ -17065,7 +17277,7 @@
               <a:buFontTx/>
               <a:buChar char="-"/>
             </a:pPr>
-            <a:endParaRPr lang="en-US" sz="2400" dirty="0" smtClean="0"/>
+            <a:endParaRPr lang="en-US" sz="2000" dirty="0" smtClean="0"/>
           </a:p>
           <a:p>
             <a:pPr marL="285750" indent="-285750">
@@ -17073,7 +17285,7 @@
               <a:buChar char="-"/>
             </a:pPr>
             <a:r>
-              <a:rPr lang="en-US" sz="2400" dirty="0" smtClean="0">
+              <a:rPr lang="en-US" sz="2000" dirty="0" smtClean="0">
                 <a:solidFill>
                   <a:srgbClr val="FF0000"/>
                 </a:solidFill>

--- a/BackgroundInfo/MeetingSept.pptx
+++ b/BackgroundInfo/MeetingSept.pptx
@@ -213,7 +213,7 @@
           <a:p>
             <a:fld id="{952B9887-EF61-4F00-93DD-31949B706F82}" type="datetimeFigureOut">
               <a:rPr lang="en-AU" smtClean="0"/>
-              <a:t>7/09/2016</a:t>
+              <a:t>8/09/2016</a:t>
             </a:fld>
             <a:endParaRPr lang="en-AU"/>
           </a:p>
@@ -647,11 +647,7 @@
           <a:p>
             <a:r>
               <a:rPr lang="en-US" dirty="0" smtClean="0"/>
-              <a:t>FIMO: </a:t>
-            </a:r>
-            <a:r>
-              <a:rPr lang="en-US" dirty="0" smtClean="0"/>
-              <a:t>find individual motif</a:t>
+              <a:t>FIMO: find individual motif</a:t>
             </a:r>
             <a:r>
               <a:rPr lang="en-US" baseline="0" dirty="0" smtClean="0"/>
@@ -747,7 +743,7 @@
           <a:noFill/>
           <a:extLst>
             <a:ext uri="{909E8E84-426E-40dd-AFC4-6F175D3DCCD1}">
-              <a14:hiddenFill xmlns="" xmlns:a14="http://schemas.microsoft.com/office/drawing/2010/main">
+              <a14:hiddenFill xmlns:a14="http://schemas.microsoft.com/office/drawing/2010/main" xmlns="">
                 <a:solidFill>
                   <a:srgbClr val="FFFFFF"/>
                 </a:solidFill>
@@ -807,7 +803,7 @@
             </a:ln>
             <a:extLst>
               <a:ext uri="{91240B29-F687-4f45-9708-019B960494DF}">
-                <a14:hiddenLine xmlns="" xmlns:a14="http://schemas.microsoft.com/office/drawing/2010/main" w="9525">
+                <a14:hiddenLine xmlns:a14="http://schemas.microsoft.com/office/drawing/2010/main" xmlns="" w="9525">
                   <a:solidFill>
                     <a:srgbClr val="000000"/>
                   </a:solidFill>
@@ -897,7 +893,7 @@
             </a:ln>
             <a:extLst>
               <a:ext uri="{91240B29-F687-4f45-9708-019B960494DF}">
-                <a14:hiddenLine xmlns="" xmlns:a14="http://schemas.microsoft.com/office/drawing/2010/main" w="9525">
+                <a14:hiddenLine xmlns:a14="http://schemas.microsoft.com/office/drawing/2010/main" xmlns="" w="9525">
                   <a:solidFill>
                     <a:srgbClr val="000000"/>
                   </a:solidFill>
@@ -987,7 +983,7 @@
             </a:ln>
             <a:extLst>
               <a:ext uri="{91240B29-F687-4f45-9708-019B960494DF}">
-                <a14:hiddenLine xmlns="" xmlns:a14="http://schemas.microsoft.com/office/drawing/2010/main" w="9525">
+                <a14:hiddenLine xmlns:a14="http://schemas.microsoft.com/office/drawing/2010/main" xmlns="" w="9525">
                   <a:solidFill>
                     <a:srgbClr val="000000"/>
                   </a:solidFill>
@@ -1021,7 +1017,7 @@
             </a:ln>
             <a:extLst>
               <a:ext uri="{91240B29-F687-4f45-9708-019B960494DF}">
-                <a14:hiddenLine xmlns="" xmlns:a14="http://schemas.microsoft.com/office/drawing/2010/main" w="9525">
+                <a14:hiddenLine xmlns:a14="http://schemas.microsoft.com/office/drawing/2010/main" xmlns="" w="9525">
                   <a:solidFill>
                     <a:srgbClr val="000000"/>
                   </a:solidFill>
@@ -1111,7 +1107,7 @@
             </a:ln>
             <a:extLst>
               <a:ext uri="{91240B29-F687-4f45-9708-019B960494DF}">
-                <a14:hiddenLine xmlns="" xmlns:a14="http://schemas.microsoft.com/office/drawing/2010/main" w="9525">
+                <a14:hiddenLine xmlns:a14="http://schemas.microsoft.com/office/drawing/2010/main" xmlns="" w="9525">
                   <a:solidFill>
                     <a:srgbClr val="000000"/>
                   </a:solidFill>
@@ -1173,7 +1169,7 @@
             </a:ln>
             <a:extLst>
               <a:ext uri="{91240B29-F687-4f45-9708-019B960494DF}">
-                <a14:hiddenLine xmlns="" xmlns:a14="http://schemas.microsoft.com/office/drawing/2010/main" w="9525">
+                <a14:hiddenLine xmlns:a14="http://schemas.microsoft.com/office/drawing/2010/main" xmlns="" w="9525">
                   <a:solidFill>
                     <a:srgbClr val="000000"/>
                   </a:solidFill>
@@ -1235,7 +1231,7 @@
             </a:ln>
             <a:extLst>
               <a:ext uri="{91240B29-F687-4f45-9708-019B960494DF}">
-                <a14:hiddenLine xmlns="" xmlns:a14="http://schemas.microsoft.com/office/drawing/2010/main" w="9525">
+                <a14:hiddenLine xmlns:a14="http://schemas.microsoft.com/office/drawing/2010/main" xmlns="" w="9525">
                   <a:solidFill>
                     <a:srgbClr val="000000"/>
                   </a:solidFill>
@@ -1325,7 +1321,7 @@
             </a:ln>
             <a:extLst>
               <a:ext uri="{91240B29-F687-4f45-9708-019B960494DF}">
-                <a14:hiddenLine xmlns="" xmlns:a14="http://schemas.microsoft.com/office/drawing/2010/main" w="9525">
+                <a14:hiddenLine xmlns:a14="http://schemas.microsoft.com/office/drawing/2010/main" xmlns="" w="9525">
                   <a:solidFill>
                     <a:srgbClr val="000000"/>
                   </a:solidFill>
@@ -1387,7 +1383,7 @@
             </a:ln>
             <a:extLst>
               <a:ext uri="{91240B29-F687-4f45-9708-019B960494DF}">
-                <a14:hiddenLine xmlns="" xmlns:a14="http://schemas.microsoft.com/office/drawing/2010/main" w="9525">
+                <a14:hiddenLine xmlns:a14="http://schemas.microsoft.com/office/drawing/2010/main" xmlns="" w="9525">
                   <a:solidFill>
                     <a:srgbClr val="000000"/>
                   </a:solidFill>
@@ -1449,7 +1445,7 @@
             </a:ln>
             <a:extLst>
               <a:ext uri="{91240B29-F687-4f45-9708-019B960494DF}">
-                <a14:hiddenLine xmlns="" xmlns:a14="http://schemas.microsoft.com/office/drawing/2010/main" w="9525">
+                <a14:hiddenLine xmlns:a14="http://schemas.microsoft.com/office/drawing/2010/main" xmlns="" w="9525">
                   <a:solidFill>
                     <a:srgbClr val="000000"/>
                   </a:solidFill>
@@ -1539,7 +1535,7 @@
             </a:ln>
             <a:extLst>
               <a:ext uri="{91240B29-F687-4f45-9708-019B960494DF}">
-                <a14:hiddenLine xmlns="" xmlns:a14="http://schemas.microsoft.com/office/drawing/2010/main" w="9525">
+                <a14:hiddenLine xmlns:a14="http://schemas.microsoft.com/office/drawing/2010/main" xmlns="" w="9525">
                   <a:solidFill>
                     <a:srgbClr val="000000"/>
                   </a:solidFill>
@@ -1629,7 +1625,7 @@
             </a:ln>
             <a:extLst>
               <a:ext uri="{91240B29-F687-4f45-9708-019B960494DF}">
-                <a14:hiddenLine xmlns="" xmlns:a14="http://schemas.microsoft.com/office/drawing/2010/main" w="9525">
+                <a14:hiddenLine xmlns:a14="http://schemas.microsoft.com/office/drawing/2010/main" xmlns="" w="9525">
                   <a:solidFill>
                     <a:srgbClr val="000000"/>
                   </a:solidFill>
@@ -1691,7 +1687,7 @@
             </a:ln>
             <a:extLst>
               <a:ext uri="{91240B29-F687-4f45-9708-019B960494DF}">
-                <a14:hiddenLine xmlns="" xmlns:a14="http://schemas.microsoft.com/office/drawing/2010/main" w="9525">
+                <a14:hiddenLine xmlns:a14="http://schemas.microsoft.com/office/drawing/2010/main" xmlns="" w="9525">
                   <a:solidFill>
                     <a:srgbClr val="000000"/>
                   </a:solidFill>
@@ -1801,7 +1797,7 @@
             </a:ln>
             <a:extLst>
               <a:ext uri="{91240B29-F687-4f45-9708-019B960494DF}">
-                <a14:hiddenLine xmlns="" xmlns:a14="http://schemas.microsoft.com/office/drawing/2010/main" w="9525">
+                <a14:hiddenLine xmlns:a14="http://schemas.microsoft.com/office/drawing/2010/main" xmlns="" w="9525">
                   <a:solidFill>
                     <a:srgbClr val="000000"/>
                   </a:solidFill>
@@ -1863,7 +1859,7 @@
             </a:ln>
             <a:extLst>
               <a:ext uri="{91240B29-F687-4f45-9708-019B960494DF}">
-                <a14:hiddenLine xmlns="" xmlns:a14="http://schemas.microsoft.com/office/drawing/2010/main" w="9525">
+                <a14:hiddenLine xmlns:a14="http://schemas.microsoft.com/office/drawing/2010/main" xmlns="" w="9525">
                   <a:solidFill>
                     <a:srgbClr val="000000"/>
                   </a:solidFill>
@@ -1953,7 +1949,7 @@
             </a:ln>
             <a:extLst>
               <a:ext uri="{91240B29-F687-4f45-9708-019B960494DF}">
-                <a14:hiddenLine xmlns="" xmlns:a14="http://schemas.microsoft.com/office/drawing/2010/main" w="9525">
+                <a14:hiddenLine xmlns:a14="http://schemas.microsoft.com/office/drawing/2010/main" xmlns="" w="9525">
                   <a:solidFill>
                     <a:srgbClr val="000000"/>
                   </a:solidFill>
@@ -2043,7 +2039,7 @@
             </a:ln>
             <a:extLst>
               <a:ext uri="{91240B29-F687-4f45-9708-019B960494DF}">
-                <a14:hiddenLine xmlns="" xmlns:a14="http://schemas.microsoft.com/office/drawing/2010/main" w="9525">
+                <a14:hiddenLine xmlns:a14="http://schemas.microsoft.com/office/drawing/2010/main" xmlns="" w="9525">
                   <a:solidFill>
                     <a:srgbClr val="000000"/>
                   </a:solidFill>
@@ -2105,7 +2101,7 @@
             </a:ln>
             <a:extLst>
               <a:ext uri="{91240B29-F687-4f45-9708-019B960494DF}">
-                <a14:hiddenLine xmlns="" xmlns:a14="http://schemas.microsoft.com/office/drawing/2010/main" w="9525">
+                <a14:hiddenLine xmlns:a14="http://schemas.microsoft.com/office/drawing/2010/main" xmlns="" w="9525">
                   <a:solidFill>
                     <a:srgbClr val="000000"/>
                   </a:solidFill>
@@ -2195,7 +2191,7 @@
             </a:ln>
             <a:extLst>
               <a:ext uri="{91240B29-F687-4f45-9708-019B960494DF}">
-                <a14:hiddenLine xmlns="" xmlns:a14="http://schemas.microsoft.com/office/drawing/2010/main" w="9525">
+                <a14:hiddenLine xmlns:a14="http://schemas.microsoft.com/office/drawing/2010/main" xmlns="" w="9525">
                   <a:solidFill>
                     <a:srgbClr val="000000"/>
                   </a:solidFill>
@@ -2285,7 +2281,7 @@
             </a:ln>
             <a:extLst>
               <a:ext uri="{91240B29-F687-4f45-9708-019B960494DF}">
-                <a14:hiddenLine xmlns="" xmlns:a14="http://schemas.microsoft.com/office/drawing/2010/main" w="9525">
+                <a14:hiddenLine xmlns:a14="http://schemas.microsoft.com/office/drawing/2010/main" xmlns="" w="9525">
                   <a:solidFill>
                     <a:srgbClr val="000000"/>
                   </a:solidFill>
@@ -2341,7 +2337,7 @@
             </a:ln>
             <a:extLst>
               <a:ext uri="{91240B29-F687-4f45-9708-019B960494DF}">
-                <a14:hiddenLine xmlns="" xmlns:a14="http://schemas.microsoft.com/office/drawing/2010/main" w="9525">
+                <a14:hiddenLine xmlns:a14="http://schemas.microsoft.com/office/drawing/2010/main" xmlns="" w="9525">
                   <a:solidFill>
                     <a:srgbClr val="000000"/>
                   </a:solidFill>
@@ -2431,7 +2427,7 @@
             </a:ln>
             <a:extLst>
               <a:ext uri="{91240B29-F687-4f45-9708-019B960494DF}">
-                <a14:hiddenLine xmlns="" xmlns:a14="http://schemas.microsoft.com/office/drawing/2010/main" w="9525">
+                <a14:hiddenLine xmlns:a14="http://schemas.microsoft.com/office/drawing/2010/main" xmlns="" w="9525">
                   <a:solidFill>
                     <a:srgbClr val="000000"/>
                   </a:solidFill>
@@ -2487,7 +2483,7 @@
             </a:ln>
             <a:extLst>
               <a:ext uri="{91240B29-F687-4f45-9708-019B960494DF}">
-                <a14:hiddenLine xmlns="" xmlns:a14="http://schemas.microsoft.com/office/drawing/2010/main" w="9525">
+                <a14:hiddenLine xmlns:a14="http://schemas.microsoft.com/office/drawing/2010/main" xmlns="" w="9525">
                   <a:solidFill>
                     <a:srgbClr val="000000"/>
                   </a:solidFill>
@@ -2577,7 +2573,7 @@
             </a:ln>
             <a:extLst>
               <a:ext uri="{91240B29-F687-4f45-9708-019B960494DF}">
-                <a14:hiddenLine xmlns="" xmlns:a14="http://schemas.microsoft.com/office/drawing/2010/main" w="9525">
+                <a14:hiddenLine xmlns:a14="http://schemas.microsoft.com/office/drawing/2010/main" xmlns="" w="9525">
                   <a:solidFill>
                     <a:srgbClr val="000000"/>
                   </a:solidFill>
@@ -2645,7 +2641,7 @@
             </a:ln>
             <a:extLst>
               <a:ext uri="{91240B29-F687-4f45-9708-019B960494DF}">
-                <a14:hiddenLine xmlns="" xmlns:a14="http://schemas.microsoft.com/office/drawing/2010/main" w="9525">
+                <a14:hiddenLine xmlns:a14="http://schemas.microsoft.com/office/drawing/2010/main" xmlns="" w="9525">
                   <a:solidFill>
                     <a:srgbClr val="000000"/>
                   </a:solidFill>
@@ -2735,7 +2731,7 @@
             </a:ln>
             <a:extLst>
               <a:ext uri="{91240B29-F687-4f45-9708-019B960494DF}">
-                <a14:hiddenLine xmlns="" xmlns:a14="http://schemas.microsoft.com/office/drawing/2010/main" w="9525">
+                <a14:hiddenLine xmlns:a14="http://schemas.microsoft.com/office/drawing/2010/main" xmlns="" w="9525">
                   <a:solidFill>
                     <a:srgbClr val="000000"/>
                   </a:solidFill>
@@ -2803,7 +2799,7 @@
             </a:ln>
             <a:extLst>
               <a:ext uri="{91240B29-F687-4f45-9708-019B960494DF}">
-                <a14:hiddenLine xmlns="" xmlns:a14="http://schemas.microsoft.com/office/drawing/2010/main" w="9525">
+                <a14:hiddenLine xmlns:a14="http://schemas.microsoft.com/office/drawing/2010/main" xmlns="" w="9525">
                   <a:solidFill>
                     <a:srgbClr val="000000"/>
                   </a:solidFill>
@@ -2893,7 +2889,7 @@
             </a:ln>
             <a:extLst>
               <a:ext uri="{91240B29-F687-4f45-9708-019B960494DF}">
-                <a14:hiddenLine xmlns="" xmlns:a14="http://schemas.microsoft.com/office/drawing/2010/main" w="9525">
+                <a14:hiddenLine xmlns:a14="http://schemas.microsoft.com/office/drawing/2010/main" xmlns="" w="9525">
                   <a:solidFill>
                     <a:srgbClr val="000000"/>
                   </a:solidFill>
@@ -2927,7 +2923,7 @@
             </a:ln>
             <a:extLst>
               <a:ext uri="{91240B29-F687-4f45-9708-019B960494DF}">
-                <a14:hiddenLine xmlns="" xmlns:a14="http://schemas.microsoft.com/office/drawing/2010/main" w="9525">
+                <a14:hiddenLine xmlns:a14="http://schemas.microsoft.com/office/drawing/2010/main" xmlns="" w="9525">
                   <a:solidFill>
                     <a:srgbClr val="000000"/>
                   </a:solidFill>
@@ -3017,7 +3013,7 @@
             </a:ln>
             <a:extLst>
               <a:ext uri="{91240B29-F687-4f45-9708-019B960494DF}">
-                <a14:hiddenLine xmlns="" xmlns:a14="http://schemas.microsoft.com/office/drawing/2010/main" w="9525">
+                <a14:hiddenLine xmlns:a14="http://schemas.microsoft.com/office/drawing/2010/main" xmlns="" w="9525">
                   <a:solidFill>
                     <a:srgbClr val="000000"/>
                   </a:solidFill>
@@ -3079,7 +3075,7 @@
             </a:ln>
             <a:extLst>
               <a:ext uri="{91240B29-F687-4f45-9708-019B960494DF}">
-                <a14:hiddenLine xmlns="" xmlns:a14="http://schemas.microsoft.com/office/drawing/2010/main" w="9525">
+                <a14:hiddenLine xmlns:a14="http://schemas.microsoft.com/office/drawing/2010/main" xmlns="" w="9525">
                   <a:solidFill>
                     <a:srgbClr val="000000"/>
                   </a:solidFill>
@@ -3141,7 +3137,7 @@
             </a:ln>
             <a:extLst>
               <a:ext uri="{91240B29-F687-4f45-9708-019B960494DF}">
-                <a14:hiddenLine xmlns="" xmlns:a14="http://schemas.microsoft.com/office/drawing/2010/main" w="9525">
+                <a14:hiddenLine xmlns:a14="http://schemas.microsoft.com/office/drawing/2010/main" xmlns="" w="9525">
                   <a:solidFill>
                     <a:srgbClr val="000000"/>
                   </a:solidFill>
@@ -3231,7 +3227,7 @@
             </a:ln>
             <a:extLst>
               <a:ext uri="{91240B29-F687-4f45-9708-019B960494DF}">
-                <a14:hiddenLine xmlns="" xmlns:a14="http://schemas.microsoft.com/office/drawing/2010/main" w="9525">
+                <a14:hiddenLine xmlns:a14="http://schemas.microsoft.com/office/drawing/2010/main" xmlns="" w="9525">
                   <a:solidFill>
                     <a:srgbClr val="000000"/>
                   </a:solidFill>
@@ -3299,7 +3295,7 @@
             </a:ln>
             <a:extLst>
               <a:ext uri="{91240B29-F687-4f45-9708-019B960494DF}">
-                <a14:hiddenLine xmlns="" xmlns:a14="http://schemas.microsoft.com/office/drawing/2010/main" w="9525">
+                <a14:hiddenLine xmlns:a14="http://schemas.microsoft.com/office/drawing/2010/main" xmlns="" w="9525">
                   <a:solidFill>
                     <a:srgbClr val="000000"/>
                   </a:solidFill>
@@ -3361,7 +3357,7 @@
             </a:ln>
             <a:extLst>
               <a:ext uri="{91240B29-F687-4f45-9708-019B960494DF}">
-                <a14:hiddenLine xmlns="" xmlns:a14="http://schemas.microsoft.com/office/drawing/2010/main" w="9525">
+                <a14:hiddenLine xmlns:a14="http://schemas.microsoft.com/office/drawing/2010/main" xmlns="" w="9525">
                   <a:solidFill>
                     <a:srgbClr val="000000"/>
                   </a:solidFill>
@@ -3451,7 +3447,7 @@
             </a:ln>
             <a:extLst>
               <a:ext uri="{91240B29-F687-4f45-9708-019B960494DF}">
-                <a14:hiddenLine xmlns="" xmlns:a14="http://schemas.microsoft.com/office/drawing/2010/main" w="9525">
+                <a14:hiddenLine xmlns:a14="http://schemas.microsoft.com/office/drawing/2010/main" xmlns="" w="9525">
                   <a:solidFill>
                     <a:srgbClr val="000000"/>
                   </a:solidFill>
@@ -3513,7 +3509,7 @@
             </a:ln>
             <a:extLst>
               <a:ext uri="{91240B29-F687-4f45-9708-019B960494DF}">
-                <a14:hiddenLine xmlns="" xmlns:a14="http://schemas.microsoft.com/office/drawing/2010/main" w="9525">
+                <a14:hiddenLine xmlns:a14="http://schemas.microsoft.com/office/drawing/2010/main" xmlns="" w="9525">
                   <a:solidFill>
                     <a:srgbClr val="000000"/>
                   </a:solidFill>
@@ -3603,7 +3599,7 @@
             </a:ln>
             <a:extLst>
               <a:ext uri="{91240B29-F687-4f45-9708-019B960494DF}">
-                <a14:hiddenLine xmlns="" xmlns:a14="http://schemas.microsoft.com/office/drawing/2010/main" w="9525">
+                <a14:hiddenLine xmlns:a14="http://schemas.microsoft.com/office/drawing/2010/main" xmlns="" w="9525">
                   <a:solidFill>
                     <a:srgbClr val="000000"/>
                   </a:solidFill>
@@ -3665,7 +3661,7 @@
             </a:ln>
             <a:extLst>
               <a:ext uri="{91240B29-F687-4f45-9708-019B960494DF}">
-                <a14:hiddenLine xmlns="" xmlns:a14="http://schemas.microsoft.com/office/drawing/2010/main" w="9525">
+                <a14:hiddenLine xmlns:a14="http://schemas.microsoft.com/office/drawing/2010/main" xmlns="" w="9525">
                   <a:solidFill>
                     <a:srgbClr val="000000"/>
                   </a:solidFill>
@@ -3755,7 +3751,7 @@
             </a:ln>
             <a:extLst>
               <a:ext uri="{91240B29-F687-4f45-9708-019B960494DF}">
-                <a14:hiddenLine xmlns="" xmlns:a14="http://schemas.microsoft.com/office/drawing/2010/main" w="9525">
+                <a14:hiddenLine xmlns:a14="http://schemas.microsoft.com/office/drawing/2010/main" xmlns="" w="9525">
                   <a:solidFill>
                     <a:srgbClr val="000000"/>
                   </a:solidFill>
@@ -3789,7 +3785,7 @@
             </a:ln>
             <a:extLst>
               <a:ext uri="{91240B29-F687-4f45-9708-019B960494DF}">
-                <a14:hiddenLine xmlns="" xmlns:a14="http://schemas.microsoft.com/office/drawing/2010/main" w="9525">
+                <a14:hiddenLine xmlns:a14="http://schemas.microsoft.com/office/drawing/2010/main" xmlns="" w="9525">
                   <a:solidFill>
                     <a:srgbClr val="000000"/>
                   </a:solidFill>
@@ -3854,7 +3850,7 @@
             </a:ln>
             <a:extLst>
               <a:ext uri="{91240B29-F687-4f45-9708-019B960494DF}">
-                <a14:hiddenLine xmlns="" xmlns:a14="http://schemas.microsoft.com/office/drawing/2010/main" w="9525">
+                <a14:hiddenLine xmlns:a14="http://schemas.microsoft.com/office/drawing/2010/main" xmlns="" w="9525">
                   <a:solidFill>
                     <a:srgbClr val="000000"/>
                   </a:solidFill>
@@ -3944,7 +3940,7 @@
             </a:ln>
             <a:extLst>
               <a:ext uri="{91240B29-F687-4f45-9708-019B960494DF}">
-                <a14:hiddenLine xmlns="" xmlns:a14="http://schemas.microsoft.com/office/drawing/2010/main" w="9525">
+                <a14:hiddenLine xmlns:a14="http://schemas.microsoft.com/office/drawing/2010/main" xmlns="" w="9525">
                   <a:solidFill>
                     <a:srgbClr val="000000"/>
                   </a:solidFill>
@@ -4006,7 +4002,7 @@
             </a:ln>
             <a:extLst>
               <a:ext uri="{91240B29-F687-4f45-9708-019B960494DF}">
-                <a14:hiddenLine xmlns="" xmlns:a14="http://schemas.microsoft.com/office/drawing/2010/main" w="9525">
+                <a14:hiddenLine xmlns:a14="http://schemas.microsoft.com/office/drawing/2010/main" xmlns="" w="9525">
                   <a:solidFill>
                     <a:srgbClr val="000000"/>
                   </a:solidFill>
@@ -4096,7 +4092,7 @@
             </a:ln>
             <a:extLst>
               <a:ext uri="{91240B29-F687-4f45-9708-019B960494DF}">
-                <a14:hiddenLine xmlns="" xmlns:a14="http://schemas.microsoft.com/office/drawing/2010/main" w="9525">
+                <a14:hiddenLine xmlns:a14="http://schemas.microsoft.com/office/drawing/2010/main" xmlns="" w="9525">
                   <a:solidFill>
                     <a:srgbClr val="000000"/>
                   </a:solidFill>
@@ -4186,7 +4182,7 @@
             </a:ln>
             <a:extLst>
               <a:ext uri="{91240B29-F687-4f45-9708-019B960494DF}">
-                <a14:hiddenLine xmlns="" xmlns:a14="http://schemas.microsoft.com/office/drawing/2010/main" w="9525">
+                <a14:hiddenLine xmlns:a14="http://schemas.microsoft.com/office/drawing/2010/main" xmlns="" w="9525">
                   <a:solidFill>
                     <a:srgbClr val="000000"/>
                   </a:solidFill>
@@ -4251,7 +4247,7 @@
             </a:ln>
             <a:extLst>
               <a:ext uri="{91240B29-F687-4f45-9708-019B960494DF}">
-                <a14:hiddenLine xmlns="" xmlns:a14="http://schemas.microsoft.com/office/drawing/2010/main" w="9525">
+                <a14:hiddenLine xmlns:a14="http://schemas.microsoft.com/office/drawing/2010/main" xmlns="" w="9525">
                   <a:solidFill>
                     <a:srgbClr val="000000"/>
                   </a:solidFill>
@@ -4313,7 +4309,7 @@
             </a:ln>
             <a:extLst>
               <a:ext uri="{91240B29-F687-4f45-9708-019B960494DF}">
-                <a14:hiddenLine xmlns="" xmlns:a14="http://schemas.microsoft.com/office/drawing/2010/main" w="9525">
+                <a14:hiddenLine xmlns:a14="http://schemas.microsoft.com/office/drawing/2010/main" xmlns="" w="9525">
                   <a:solidFill>
                     <a:srgbClr val="000000"/>
                   </a:solidFill>
@@ -4403,7 +4399,7 @@
             </a:ln>
             <a:extLst>
               <a:ext uri="{91240B29-F687-4f45-9708-019B960494DF}">
-                <a14:hiddenLine xmlns="" xmlns:a14="http://schemas.microsoft.com/office/drawing/2010/main" w="9525">
+                <a14:hiddenLine xmlns:a14="http://schemas.microsoft.com/office/drawing/2010/main" xmlns="" w="9525">
                   <a:solidFill>
                     <a:srgbClr val="000000"/>
                   </a:solidFill>
@@ -4493,7 +4489,7 @@
             </a:ln>
             <a:extLst>
               <a:ext uri="{91240B29-F687-4f45-9708-019B960494DF}">
-                <a14:hiddenLine xmlns="" xmlns:a14="http://schemas.microsoft.com/office/drawing/2010/main" w="9525">
+                <a14:hiddenLine xmlns:a14="http://schemas.microsoft.com/office/drawing/2010/main" xmlns="" w="9525">
                   <a:solidFill>
                     <a:srgbClr val="000000"/>
                   </a:solidFill>
@@ -4555,7 +4551,7 @@
             </a:ln>
             <a:extLst>
               <a:ext uri="{91240B29-F687-4f45-9708-019B960494DF}">
-                <a14:hiddenLine xmlns="" xmlns:a14="http://schemas.microsoft.com/office/drawing/2010/main" w="9525">
+                <a14:hiddenLine xmlns:a14="http://schemas.microsoft.com/office/drawing/2010/main" xmlns="" w="9525">
                   <a:solidFill>
                     <a:srgbClr val="000000"/>
                   </a:solidFill>
@@ -4675,7 +4671,7 @@
             </a:ln>
             <a:extLst>
               <a:ext uri="{91240B29-F687-4f45-9708-019B960494DF}">
-                <a14:hiddenLine xmlns="" xmlns:a14="http://schemas.microsoft.com/office/drawing/2010/main" w="9525">
+                <a14:hiddenLine xmlns:a14="http://schemas.microsoft.com/office/drawing/2010/main" xmlns="" w="9525">
                   <a:solidFill>
                     <a:srgbClr val="000000"/>
                   </a:solidFill>
@@ -4743,7 +4739,7 @@
             </a:ln>
             <a:extLst>
               <a:ext uri="{91240B29-F687-4f45-9708-019B960494DF}">
-                <a14:hiddenLine xmlns="" xmlns:a14="http://schemas.microsoft.com/office/drawing/2010/main" w="9525">
+                <a14:hiddenLine xmlns:a14="http://schemas.microsoft.com/office/drawing/2010/main" xmlns="" w="9525">
                   <a:solidFill>
                     <a:srgbClr val="000000"/>
                   </a:solidFill>
@@ -4833,7 +4829,7 @@
             </a:ln>
             <a:extLst>
               <a:ext uri="{91240B29-F687-4f45-9708-019B960494DF}">
-                <a14:hiddenLine xmlns="" xmlns:a14="http://schemas.microsoft.com/office/drawing/2010/main" w="9525">
+                <a14:hiddenLine xmlns:a14="http://schemas.microsoft.com/office/drawing/2010/main" xmlns="" w="9525">
                   <a:solidFill>
                     <a:srgbClr val="000000"/>
                   </a:solidFill>
@@ -4973,7 +4969,7 @@
           <a:p>
             <a:fld id="{96DFF08F-DC6B-4601-B491-B0F83F6DD2DA}" type="datetimeFigureOut">
               <a:rPr lang="en-US" smtClean="0"/>
-              <a:t>9/7/2016</a:t>
+              <a:t>9/8/2016</a:t>
             </a:fld>
             <a:endParaRPr lang="en-US" dirty="0"/>
           </a:p>
@@ -5241,7 +5237,7 @@
             <a:fld id="{96DFF08F-DC6B-4601-B491-B0F83F6DD2DA}" type="datetimeFigureOut">
               <a:rPr lang="en-US" smtClean="0"/>
               <a:pPr/>
-              <a:t>9/7/2016</a:t>
+              <a:t>9/8/2016</a:t>
             </a:fld>
             <a:endParaRPr lang="en-US" dirty="0"/>
           </a:p>
@@ -5439,7 +5435,7 @@
             <a:fld id="{96DFF08F-DC6B-4601-B491-B0F83F6DD2DA}" type="datetimeFigureOut">
               <a:rPr lang="en-US" smtClean="0"/>
               <a:pPr/>
-              <a:t>9/7/2016</a:t>
+              <a:t>9/8/2016</a:t>
             </a:fld>
             <a:endParaRPr lang="en-US" dirty="0"/>
           </a:p>
@@ -5704,7 +5700,7 @@
             <a:fld id="{96DFF08F-DC6B-4601-B491-B0F83F6DD2DA}" type="datetimeFigureOut">
               <a:rPr lang="en-US" smtClean="0"/>
               <a:pPr/>
-              <a:t>9/7/2016</a:t>
+              <a:t>9/8/2016</a:t>
             </a:fld>
             <a:endParaRPr lang="en-US" dirty="0"/>
           </a:p>
@@ -6140,7 +6136,7 @@
             <a:fld id="{96DFF08F-DC6B-4601-B491-B0F83F6DD2DA}" type="datetimeFigureOut">
               <a:rPr lang="en-US" smtClean="0"/>
               <a:pPr/>
-              <a:t>9/7/2016</a:t>
+              <a:t>9/8/2016</a:t>
             </a:fld>
             <a:endParaRPr lang="en-US" dirty="0"/>
           </a:p>
@@ -6688,7 +6684,7 @@
             <a:fld id="{96DFF08F-DC6B-4601-B491-B0F83F6DD2DA}" type="datetimeFigureOut">
               <a:rPr lang="en-US" smtClean="0"/>
               <a:pPr/>
-              <a:t>9/7/2016</a:t>
+              <a:t>9/8/2016</a:t>
             </a:fld>
             <a:endParaRPr lang="en-US" dirty="0"/>
           </a:p>
@@ -7410,7 +7406,7 @@
             <a:fld id="{96DFF08F-DC6B-4601-B491-B0F83F6DD2DA}" type="datetimeFigureOut">
               <a:rPr lang="en-US" smtClean="0"/>
               <a:pPr/>
-              <a:t>9/7/2016</a:t>
+              <a:t>9/8/2016</a:t>
             </a:fld>
             <a:endParaRPr lang="en-US" dirty="0"/>
           </a:p>
@@ -7581,7 +7577,7 @@
           <a:p>
             <a:fld id="{96DFF08F-DC6B-4601-B491-B0F83F6DD2DA}" type="datetimeFigureOut">
               <a:rPr lang="en-US" smtClean="0"/>
-              <a:t>9/7/2016</a:t>
+              <a:t>9/8/2016</a:t>
             </a:fld>
             <a:endParaRPr lang="en-US" dirty="0"/>
           </a:p>
@@ -7761,7 +7757,7 @@
           <a:p>
             <a:fld id="{96DFF08F-DC6B-4601-B491-B0F83F6DD2DA}" type="datetimeFigureOut">
               <a:rPr lang="en-US" smtClean="0"/>
-              <a:t>9/7/2016</a:t>
+              <a:t>9/8/2016</a:t>
             </a:fld>
             <a:endParaRPr lang="en-US" dirty="0"/>
           </a:p>
@@ -7931,7 +7927,7 @@
           <a:p>
             <a:fld id="{96DFF08F-DC6B-4601-B491-B0F83F6DD2DA}" type="datetimeFigureOut">
               <a:rPr lang="en-US" smtClean="0"/>
-              <a:t>9/7/2016</a:t>
+              <a:t>9/8/2016</a:t>
             </a:fld>
             <a:endParaRPr lang="en-US" dirty="0"/>
           </a:p>
@@ -8181,7 +8177,7 @@
           <a:p>
             <a:fld id="{96DFF08F-DC6B-4601-B491-B0F83F6DD2DA}" type="datetimeFigureOut">
               <a:rPr lang="en-US" smtClean="0"/>
-              <a:t>9/7/2016</a:t>
+              <a:t>9/8/2016</a:t>
             </a:fld>
             <a:endParaRPr lang="en-US" dirty="0"/>
           </a:p>
@@ -8413,7 +8409,7 @@
           <a:p>
             <a:fld id="{96DFF08F-DC6B-4601-B491-B0F83F6DD2DA}" type="datetimeFigureOut">
               <a:rPr lang="en-US" smtClean="0"/>
-              <a:t>9/7/2016</a:t>
+              <a:t>9/8/2016</a:t>
             </a:fld>
             <a:endParaRPr lang="en-US" dirty="0"/>
           </a:p>
@@ -8794,7 +8790,7 @@
           <a:p>
             <a:fld id="{96DFF08F-DC6B-4601-B491-B0F83F6DD2DA}" type="datetimeFigureOut">
               <a:rPr lang="en-US" smtClean="0"/>
-              <a:t>9/7/2016</a:t>
+              <a:t>9/8/2016</a:t>
             </a:fld>
             <a:endParaRPr lang="en-US" dirty="0"/>
           </a:p>
@@ -8912,7 +8908,7 @@
           <a:p>
             <a:fld id="{96DFF08F-DC6B-4601-B491-B0F83F6DD2DA}" type="datetimeFigureOut">
               <a:rPr lang="en-US" smtClean="0"/>
-              <a:t>9/7/2016</a:t>
+              <a:t>9/8/2016</a:t>
             </a:fld>
             <a:endParaRPr lang="en-US" dirty="0"/>
           </a:p>
@@ -9007,7 +9003,7 @@
           <a:p>
             <a:fld id="{96DFF08F-DC6B-4601-B491-B0F83F6DD2DA}" type="datetimeFigureOut">
               <a:rPr lang="en-US" smtClean="0"/>
-              <a:t>9/7/2016</a:t>
+              <a:t>9/8/2016</a:t>
             </a:fld>
             <a:endParaRPr lang="en-US" dirty="0"/>
           </a:p>
@@ -9256,7 +9252,7 @@
           <a:p>
             <a:fld id="{96DFF08F-DC6B-4601-B491-B0F83F6DD2DA}" type="datetimeFigureOut">
               <a:rPr lang="en-US" smtClean="0"/>
-              <a:t>9/7/2016</a:t>
+              <a:t>9/8/2016</a:t>
             </a:fld>
             <a:endParaRPr lang="en-US" dirty="0"/>
           </a:p>
@@ -9536,7 +9532,7 @@
           <a:p>
             <a:fld id="{96DFF08F-DC6B-4601-B491-B0F83F6DD2DA}" type="datetimeFigureOut">
               <a:rPr lang="en-US" smtClean="0"/>
-              <a:t>9/7/2016</a:t>
+              <a:t>9/8/2016</a:t>
             </a:fld>
             <a:endParaRPr lang="en-US" dirty="0"/>
           </a:p>
@@ -9652,7 +9648,7 @@
           <a:noFill/>
           <a:extLst>
             <a:ext uri="{909E8E84-426E-40dd-AFC4-6F175D3DCCD1}">
-              <a14:hiddenFill xmlns="" xmlns:a14="http://schemas.microsoft.com/office/drawing/2010/main">
+              <a14:hiddenFill xmlns:a14="http://schemas.microsoft.com/office/drawing/2010/main" xmlns="">
                 <a:solidFill>
                   <a:srgbClr val="FFFFFF"/>
                 </a:solidFill>
@@ -9726,7 +9722,7 @@
               </a:ln>
               <a:extLst>
                 <a:ext uri="{91240B29-F687-4f45-9708-019B960494DF}">
-                  <a14:hiddenLine xmlns="" xmlns:a14="http://schemas.microsoft.com/office/drawing/2010/main" w="9525">
+                  <a14:hiddenLine xmlns:a14="http://schemas.microsoft.com/office/drawing/2010/main" xmlns="" w="9525">
                     <a:solidFill>
                       <a:srgbClr val="000000"/>
                     </a:solidFill>
@@ -9816,7 +9812,7 @@
               </a:ln>
               <a:extLst>
                 <a:ext uri="{91240B29-F687-4f45-9708-019B960494DF}">
-                  <a14:hiddenLine xmlns="" xmlns:a14="http://schemas.microsoft.com/office/drawing/2010/main" w="9525">
+                  <a14:hiddenLine xmlns:a14="http://schemas.microsoft.com/office/drawing/2010/main" xmlns="" w="9525">
                     <a:solidFill>
                       <a:srgbClr val="000000"/>
                     </a:solidFill>
@@ -9906,7 +9902,7 @@
               </a:ln>
               <a:extLst>
                 <a:ext uri="{91240B29-F687-4f45-9708-019B960494DF}">
-                  <a14:hiddenLine xmlns="" xmlns:a14="http://schemas.microsoft.com/office/drawing/2010/main" w="9525">
+                  <a14:hiddenLine xmlns:a14="http://schemas.microsoft.com/office/drawing/2010/main" xmlns="" w="9525">
                     <a:solidFill>
                       <a:srgbClr val="000000"/>
                     </a:solidFill>
@@ -9968,7 +9964,7 @@
               </a:ln>
               <a:extLst>
                 <a:ext uri="{91240B29-F687-4f45-9708-019B960494DF}">
-                  <a14:hiddenLine xmlns="" xmlns:a14="http://schemas.microsoft.com/office/drawing/2010/main" w="9525">
+                  <a14:hiddenLine xmlns:a14="http://schemas.microsoft.com/office/drawing/2010/main" xmlns="" w="9525">
                     <a:solidFill>
                       <a:srgbClr val="000000"/>
                     </a:solidFill>
@@ -10058,7 +10054,7 @@
               </a:ln>
               <a:extLst>
                 <a:ext uri="{91240B29-F687-4f45-9708-019B960494DF}">
-                  <a14:hiddenLine xmlns="" xmlns:a14="http://schemas.microsoft.com/office/drawing/2010/main" w="9525">
+                  <a14:hiddenLine xmlns:a14="http://schemas.microsoft.com/office/drawing/2010/main" xmlns="" w="9525">
                     <a:solidFill>
                       <a:srgbClr val="000000"/>
                     </a:solidFill>
@@ -10120,7 +10116,7 @@
               </a:ln>
               <a:extLst>
                 <a:ext uri="{91240B29-F687-4f45-9708-019B960494DF}">
-                  <a14:hiddenLine xmlns="" xmlns:a14="http://schemas.microsoft.com/office/drawing/2010/main" w="9525">
+                  <a14:hiddenLine xmlns:a14="http://schemas.microsoft.com/office/drawing/2010/main" xmlns="" w="9525">
                     <a:solidFill>
                       <a:srgbClr val="000000"/>
                     </a:solidFill>
@@ -10182,7 +10178,7 @@
               </a:ln>
               <a:extLst>
                 <a:ext uri="{91240B29-F687-4f45-9708-019B960494DF}">
-                  <a14:hiddenLine xmlns="" xmlns:a14="http://schemas.microsoft.com/office/drawing/2010/main" w="9525">
+                  <a14:hiddenLine xmlns:a14="http://schemas.microsoft.com/office/drawing/2010/main" xmlns="" w="9525">
                     <a:solidFill>
                       <a:srgbClr val="000000"/>
                     </a:solidFill>
@@ -10272,7 +10268,7 @@
               </a:ln>
               <a:extLst>
                 <a:ext uri="{91240B29-F687-4f45-9708-019B960494DF}">
-                  <a14:hiddenLine xmlns="" xmlns:a14="http://schemas.microsoft.com/office/drawing/2010/main" w="9525">
+                  <a14:hiddenLine xmlns:a14="http://schemas.microsoft.com/office/drawing/2010/main" xmlns="" w="9525">
                     <a:solidFill>
                       <a:srgbClr val="000000"/>
                     </a:solidFill>
@@ -10362,7 +10358,7 @@
               </a:ln>
               <a:extLst>
                 <a:ext uri="{91240B29-F687-4f45-9708-019B960494DF}">
-                  <a14:hiddenLine xmlns="" xmlns:a14="http://schemas.microsoft.com/office/drawing/2010/main" w="9525">
+                  <a14:hiddenLine xmlns:a14="http://schemas.microsoft.com/office/drawing/2010/main" xmlns="" w="9525">
                     <a:solidFill>
                       <a:srgbClr val="000000"/>
                     </a:solidFill>
@@ -10424,7 +10420,7 @@
               </a:ln>
               <a:extLst>
                 <a:ext uri="{91240B29-F687-4f45-9708-019B960494DF}">
-                  <a14:hiddenLine xmlns="" xmlns:a14="http://schemas.microsoft.com/office/drawing/2010/main" w="9525">
+                  <a14:hiddenLine xmlns:a14="http://schemas.microsoft.com/office/drawing/2010/main" xmlns="" w="9525">
                     <a:solidFill>
                       <a:srgbClr val="000000"/>
                     </a:solidFill>
@@ -10534,7 +10530,7 @@
               </a:ln>
               <a:extLst>
                 <a:ext uri="{91240B29-F687-4f45-9708-019B960494DF}">
-                  <a14:hiddenLine xmlns="" xmlns:a14="http://schemas.microsoft.com/office/drawing/2010/main" w="9525">
+                  <a14:hiddenLine xmlns:a14="http://schemas.microsoft.com/office/drawing/2010/main" xmlns="" w="9525">
                     <a:solidFill>
                       <a:srgbClr val="000000"/>
                     </a:solidFill>
@@ -10618,7 +10614,7 @@
               </a:ln>
               <a:extLst>
                 <a:ext uri="{91240B29-F687-4f45-9708-019B960494DF}">
-                  <a14:hiddenLine xmlns="" xmlns:a14="http://schemas.microsoft.com/office/drawing/2010/main" w="9525">
+                  <a14:hiddenLine xmlns:a14="http://schemas.microsoft.com/office/drawing/2010/main" xmlns="" w="9525">
                     <a:solidFill>
                       <a:srgbClr val="000000"/>
                     </a:solidFill>
@@ -10680,7 +10676,7 @@
               </a:ln>
               <a:extLst>
                 <a:ext uri="{91240B29-F687-4f45-9708-019B960494DF}">
-                  <a14:hiddenLine xmlns="" xmlns:a14="http://schemas.microsoft.com/office/drawing/2010/main" w="9525">
+                  <a14:hiddenLine xmlns:a14="http://schemas.microsoft.com/office/drawing/2010/main" xmlns="" w="9525">
                     <a:solidFill>
                       <a:srgbClr val="000000"/>
                     </a:solidFill>
@@ -10742,7 +10738,7 @@
               </a:ln>
               <a:extLst>
                 <a:ext uri="{91240B29-F687-4f45-9708-019B960494DF}">
-                  <a14:hiddenLine xmlns="" xmlns:a14="http://schemas.microsoft.com/office/drawing/2010/main" w="9525">
+                  <a14:hiddenLine xmlns:a14="http://schemas.microsoft.com/office/drawing/2010/main" xmlns="" w="9525">
                     <a:solidFill>
                       <a:srgbClr val="000000"/>
                     </a:solidFill>
@@ -10832,7 +10828,7 @@
               </a:ln>
               <a:extLst>
                 <a:ext uri="{91240B29-F687-4f45-9708-019B960494DF}">
-                  <a14:hiddenLine xmlns="" xmlns:a14="http://schemas.microsoft.com/office/drawing/2010/main" w="9525">
+                  <a14:hiddenLine xmlns:a14="http://schemas.microsoft.com/office/drawing/2010/main" xmlns="" w="9525">
                     <a:solidFill>
                       <a:srgbClr val="000000"/>
                     </a:solidFill>
@@ -10866,7 +10862,7 @@
               </a:ln>
               <a:extLst>
                 <a:ext uri="{91240B29-F687-4f45-9708-019B960494DF}">
-                  <a14:hiddenLine xmlns="" xmlns:a14="http://schemas.microsoft.com/office/drawing/2010/main" w="9525">
+                  <a14:hiddenLine xmlns:a14="http://schemas.microsoft.com/office/drawing/2010/main" xmlns="" w="9525">
                     <a:solidFill>
                       <a:srgbClr val="000000"/>
                     </a:solidFill>
@@ -10931,7 +10927,7 @@
               </a:ln>
               <a:extLst>
                 <a:ext uri="{91240B29-F687-4f45-9708-019B960494DF}">
-                  <a14:hiddenLine xmlns="" xmlns:a14="http://schemas.microsoft.com/office/drawing/2010/main" w="9525">
+                  <a14:hiddenLine xmlns:a14="http://schemas.microsoft.com/office/drawing/2010/main" xmlns="" w="9525">
                     <a:solidFill>
                       <a:srgbClr val="000000"/>
                     </a:solidFill>
@@ -11021,7 +11017,7 @@
               </a:ln>
               <a:extLst>
                 <a:ext uri="{91240B29-F687-4f45-9708-019B960494DF}">
-                  <a14:hiddenLine xmlns="" xmlns:a14="http://schemas.microsoft.com/office/drawing/2010/main" w="9525">
+                  <a14:hiddenLine xmlns:a14="http://schemas.microsoft.com/office/drawing/2010/main" xmlns="" w="9525">
                     <a:solidFill>
                       <a:srgbClr val="000000"/>
                     </a:solidFill>
@@ -11083,7 +11079,7 @@
               </a:ln>
               <a:extLst>
                 <a:ext uri="{91240B29-F687-4f45-9708-019B960494DF}">
-                  <a14:hiddenLine xmlns="" xmlns:a14="http://schemas.microsoft.com/office/drawing/2010/main" w="9525">
+                  <a14:hiddenLine xmlns:a14="http://schemas.microsoft.com/office/drawing/2010/main" xmlns="" w="9525">
                     <a:solidFill>
                       <a:srgbClr val="000000"/>
                     </a:solidFill>
@@ -11173,7 +11169,7 @@
               </a:ln>
               <a:extLst>
                 <a:ext uri="{91240B29-F687-4f45-9708-019B960494DF}">
-                  <a14:hiddenLine xmlns="" xmlns:a14="http://schemas.microsoft.com/office/drawing/2010/main" w="9525">
+                  <a14:hiddenLine xmlns:a14="http://schemas.microsoft.com/office/drawing/2010/main" xmlns="" w="9525">
                     <a:solidFill>
                       <a:srgbClr val="000000"/>
                     </a:solidFill>
@@ -11238,7 +11234,7 @@
               </a:ln>
               <a:extLst>
                 <a:ext uri="{91240B29-F687-4f45-9708-019B960494DF}">
-                  <a14:hiddenLine xmlns="" xmlns:a14="http://schemas.microsoft.com/office/drawing/2010/main" w="9525">
+                  <a14:hiddenLine xmlns:a14="http://schemas.microsoft.com/office/drawing/2010/main" xmlns="" w="9525">
                     <a:solidFill>
                       <a:srgbClr val="000000"/>
                     </a:solidFill>
@@ -11300,7 +11296,7 @@
               </a:ln>
               <a:extLst>
                 <a:ext uri="{91240B29-F687-4f45-9708-019B960494DF}">
-                  <a14:hiddenLine xmlns="" xmlns:a14="http://schemas.microsoft.com/office/drawing/2010/main" w="9525">
+                  <a14:hiddenLine xmlns:a14="http://schemas.microsoft.com/office/drawing/2010/main" xmlns="" w="9525">
                     <a:solidFill>
                       <a:srgbClr val="000000"/>
                     </a:solidFill>
@@ -11390,7 +11386,7 @@
               </a:ln>
               <a:extLst>
                 <a:ext uri="{91240B29-F687-4f45-9708-019B960494DF}">
-                  <a14:hiddenLine xmlns="" xmlns:a14="http://schemas.microsoft.com/office/drawing/2010/main" w="9525">
+                  <a14:hiddenLine xmlns:a14="http://schemas.microsoft.com/office/drawing/2010/main" xmlns="" w="9525">
                     <a:solidFill>
                       <a:srgbClr val="000000"/>
                     </a:solidFill>
@@ -11480,7 +11476,7 @@
               </a:ln>
               <a:extLst>
                 <a:ext uri="{91240B29-F687-4f45-9708-019B960494DF}">
-                  <a14:hiddenLine xmlns="" xmlns:a14="http://schemas.microsoft.com/office/drawing/2010/main" w="9525">
+                  <a14:hiddenLine xmlns:a14="http://schemas.microsoft.com/office/drawing/2010/main" xmlns="" w="9525">
                     <a:solidFill>
                       <a:srgbClr val="000000"/>
                     </a:solidFill>
@@ -11545,7 +11541,7 @@
               </a:ln>
               <a:extLst>
                 <a:ext uri="{91240B29-F687-4f45-9708-019B960494DF}">
-                  <a14:hiddenLine xmlns="" xmlns:a14="http://schemas.microsoft.com/office/drawing/2010/main" w="9525">
+                  <a14:hiddenLine xmlns:a14="http://schemas.microsoft.com/office/drawing/2010/main" xmlns="" w="9525">
                     <a:solidFill>
                       <a:srgbClr val="000000"/>
                     </a:solidFill>
@@ -11665,7 +11661,7 @@
               </a:ln>
               <a:extLst>
                 <a:ext uri="{91240B29-F687-4f45-9708-019B960494DF}">
-                  <a14:hiddenLine xmlns="" xmlns:a14="http://schemas.microsoft.com/office/drawing/2010/main" w="9525">
+                  <a14:hiddenLine xmlns:a14="http://schemas.microsoft.com/office/drawing/2010/main" xmlns="" w="9525">
                     <a:solidFill>
                       <a:srgbClr val="000000"/>
                     </a:solidFill>
@@ -11763,7 +11759,7 @@
               </a:ln>
               <a:extLst>
                 <a:ext uri="{91240B29-F687-4f45-9708-019B960494DF}">
-                  <a14:hiddenLine xmlns="" xmlns:a14="http://schemas.microsoft.com/office/drawing/2010/main" w="9525">
+                  <a14:hiddenLine xmlns:a14="http://schemas.microsoft.com/office/drawing/2010/main" xmlns="" w="9525">
                     <a:solidFill>
                       <a:srgbClr val="000000"/>
                     </a:solidFill>
@@ -11878,7 +11874,7 @@
               </a:ln>
               <a:extLst>
                 <a:ext uri="{91240B29-F687-4f45-9708-019B960494DF}">
-                  <a14:hiddenLine xmlns="" xmlns:a14="http://schemas.microsoft.com/office/drawing/2010/main" w="9525">
+                  <a14:hiddenLine xmlns:a14="http://schemas.microsoft.com/office/drawing/2010/main" xmlns="" w="9525">
                     <a:solidFill>
                       <a:srgbClr val="000000"/>
                     </a:solidFill>
@@ -11968,7 +11964,7 @@
               </a:ln>
               <a:extLst>
                 <a:ext uri="{91240B29-F687-4f45-9708-019B960494DF}">
-                  <a14:hiddenLine xmlns="" xmlns:a14="http://schemas.microsoft.com/office/drawing/2010/main" w="9525">
+                  <a14:hiddenLine xmlns:a14="http://schemas.microsoft.com/office/drawing/2010/main" xmlns="" w="9525">
                     <a:solidFill>
                       <a:srgbClr val="000000"/>
                     </a:solidFill>
@@ -12033,7 +12029,7 @@
               </a:ln>
               <a:extLst>
                 <a:ext uri="{91240B29-F687-4f45-9708-019B960494DF}">
-                  <a14:hiddenLine xmlns="" xmlns:a14="http://schemas.microsoft.com/office/drawing/2010/main" w="9525">
+                  <a14:hiddenLine xmlns:a14="http://schemas.microsoft.com/office/drawing/2010/main" xmlns="" w="9525">
                     <a:solidFill>
                       <a:srgbClr val="000000"/>
                     </a:solidFill>
@@ -12123,7 +12119,7 @@
               </a:ln>
               <a:extLst>
                 <a:ext uri="{91240B29-F687-4f45-9708-019B960494DF}">
-                  <a14:hiddenLine xmlns="" xmlns:a14="http://schemas.microsoft.com/office/drawing/2010/main" w="9525">
+                  <a14:hiddenLine xmlns:a14="http://schemas.microsoft.com/office/drawing/2010/main" xmlns="" w="9525">
                     <a:solidFill>
                       <a:srgbClr val="000000"/>
                     </a:solidFill>
@@ -12191,7 +12187,7 @@
               </a:ln>
               <a:extLst>
                 <a:ext uri="{91240B29-F687-4f45-9708-019B960494DF}">
-                  <a14:hiddenLine xmlns="" xmlns:a14="http://schemas.microsoft.com/office/drawing/2010/main" w="9525">
+                  <a14:hiddenLine xmlns:a14="http://schemas.microsoft.com/office/drawing/2010/main" xmlns="" w="9525">
                     <a:solidFill>
                       <a:srgbClr val="000000"/>
                     </a:solidFill>
@@ -12281,7 +12277,7 @@
               </a:ln>
               <a:extLst>
                 <a:ext uri="{91240B29-F687-4f45-9708-019B960494DF}">
-                  <a14:hiddenLine xmlns="" xmlns:a14="http://schemas.microsoft.com/office/drawing/2010/main" w="9525">
+                  <a14:hiddenLine xmlns:a14="http://schemas.microsoft.com/office/drawing/2010/main" xmlns="" w="9525">
                     <a:solidFill>
                       <a:srgbClr val="000000"/>
                     </a:solidFill>
@@ -12349,7 +12345,7 @@
               </a:ln>
               <a:extLst>
                 <a:ext uri="{91240B29-F687-4f45-9708-019B960494DF}">
-                  <a14:hiddenLine xmlns="" xmlns:a14="http://schemas.microsoft.com/office/drawing/2010/main" w="9525">
+                  <a14:hiddenLine xmlns:a14="http://schemas.microsoft.com/office/drawing/2010/main" xmlns="" w="9525">
                     <a:solidFill>
                       <a:srgbClr val="000000"/>
                     </a:solidFill>
@@ -12439,7 +12435,7 @@
               </a:ln>
               <a:extLst>
                 <a:ext uri="{91240B29-F687-4f45-9708-019B960494DF}">
-                  <a14:hiddenLine xmlns="" xmlns:a14="http://schemas.microsoft.com/office/drawing/2010/main" w="9525">
+                  <a14:hiddenLine xmlns:a14="http://schemas.microsoft.com/office/drawing/2010/main" xmlns="" w="9525">
                     <a:solidFill>
                       <a:srgbClr val="000000"/>
                     </a:solidFill>
@@ -12473,7 +12469,7 @@
               </a:ln>
               <a:extLst>
                 <a:ext uri="{91240B29-F687-4f45-9708-019B960494DF}">
-                  <a14:hiddenLine xmlns="" xmlns:a14="http://schemas.microsoft.com/office/drawing/2010/main" w="9525">
+                  <a14:hiddenLine xmlns:a14="http://schemas.microsoft.com/office/drawing/2010/main" xmlns="" w="9525">
                     <a:solidFill>
                       <a:srgbClr val="000000"/>
                     </a:solidFill>
@@ -12614,7 +12610,7 @@
             <a:fld id="{96DFF08F-DC6B-4601-B491-B0F83F6DD2DA}" type="datetimeFigureOut">
               <a:rPr lang="en-US" smtClean="0"/>
               <a:pPr/>
-              <a:t>9/7/2016</a:t>
+              <a:t>9/8/2016</a:t>
             </a:fld>
             <a:endParaRPr lang="en-US" dirty="0"/>
           </a:p>
@@ -13099,6 +13095,13 @@
   <p:clrMapOvr>
     <a:masterClrMapping/>
   </p:clrMapOvr>
+  <p:timing>
+    <p:tnLst>
+      <p:par>
+        <p:cTn id="1" dur="indefinite" restart="never" nodeType="tmRoot"/>
+      </p:par>
+    </p:tnLst>
+  </p:timing>
 </p:sld>
 </file>
 
@@ -13419,11 +13422,7 @@
             </a:r>
             <a:r>
               <a:rPr lang="en-US" cap="none" smtClean="0"/>
-              <a:t>with </a:t>
-            </a:r>
-            <a:r>
-              <a:rPr lang="en-US" cap="none" smtClean="0"/>
-              <a:t>miR-148a </a:t>
+              <a:t>with miR-148a </a:t>
             </a:r>
             <a:endParaRPr lang="en-AU" cap="none" dirty="0"/>
           </a:p>
@@ -13511,25 +13510,56 @@
           </a:p>
         </p:txBody>
       </p:sp>
-      <p:sp>
-        <p:nvSpPr>
-          <p:cNvPr id="3" name="Content Placeholder 2"/>
-          <p:cNvSpPr>
-            <a:spLocks noGrp="1"/>
-          </p:cNvSpPr>
+      <p:pic>
+        <p:nvPicPr>
+          <p:cNvPr id="5" name="Picture 4"/>
+          <p:cNvPicPr>
+            <a:picLocks noChangeAspect="1"/>
+          </p:cNvPicPr>
+          <p:nvPr/>
+        </p:nvPicPr>
+        <p:blipFill>
+          <a:blip r:embed="rId2"/>
+          <a:stretch>
+            <a:fillRect/>
+          </a:stretch>
+        </p:blipFill>
+        <p:spPr>
+          <a:xfrm>
+            <a:off x="1623403" y="2183524"/>
+            <a:ext cx="7579390" cy="2745353"/>
+          </a:xfrm>
+          <a:prstGeom prst="rect">
+            <a:avLst/>
+          </a:prstGeom>
+        </p:spPr>
+      </p:pic>
+      <p:pic>
+        <p:nvPicPr>
+          <p:cNvPr id="7" name="Content Placeholder 6"/>
+          <p:cNvPicPr>
+            <a:picLocks noGrp="1" noChangeAspect="1"/>
+          </p:cNvPicPr>
           <p:nvPr>
             <p:ph idx="1"/>
           </p:nvPr>
-        </p:nvSpPr>
-        <p:spPr/>
-        <p:txBody>
-          <a:bodyPr/>
-          <a:lstStyle/>
-          <a:p>
-            <a:endParaRPr lang="en-AU"/>
-          </a:p>
-        </p:txBody>
-      </p:sp>
+        </p:nvPicPr>
+        <p:blipFill>
+          <a:blip r:embed="rId3"/>
+          <a:stretch>
+            <a:fillRect/>
+          </a:stretch>
+        </p:blipFill>
+        <p:spPr>
+          <a:xfrm>
+            <a:off x="3376834" y="1095703"/>
+            <a:ext cx="6594172" cy="4445289"/>
+          </a:xfrm>
+          <a:prstGeom prst="rect">
+            <a:avLst/>
+          </a:prstGeom>
+        </p:spPr>
+      </p:pic>
     </p:spTree>
     <p:extLst>
       <p:ext uri="{BB962C8B-B14F-4D97-AF65-F5344CB8AC3E}">
@@ -13543,7 +13573,75 @@
   <p:timing>
     <p:tnLst>
       <p:par>
-        <p:cTn id="1" dur="indefinite" restart="never" nodeType="tmRoot"/>
+        <p:cTn id="1" dur="indefinite" restart="never" nodeType="tmRoot">
+          <p:childTnLst>
+            <p:seq concurrent="1" nextAc="seek">
+              <p:cTn id="2" dur="indefinite" nodeType="mainSeq">
+                <p:childTnLst>
+                  <p:par>
+                    <p:cTn id="3" fill="hold">
+                      <p:stCondLst>
+                        <p:cond delay="indefinite"/>
+                      </p:stCondLst>
+                      <p:childTnLst>
+                        <p:par>
+                          <p:cTn id="4" fill="hold">
+                            <p:stCondLst>
+                              <p:cond delay="0"/>
+                            </p:stCondLst>
+                            <p:childTnLst>
+                              <p:par>
+                                <p:cTn id="5" presetID="1" presetClass="entr" presetSubtype="0" fill="hold" nodeType="clickEffect">
+                                  <p:stCondLst>
+                                    <p:cond delay="0"/>
+                                  </p:stCondLst>
+                                  <p:childTnLst>
+                                    <p:set>
+                                      <p:cBhvr>
+                                        <p:cTn id="6" dur="1" fill="hold">
+                                          <p:stCondLst>
+                                            <p:cond delay="0"/>
+                                          </p:stCondLst>
+                                        </p:cTn>
+                                        <p:tgtEl>
+                                          <p:spTgt spid="7"/>
+                                        </p:tgtEl>
+                                        <p:attrNameLst>
+                                          <p:attrName>style.visibility</p:attrName>
+                                        </p:attrNameLst>
+                                      </p:cBhvr>
+                                      <p:to>
+                                        <p:strVal val="visible"/>
+                                      </p:to>
+                                    </p:set>
+                                  </p:childTnLst>
+                                </p:cTn>
+                              </p:par>
+                            </p:childTnLst>
+                          </p:cTn>
+                        </p:par>
+                      </p:childTnLst>
+                    </p:cTn>
+                  </p:par>
+                </p:childTnLst>
+              </p:cTn>
+              <p:prevCondLst>
+                <p:cond evt="onPrev" delay="0">
+                  <p:tgtEl>
+                    <p:sldTgt/>
+                  </p:tgtEl>
+                </p:cond>
+              </p:prevCondLst>
+              <p:nextCondLst>
+                <p:cond evt="onNext" delay="0">
+                  <p:tgtEl>
+                    <p:sldTgt/>
+                  </p:tgtEl>
+                </p:cond>
+              </p:nextCondLst>
+            </p:seq>
+          </p:childTnLst>
+        </p:cTn>
       </p:par>
     </p:tnLst>
   </p:timing>
@@ -14800,6 +14898,13 @@
   <p:clrMapOvr>
     <a:masterClrMapping/>
   </p:clrMapOvr>
+  <p:timing>
+    <p:tnLst>
+      <p:par>
+        <p:cTn id="1" dur="indefinite" restart="never" nodeType="tmRoot"/>
+      </p:par>
+    </p:tnLst>
+  </p:timing>
 </p:sld>
 </file>
 
@@ -14870,7 +14975,7 @@
         </p:spPr>
         <p:txBody>
           <a:bodyPr>
-            <a:normAutofit fontScale="85000" lnSpcReduction="20000"/>
+            <a:normAutofit fontScale="92500" lnSpcReduction="10000"/>
           </a:bodyPr>
           <a:lstStyle/>
           <a:p>
@@ -15075,7 +15180,7 @@
         </p:spPr>
         <p:txBody>
           <a:bodyPr>
-            <a:normAutofit fontScale="92500"/>
+            <a:normAutofit/>
           </a:bodyPr>
           <a:lstStyle/>
           <a:p>
@@ -15099,7 +15204,7 @@
           <a:p>
             <a:r>
               <a:rPr lang="en-AU" dirty="0"/>
-              <a:t>c</a:t>
+              <a:t>C</a:t>
             </a:r>
             <a:r>
               <a:rPr lang="en-AU" dirty="0" smtClean="0"/>
@@ -15257,7 +15362,7 @@
         </p:spPr>
         <p:txBody>
           <a:bodyPr>
-            <a:normAutofit lnSpcReduction="10000"/>
+            <a:normAutofit/>
           </a:bodyPr>
           <a:lstStyle/>
           <a:p>
@@ -15368,7 +15473,7 @@
         </p:spPr>
         <p:txBody>
           <a:bodyPr>
-            <a:normAutofit fontScale="90000"/>
+            <a:normAutofit/>
           </a:bodyPr>
           <a:lstStyle/>
           <a:p>
@@ -15412,14 +15517,28 @@
             </a:r>
             <a:r>
               <a:rPr lang="en-US" dirty="0" smtClean="0"/>
-              <a:t> modified?</a:t>
-            </a:r>
+              <a:t> modified</a:t>
+            </a:r>
+            <a:r>
+              <a:rPr lang="en-US" dirty="0" smtClean="0"/>
+              <a:t>?</a:t>
+            </a:r>
+          </a:p>
+          <a:p>
+            <a:endParaRPr lang="en-US" dirty="0" smtClean="0"/>
           </a:p>
           <a:p>
             <a:r>
               <a:rPr lang="en-AU" dirty="0" smtClean="0"/>
-              <a:t>5miRs significantly attenuated by cavin-1</a:t>
-            </a:r>
+              <a:t>5miRs significantly attenuated by </a:t>
+            </a:r>
+            <a:r>
+              <a:rPr lang="en-AU" dirty="0" smtClean="0"/>
+              <a:t>cavin-1</a:t>
+            </a:r>
+          </a:p>
+          <a:p>
+            <a:endParaRPr lang="en-AU" dirty="0" smtClean="0"/>
           </a:p>
           <a:p>
             <a:r>
@@ -16624,24 +16743,14 @@
           <a:p>
             <a:r>
               <a:rPr lang="en-US" dirty="0" smtClean="0"/>
-              <a:t>miR-148a-3p: </a:t>
-            </a:r>
+              <a:t>miR-148a-3p: 	AGUGCA</a:t>
+            </a:r>
+          </a:p>
+          <a:p>
             <a:r>
               <a:rPr lang="en-US" dirty="0" smtClean="0"/>
-              <a:t>	AGUGCA</a:t>
-            </a:r>
-            <a:endParaRPr lang="en-US" dirty="0" smtClean="0"/>
-          </a:p>
-          <a:p>
-            <a:r>
-              <a:rPr lang="en-US" dirty="0" smtClean="0"/>
-              <a:t>miR-148b-3p: </a:t>
-            </a:r>
-            <a:r>
-              <a:rPr lang="en-US" dirty="0" smtClean="0"/>
-              <a:t>	AGUGCA</a:t>
-            </a:r>
-            <a:endParaRPr lang="en-US" dirty="0" smtClean="0"/>
+              <a:t>miR-148b-3p: 	AGUGCA</a:t>
+            </a:r>
           </a:p>
           <a:p>
             <a:r>
@@ -16664,20 +16773,23 @@
             </a:r>
             <a:r>
               <a:rPr lang="en-US" dirty="0" smtClean="0"/>
-              <a:t>	AUUGCA</a:t>
+              <a:t>AUUGCA</a:t>
             </a:r>
             <a:endParaRPr lang="en-US" dirty="0" smtClean="0"/>
           </a:p>
           <a:p>
             <a:r>
               <a:rPr lang="en-US" dirty="0" smtClean="0"/>
-              <a:t>miR-17-5p:	</a:t>
+              <a:t>miR-17-5p</a:t>
+            </a:r>
+            <a:r>
+              <a:rPr lang="en-US" dirty="0" smtClean="0"/>
+              <a:t>:</a:t>
             </a:r>
             <a:r>
               <a:rPr lang="en-US" dirty="0" smtClean="0"/>
               <a:t>	AGUGCU</a:t>
             </a:r>
-            <a:endParaRPr lang="en-US" dirty="0" smtClean="0"/>
           </a:p>
           <a:p>
             <a:r>
@@ -16762,7 +16874,7 @@
         <p:spPr>
           <a:xfrm>
             <a:off x="8996996" y="1558670"/>
-            <a:ext cx="2995466" cy="2308324"/>
+            <a:ext cx="2995466" cy="2031325"/>
           </a:xfrm>
           <a:prstGeom prst="rect">
             <a:avLst/>
@@ -16799,7 +16911,7 @@
             </a:r>
             <a:r>
               <a:rPr lang="en-US" dirty="0" smtClean="0"/>
-              <a:t>	UGUGCG</a:t>
+              <a:t>UGUGCG</a:t>
             </a:r>
             <a:endParaRPr lang="en-US" dirty="0"/>
           </a:p>
@@ -17189,7 +17301,7 @@
         </p:nvSpPr>
         <p:spPr>
           <a:xfrm>
-            <a:off x="6716043" y="1532198"/>
+            <a:off x="6716043" y="1697736"/>
             <a:ext cx="4331368" cy="4401205"/>
           </a:xfrm>
           <a:prstGeom prst="rect">

--- a/BackgroundInfo/MeetingSept.pptx
+++ b/BackgroundInfo/MeetingSept.pptx
@@ -213,7 +213,7 @@
           <a:p>
             <a:fld id="{952B9887-EF61-4F00-93DD-31949B706F82}" type="datetimeFigureOut">
               <a:rPr lang="en-AU" smtClean="0"/>
-              <a:t>8/09/2016</a:t>
+              <a:t>17/09/2016</a:t>
             </a:fld>
             <a:endParaRPr lang="en-AU"/>
           </a:p>
@@ -743,7 +743,7 @@
           <a:noFill/>
           <a:extLst>
             <a:ext uri="{909E8E84-426E-40dd-AFC4-6F175D3DCCD1}">
-              <a14:hiddenFill xmlns:a14="http://schemas.microsoft.com/office/drawing/2010/main" xmlns="">
+              <a14:hiddenFill xmlns="" xmlns:a14="http://schemas.microsoft.com/office/drawing/2010/main">
                 <a:solidFill>
                   <a:srgbClr val="FFFFFF"/>
                 </a:solidFill>
@@ -803,7 +803,7 @@
             </a:ln>
             <a:extLst>
               <a:ext uri="{91240B29-F687-4f45-9708-019B960494DF}">
-                <a14:hiddenLine xmlns:a14="http://schemas.microsoft.com/office/drawing/2010/main" xmlns="" w="9525">
+                <a14:hiddenLine xmlns="" xmlns:a14="http://schemas.microsoft.com/office/drawing/2010/main" w="9525">
                   <a:solidFill>
                     <a:srgbClr val="000000"/>
                   </a:solidFill>
@@ -893,7 +893,7 @@
             </a:ln>
             <a:extLst>
               <a:ext uri="{91240B29-F687-4f45-9708-019B960494DF}">
-                <a14:hiddenLine xmlns:a14="http://schemas.microsoft.com/office/drawing/2010/main" xmlns="" w="9525">
+                <a14:hiddenLine xmlns="" xmlns:a14="http://schemas.microsoft.com/office/drawing/2010/main" w="9525">
                   <a:solidFill>
                     <a:srgbClr val="000000"/>
                   </a:solidFill>
@@ -983,7 +983,7 @@
             </a:ln>
             <a:extLst>
               <a:ext uri="{91240B29-F687-4f45-9708-019B960494DF}">
-                <a14:hiddenLine xmlns:a14="http://schemas.microsoft.com/office/drawing/2010/main" xmlns="" w="9525">
+                <a14:hiddenLine xmlns="" xmlns:a14="http://schemas.microsoft.com/office/drawing/2010/main" w="9525">
                   <a:solidFill>
                     <a:srgbClr val="000000"/>
                   </a:solidFill>
@@ -1017,7 +1017,7 @@
             </a:ln>
             <a:extLst>
               <a:ext uri="{91240B29-F687-4f45-9708-019B960494DF}">
-                <a14:hiddenLine xmlns:a14="http://schemas.microsoft.com/office/drawing/2010/main" xmlns="" w="9525">
+                <a14:hiddenLine xmlns="" xmlns:a14="http://schemas.microsoft.com/office/drawing/2010/main" w="9525">
                   <a:solidFill>
                     <a:srgbClr val="000000"/>
                   </a:solidFill>
@@ -1107,7 +1107,7 @@
             </a:ln>
             <a:extLst>
               <a:ext uri="{91240B29-F687-4f45-9708-019B960494DF}">
-                <a14:hiddenLine xmlns:a14="http://schemas.microsoft.com/office/drawing/2010/main" xmlns="" w="9525">
+                <a14:hiddenLine xmlns="" xmlns:a14="http://schemas.microsoft.com/office/drawing/2010/main" w="9525">
                   <a:solidFill>
                     <a:srgbClr val="000000"/>
                   </a:solidFill>
@@ -1169,7 +1169,7 @@
             </a:ln>
             <a:extLst>
               <a:ext uri="{91240B29-F687-4f45-9708-019B960494DF}">
-                <a14:hiddenLine xmlns:a14="http://schemas.microsoft.com/office/drawing/2010/main" xmlns="" w="9525">
+                <a14:hiddenLine xmlns="" xmlns:a14="http://schemas.microsoft.com/office/drawing/2010/main" w="9525">
                   <a:solidFill>
                     <a:srgbClr val="000000"/>
                   </a:solidFill>
@@ -1231,7 +1231,7 @@
             </a:ln>
             <a:extLst>
               <a:ext uri="{91240B29-F687-4f45-9708-019B960494DF}">
-                <a14:hiddenLine xmlns:a14="http://schemas.microsoft.com/office/drawing/2010/main" xmlns="" w="9525">
+                <a14:hiddenLine xmlns="" xmlns:a14="http://schemas.microsoft.com/office/drawing/2010/main" w="9525">
                   <a:solidFill>
                     <a:srgbClr val="000000"/>
                   </a:solidFill>
@@ -1321,7 +1321,7 @@
             </a:ln>
             <a:extLst>
               <a:ext uri="{91240B29-F687-4f45-9708-019B960494DF}">
-                <a14:hiddenLine xmlns:a14="http://schemas.microsoft.com/office/drawing/2010/main" xmlns="" w="9525">
+                <a14:hiddenLine xmlns="" xmlns:a14="http://schemas.microsoft.com/office/drawing/2010/main" w="9525">
                   <a:solidFill>
                     <a:srgbClr val="000000"/>
                   </a:solidFill>
@@ -1383,7 +1383,7 @@
             </a:ln>
             <a:extLst>
               <a:ext uri="{91240B29-F687-4f45-9708-019B960494DF}">
-                <a14:hiddenLine xmlns:a14="http://schemas.microsoft.com/office/drawing/2010/main" xmlns="" w="9525">
+                <a14:hiddenLine xmlns="" xmlns:a14="http://schemas.microsoft.com/office/drawing/2010/main" w="9525">
                   <a:solidFill>
                     <a:srgbClr val="000000"/>
                   </a:solidFill>
@@ -1445,7 +1445,7 @@
             </a:ln>
             <a:extLst>
               <a:ext uri="{91240B29-F687-4f45-9708-019B960494DF}">
-                <a14:hiddenLine xmlns:a14="http://schemas.microsoft.com/office/drawing/2010/main" xmlns="" w="9525">
+                <a14:hiddenLine xmlns="" xmlns:a14="http://schemas.microsoft.com/office/drawing/2010/main" w="9525">
                   <a:solidFill>
                     <a:srgbClr val="000000"/>
                   </a:solidFill>
@@ -1535,7 +1535,7 @@
             </a:ln>
             <a:extLst>
               <a:ext uri="{91240B29-F687-4f45-9708-019B960494DF}">
-                <a14:hiddenLine xmlns:a14="http://schemas.microsoft.com/office/drawing/2010/main" xmlns="" w="9525">
+                <a14:hiddenLine xmlns="" xmlns:a14="http://schemas.microsoft.com/office/drawing/2010/main" w="9525">
                   <a:solidFill>
                     <a:srgbClr val="000000"/>
                   </a:solidFill>
@@ -1625,7 +1625,7 @@
             </a:ln>
             <a:extLst>
               <a:ext uri="{91240B29-F687-4f45-9708-019B960494DF}">
-                <a14:hiddenLine xmlns:a14="http://schemas.microsoft.com/office/drawing/2010/main" xmlns="" w="9525">
+                <a14:hiddenLine xmlns="" xmlns:a14="http://schemas.microsoft.com/office/drawing/2010/main" w="9525">
                   <a:solidFill>
                     <a:srgbClr val="000000"/>
                   </a:solidFill>
@@ -1687,7 +1687,7 @@
             </a:ln>
             <a:extLst>
               <a:ext uri="{91240B29-F687-4f45-9708-019B960494DF}">
-                <a14:hiddenLine xmlns:a14="http://schemas.microsoft.com/office/drawing/2010/main" xmlns="" w="9525">
+                <a14:hiddenLine xmlns="" xmlns:a14="http://schemas.microsoft.com/office/drawing/2010/main" w="9525">
                   <a:solidFill>
                     <a:srgbClr val="000000"/>
                   </a:solidFill>
@@ -1797,7 +1797,7 @@
             </a:ln>
             <a:extLst>
               <a:ext uri="{91240B29-F687-4f45-9708-019B960494DF}">
-                <a14:hiddenLine xmlns:a14="http://schemas.microsoft.com/office/drawing/2010/main" xmlns="" w="9525">
+                <a14:hiddenLine xmlns="" xmlns:a14="http://schemas.microsoft.com/office/drawing/2010/main" w="9525">
                   <a:solidFill>
                     <a:srgbClr val="000000"/>
                   </a:solidFill>
@@ -1859,7 +1859,7 @@
             </a:ln>
             <a:extLst>
               <a:ext uri="{91240B29-F687-4f45-9708-019B960494DF}">
-                <a14:hiddenLine xmlns:a14="http://schemas.microsoft.com/office/drawing/2010/main" xmlns="" w="9525">
+                <a14:hiddenLine xmlns="" xmlns:a14="http://schemas.microsoft.com/office/drawing/2010/main" w="9525">
                   <a:solidFill>
                     <a:srgbClr val="000000"/>
                   </a:solidFill>
@@ -1949,7 +1949,7 @@
             </a:ln>
             <a:extLst>
               <a:ext uri="{91240B29-F687-4f45-9708-019B960494DF}">
-                <a14:hiddenLine xmlns:a14="http://schemas.microsoft.com/office/drawing/2010/main" xmlns="" w="9525">
+                <a14:hiddenLine xmlns="" xmlns:a14="http://schemas.microsoft.com/office/drawing/2010/main" w="9525">
                   <a:solidFill>
                     <a:srgbClr val="000000"/>
                   </a:solidFill>
@@ -2039,7 +2039,7 @@
             </a:ln>
             <a:extLst>
               <a:ext uri="{91240B29-F687-4f45-9708-019B960494DF}">
-                <a14:hiddenLine xmlns:a14="http://schemas.microsoft.com/office/drawing/2010/main" xmlns="" w="9525">
+                <a14:hiddenLine xmlns="" xmlns:a14="http://schemas.microsoft.com/office/drawing/2010/main" w="9525">
                   <a:solidFill>
                     <a:srgbClr val="000000"/>
                   </a:solidFill>
@@ -2101,7 +2101,7 @@
             </a:ln>
             <a:extLst>
               <a:ext uri="{91240B29-F687-4f45-9708-019B960494DF}">
-                <a14:hiddenLine xmlns:a14="http://schemas.microsoft.com/office/drawing/2010/main" xmlns="" w="9525">
+                <a14:hiddenLine xmlns="" xmlns:a14="http://schemas.microsoft.com/office/drawing/2010/main" w="9525">
                   <a:solidFill>
                     <a:srgbClr val="000000"/>
                   </a:solidFill>
@@ -2191,7 +2191,7 @@
             </a:ln>
             <a:extLst>
               <a:ext uri="{91240B29-F687-4f45-9708-019B960494DF}">
-                <a14:hiddenLine xmlns:a14="http://schemas.microsoft.com/office/drawing/2010/main" xmlns="" w="9525">
+                <a14:hiddenLine xmlns="" xmlns:a14="http://schemas.microsoft.com/office/drawing/2010/main" w="9525">
                   <a:solidFill>
                     <a:srgbClr val="000000"/>
                   </a:solidFill>
@@ -2281,7 +2281,7 @@
             </a:ln>
             <a:extLst>
               <a:ext uri="{91240B29-F687-4f45-9708-019B960494DF}">
-                <a14:hiddenLine xmlns:a14="http://schemas.microsoft.com/office/drawing/2010/main" xmlns="" w="9525">
+                <a14:hiddenLine xmlns="" xmlns:a14="http://schemas.microsoft.com/office/drawing/2010/main" w="9525">
                   <a:solidFill>
                     <a:srgbClr val="000000"/>
                   </a:solidFill>
@@ -2337,7 +2337,7 @@
             </a:ln>
             <a:extLst>
               <a:ext uri="{91240B29-F687-4f45-9708-019B960494DF}">
-                <a14:hiddenLine xmlns:a14="http://schemas.microsoft.com/office/drawing/2010/main" xmlns="" w="9525">
+                <a14:hiddenLine xmlns="" xmlns:a14="http://schemas.microsoft.com/office/drawing/2010/main" w="9525">
                   <a:solidFill>
                     <a:srgbClr val="000000"/>
                   </a:solidFill>
@@ -2427,7 +2427,7 @@
             </a:ln>
             <a:extLst>
               <a:ext uri="{91240B29-F687-4f45-9708-019B960494DF}">
-                <a14:hiddenLine xmlns:a14="http://schemas.microsoft.com/office/drawing/2010/main" xmlns="" w="9525">
+                <a14:hiddenLine xmlns="" xmlns:a14="http://schemas.microsoft.com/office/drawing/2010/main" w="9525">
                   <a:solidFill>
                     <a:srgbClr val="000000"/>
                   </a:solidFill>
@@ -2483,7 +2483,7 @@
             </a:ln>
             <a:extLst>
               <a:ext uri="{91240B29-F687-4f45-9708-019B960494DF}">
-                <a14:hiddenLine xmlns:a14="http://schemas.microsoft.com/office/drawing/2010/main" xmlns="" w="9525">
+                <a14:hiddenLine xmlns="" xmlns:a14="http://schemas.microsoft.com/office/drawing/2010/main" w="9525">
                   <a:solidFill>
                     <a:srgbClr val="000000"/>
                   </a:solidFill>
@@ -2573,7 +2573,7 @@
             </a:ln>
             <a:extLst>
               <a:ext uri="{91240B29-F687-4f45-9708-019B960494DF}">
-                <a14:hiddenLine xmlns:a14="http://schemas.microsoft.com/office/drawing/2010/main" xmlns="" w="9525">
+                <a14:hiddenLine xmlns="" xmlns:a14="http://schemas.microsoft.com/office/drawing/2010/main" w="9525">
                   <a:solidFill>
                     <a:srgbClr val="000000"/>
                   </a:solidFill>
@@ -2641,7 +2641,7 @@
             </a:ln>
             <a:extLst>
               <a:ext uri="{91240B29-F687-4f45-9708-019B960494DF}">
-                <a14:hiddenLine xmlns:a14="http://schemas.microsoft.com/office/drawing/2010/main" xmlns="" w="9525">
+                <a14:hiddenLine xmlns="" xmlns:a14="http://schemas.microsoft.com/office/drawing/2010/main" w="9525">
                   <a:solidFill>
                     <a:srgbClr val="000000"/>
                   </a:solidFill>
@@ -2731,7 +2731,7 @@
             </a:ln>
             <a:extLst>
               <a:ext uri="{91240B29-F687-4f45-9708-019B960494DF}">
-                <a14:hiddenLine xmlns:a14="http://schemas.microsoft.com/office/drawing/2010/main" xmlns="" w="9525">
+                <a14:hiddenLine xmlns="" xmlns:a14="http://schemas.microsoft.com/office/drawing/2010/main" w="9525">
                   <a:solidFill>
                     <a:srgbClr val="000000"/>
                   </a:solidFill>
@@ -2799,7 +2799,7 @@
             </a:ln>
             <a:extLst>
               <a:ext uri="{91240B29-F687-4f45-9708-019B960494DF}">
-                <a14:hiddenLine xmlns:a14="http://schemas.microsoft.com/office/drawing/2010/main" xmlns="" w="9525">
+                <a14:hiddenLine xmlns="" xmlns:a14="http://schemas.microsoft.com/office/drawing/2010/main" w="9525">
                   <a:solidFill>
                     <a:srgbClr val="000000"/>
                   </a:solidFill>
@@ -2889,7 +2889,7 @@
             </a:ln>
             <a:extLst>
               <a:ext uri="{91240B29-F687-4f45-9708-019B960494DF}">
-                <a14:hiddenLine xmlns:a14="http://schemas.microsoft.com/office/drawing/2010/main" xmlns="" w="9525">
+                <a14:hiddenLine xmlns="" xmlns:a14="http://schemas.microsoft.com/office/drawing/2010/main" w="9525">
                   <a:solidFill>
                     <a:srgbClr val="000000"/>
                   </a:solidFill>
@@ -2923,7 +2923,7 @@
             </a:ln>
             <a:extLst>
               <a:ext uri="{91240B29-F687-4f45-9708-019B960494DF}">
-                <a14:hiddenLine xmlns:a14="http://schemas.microsoft.com/office/drawing/2010/main" xmlns="" w="9525">
+                <a14:hiddenLine xmlns="" xmlns:a14="http://schemas.microsoft.com/office/drawing/2010/main" w="9525">
                   <a:solidFill>
                     <a:srgbClr val="000000"/>
                   </a:solidFill>
@@ -3013,7 +3013,7 @@
             </a:ln>
             <a:extLst>
               <a:ext uri="{91240B29-F687-4f45-9708-019B960494DF}">
-                <a14:hiddenLine xmlns:a14="http://schemas.microsoft.com/office/drawing/2010/main" xmlns="" w="9525">
+                <a14:hiddenLine xmlns="" xmlns:a14="http://schemas.microsoft.com/office/drawing/2010/main" w="9525">
                   <a:solidFill>
                     <a:srgbClr val="000000"/>
                   </a:solidFill>
@@ -3075,7 +3075,7 @@
             </a:ln>
             <a:extLst>
               <a:ext uri="{91240B29-F687-4f45-9708-019B960494DF}">
-                <a14:hiddenLine xmlns:a14="http://schemas.microsoft.com/office/drawing/2010/main" xmlns="" w="9525">
+                <a14:hiddenLine xmlns="" xmlns:a14="http://schemas.microsoft.com/office/drawing/2010/main" w="9525">
                   <a:solidFill>
                     <a:srgbClr val="000000"/>
                   </a:solidFill>
@@ -3137,7 +3137,7 @@
             </a:ln>
             <a:extLst>
               <a:ext uri="{91240B29-F687-4f45-9708-019B960494DF}">
-                <a14:hiddenLine xmlns:a14="http://schemas.microsoft.com/office/drawing/2010/main" xmlns="" w="9525">
+                <a14:hiddenLine xmlns="" xmlns:a14="http://schemas.microsoft.com/office/drawing/2010/main" w="9525">
                   <a:solidFill>
                     <a:srgbClr val="000000"/>
                   </a:solidFill>
@@ -3227,7 +3227,7 @@
             </a:ln>
             <a:extLst>
               <a:ext uri="{91240B29-F687-4f45-9708-019B960494DF}">
-                <a14:hiddenLine xmlns:a14="http://schemas.microsoft.com/office/drawing/2010/main" xmlns="" w="9525">
+                <a14:hiddenLine xmlns="" xmlns:a14="http://schemas.microsoft.com/office/drawing/2010/main" w="9525">
                   <a:solidFill>
                     <a:srgbClr val="000000"/>
                   </a:solidFill>
@@ -3295,7 +3295,7 @@
             </a:ln>
             <a:extLst>
               <a:ext uri="{91240B29-F687-4f45-9708-019B960494DF}">
-                <a14:hiddenLine xmlns:a14="http://schemas.microsoft.com/office/drawing/2010/main" xmlns="" w="9525">
+                <a14:hiddenLine xmlns="" xmlns:a14="http://schemas.microsoft.com/office/drawing/2010/main" w="9525">
                   <a:solidFill>
                     <a:srgbClr val="000000"/>
                   </a:solidFill>
@@ -3357,7 +3357,7 @@
             </a:ln>
             <a:extLst>
               <a:ext uri="{91240B29-F687-4f45-9708-019B960494DF}">
-                <a14:hiddenLine xmlns:a14="http://schemas.microsoft.com/office/drawing/2010/main" xmlns="" w="9525">
+                <a14:hiddenLine xmlns="" xmlns:a14="http://schemas.microsoft.com/office/drawing/2010/main" w="9525">
                   <a:solidFill>
                     <a:srgbClr val="000000"/>
                   </a:solidFill>
@@ -3447,7 +3447,7 @@
             </a:ln>
             <a:extLst>
               <a:ext uri="{91240B29-F687-4f45-9708-019B960494DF}">
-                <a14:hiddenLine xmlns:a14="http://schemas.microsoft.com/office/drawing/2010/main" xmlns="" w="9525">
+                <a14:hiddenLine xmlns="" xmlns:a14="http://schemas.microsoft.com/office/drawing/2010/main" w="9525">
                   <a:solidFill>
                     <a:srgbClr val="000000"/>
                   </a:solidFill>
@@ -3509,7 +3509,7 @@
             </a:ln>
             <a:extLst>
               <a:ext uri="{91240B29-F687-4f45-9708-019B960494DF}">
-                <a14:hiddenLine xmlns:a14="http://schemas.microsoft.com/office/drawing/2010/main" xmlns="" w="9525">
+                <a14:hiddenLine xmlns="" xmlns:a14="http://schemas.microsoft.com/office/drawing/2010/main" w="9525">
                   <a:solidFill>
                     <a:srgbClr val="000000"/>
                   </a:solidFill>
@@ -3599,7 +3599,7 @@
             </a:ln>
             <a:extLst>
               <a:ext uri="{91240B29-F687-4f45-9708-019B960494DF}">
-                <a14:hiddenLine xmlns:a14="http://schemas.microsoft.com/office/drawing/2010/main" xmlns="" w="9525">
+                <a14:hiddenLine xmlns="" xmlns:a14="http://schemas.microsoft.com/office/drawing/2010/main" w="9525">
                   <a:solidFill>
                     <a:srgbClr val="000000"/>
                   </a:solidFill>
@@ -3661,7 +3661,7 @@
             </a:ln>
             <a:extLst>
               <a:ext uri="{91240B29-F687-4f45-9708-019B960494DF}">
-                <a14:hiddenLine xmlns:a14="http://schemas.microsoft.com/office/drawing/2010/main" xmlns="" w="9525">
+                <a14:hiddenLine xmlns="" xmlns:a14="http://schemas.microsoft.com/office/drawing/2010/main" w="9525">
                   <a:solidFill>
                     <a:srgbClr val="000000"/>
                   </a:solidFill>
@@ -3751,7 +3751,7 @@
             </a:ln>
             <a:extLst>
               <a:ext uri="{91240B29-F687-4f45-9708-019B960494DF}">
-                <a14:hiddenLine xmlns:a14="http://schemas.microsoft.com/office/drawing/2010/main" xmlns="" w="9525">
+                <a14:hiddenLine xmlns="" xmlns:a14="http://schemas.microsoft.com/office/drawing/2010/main" w="9525">
                   <a:solidFill>
                     <a:srgbClr val="000000"/>
                   </a:solidFill>
@@ -3785,7 +3785,7 @@
             </a:ln>
             <a:extLst>
               <a:ext uri="{91240B29-F687-4f45-9708-019B960494DF}">
-                <a14:hiddenLine xmlns:a14="http://schemas.microsoft.com/office/drawing/2010/main" xmlns="" w="9525">
+                <a14:hiddenLine xmlns="" xmlns:a14="http://schemas.microsoft.com/office/drawing/2010/main" w="9525">
                   <a:solidFill>
                     <a:srgbClr val="000000"/>
                   </a:solidFill>
@@ -3850,7 +3850,7 @@
             </a:ln>
             <a:extLst>
               <a:ext uri="{91240B29-F687-4f45-9708-019B960494DF}">
-                <a14:hiddenLine xmlns:a14="http://schemas.microsoft.com/office/drawing/2010/main" xmlns="" w="9525">
+                <a14:hiddenLine xmlns="" xmlns:a14="http://schemas.microsoft.com/office/drawing/2010/main" w="9525">
                   <a:solidFill>
                     <a:srgbClr val="000000"/>
                   </a:solidFill>
@@ -3940,7 +3940,7 @@
             </a:ln>
             <a:extLst>
               <a:ext uri="{91240B29-F687-4f45-9708-019B960494DF}">
-                <a14:hiddenLine xmlns:a14="http://schemas.microsoft.com/office/drawing/2010/main" xmlns="" w="9525">
+                <a14:hiddenLine xmlns="" xmlns:a14="http://schemas.microsoft.com/office/drawing/2010/main" w="9525">
                   <a:solidFill>
                     <a:srgbClr val="000000"/>
                   </a:solidFill>
@@ -4002,7 +4002,7 @@
             </a:ln>
             <a:extLst>
               <a:ext uri="{91240B29-F687-4f45-9708-019B960494DF}">
-                <a14:hiddenLine xmlns:a14="http://schemas.microsoft.com/office/drawing/2010/main" xmlns="" w="9525">
+                <a14:hiddenLine xmlns="" xmlns:a14="http://schemas.microsoft.com/office/drawing/2010/main" w="9525">
                   <a:solidFill>
                     <a:srgbClr val="000000"/>
                   </a:solidFill>
@@ -4092,7 +4092,7 @@
             </a:ln>
             <a:extLst>
               <a:ext uri="{91240B29-F687-4f45-9708-019B960494DF}">
-                <a14:hiddenLine xmlns:a14="http://schemas.microsoft.com/office/drawing/2010/main" xmlns="" w="9525">
+                <a14:hiddenLine xmlns="" xmlns:a14="http://schemas.microsoft.com/office/drawing/2010/main" w="9525">
                   <a:solidFill>
                     <a:srgbClr val="000000"/>
                   </a:solidFill>
@@ -4182,7 +4182,7 @@
             </a:ln>
             <a:extLst>
               <a:ext uri="{91240B29-F687-4f45-9708-019B960494DF}">
-                <a14:hiddenLine xmlns:a14="http://schemas.microsoft.com/office/drawing/2010/main" xmlns="" w="9525">
+                <a14:hiddenLine xmlns="" xmlns:a14="http://schemas.microsoft.com/office/drawing/2010/main" w="9525">
                   <a:solidFill>
                     <a:srgbClr val="000000"/>
                   </a:solidFill>
@@ -4247,7 +4247,7 @@
             </a:ln>
             <a:extLst>
               <a:ext uri="{91240B29-F687-4f45-9708-019B960494DF}">
-                <a14:hiddenLine xmlns:a14="http://schemas.microsoft.com/office/drawing/2010/main" xmlns="" w="9525">
+                <a14:hiddenLine xmlns="" xmlns:a14="http://schemas.microsoft.com/office/drawing/2010/main" w="9525">
                   <a:solidFill>
                     <a:srgbClr val="000000"/>
                   </a:solidFill>
@@ -4309,7 +4309,7 @@
             </a:ln>
             <a:extLst>
               <a:ext uri="{91240B29-F687-4f45-9708-019B960494DF}">
-                <a14:hiddenLine xmlns:a14="http://schemas.microsoft.com/office/drawing/2010/main" xmlns="" w="9525">
+                <a14:hiddenLine xmlns="" xmlns:a14="http://schemas.microsoft.com/office/drawing/2010/main" w="9525">
                   <a:solidFill>
                     <a:srgbClr val="000000"/>
                   </a:solidFill>
@@ -4399,7 +4399,7 @@
             </a:ln>
             <a:extLst>
               <a:ext uri="{91240B29-F687-4f45-9708-019B960494DF}">
-                <a14:hiddenLine xmlns:a14="http://schemas.microsoft.com/office/drawing/2010/main" xmlns="" w="9525">
+                <a14:hiddenLine xmlns="" xmlns:a14="http://schemas.microsoft.com/office/drawing/2010/main" w="9525">
                   <a:solidFill>
                     <a:srgbClr val="000000"/>
                   </a:solidFill>
@@ -4489,7 +4489,7 @@
             </a:ln>
             <a:extLst>
               <a:ext uri="{91240B29-F687-4f45-9708-019B960494DF}">
-                <a14:hiddenLine xmlns:a14="http://schemas.microsoft.com/office/drawing/2010/main" xmlns="" w="9525">
+                <a14:hiddenLine xmlns="" xmlns:a14="http://schemas.microsoft.com/office/drawing/2010/main" w="9525">
                   <a:solidFill>
                     <a:srgbClr val="000000"/>
                   </a:solidFill>
@@ -4551,7 +4551,7 @@
             </a:ln>
             <a:extLst>
               <a:ext uri="{91240B29-F687-4f45-9708-019B960494DF}">
-                <a14:hiddenLine xmlns:a14="http://schemas.microsoft.com/office/drawing/2010/main" xmlns="" w="9525">
+                <a14:hiddenLine xmlns="" xmlns:a14="http://schemas.microsoft.com/office/drawing/2010/main" w="9525">
                   <a:solidFill>
                     <a:srgbClr val="000000"/>
                   </a:solidFill>
@@ -4671,7 +4671,7 @@
             </a:ln>
             <a:extLst>
               <a:ext uri="{91240B29-F687-4f45-9708-019B960494DF}">
-                <a14:hiddenLine xmlns:a14="http://schemas.microsoft.com/office/drawing/2010/main" xmlns="" w="9525">
+                <a14:hiddenLine xmlns="" xmlns:a14="http://schemas.microsoft.com/office/drawing/2010/main" w="9525">
                   <a:solidFill>
                     <a:srgbClr val="000000"/>
                   </a:solidFill>
@@ -4739,7 +4739,7 @@
             </a:ln>
             <a:extLst>
               <a:ext uri="{91240B29-F687-4f45-9708-019B960494DF}">
-                <a14:hiddenLine xmlns:a14="http://schemas.microsoft.com/office/drawing/2010/main" xmlns="" w="9525">
+                <a14:hiddenLine xmlns="" xmlns:a14="http://schemas.microsoft.com/office/drawing/2010/main" w="9525">
                   <a:solidFill>
                     <a:srgbClr val="000000"/>
                   </a:solidFill>
@@ -4829,7 +4829,7 @@
             </a:ln>
             <a:extLst>
               <a:ext uri="{91240B29-F687-4f45-9708-019B960494DF}">
-                <a14:hiddenLine xmlns:a14="http://schemas.microsoft.com/office/drawing/2010/main" xmlns="" w="9525">
+                <a14:hiddenLine xmlns="" xmlns:a14="http://schemas.microsoft.com/office/drawing/2010/main" w="9525">
                   <a:solidFill>
                     <a:srgbClr val="000000"/>
                   </a:solidFill>
@@ -4969,7 +4969,7 @@
           <a:p>
             <a:fld id="{96DFF08F-DC6B-4601-B491-B0F83F6DD2DA}" type="datetimeFigureOut">
               <a:rPr lang="en-US" smtClean="0"/>
-              <a:t>9/8/2016</a:t>
+              <a:t>9/17/2016</a:t>
             </a:fld>
             <a:endParaRPr lang="en-US" dirty="0"/>
           </a:p>
@@ -5237,7 +5237,7 @@
             <a:fld id="{96DFF08F-DC6B-4601-B491-B0F83F6DD2DA}" type="datetimeFigureOut">
               <a:rPr lang="en-US" smtClean="0"/>
               <a:pPr/>
-              <a:t>9/8/2016</a:t>
+              <a:t>9/17/2016</a:t>
             </a:fld>
             <a:endParaRPr lang="en-US" dirty="0"/>
           </a:p>
@@ -5435,7 +5435,7 @@
             <a:fld id="{96DFF08F-DC6B-4601-B491-B0F83F6DD2DA}" type="datetimeFigureOut">
               <a:rPr lang="en-US" smtClean="0"/>
               <a:pPr/>
-              <a:t>9/8/2016</a:t>
+              <a:t>9/17/2016</a:t>
             </a:fld>
             <a:endParaRPr lang="en-US" dirty="0"/>
           </a:p>
@@ -5700,7 +5700,7 @@
             <a:fld id="{96DFF08F-DC6B-4601-B491-B0F83F6DD2DA}" type="datetimeFigureOut">
               <a:rPr lang="en-US" smtClean="0"/>
               <a:pPr/>
-              <a:t>9/8/2016</a:t>
+              <a:t>9/17/2016</a:t>
             </a:fld>
             <a:endParaRPr lang="en-US" dirty="0"/>
           </a:p>
@@ -6136,7 +6136,7 @@
             <a:fld id="{96DFF08F-DC6B-4601-B491-B0F83F6DD2DA}" type="datetimeFigureOut">
               <a:rPr lang="en-US" smtClean="0"/>
               <a:pPr/>
-              <a:t>9/8/2016</a:t>
+              <a:t>9/17/2016</a:t>
             </a:fld>
             <a:endParaRPr lang="en-US" dirty="0"/>
           </a:p>
@@ -6684,7 +6684,7 @@
             <a:fld id="{96DFF08F-DC6B-4601-B491-B0F83F6DD2DA}" type="datetimeFigureOut">
               <a:rPr lang="en-US" smtClean="0"/>
               <a:pPr/>
-              <a:t>9/8/2016</a:t>
+              <a:t>9/17/2016</a:t>
             </a:fld>
             <a:endParaRPr lang="en-US" dirty="0"/>
           </a:p>
@@ -7406,7 +7406,7 @@
             <a:fld id="{96DFF08F-DC6B-4601-B491-B0F83F6DD2DA}" type="datetimeFigureOut">
               <a:rPr lang="en-US" smtClean="0"/>
               <a:pPr/>
-              <a:t>9/8/2016</a:t>
+              <a:t>9/17/2016</a:t>
             </a:fld>
             <a:endParaRPr lang="en-US" dirty="0"/>
           </a:p>
@@ -7577,7 +7577,7 @@
           <a:p>
             <a:fld id="{96DFF08F-DC6B-4601-B491-B0F83F6DD2DA}" type="datetimeFigureOut">
               <a:rPr lang="en-US" smtClean="0"/>
-              <a:t>9/8/2016</a:t>
+              <a:t>9/17/2016</a:t>
             </a:fld>
             <a:endParaRPr lang="en-US" dirty="0"/>
           </a:p>
@@ -7757,7 +7757,7 @@
           <a:p>
             <a:fld id="{96DFF08F-DC6B-4601-B491-B0F83F6DD2DA}" type="datetimeFigureOut">
               <a:rPr lang="en-US" smtClean="0"/>
-              <a:t>9/8/2016</a:t>
+              <a:t>9/17/2016</a:t>
             </a:fld>
             <a:endParaRPr lang="en-US" dirty="0"/>
           </a:p>
@@ -7927,7 +7927,7 @@
           <a:p>
             <a:fld id="{96DFF08F-DC6B-4601-B491-B0F83F6DD2DA}" type="datetimeFigureOut">
               <a:rPr lang="en-US" smtClean="0"/>
-              <a:t>9/8/2016</a:t>
+              <a:t>9/17/2016</a:t>
             </a:fld>
             <a:endParaRPr lang="en-US" dirty="0"/>
           </a:p>
@@ -8177,7 +8177,7 @@
           <a:p>
             <a:fld id="{96DFF08F-DC6B-4601-B491-B0F83F6DD2DA}" type="datetimeFigureOut">
               <a:rPr lang="en-US" smtClean="0"/>
-              <a:t>9/8/2016</a:t>
+              <a:t>9/17/2016</a:t>
             </a:fld>
             <a:endParaRPr lang="en-US" dirty="0"/>
           </a:p>
@@ -8409,7 +8409,7 @@
           <a:p>
             <a:fld id="{96DFF08F-DC6B-4601-B491-B0F83F6DD2DA}" type="datetimeFigureOut">
               <a:rPr lang="en-US" smtClean="0"/>
-              <a:t>9/8/2016</a:t>
+              <a:t>9/17/2016</a:t>
             </a:fld>
             <a:endParaRPr lang="en-US" dirty="0"/>
           </a:p>
@@ -8790,7 +8790,7 @@
           <a:p>
             <a:fld id="{96DFF08F-DC6B-4601-B491-B0F83F6DD2DA}" type="datetimeFigureOut">
               <a:rPr lang="en-US" smtClean="0"/>
-              <a:t>9/8/2016</a:t>
+              <a:t>9/17/2016</a:t>
             </a:fld>
             <a:endParaRPr lang="en-US" dirty="0"/>
           </a:p>
@@ -8908,7 +8908,7 @@
           <a:p>
             <a:fld id="{96DFF08F-DC6B-4601-B491-B0F83F6DD2DA}" type="datetimeFigureOut">
               <a:rPr lang="en-US" smtClean="0"/>
-              <a:t>9/8/2016</a:t>
+              <a:t>9/17/2016</a:t>
             </a:fld>
             <a:endParaRPr lang="en-US" dirty="0"/>
           </a:p>
@@ -9003,7 +9003,7 @@
           <a:p>
             <a:fld id="{96DFF08F-DC6B-4601-B491-B0F83F6DD2DA}" type="datetimeFigureOut">
               <a:rPr lang="en-US" smtClean="0"/>
-              <a:t>9/8/2016</a:t>
+              <a:t>9/17/2016</a:t>
             </a:fld>
             <a:endParaRPr lang="en-US" dirty="0"/>
           </a:p>
@@ -9252,7 +9252,7 @@
           <a:p>
             <a:fld id="{96DFF08F-DC6B-4601-B491-B0F83F6DD2DA}" type="datetimeFigureOut">
               <a:rPr lang="en-US" smtClean="0"/>
-              <a:t>9/8/2016</a:t>
+              <a:t>9/17/2016</a:t>
             </a:fld>
             <a:endParaRPr lang="en-US" dirty="0"/>
           </a:p>
@@ -9532,7 +9532,7 @@
           <a:p>
             <a:fld id="{96DFF08F-DC6B-4601-B491-B0F83F6DD2DA}" type="datetimeFigureOut">
               <a:rPr lang="en-US" smtClean="0"/>
-              <a:t>9/8/2016</a:t>
+              <a:t>9/17/2016</a:t>
             </a:fld>
             <a:endParaRPr lang="en-US" dirty="0"/>
           </a:p>
@@ -9648,7 +9648,7 @@
           <a:noFill/>
           <a:extLst>
             <a:ext uri="{909E8E84-426E-40dd-AFC4-6F175D3DCCD1}">
-              <a14:hiddenFill xmlns:a14="http://schemas.microsoft.com/office/drawing/2010/main" xmlns="">
+              <a14:hiddenFill xmlns="" xmlns:a14="http://schemas.microsoft.com/office/drawing/2010/main">
                 <a:solidFill>
                   <a:srgbClr val="FFFFFF"/>
                 </a:solidFill>
@@ -9722,7 +9722,7 @@
               </a:ln>
               <a:extLst>
                 <a:ext uri="{91240B29-F687-4f45-9708-019B960494DF}">
-                  <a14:hiddenLine xmlns:a14="http://schemas.microsoft.com/office/drawing/2010/main" xmlns="" w="9525">
+                  <a14:hiddenLine xmlns="" xmlns:a14="http://schemas.microsoft.com/office/drawing/2010/main" w="9525">
                     <a:solidFill>
                       <a:srgbClr val="000000"/>
                     </a:solidFill>
@@ -9812,7 +9812,7 @@
               </a:ln>
               <a:extLst>
                 <a:ext uri="{91240B29-F687-4f45-9708-019B960494DF}">
-                  <a14:hiddenLine xmlns:a14="http://schemas.microsoft.com/office/drawing/2010/main" xmlns="" w="9525">
+                  <a14:hiddenLine xmlns="" xmlns:a14="http://schemas.microsoft.com/office/drawing/2010/main" w="9525">
                     <a:solidFill>
                       <a:srgbClr val="000000"/>
                     </a:solidFill>
@@ -9902,7 +9902,7 @@
               </a:ln>
               <a:extLst>
                 <a:ext uri="{91240B29-F687-4f45-9708-019B960494DF}">
-                  <a14:hiddenLine xmlns:a14="http://schemas.microsoft.com/office/drawing/2010/main" xmlns="" w="9525">
+                  <a14:hiddenLine xmlns="" xmlns:a14="http://schemas.microsoft.com/office/drawing/2010/main" w="9525">
                     <a:solidFill>
                       <a:srgbClr val="000000"/>
                     </a:solidFill>
@@ -9964,7 +9964,7 @@
               </a:ln>
               <a:extLst>
                 <a:ext uri="{91240B29-F687-4f45-9708-019B960494DF}">
-                  <a14:hiddenLine xmlns:a14="http://schemas.microsoft.com/office/drawing/2010/main" xmlns="" w="9525">
+                  <a14:hiddenLine xmlns="" xmlns:a14="http://schemas.microsoft.com/office/drawing/2010/main" w="9525">
                     <a:solidFill>
                       <a:srgbClr val="000000"/>
                     </a:solidFill>
@@ -10054,7 +10054,7 @@
               </a:ln>
               <a:extLst>
                 <a:ext uri="{91240B29-F687-4f45-9708-019B960494DF}">
-                  <a14:hiddenLine xmlns:a14="http://schemas.microsoft.com/office/drawing/2010/main" xmlns="" w="9525">
+                  <a14:hiddenLine xmlns="" xmlns:a14="http://schemas.microsoft.com/office/drawing/2010/main" w="9525">
                     <a:solidFill>
                       <a:srgbClr val="000000"/>
                     </a:solidFill>
@@ -10116,7 +10116,7 @@
               </a:ln>
               <a:extLst>
                 <a:ext uri="{91240B29-F687-4f45-9708-019B960494DF}">
-                  <a14:hiddenLine xmlns:a14="http://schemas.microsoft.com/office/drawing/2010/main" xmlns="" w="9525">
+                  <a14:hiddenLine xmlns="" xmlns:a14="http://schemas.microsoft.com/office/drawing/2010/main" w="9525">
                     <a:solidFill>
                       <a:srgbClr val="000000"/>
                     </a:solidFill>
@@ -10178,7 +10178,7 @@
               </a:ln>
               <a:extLst>
                 <a:ext uri="{91240B29-F687-4f45-9708-019B960494DF}">
-                  <a14:hiddenLine xmlns:a14="http://schemas.microsoft.com/office/drawing/2010/main" xmlns="" w="9525">
+                  <a14:hiddenLine xmlns="" xmlns:a14="http://schemas.microsoft.com/office/drawing/2010/main" w="9525">
                     <a:solidFill>
                       <a:srgbClr val="000000"/>
                     </a:solidFill>
@@ -10268,7 +10268,7 @@
               </a:ln>
               <a:extLst>
                 <a:ext uri="{91240B29-F687-4f45-9708-019B960494DF}">
-                  <a14:hiddenLine xmlns:a14="http://schemas.microsoft.com/office/drawing/2010/main" xmlns="" w="9525">
+                  <a14:hiddenLine xmlns="" xmlns:a14="http://schemas.microsoft.com/office/drawing/2010/main" w="9525">
                     <a:solidFill>
                       <a:srgbClr val="000000"/>
                     </a:solidFill>
@@ -10358,7 +10358,7 @@
               </a:ln>
               <a:extLst>
                 <a:ext uri="{91240B29-F687-4f45-9708-019B960494DF}">
-                  <a14:hiddenLine xmlns:a14="http://schemas.microsoft.com/office/drawing/2010/main" xmlns="" w="9525">
+                  <a14:hiddenLine xmlns="" xmlns:a14="http://schemas.microsoft.com/office/drawing/2010/main" w="9525">
                     <a:solidFill>
                       <a:srgbClr val="000000"/>
                     </a:solidFill>
@@ -10420,7 +10420,7 @@
               </a:ln>
               <a:extLst>
                 <a:ext uri="{91240B29-F687-4f45-9708-019B960494DF}">
-                  <a14:hiddenLine xmlns:a14="http://schemas.microsoft.com/office/drawing/2010/main" xmlns="" w="9525">
+                  <a14:hiddenLine xmlns="" xmlns:a14="http://schemas.microsoft.com/office/drawing/2010/main" w="9525">
                     <a:solidFill>
                       <a:srgbClr val="000000"/>
                     </a:solidFill>
@@ -10530,7 +10530,7 @@
               </a:ln>
               <a:extLst>
                 <a:ext uri="{91240B29-F687-4f45-9708-019B960494DF}">
-                  <a14:hiddenLine xmlns:a14="http://schemas.microsoft.com/office/drawing/2010/main" xmlns="" w="9525">
+                  <a14:hiddenLine xmlns="" xmlns:a14="http://schemas.microsoft.com/office/drawing/2010/main" w="9525">
                     <a:solidFill>
                       <a:srgbClr val="000000"/>
                     </a:solidFill>
@@ -10614,7 +10614,7 @@
               </a:ln>
               <a:extLst>
                 <a:ext uri="{91240B29-F687-4f45-9708-019B960494DF}">
-                  <a14:hiddenLine xmlns:a14="http://schemas.microsoft.com/office/drawing/2010/main" xmlns="" w="9525">
+                  <a14:hiddenLine xmlns="" xmlns:a14="http://schemas.microsoft.com/office/drawing/2010/main" w="9525">
                     <a:solidFill>
                       <a:srgbClr val="000000"/>
                     </a:solidFill>
@@ -10676,7 +10676,7 @@
               </a:ln>
               <a:extLst>
                 <a:ext uri="{91240B29-F687-4f45-9708-019B960494DF}">
-                  <a14:hiddenLine xmlns:a14="http://schemas.microsoft.com/office/drawing/2010/main" xmlns="" w="9525">
+                  <a14:hiddenLine xmlns="" xmlns:a14="http://schemas.microsoft.com/office/drawing/2010/main" w="9525">
                     <a:solidFill>
                       <a:srgbClr val="000000"/>
                     </a:solidFill>
@@ -10738,7 +10738,7 @@
               </a:ln>
               <a:extLst>
                 <a:ext uri="{91240B29-F687-4f45-9708-019B960494DF}">
-                  <a14:hiddenLine xmlns:a14="http://schemas.microsoft.com/office/drawing/2010/main" xmlns="" w="9525">
+                  <a14:hiddenLine xmlns="" xmlns:a14="http://schemas.microsoft.com/office/drawing/2010/main" w="9525">
                     <a:solidFill>
                       <a:srgbClr val="000000"/>
                     </a:solidFill>
@@ -10828,7 +10828,7 @@
               </a:ln>
               <a:extLst>
                 <a:ext uri="{91240B29-F687-4f45-9708-019B960494DF}">
-                  <a14:hiddenLine xmlns:a14="http://schemas.microsoft.com/office/drawing/2010/main" xmlns="" w="9525">
+                  <a14:hiddenLine xmlns="" xmlns:a14="http://schemas.microsoft.com/office/drawing/2010/main" w="9525">
                     <a:solidFill>
                       <a:srgbClr val="000000"/>
                     </a:solidFill>
@@ -10862,7 +10862,7 @@
               </a:ln>
               <a:extLst>
                 <a:ext uri="{91240B29-F687-4f45-9708-019B960494DF}">
-                  <a14:hiddenLine xmlns:a14="http://schemas.microsoft.com/office/drawing/2010/main" xmlns="" w="9525">
+                  <a14:hiddenLine xmlns="" xmlns:a14="http://schemas.microsoft.com/office/drawing/2010/main" w="9525">
                     <a:solidFill>
                       <a:srgbClr val="000000"/>
                     </a:solidFill>
@@ -10927,7 +10927,7 @@
               </a:ln>
               <a:extLst>
                 <a:ext uri="{91240B29-F687-4f45-9708-019B960494DF}">
-                  <a14:hiddenLine xmlns:a14="http://schemas.microsoft.com/office/drawing/2010/main" xmlns="" w="9525">
+                  <a14:hiddenLine xmlns="" xmlns:a14="http://schemas.microsoft.com/office/drawing/2010/main" w="9525">
                     <a:solidFill>
                       <a:srgbClr val="000000"/>
                     </a:solidFill>
@@ -11017,7 +11017,7 @@
               </a:ln>
               <a:extLst>
                 <a:ext uri="{91240B29-F687-4f45-9708-019B960494DF}">
-                  <a14:hiddenLine xmlns:a14="http://schemas.microsoft.com/office/drawing/2010/main" xmlns="" w="9525">
+                  <a14:hiddenLine xmlns="" xmlns:a14="http://schemas.microsoft.com/office/drawing/2010/main" w="9525">
                     <a:solidFill>
                       <a:srgbClr val="000000"/>
                     </a:solidFill>
@@ -11079,7 +11079,7 @@
               </a:ln>
               <a:extLst>
                 <a:ext uri="{91240B29-F687-4f45-9708-019B960494DF}">
-                  <a14:hiddenLine xmlns:a14="http://schemas.microsoft.com/office/drawing/2010/main" xmlns="" w="9525">
+                  <a14:hiddenLine xmlns="" xmlns:a14="http://schemas.microsoft.com/office/drawing/2010/main" w="9525">
                     <a:solidFill>
                       <a:srgbClr val="000000"/>
                     </a:solidFill>
@@ -11169,7 +11169,7 @@
               </a:ln>
               <a:extLst>
                 <a:ext uri="{91240B29-F687-4f45-9708-019B960494DF}">
-                  <a14:hiddenLine xmlns:a14="http://schemas.microsoft.com/office/drawing/2010/main" xmlns="" w="9525">
+                  <a14:hiddenLine xmlns="" xmlns:a14="http://schemas.microsoft.com/office/drawing/2010/main" w="9525">
                     <a:solidFill>
                       <a:srgbClr val="000000"/>
                     </a:solidFill>
@@ -11234,7 +11234,7 @@
               </a:ln>
               <a:extLst>
                 <a:ext uri="{91240B29-F687-4f45-9708-019B960494DF}">
-                  <a14:hiddenLine xmlns:a14="http://schemas.microsoft.com/office/drawing/2010/main" xmlns="" w="9525">
+                  <a14:hiddenLine xmlns="" xmlns:a14="http://schemas.microsoft.com/office/drawing/2010/main" w="9525">
                     <a:solidFill>
                       <a:srgbClr val="000000"/>
                     </a:solidFill>
@@ -11296,7 +11296,7 @@
               </a:ln>
               <a:extLst>
                 <a:ext uri="{91240B29-F687-4f45-9708-019B960494DF}">
-                  <a14:hiddenLine xmlns:a14="http://schemas.microsoft.com/office/drawing/2010/main" xmlns="" w="9525">
+                  <a14:hiddenLine xmlns="" xmlns:a14="http://schemas.microsoft.com/office/drawing/2010/main" w="9525">
                     <a:solidFill>
                       <a:srgbClr val="000000"/>
                     </a:solidFill>
@@ -11386,7 +11386,7 @@
               </a:ln>
               <a:extLst>
                 <a:ext uri="{91240B29-F687-4f45-9708-019B960494DF}">
-                  <a14:hiddenLine xmlns:a14="http://schemas.microsoft.com/office/drawing/2010/main" xmlns="" w="9525">
+                  <a14:hiddenLine xmlns="" xmlns:a14="http://schemas.microsoft.com/office/drawing/2010/main" w="9525">
                     <a:solidFill>
                       <a:srgbClr val="000000"/>
                     </a:solidFill>
@@ -11476,7 +11476,7 @@
               </a:ln>
               <a:extLst>
                 <a:ext uri="{91240B29-F687-4f45-9708-019B960494DF}">
-                  <a14:hiddenLine xmlns:a14="http://schemas.microsoft.com/office/drawing/2010/main" xmlns="" w="9525">
+                  <a14:hiddenLine xmlns="" xmlns:a14="http://schemas.microsoft.com/office/drawing/2010/main" w="9525">
                     <a:solidFill>
                       <a:srgbClr val="000000"/>
                     </a:solidFill>
@@ -11541,7 +11541,7 @@
               </a:ln>
               <a:extLst>
                 <a:ext uri="{91240B29-F687-4f45-9708-019B960494DF}">
-                  <a14:hiddenLine xmlns:a14="http://schemas.microsoft.com/office/drawing/2010/main" xmlns="" w="9525">
+                  <a14:hiddenLine xmlns="" xmlns:a14="http://schemas.microsoft.com/office/drawing/2010/main" w="9525">
                     <a:solidFill>
                       <a:srgbClr val="000000"/>
                     </a:solidFill>
@@ -11661,7 +11661,7 @@
               </a:ln>
               <a:extLst>
                 <a:ext uri="{91240B29-F687-4f45-9708-019B960494DF}">
-                  <a14:hiddenLine xmlns:a14="http://schemas.microsoft.com/office/drawing/2010/main" xmlns="" w="9525">
+                  <a14:hiddenLine xmlns="" xmlns:a14="http://schemas.microsoft.com/office/drawing/2010/main" w="9525">
                     <a:solidFill>
                       <a:srgbClr val="000000"/>
                     </a:solidFill>
@@ -11759,7 +11759,7 @@
               </a:ln>
               <a:extLst>
                 <a:ext uri="{91240B29-F687-4f45-9708-019B960494DF}">
-                  <a14:hiddenLine xmlns:a14="http://schemas.microsoft.com/office/drawing/2010/main" xmlns="" w="9525">
+                  <a14:hiddenLine xmlns="" xmlns:a14="http://schemas.microsoft.com/office/drawing/2010/main" w="9525">
                     <a:solidFill>
                       <a:srgbClr val="000000"/>
                     </a:solidFill>
@@ -11874,7 +11874,7 @@
               </a:ln>
               <a:extLst>
                 <a:ext uri="{91240B29-F687-4f45-9708-019B960494DF}">
-                  <a14:hiddenLine xmlns:a14="http://schemas.microsoft.com/office/drawing/2010/main" xmlns="" w="9525">
+                  <a14:hiddenLine xmlns="" xmlns:a14="http://schemas.microsoft.com/office/drawing/2010/main" w="9525">
                     <a:solidFill>
                       <a:srgbClr val="000000"/>
                     </a:solidFill>
@@ -11964,7 +11964,7 @@
               </a:ln>
               <a:extLst>
                 <a:ext uri="{91240B29-F687-4f45-9708-019B960494DF}">
-                  <a14:hiddenLine xmlns:a14="http://schemas.microsoft.com/office/drawing/2010/main" xmlns="" w="9525">
+                  <a14:hiddenLine xmlns="" xmlns:a14="http://schemas.microsoft.com/office/drawing/2010/main" w="9525">
                     <a:solidFill>
                       <a:srgbClr val="000000"/>
                     </a:solidFill>
@@ -12029,7 +12029,7 @@
               </a:ln>
               <a:extLst>
                 <a:ext uri="{91240B29-F687-4f45-9708-019B960494DF}">
-                  <a14:hiddenLine xmlns:a14="http://schemas.microsoft.com/office/drawing/2010/main" xmlns="" w="9525">
+                  <a14:hiddenLine xmlns="" xmlns:a14="http://schemas.microsoft.com/office/drawing/2010/main" w="9525">
                     <a:solidFill>
                       <a:srgbClr val="000000"/>
                     </a:solidFill>
@@ -12119,7 +12119,7 @@
               </a:ln>
               <a:extLst>
                 <a:ext uri="{91240B29-F687-4f45-9708-019B960494DF}">
-                  <a14:hiddenLine xmlns:a14="http://schemas.microsoft.com/office/drawing/2010/main" xmlns="" w="9525">
+                  <a14:hiddenLine xmlns="" xmlns:a14="http://schemas.microsoft.com/office/drawing/2010/main" w="9525">
                     <a:solidFill>
                       <a:srgbClr val="000000"/>
                     </a:solidFill>
@@ -12187,7 +12187,7 @@
               </a:ln>
               <a:extLst>
                 <a:ext uri="{91240B29-F687-4f45-9708-019B960494DF}">
-                  <a14:hiddenLine xmlns:a14="http://schemas.microsoft.com/office/drawing/2010/main" xmlns="" w="9525">
+                  <a14:hiddenLine xmlns="" xmlns:a14="http://schemas.microsoft.com/office/drawing/2010/main" w="9525">
                     <a:solidFill>
                       <a:srgbClr val="000000"/>
                     </a:solidFill>
@@ -12277,7 +12277,7 @@
               </a:ln>
               <a:extLst>
                 <a:ext uri="{91240B29-F687-4f45-9708-019B960494DF}">
-                  <a14:hiddenLine xmlns:a14="http://schemas.microsoft.com/office/drawing/2010/main" xmlns="" w="9525">
+                  <a14:hiddenLine xmlns="" xmlns:a14="http://schemas.microsoft.com/office/drawing/2010/main" w="9525">
                     <a:solidFill>
                       <a:srgbClr val="000000"/>
                     </a:solidFill>
@@ -12345,7 +12345,7 @@
               </a:ln>
               <a:extLst>
                 <a:ext uri="{91240B29-F687-4f45-9708-019B960494DF}">
-                  <a14:hiddenLine xmlns:a14="http://schemas.microsoft.com/office/drawing/2010/main" xmlns="" w="9525">
+                  <a14:hiddenLine xmlns="" xmlns:a14="http://schemas.microsoft.com/office/drawing/2010/main" w="9525">
                     <a:solidFill>
                       <a:srgbClr val="000000"/>
                     </a:solidFill>
@@ -12435,7 +12435,7 @@
               </a:ln>
               <a:extLst>
                 <a:ext uri="{91240B29-F687-4f45-9708-019B960494DF}">
-                  <a14:hiddenLine xmlns:a14="http://schemas.microsoft.com/office/drawing/2010/main" xmlns="" w="9525">
+                  <a14:hiddenLine xmlns="" xmlns:a14="http://schemas.microsoft.com/office/drawing/2010/main" w="9525">
                     <a:solidFill>
                       <a:srgbClr val="000000"/>
                     </a:solidFill>
@@ -12469,7 +12469,7 @@
               </a:ln>
               <a:extLst>
                 <a:ext uri="{91240B29-F687-4f45-9708-019B960494DF}">
-                  <a14:hiddenLine xmlns:a14="http://schemas.microsoft.com/office/drawing/2010/main" xmlns="" w="9525">
+                  <a14:hiddenLine xmlns="" xmlns:a14="http://schemas.microsoft.com/office/drawing/2010/main" w="9525">
                     <a:solidFill>
                       <a:srgbClr val="000000"/>
                     </a:solidFill>
@@ -12610,7 +12610,7 @@
             <a:fld id="{96DFF08F-DC6B-4601-B491-B0F83F6DD2DA}" type="datetimeFigureOut">
               <a:rPr lang="en-US" smtClean="0"/>
               <a:pPr/>
-              <a:t>9/8/2016</a:t>
+              <a:t>9/17/2016</a:t>
             </a:fld>
             <a:endParaRPr lang="en-US" dirty="0"/>
           </a:p>
@@ -14975,7 +14975,7 @@
         </p:spPr>
         <p:txBody>
           <a:bodyPr>
-            <a:normAutofit fontScale="92500" lnSpcReduction="10000"/>
+            <a:normAutofit fontScale="85000" lnSpcReduction="20000"/>
           </a:bodyPr>
           <a:lstStyle/>
           <a:p>
@@ -15180,7 +15180,7 @@
         </p:spPr>
         <p:txBody>
           <a:bodyPr>
-            <a:normAutofit/>
+            <a:normAutofit fontScale="92500"/>
           </a:bodyPr>
           <a:lstStyle/>
           <a:p>
@@ -15208,11 +15208,7 @@
             </a:r>
             <a:r>
               <a:rPr lang="en-AU" dirty="0" smtClean="0"/>
-              <a:t>avin-1 </a:t>
-            </a:r>
-            <a:r>
-              <a:rPr lang="en-AU" dirty="0" smtClean="0"/>
-              <a:t>expressed in PC3 cell line modifies EV content.  </a:t>
+              <a:t>avin-1 expressed in PC3 cell line modifies EV content.  </a:t>
             </a:r>
           </a:p>
           <a:p>
@@ -15362,7 +15358,7 @@
         </p:spPr>
         <p:txBody>
           <a:bodyPr>
-            <a:normAutofit/>
+            <a:normAutofit lnSpcReduction="10000"/>
           </a:bodyPr>
           <a:lstStyle/>
           <a:p>
@@ -15473,7 +15469,7 @@
         </p:spPr>
         <p:txBody>
           <a:bodyPr>
-            <a:normAutofit/>
+            <a:normAutofit fontScale="90000"/>
           </a:bodyPr>
           <a:lstStyle/>
           <a:p>
@@ -15503,7 +15499,7 @@
         </p:spPr>
         <p:txBody>
           <a:bodyPr>
-            <a:normAutofit/>
+            <a:normAutofit fontScale="92500"/>
           </a:bodyPr>
           <a:lstStyle/>
           <a:p>
@@ -15517,11 +15513,7 @@
             </a:r>
             <a:r>
               <a:rPr lang="en-US" dirty="0" smtClean="0"/>
-              <a:t> modified</a:t>
-            </a:r>
-            <a:r>
-              <a:rPr lang="en-US" dirty="0" smtClean="0"/>
-              <a:t>?</a:t>
+              <a:t> modified?</a:t>
             </a:r>
           </a:p>
           <a:p>
@@ -15530,11 +15522,7 @@
           <a:p>
             <a:r>
               <a:rPr lang="en-AU" dirty="0" smtClean="0"/>
-              <a:t>5miRs significantly attenuated by </a:t>
-            </a:r>
-            <a:r>
-              <a:rPr lang="en-AU" dirty="0" smtClean="0"/>
-              <a:t>cavin-1</a:t>
+              <a:t>5miRs significantly attenuated by cavin-1</a:t>
             </a:r>
           </a:p>
           <a:p>
@@ -16769,26 +16757,17 @@
           <a:p>
             <a:r>
               <a:rPr lang="en-US" dirty="0" smtClean="0"/>
-              <a:t>miR-32-5p:	</a:t>
-            </a:r>
-            <a:r>
-              <a:rPr lang="en-US" dirty="0" smtClean="0"/>
-              <a:t>AUUGCA</a:t>
-            </a:r>
-            <a:endParaRPr lang="en-US" dirty="0" smtClean="0"/>
-          </a:p>
-          <a:p>
-            <a:r>
-              <a:rPr lang="en-US" dirty="0" smtClean="0"/>
-              <a:t>miR-17-5p</a:t>
-            </a:r>
-            <a:r>
-              <a:rPr lang="en-US" dirty="0" smtClean="0"/>
-              <a:t>:</a:t>
-            </a:r>
-            <a:r>
-              <a:rPr lang="en-US" dirty="0" smtClean="0"/>
-              <a:t>	AGUGCU</a:t>
+              <a:t>miR-32-5p:	AUUGCA</a:t>
+            </a:r>
+          </a:p>
+          <a:p>
+            <a:r>
+              <a:rPr lang="en-US" dirty="0" smtClean="0">
+                <a:solidFill>
+                  <a:srgbClr val="FF0000"/>
+                </a:solidFill>
+              </a:rPr>
+              <a:t>miR-17-5p:	AGUGCU</a:t>
             </a:r>
           </a:p>
           <a:p>

--- a/BackgroundInfo/MeetingSept.pptx
+++ b/BackgroundInfo/MeetingSept.pptx
@@ -213,7 +213,7 @@
           <a:p>
             <a:fld id="{952B9887-EF61-4F00-93DD-31949B706F82}" type="datetimeFigureOut">
               <a:rPr lang="en-AU" smtClean="0"/>
-              <a:t>17/09/2016</a:t>
+              <a:t>22/09/2016</a:t>
             </a:fld>
             <a:endParaRPr lang="en-AU"/>
           </a:p>
@@ -743,7 +743,7 @@
           <a:noFill/>
           <a:extLst>
             <a:ext uri="{909E8E84-426E-40dd-AFC4-6F175D3DCCD1}">
-              <a14:hiddenFill xmlns="" xmlns:a14="http://schemas.microsoft.com/office/drawing/2010/main">
+              <a14:hiddenFill xmlns:a14="http://schemas.microsoft.com/office/drawing/2010/main" xmlns="">
                 <a:solidFill>
                   <a:srgbClr val="FFFFFF"/>
                 </a:solidFill>
@@ -803,7 +803,7 @@
             </a:ln>
             <a:extLst>
               <a:ext uri="{91240B29-F687-4f45-9708-019B960494DF}">
-                <a14:hiddenLine xmlns="" xmlns:a14="http://schemas.microsoft.com/office/drawing/2010/main" w="9525">
+                <a14:hiddenLine xmlns:a14="http://schemas.microsoft.com/office/drawing/2010/main" xmlns="" w="9525">
                   <a:solidFill>
                     <a:srgbClr val="000000"/>
                   </a:solidFill>
@@ -893,7 +893,7 @@
             </a:ln>
             <a:extLst>
               <a:ext uri="{91240B29-F687-4f45-9708-019B960494DF}">
-                <a14:hiddenLine xmlns="" xmlns:a14="http://schemas.microsoft.com/office/drawing/2010/main" w="9525">
+                <a14:hiddenLine xmlns:a14="http://schemas.microsoft.com/office/drawing/2010/main" xmlns="" w="9525">
                   <a:solidFill>
                     <a:srgbClr val="000000"/>
                   </a:solidFill>
@@ -983,7 +983,7 @@
             </a:ln>
             <a:extLst>
               <a:ext uri="{91240B29-F687-4f45-9708-019B960494DF}">
-                <a14:hiddenLine xmlns="" xmlns:a14="http://schemas.microsoft.com/office/drawing/2010/main" w="9525">
+                <a14:hiddenLine xmlns:a14="http://schemas.microsoft.com/office/drawing/2010/main" xmlns="" w="9525">
                   <a:solidFill>
                     <a:srgbClr val="000000"/>
                   </a:solidFill>
@@ -1017,7 +1017,7 @@
             </a:ln>
             <a:extLst>
               <a:ext uri="{91240B29-F687-4f45-9708-019B960494DF}">
-                <a14:hiddenLine xmlns="" xmlns:a14="http://schemas.microsoft.com/office/drawing/2010/main" w="9525">
+                <a14:hiddenLine xmlns:a14="http://schemas.microsoft.com/office/drawing/2010/main" xmlns="" w="9525">
                   <a:solidFill>
                     <a:srgbClr val="000000"/>
                   </a:solidFill>
@@ -1107,7 +1107,7 @@
             </a:ln>
             <a:extLst>
               <a:ext uri="{91240B29-F687-4f45-9708-019B960494DF}">
-                <a14:hiddenLine xmlns="" xmlns:a14="http://schemas.microsoft.com/office/drawing/2010/main" w="9525">
+                <a14:hiddenLine xmlns:a14="http://schemas.microsoft.com/office/drawing/2010/main" xmlns="" w="9525">
                   <a:solidFill>
                     <a:srgbClr val="000000"/>
                   </a:solidFill>
@@ -1169,7 +1169,7 @@
             </a:ln>
             <a:extLst>
               <a:ext uri="{91240B29-F687-4f45-9708-019B960494DF}">
-                <a14:hiddenLine xmlns="" xmlns:a14="http://schemas.microsoft.com/office/drawing/2010/main" w="9525">
+                <a14:hiddenLine xmlns:a14="http://schemas.microsoft.com/office/drawing/2010/main" xmlns="" w="9525">
                   <a:solidFill>
                     <a:srgbClr val="000000"/>
                   </a:solidFill>
@@ -1231,7 +1231,7 @@
             </a:ln>
             <a:extLst>
               <a:ext uri="{91240B29-F687-4f45-9708-019B960494DF}">
-                <a14:hiddenLine xmlns="" xmlns:a14="http://schemas.microsoft.com/office/drawing/2010/main" w="9525">
+                <a14:hiddenLine xmlns:a14="http://schemas.microsoft.com/office/drawing/2010/main" xmlns="" w="9525">
                   <a:solidFill>
                     <a:srgbClr val="000000"/>
                   </a:solidFill>
@@ -1321,7 +1321,7 @@
             </a:ln>
             <a:extLst>
               <a:ext uri="{91240B29-F687-4f45-9708-019B960494DF}">
-                <a14:hiddenLine xmlns="" xmlns:a14="http://schemas.microsoft.com/office/drawing/2010/main" w="9525">
+                <a14:hiddenLine xmlns:a14="http://schemas.microsoft.com/office/drawing/2010/main" xmlns="" w="9525">
                   <a:solidFill>
                     <a:srgbClr val="000000"/>
                   </a:solidFill>
@@ -1383,7 +1383,7 @@
             </a:ln>
             <a:extLst>
               <a:ext uri="{91240B29-F687-4f45-9708-019B960494DF}">
-                <a14:hiddenLine xmlns="" xmlns:a14="http://schemas.microsoft.com/office/drawing/2010/main" w="9525">
+                <a14:hiddenLine xmlns:a14="http://schemas.microsoft.com/office/drawing/2010/main" xmlns="" w="9525">
                   <a:solidFill>
                     <a:srgbClr val="000000"/>
                   </a:solidFill>
@@ -1445,7 +1445,7 @@
             </a:ln>
             <a:extLst>
               <a:ext uri="{91240B29-F687-4f45-9708-019B960494DF}">
-                <a14:hiddenLine xmlns="" xmlns:a14="http://schemas.microsoft.com/office/drawing/2010/main" w="9525">
+                <a14:hiddenLine xmlns:a14="http://schemas.microsoft.com/office/drawing/2010/main" xmlns="" w="9525">
                   <a:solidFill>
                     <a:srgbClr val="000000"/>
                   </a:solidFill>
@@ -1535,7 +1535,7 @@
             </a:ln>
             <a:extLst>
               <a:ext uri="{91240B29-F687-4f45-9708-019B960494DF}">
-                <a14:hiddenLine xmlns="" xmlns:a14="http://schemas.microsoft.com/office/drawing/2010/main" w="9525">
+                <a14:hiddenLine xmlns:a14="http://schemas.microsoft.com/office/drawing/2010/main" xmlns="" w="9525">
                   <a:solidFill>
                     <a:srgbClr val="000000"/>
                   </a:solidFill>
@@ -1625,7 +1625,7 @@
             </a:ln>
             <a:extLst>
               <a:ext uri="{91240B29-F687-4f45-9708-019B960494DF}">
-                <a14:hiddenLine xmlns="" xmlns:a14="http://schemas.microsoft.com/office/drawing/2010/main" w="9525">
+                <a14:hiddenLine xmlns:a14="http://schemas.microsoft.com/office/drawing/2010/main" xmlns="" w="9525">
                   <a:solidFill>
                     <a:srgbClr val="000000"/>
                   </a:solidFill>
@@ -1687,7 +1687,7 @@
             </a:ln>
             <a:extLst>
               <a:ext uri="{91240B29-F687-4f45-9708-019B960494DF}">
-                <a14:hiddenLine xmlns="" xmlns:a14="http://schemas.microsoft.com/office/drawing/2010/main" w="9525">
+                <a14:hiddenLine xmlns:a14="http://schemas.microsoft.com/office/drawing/2010/main" xmlns="" w="9525">
                   <a:solidFill>
                     <a:srgbClr val="000000"/>
                   </a:solidFill>
@@ -1797,7 +1797,7 @@
             </a:ln>
             <a:extLst>
               <a:ext uri="{91240B29-F687-4f45-9708-019B960494DF}">
-                <a14:hiddenLine xmlns="" xmlns:a14="http://schemas.microsoft.com/office/drawing/2010/main" w="9525">
+                <a14:hiddenLine xmlns:a14="http://schemas.microsoft.com/office/drawing/2010/main" xmlns="" w="9525">
                   <a:solidFill>
                     <a:srgbClr val="000000"/>
                   </a:solidFill>
@@ -1859,7 +1859,7 @@
             </a:ln>
             <a:extLst>
               <a:ext uri="{91240B29-F687-4f45-9708-019B960494DF}">
-                <a14:hiddenLine xmlns="" xmlns:a14="http://schemas.microsoft.com/office/drawing/2010/main" w="9525">
+                <a14:hiddenLine xmlns:a14="http://schemas.microsoft.com/office/drawing/2010/main" xmlns="" w="9525">
                   <a:solidFill>
                     <a:srgbClr val="000000"/>
                   </a:solidFill>
@@ -1949,7 +1949,7 @@
             </a:ln>
             <a:extLst>
               <a:ext uri="{91240B29-F687-4f45-9708-019B960494DF}">
-                <a14:hiddenLine xmlns="" xmlns:a14="http://schemas.microsoft.com/office/drawing/2010/main" w="9525">
+                <a14:hiddenLine xmlns:a14="http://schemas.microsoft.com/office/drawing/2010/main" xmlns="" w="9525">
                   <a:solidFill>
                     <a:srgbClr val="000000"/>
                   </a:solidFill>
@@ -2039,7 +2039,7 @@
             </a:ln>
             <a:extLst>
               <a:ext uri="{91240B29-F687-4f45-9708-019B960494DF}">
-                <a14:hiddenLine xmlns="" xmlns:a14="http://schemas.microsoft.com/office/drawing/2010/main" w="9525">
+                <a14:hiddenLine xmlns:a14="http://schemas.microsoft.com/office/drawing/2010/main" xmlns="" w="9525">
                   <a:solidFill>
                     <a:srgbClr val="000000"/>
                   </a:solidFill>
@@ -2101,7 +2101,7 @@
             </a:ln>
             <a:extLst>
               <a:ext uri="{91240B29-F687-4f45-9708-019B960494DF}">
-                <a14:hiddenLine xmlns="" xmlns:a14="http://schemas.microsoft.com/office/drawing/2010/main" w="9525">
+                <a14:hiddenLine xmlns:a14="http://schemas.microsoft.com/office/drawing/2010/main" xmlns="" w="9525">
                   <a:solidFill>
                     <a:srgbClr val="000000"/>
                   </a:solidFill>
@@ -2191,7 +2191,7 @@
             </a:ln>
             <a:extLst>
               <a:ext uri="{91240B29-F687-4f45-9708-019B960494DF}">
-                <a14:hiddenLine xmlns="" xmlns:a14="http://schemas.microsoft.com/office/drawing/2010/main" w="9525">
+                <a14:hiddenLine xmlns:a14="http://schemas.microsoft.com/office/drawing/2010/main" xmlns="" w="9525">
                   <a:solidFill>
                     <a:srgbClr val="000000"/>
                   </a:solidFill>
@@ -2281,7 +2281,7 @@
             </a:ln>
             <a:extLst>
               <a:ext uri="{91240B29-F687-4f45-9708-019B960494DF}">
-                <a14:hiddenLine xmlns="" xmlns:a14="http://schemas.microsoft.com/office/drawing/2010/main" w="9525">
+                <a14:hiddenLine xmlns:a14="http://schemas.microsoft.com/office/drawing/2010/main" xmlns="" w="9525">
                   <a:solidFill>
                     <a:srgbClr val="000000"/>
                   </a:solidFill>
@@ -2337,7 +2337,7 @@
             </a:ln>
             <a:extLst>
               <a:ext uri="{91240B29-F687-4f45-9708-019B960494DF}">
-                <a14:hiddenLine xmlns="" xmlns:a14="http://schemas.microsoft.com/office/drawing/2010/main" w="9525">
+                <a14:hiddenLine xmlns:a14="http://schemas.microsoft.com/office/drawing/2010/main" xmlns="" w="9525">
                   <a:solidFill>
                     <a:srgbClr val="000000"/>
                   </a:solidFill>
@@ -2427,7 +2427,7 @@
             </a:ln>
             <a:extLst>
               <a:ext uri="{91240B29-F687-4f45-9708-019B960494DF}">
-                <a14:hiddenLine xmlns="" xmlns:a14="http://schemas.microsoft.com/office/drawing/2010/main" w="9525">
+                <a14:hiddenLine xmlns:a14="http://schemas.microsoft.com/office/drawing/2010/main" xmlns="" w="9525">
                   <a:solidFill>
                     <a:srgbClr val="000000"/>
                   </a:solidFill>
@@ -2483,7 +2483,7 @@
             </a:ln>
             <a:extLst>
               <a:ext uri="{91240B29-F687-4f45-9708-019B960494DF}">
-                <a14:hiddenLine xmlns="" xmlns:a14="http://schemas.microsoft.com/office/drawing/2010/main" w="9525">
+                <a14:hiddenLine xmlns:a14="http://schemas.microsoft.com/office/drawing/2010/main" xmlns="" w="9525">
                   <a:solidFill>
                     <a:srgbClr val="000000"/>
                   </a:solidFill>
@@ -2573,7 +2573,7 @@
             </a:ln>
             <a:extLst>
               <a:ext uri="{91240B29-F687-4f45-9708-019B960494DF}">
-                <a14:hiddenLine xmlns="" xmlns:a14="http://schemas.microsoft.com/office/drawing/2010/main" w="9525">
+                <a14:hiddenLine xmlns:a14="http://schemas.microsoft.com/office/drawing/2010/main" xmlns="" w="9525">
                   <a:solidFill>
                     <a:srgbClr val="000000"/>
                   </a:solidFill>
@@ -2641,7 +2641,7 @@
             </a:ln>
             <a:extLst>
               <a:ext uri="{91240B29-F687-4f45-9708-019B960494DF}">
-                <a14:hiddenLine xmlns="" xmlns:a14="http://schemas.microsoft.com/office/drawing/2010/main" w="9525">
+                <a14:hiddenLine xmlns:a14="http://schemas.microsoft.com/office/drawing/2010/main" xmlns="" w="9525">
                   <a:solidFill>
                     <a:srgbClr val="000000"/>
                   </a:solidFill>
@@ -2731,7 +2731,7 @@
             </a:ln>
             <a:extLst>
               <a:ext uri="{91240B29-F687-4f45-9708-019B960494DF}">
-                <a14:hiddenLine xmlns="" xmlns:a14="http://schemas.microsoft.com/office/drawing/2010/main" w="9525">
+                <a14:hiddenLine xmlns:a14="http://schemas.microsoft.com/office/drawing/2010/main" xmlns="" w="9525">
                   <a:solidFill>
                     <a:srgbClr val="000000"/>
                   </a:solidFill>
@@ -2799,7 +2799,7 @@
             </a:ln>
             <a:extLst>
               <a:ext uri="{91240B29-F687-4f45-9708-019B960494DF}">
-                <a14:hiddenLine xmlns="" xmlns:a14="http://schemas.microsoft.com/office/drawing/2010/main" w="9525">
+                <a14:hiddenLine xmlns:a14="http://schemas.microsoft.com/office/drawing/2010/main" xmlns="" w="9525">
                   <a:solidFill>
                     <a:srgbClr val="000000"/>
                   </a:solidFill>
@@ -2889,7 +2889,7 @@
             </a:ln>
             <a:extLst>
               <a:ext uri="{91240B29-F687-4f45-9708-019B960494DF}">
-                <a14:hiddenLine xmlns="" xmlns:a14="http://schemas.microsoft.com/office/drawing/2010/main" w="9525">
+                <a14:hiddenLine xmlns:a14="http://schemas.microsoft.com/office/drawing/2010/main" xmlns="" w="9525">
                   <a:solidFill>
                     <a:srgbClr val="000000"/>
                   </a:solidFill>
@@ -2923,7 +2923,7 @@
             </a:ln>
             <a:extLst>
               <a:ext uri="{91240B29-F687-4f45-9708-019B960494DF}">
-                <a14:hiddenLine xmlns="" xmlns:a14="http://schemas.microsoft.com/office/drawing/2010/main" w="9525">
+                <a14:hiddenLine xmlns:a14="http://schemas.microsoft.com/office/drawing/2010/main" xmlns="" w="9525">
                   <a:solidFill>
                     <a:srgbClr val="000000"/>
                   </a:solidFill>
@@ -3013,7 +3013,7 @@
             </a:ln>
             <a:extLst>
               <a:ext uri="{91240B29-F687-4f45-9708-019B960494DF}">
-                <a14:hiddenLine xmlns="" xmlns:a14="http://schemas.microsoft.com/office/drawing/2010/main" w="9525">
+                <a14:hiddenLine xmlns:a14="http://schemas.microsoft.com/office/drawing/2010/main" xmlns="" w="9525">
                   <a:solidFill>
                     <a:srgbClr val="000000"/>
                   </a:solidFill>
@@ -3075,7 +3075,7 @@
             </a:ln>
             <a:extLst>
               <a:ext uri="{91240B29-F687-4f45-9708-019B960494DF}">
-                <a14:hiddenLine xmlns="" xmlns:a14="http://schemas.microsoft.com/office/drawing/2010/main" w="9525">
+                <a14:hiddenLine xmlns:a14="http://schemas.microsoft.com/office/drawing/2010/main" xmlns="" w="9525">
                   <a:solidFill>
                     <a:srgbClr val="000000"/>
                   </a:solidFill>
@@ -3137,7 +3137,7 @@
             </a:ln>
             <a:extLst>
               <a:ext uri="{91240B29-F687-4f45-9708-019B960494DF}">
-                <a14:hiddenLine xmlns="" xmlns:a14="http://schemas.microsoft.com/office/drawing/2010/main" w="9525">
+                <a14:hiddenLine xmlns:a14="http://schemas.microsoft.com/office/drawing/2010/main" xmlns="" w="9525">
                   <a:solidFill>
                     <a:srgbClr val="000000"/>
                   </a:solidFill>
@@ -3227,7 +3227,7 @@
             </a:ln>
             <a:extLst>
               <a:ext uri="{91240B29-F687-4f45-9708-019B960494DF}">
-                <a14:hiddenLine xmlns="" xmlns:a14="http://schemas.microsoft.com/office/drawing/2010/main" w="9525">
+                <a14:hiddenLine xmlns:a14="http://schemas.microsoft.com/office/drawing/2010/main" xmlns="" w="9525">
                   <a:solidFill>
                     <a:srgbClr val="000000"/>
                   </a:solidFill>
@@ -3295,7 +3295,7 @@
             </a:ln>
             <a:extLst>
               <a:ext uri="{91240B29-F687-4f45-9708-019B960494DF}">
-                <a14:hiddenLine xmlns="" xmlns:a14="http://schemas.microsoft.com/office/drawing/2010/main" w="9525">
+                <a14:hiddenLine xmlns:a14="http://schemas.microsoft.com/office/drawing/2010/main" xmlns="" w="9525">
                   <a:solidFill>
                     <a:srgbClr val="000000"/>
                   </a:solidFill>
@@ -3357,7 +3357,7 @@
             </a:ln>
             <a:extLst>
               <a:ext uri="{91240B29-F687-4f45-9708-019B960494DF}">
-                <a14:hiddenLine xmlns="" xmlns:a14="http://schemas.microsoft.com/office/drawing/2010/main" w="9525">
+                <a14:hiddenLine xmlns:a14="http://schemas.microsoft.com/office/drawing/2010/main" xmlns="" w="9525">
                   <a:solidFill>
                     <a:srgbClr val="000000"/>
                   </a:solidFill>
@@ -3447,7 +3447,7 @@
             </a:ln>
             <a:extLst>
               <a:ext uri="{91240B29-F687-4f45-9708-019B960494DF}">
-                <a14:hiddenLine xmlns="" xmlns:a14="http://schemas.microsoft.com/office/drawing/2010/main" w="9525">
+                <a14:hiddenLine xmlns:a14="http://schemas.microsoft.com/office/drawing/2010/main" xmlns="" w="9525">
                   <a:solidFill>
                     <a:srgbClr val="000000"/>
                   </a:solidFill>
@@ -3509,7 +3509,7 @@
             </a:ln>
             <a:extLst>
               <a:ext uri="{91240B29-F687-4f45-9708-019B960494DF}">
-                <a14:hiddenLine xmlns="" xmlns:a14="http://schemas.microsoft.com/office/drawing/2010/main" w="9525">
+                <a14:hiddenLine xmlns:a14="http://schemas.microsoft.com/office/drawing/2010/main" xmlns="" w="9525">
                   <a:solidFill>
                     <a:srgbClr val="000000"/>
                   </a:solidFill>
@@ -3599,7 +3599,7 @@
             </a:ln>
             <a:extLst>
               <a:ext uri="{91240B29-F687-4f45-9708-019B960494DF}">
-                <a14:hiddenLine xmlns="" xmlns:a14="http://schemas.microsoft.com/office/drawing/2010/main" w="9525">
+                <a14:hiddenLine xmlns:a14="http://schemas.microsoft.com/office/drawing/2010/main" xmlns="" w="9525">
                   <a:solidFill>
                     <a:srgbClr val="000000"/>
                   </a:solidFill>
@@ -3661,7 +3661,7 @@
             </a:ln>
             <a:extLst>
               <a:ext uri="{91240B29-F687-4f45-9708-019B960494DF}">
-                <a14:hiddenLine xmlns="" xmlns:a14="http://schemas.microsoft.com/office/drawing/2010/main" w="9525">
+                <a14:hiddenLine xmlns:a14="http://schemas.microsoft.com/office/drawing/2010/main" xmlns="" w="9525">
                   <a:solidFill>
                     <a:srgbClr val="000000"/>
                   </a:solidFill>
@@ -3751,7 +3751,7 @@
             </a:ln>
             <a:extLst>
               <a:ext uri="{91240B29-F687-4f45-9708-019B960494DF}">
-                <a14:hiddenLine xmlns="" xmlns:a14="http://schemas.microsoft.com/office/drawing/2010/main" w="9525">
+                <a14:hiddenLine xmlns:a14="http://schemas.microsoft.com/office/drawing/2010/main" xmlns="" w="9525">
                   <a:solidFill>
                     <a:srgbClr val="000000"/>
                   </a:solidFill>
@@ -3785,7 +3785,7 @@
             </a:ln>
             <a:extLst>
               <a:ext uri="{91240B29-F687-4f45-9708-019B960494DF}">
-                <a14:hiddenLine xmlns="" xmlns:a14="http://schemas.microsoft.com/office/drawing/2010/main" w="9525">
+                <a14:hiddenLine xmlns:a14="http://schemas.microsoft.com/office/drawing/2010/main" xmlns="" w="9525">
                   <a:solidFill>
                     <a:srgbClr val="000000"/>
                   </a:solidFill>
@@ -3850,7 +3850,7 @@
             </a:ln>
             <a:extLst>
               <a:ext uri="{91240B29-F687-4f45-9708-019B960494DF}">
-                <a14:hiddenLine xmlns="" xmlns:a14="http://schemas.microsoft.com/office/drawing/2010/main" w="9525">
+                <a14:hiddenLine xmlns:a14="http://schemas.microsoft.com/office/drawing/2010/main" xmlns="" w="9525">
                   <a:solidFill>
                     <a:srgbClr val="000000"/>
                   </a:solidFill>
@@ -3940,7 +3940,7 @@
             </a:ln>
             <a:extLst>
               <a:ext uri="{91240B29-F687-4f45-9708-019B960494DF}">
-                <a14:hiddenLine xmlns="" xmlns:a14="http://schemas.microsoft.com/office/drawing/2010/main" w="9525">
+                <a14:hiddenLine xmlns:a14="http://schemas.microsoft.com/office/drawing/2010/main" xmlns="" w="9525">
                   <a:solidFill>
                     <a:srgbClr val="000000"/>
                   </a:solidFill>
@@ -4002,7 +4002,7 @@
             </a:ln>
             <a:extLst>
               <a:ext uri="{91240B29-F687-4f45-9708-019B960494DF}">
-                <a14:hiddenLine xmlns="" xmlns:a14="http://schemas.microsoft.com/office/drawing/2010/main" w="9525">
+                <a14:hiddenLine xmlns:a14="http://schemas.microsoft.com/office/drawing/2010/main" xmlns="" w="9525">
                   <a:solidFill>
                     <a:srgbClr val="000000"/>
                   </a:solidFill>
@@ -4092,7 +4092,7 @@
             </a:ln>
             <a:extLst>
               <a:ext uri="{91240B29-F687-4f45-9708-019B960494DF}">
-                <a14:hiddenLine xmlns="" xmlns:a14="http://schemas.microsoft.com/office/drawing/2010/main" w="9525">
+                <a14:hiddenLine xmlns:a14="http://schemas.microsoft.com/office/drawing/2010/main" xmlns="" w="9525">
                   <a:solidFill>
                     <a:srgbClr val="000000"/>
                   </a:solidFill>
@@ -4182,7 +4182,7 @@
             </a:ln>
             <a:extLst>
               <a:ext uri="{91240B29-F687-4f45-9708-019B960494DF}">
-                <a14:hiddenLine xmlns="" xmlns:a14="http://schemas.microsoft.com/office/drawing/2010/main" w="9525">
+                <a14:hiddenLine xmlns:a14="http://schemas.microsoft.com/office/drawing/2010/main" xmlns="" w="9525">
                   <a:solidFill>
                     <a:srgbClr val="000000"/>
                   </a:solidFill>
@@ -4247,7 +4247,7 @@
             </a:ln>
             <a:extLst>
               <a:ext uri="{91240B29-F687-4f45-9708-019B960494DF}">
-                <a14:hiddenLine xmlns="" xmlns:a14="http://schemas.microsoft.com/office/drawing/2010/main" w="9525">
+                <a14:hiddenLine xmlns:a14="http://schemas.microsoft.com/office/drawing/2010/main" xmlns="" w="9525">
                   <a:solidFill>
                     <a:srgbClr val="000000"/>
                   </a:solidFill>
@@ -4309,7 +4309,7 @@
             </a:ln>
             <a:extLst>
               <a:ext uri="{91240B29-F687-4f45-9708-019B960494DF}">
-                <a14:hiddenLine xmlns="" xmlns:a14="http://schemas.microsoft.com/office/drawing/2010/main" w="9525">
+                <a14:hiddenLine xmlns:a14="http://schemas.microsoft.com/office/drawing/2010/main" xmlns="" w="9525">
                   <a:solidFill>
                     <a:srgbClr val="000000"/>
                   </a:solidFill>
@@ -4399,7 +4399,7 @@
             </a:ln>
             <a:extLst>
               <a:ext uri="{91240B29-F687-4f45-9708-019B960494DF}">
-                <a14:hiddenLine xmlns="" xmlns:a14="http://schemas.microsoft.com/office/drawing/2010/main" w="9525">
+                <a14:hiddenLine xmlns:a14="http://schemas.microsoft.com/office/drawing/2010/main" xmlns="" w="9525">
                   <a:solidFill>
                     <a:srgbClr val="000000"/>
                   </a:solidFill>
@@ -4489,7 +4489,7 @@
             </a:ln>
             <a:extLst>
               <a:ext uri="{91240B29-F687-4f45-9708-019B960494DF}">
-                <a14:hiddenLine xmlns="" xmlns:a14="http://schemas.microsoft.com/office/drawing/2010/main" w="9525">
+                <a14:hiddenLine xmlns:a14="http://schemas.microsoft.com/office/drawing/2010/main" xmlns="" w="9525">
                   <a:solidFill>
                     <a:srgbClr val="000000"/>
                   </a:solidFill>
@@ -4551,7 +4551,7 @@
             </a:ln>
             <a:extLst>
               <a:ext uri="{91240B29-F687-4f45-9708-019B960494DF}">
-                <a14:hiddenLine xmlns="" xmlns:a14="http://schemas.microsoft.com/office/drawing/2010/main" w="9525">
+                <a14:hiddenLine xmlns:a14="http://schemas.microsoft.com/office/drawing/2010/main" xmlns="" w="9525">
                   <a:solidFill>
                     <a:srgbClr val="000000"/>
                   </a:solidFill>
@@ -4671,7 +4671,7 @@
             </a:ln>
             <a:extLst>
               <a:ext uri="{91240B29-F687-4f45-9708-019B960494DF}">
-                <a14:hiddenLine xmlns="" xmlns:a14="http://schemas.microsoft.com/office/drawing/2010/main" w="9525">
+                <a14:hiddenLine xmlns:a14="http://schemas.microsoft.com/office/drawing/2010/main" xmlns="" w="9525">
                   <a:solidFill>
                     <a:srgbClr val="000000"/>
                   </a:solidFill>
@@ -4739,7 +4739,7 @@
             </a:ln>
             <a:extLst>
               <a:ext uri="{91240B29-F687-4f45-9708-019B960494DF}">
-                <a14:hiddenLine xmlns="" xmlns:a14="http://schemas.microsoft.com/office/drawing/2010/main" w="9525">
+                <a14:hiddenLine xmlns:a14="http://schemas.microsoft.com/office/drawing/2010/main" xmlns="" w="9525">
                   <a:solidFill>
                     <a:srgbClr val="000000"/>
                   </a:solidFill>
@@ -4829,7 +4829,7 @@
             </a:ln>
             <a:extLst>
               <a:ext uri="{91240B29-F687-4f45-9708-019B960494DF}">
-                <a14:hiddenLine xmlns="" xmlns:a14="http://schemas.microsoft.com/office/drawing/2010/main" w="9525">
+                <a14:hiddenLine xmlns:a14="http://schemas.microsoft.com/office/drawing/2010/main" xmlns="" w="9525">
                   <a:solidFill>
                     <a:srgbClr val="000000"/>
                   </a:solidFill>
@@ -4969,7 +4969,7 @@
           <a:p>
             <a:fld id="{96DFF08F-DC6B-4601-B491-B0F83F6DD2DA}" type="datetimeFigureOut">
               <a:rPr lang="en-US" smtClean="0"/>
-              <a:t>9/17/2016</a:t>
+              <a:t>9/22/2016</a:t>
             </a:fld>
             <a:endParaRPr lang="en-US" dirty="0"/>
           </a:p>
@@ -5237,7 +5237,7 @@
             <a:fld id="{96DFF08F-DC6B-4601-B491-B0F83F6DD2DA}" type="datetimeFigureOut">
               <a:rPr lang="en-US" smtClean="0"/>
               <a:pPr/>
-              <a:t>9/17/2016</a:t>
+              <a:t>9/22/2016</a:t>
             </a:fld>
             <a:endParaRPr lang="en-US" dirty="0"/>
           </a:p>
@@ -5435,7 +5435,7 @@
             <a:fld id="{96DFF08F-DC6B-4601-B491-B0F83F6DD2DA}" type="datetimeFigureOut">
               <a:rPr lang="en-US" smtClean="0"/>
               <a:pPr/>
-              <a:t>9/17/2016</a:t>
+              <a:t>9/22/2016</a:t>
             </a:fld>
             <a:endParaRPr lang="en-US" dirty="0"/>
           </a:p>
@@ -5700,7 +5700,7 @@
             <a:fld id="{96DFF08F-DC6B-4601-B491-B0F83F6DD2DA}" type="datetimeFigureOut">
               <a:rPr lang="en-US" smtClean="0"/>
               <a:pPr/>
-              <a:t>9/17/2016</a:t>
+              <a:t>9/22/2016</a:t>
             </a:fld>
             <a:endParaRPr lang="en-US" dirty="0"/>
           </a:p>
@@ -6136,7 +6136,7 @@
             <a:fld id="{96DFF08F-DC6B-4601-B491-B0F83F6DD2DA}" type="datetimeFigureOut">
               <a:rPr lang="en-US" smtClean="0"/>
               <a:pPr/>
-              <a:t>9/17/2016</a:t>
+              <a:t>9/22/2016</a:t>
             </a:fld>
             <a:endParaRPr lang="en-US" dirty="0"/>
           </a:p>
@@ -6684,7 +6684,7 @@
             <a:fld id="{96DFF08F-DC6B-4601-B491-B0F83F6DD2DA}" type="datetimeFigureOut">
               <a:rPr lang="en-US" smtClean="0"/>
               <a:pPr/>
-              <a:t>9/17/2016</a:t>
+              <a:t>9/22/2016</a:t>
             </a:fld>
             <a:endParaRPr lang="en-US" dirty="0"/>
           </a:p>
@@ -7406,7 +7406,7 @@
             <a:fld id="{96DFF08F-DC6B-4601-B491-B0F83F6DD2DA}" type="datetimeFigureOut">
               <a:rPr lang="en-US" smtClean="0"/>
               <a:pPr/>
-              <a:t>9/17/2016</a:t>
+              <a:t>9/22/2016</a:t>
             </a:fld>
             <a:endParaRPr lang="en-US" dirty="0"/>
           </a:p>
@@ -7577,7 +7577,7 @@
           <a:p>
             <a:fld id="{96DFF08F-DC6B-4601-B491-B0F83F6DD2DA}" type="datetimeFigureOut">
               <a:rPr lang="en-US" smtClean="0"/>
-              <a:t>9/17/2016</a:t>
+              <a:t>9/22/2016</a:t>
             </a:fld>
             <a:endParaRPr lang="en-US" dirty="0"/>
           </a:p>
@@ -7757,7 +7757,7 @@
           <a:p>
             <a:fld id="{96DFF08F-DC6B-4601-B491-B0F83F6DD2DA}" type="datetimeFigureOut">
               <a:rPr lang="en-US" smtClean="0"/>
-              <a:t>9/17/2016</a:t>
+              <a:t>9/22/2016</a:t>
             </a:fld>
             <a:endParaRPr lang="en-US" dirty="0"/>
           </a:p>
@@ -7927,7 +7927,7 @@
           <a:p>
             <a:fld id="{96DFF08F-DC6B-4601-B491-B0F83F6DD2DA}" type="datetimeFigureOut">
               <a:rPr lang="en-US" smtClean="0"/>
-              <a:t>9/17/2016</a:t>
+              <a:t>9/22/2016</a:t>
             </a:fld>
             <a:endParaRPr lang="en-US" dirty="0"/>
           </a:p>
@@ -8177,7 +8177,7 @@
           <a:p>
             <a:fld id="{96DFF08F-DC6B-4601-B491-B0F83F6DD2DA}" type="datetimeFigureOut">
               <a:rPr lang="en-US" smtClean="0"/>
-              <a:t>9/17/2016</a:t>
+              <a:t>9/22/2016</a:t>
             </a:fld>
             <a:endParaRPr lang="en-US" dirty="0"/>
           </a:p>
@@ -8409,7 +8409,7 @@
           <a:p>
             <a:fld id="{96DFF08F-DC6B-4601-B491-B0F83F6DD2DA}" type="datetimeFigureOut">
               <a:rPr lang="en-US" smtClean="0"/>
-              <a:t>9/17/2016</a:t>
+              <a:t>9/22/2016</a:t>
             </a:fld>
             <a:endParaRPr lang="en-US" dirty="0"/>
           </a:p>
@@ -8790,7 +8790,7 @@
           <a:p>
             <a:fld id="{96DFF08F-DC6B-4601-B491-B0F83F6DD2DA}" type="datetimeFigureOut">
               <a:rPr lang="en-US" smtClean="0"/>
-              <a:t>9/17/2016</a:t>
+              <a:t>9/22/2016</a:t>
             </a:fld>
             <a:endParaRPr lang="en-US" dirty="0"/>
           </a:p>
@@ -8908,7 +8908,7 @@
           <a:p>
             <a:fld id="{96DFF08F-DC6B-4601-B491-B0F83F6DD2DA}" type="datetimeFigureOut">
               <a:rPr lang="en-US" smtClean="0"/>
-              <a:t>9/17/2016</a:t>
+              <a:t>9/22/2016</a:t>
             </a:fld>
             <a:endParaRPr lang="en-US" dirty="0"/>
           </a:p>
@@ -9003,7 +9003,7 @@
           <a:p>
             <a:fld id="{96DFF08F-DC6B-4601-B491-B0F83F6DD2DA}" type="datetimeFigureOut">
               <a:rPr lang="en-US" smtClean="0"/>
-              <a:t>9/17/2016</a:t>
+              <a:t>9/22/2016</a:t>
             </a:fld>
             <a:endParaRPr lang="en-US" dirty="0"/>
           </a:p>
@@ -9252,7 +9252,7 @@
           <a:p>
             <a:fld id="{96DFF08F-DC6B-4601-B491-B0F83F6DD2DA}" type="datetimeFigureOut">
               <a:rPr lang="en-US" smtClean="0"/>
-              <a:t>9/17/2016</a:t>
+              <a:t>9/22/2016</a:t>
             </a:fld>
             <a:endParaRPr lang="en-US" dirty="0"/>
           </a:p>
@@ -9532,7 +9532,7 @@
           <a:p>
             <a:fld id="{96DFF08F-DC6B-4601-B491-B0F83F6DD2DA}" type="datetimeFigureOut">
               <a:rPr lang="en-US" smtClean="0"/>
-              <a:t>9/17/2016</a:t>
+              <a:t>9/22/2016</a:t>
             </a:fld>
             <a:endParaRPr lang="en-US" dirty="0"/>
           </a:p>
@@ -9648,7 +9648,7 @@
           <a:noFill/>
           <a:extLst>
             <a:ext uri="{909E8E84-426E-40dd-AFC4-6F175D3DCCD1}">
-              <a14:hiddenFill xmlns="" xmlns:a14="http://schemas.microsoft.com/office/drawing/2010/main">
+              <a14:hiddenFill xmlns:a14="http://schemas.microsoft.com/office/drawing/2010/main" xmlns="">
                 <a:solidFill>
                   <a:srgbClr val="FFFFFF"/>
                 </a:solidFill>
@@ -9722,7 +9722,7 @@
               </a:ln>
               <a:extLst>
                 <a:ext uri="{91240B29-F687-4f45-9708-019B960494DF}">
-                  <a14:hiddenLine xmlns="" xmlns:a14="http://schemas.microsoft.com/office/drawing/2010/main" w="9525">
+                  <a14:hiddenLine xmlns:a14="http://schemas.microsoft.com/office/drawing/2010/main" xmlns="" w="9525">
                     <a:solidFill>
                       <a:srgbClr val="000000"/>
                     </a:solidFill>
@@ -9812,7 +9812,7 @@
               </a:ln>
               <a:extLst>
                 <a:ext uri="{91240B29-F687-4f45-9708-019B960494DF}">
-                  <a14:hiddenLine xmlns="" xmlns:a14="http://schemas.microsoft.com/office/drawing/2010/main" w="9525">
+                  <a14:hiddenLine xmlns:a14="http://schemas.microsoft.com/office/drawing/2010/main" xmlns="" w="9525">
                     <a:solidFill>
                       <a:srgbClr val="000000"/>
                     </a:solidFill>
@@ -9902,7 +9902,7 @@
               </a:ln>
               <a:extLst>
                 <a:ext uri="{91240B29-F687-4f45-9708-019B960494DF}">
-                  <a14:hiddenLine xmlns="" xmlns:a14="http://schemas.microsoft.com/office/drawing/2010/main" w="9525">
+                  <a14:hiddenLine xmlns:a14="http://schemas.microsoft.com/office/drawing/2010/main" xmlns="" w="9525">
                     <a:solidFill>
                       <a:srgbClr val="000000"/>
                     </a:solidFill>
@@ -9964,7 +9964,7 @@
               </a:ln>
               <a:extLst>
                 <a:ext uri="{91240B29-F687-4f45-9708-019B960494DF}">
-                  <a14:hiddenLine xmlns="" xmlns:a14="http://schemas.microsoft.com/office/drawing/2010/main" w="9525">
+                  <a14:hiddenLine xmlns:a14="http://schemas.microsoft.com/office/drawing/2010/main" xmlns="" w="9525">
                     <a:solidFill>
                       <a:srgbClr val="000000"/>
                     </a:solidFill>
@@ -10054,7 +10054,7 @@
               </a:ln>
               <a:extLst>
                 <a:ext uri="{91240B29-F687-4f45-9708-019B960494DF}">
-                  <a14:hiddenLine xmlns="" xmlns:a14="http://schemas.microsoft.com/office/drawing/2010/main" w="9525">
+                  <a14:hiddenLine xmlns:a14="http://schemas.microsoft.com/office/drawing/2010/main" xmlns="" w="9525">
                     <a:solidFill>
                       <a:srgbClr val="000000"/>
                     </a:solidFill>
@@ -10116,7 +10116,7 @@
               </a:ln>
               <a:extLst>
                 <a:ext uri="{91240B29-F687-4f45-9708-019B960494DF}">
-                  <a14:hiddenLine xmlns="" xmlns:a14="http://schemas.microsoft.com/office/drawing/2010/main" w="9525">
+                  <a14:hiddenLine xmlns:a14="http://schemas.microsoft.com/office/drawing/2010/main" xmlns="" w="9525">
                     <a:solidFill>
                       <a:srgbClr val="000000"/>
                     </a:solidFill>
@@ -10178,7 +10178,7 @@
               </a:ln>
               <a:extLst>
                 <a:ext uri="{91240B29-F687-4f45-9708-019B960494DF}">
-                  <a14:hiddenLine xmlns="" xmlns:a14="http://schemas.microsoft.com/office/drawing/2010/main" w="9525">
+                  <a14:hiddenLine xmlns:a14="http://schemas.microsoft.com/office/drawing/2010/main" xmlns="" w="9525">
                     <a:solidFill>
                       <a:srgbClr val="000000"/>
                     </a:solidFill>
@@ -10268,7 +10268,7 @@
               </a:ln>
               <a:extLst>
                 <a:ext uri="{91240B29-F687-4f45-9708-019B960494DF}">
-                  <a14:hiddenLine xmlns="" xmlns:a14="http://schemas.microsoft.com/office/drawing/2010/main" w="9525">
+                  <a14:hiddenLine xmlns:a14="http://schemas.microsoft.com/office/drawing/2010/main" xmlns="" w="9525">
                     <a:solidFill>
                       <a:srgbClr val="000000"/>
                     </a:solidFill>
@@ -10358,7 +10358,7 @@
               </a:ln>
               <a:extLst>
                 <a:ext uri="{91240B29-F687-4f45-9708-019B960494DF}">
-                  <a14:hiddenLine xmlns="" xmlns:a14="http://schemas.microsoft.com/office/drawing/2010/main" w="9525">
+                  <a14:hiddenLine xmlns:a14="http://schemas.microsoft.com/office/drawing/2010/main" xmlns="" w="9525">
                     <a:solidFill>
                       <a:srgbClr val="000000"/>
                     </a:solidFill>
@@ -10420,7 +10420,7 @@
               </a:ln>
               <a:extLst>
                 <a:ext uri="{91240B29-F687-4f45-9708-019B960494DF}">
-                  <a14:hiddenLine xmlns="" xmlns:a14="http://schemas.microsoft.com/office/drawing/2010/main" w="9525">
+                  <a14:hiddenLine xmlns:a14="http://schemas.microsoft.com/office/drawing/2010/main" xmlns="" w="9525">
                     <a:solidFill>
                       <a:srgbClr val="000000"/>
                     </a:solidFill>
@@ -10530,7 +10530,7 @@
               </a:ln>
               <a:extLst>
                 <a:ext uri="{91240B29-F687-4f45-9708-019B960494DF}">
-                  <a14:hiddenLine xmlns="" xmlns:a14="http://schemas.microsoft.com/office/drawing/2010/main" w="9525">
+                  <a14:hiddenLine xmlns:a14="http://schemas.microsoft.com/office/drawing/2010/main" xmlns="" w="9525">
                     <a:solidFill>
                       <a:srgbClr val="000000"/>
                     </a:solidFill>
@@ -10614,7 +10614,7 @@
               </a:ln>
               <a:extLst>
                 <a:ext uri="{91240B29-F687-4f45-9708-019B960494DF}">
-                  <a14:hiddenLine xmlns="" xmlns:a14="http://schemas.microsoft.com/office/drawing/2010/main" w="9525">
+                  <a14:hiddenLine xmlns:a14="http://schemas.microsoft.com/office/drawing/2010/main" xmlns="" w="9525">
                     <a:solidFill>
                       <a:srgbClr val="000000"/>
                     </a:solidFill>
@@ -10676,7 +10676,7 @@
               </a:ln>
               <a:extLst>
                 <a:ext uri="{91240B29-F687-4f45-9708-019B960494DF}">
-                  <a14:hiddenLine xmlns="" xmlns:a14="http://schemas.microsoft.com/office/drawing/2010/main" w="9525">
+                  <a14:hiddenLine xmlns:a14="http://schemas.microsoft.com/office/drawing/2010/main" xmlns="" w="9525">
                     <a:solidFill>
                       <a:srgbClr val="000000"/>
                     </a:solidFill>
@@ -10738,7 +10738,7 @@
               </a:ln>
               <a:extLst>
                 <a:ext uri="{91240B29-F687-4f45-9708-019B960494DF}">
-                  <a14:hiddenLine xmlns="" xmlns:a14="http://schemas.microsoft.com/office/drawing/2010/main" w="9525">
+                  <a14:hiddenLine xmlns:a14="http://schemas.microsoft.com/office/drawing/2010/main" xmlns="" w="9525">
                     <a:solidFill>
                       <a:srgbClr val="000000"/>
                     </a:solidFill>
@@ -10828,7 +10828,7 @@
               </a:ln>
               <a:extLst>
                 <a:ext uri="{91240B29-F687-4f45-9708-019B960494DF}">
-                  <a14:hiddenLine xmlns="" xmlns:a14="http://schemas.microsoft.com/office/drawing/2010/main" w="9525">
+                  <a14:hiddenLine xmlns:a14="http://schemas.microsoft.com/office/drawing/2010/main" xmlns="" w="9525">
                     <a:solidFill>
                       <a:srgbClr val="000000"/>
                     </a:solidFill>
@@ -10862,7 +10862,7 @@
               </a:ln>
               <a:extLst>
                 <a:ext uri="{91240B29-F687-4f45-9708-019B960494DF}">
-                  <a14:hiddenLine xmlns="" xmlns:a14="http://schemas.microsoft.com/office/drawing/2010/main" w="9525">
+                  <a14:hiddenLine xmlns:a14="http://schemas.microsoft.com/office/drawing/2010/main" xmlns="" w="9525">
                     <a:solidFill>
                       <a:srgbClr val="000000"/>
                     </a:solidFill>
@@ -10927,7 +10927,7 @@
               </a:ln>
               <a:extLst>
                 <a:ext uri="{91240B29-F687-4f45-9708-019B960494DF}">
-                  <a14:hiddenLine xmlns="" xmlns:a14="http://schemas.microsoft.com/office/drawing/2010/main" w="9525">
+                  <a14:hiddenLine xmlns:a14="http://schemas.microsoft.com/office/drawing/2010/main" xmlns="" w="9525">
                     <a:solidFill>
                       <a:srgbClr val="000000"/>
                     </a:solidFill>
@@ -11017,7 +11017,7 @@
               </a:ln>
               <a:extLst>
                 <a:ext uri="{91240B29-F687-4f45-9708-019B960494DF}">
-                  <a14:hiddenLine xmlns="" xmlns:a14="http://schemas.microsoft.com/office/drawing/2010/main" w="9525">
+                  <a14:hiddenLine xmlns:a14="http://schemas.microsoft.com/office/drawing/2010/main" xmlns="" w="9525">
                     <a:solidFill>
                       <a:srgbClr val="000000"/>
                     </a:solidFill>
@@ -11079,7 +11079,7 @@
               </a:ln>
               <a:extLst>
                 <a:ext uri="{91240B29-F687-4f45-9708-019B960494DF}">
-                  <a14:hiddenLine xmlns="" xmlns:a14="http://schemas.microsoft.com/office/drawing/2010/main" w="9525">
+                  <a14:hiddenLine xmlns:a14="http://schemas.microsoft.com/office/drawing/2010/main" xmlns="" w="9525">
                     <a:solidFill>
                       <a:srgbClr val="000000"/>
                     </a:solidFill>
@@ -11169,7 +11169,7 @@
               </a:ln>
               <a:extLst>
                 <a:ext uri="{91240B29-F687-4f45-9708-019B960494DF}">
-                  <a14:hiddenLine xmlns="" xmlns:a14="http://schemas.microsoft.com/office/drawing/2010/main" w="9525">
+                  <a14:hiddenLine xmlns:a14="http://schemas.microsoft.com/office/drawing/2010/main" xmlns="" w="9525">
                     <a:solidFill>
                       <a:srgbClr val="000000"/>
                     </a:solidFill>
@@ -11234,7 +11234,7 @@
               </a:ln>
               <a:extLst>
                 <a:ext uri="{91240B29-F687-4f45-9708-019B960494DF}">
-                  <a14:hiddenLine xmlns="" xmlns:a14="http://schemas.microsoft.com/office/drawing/2010/main" w="9525">
+                  <a14:hiddenLine xmlns:a14="http://schemas.microsoft.com/office/drawing/2010/main" xmlns="" w="9525">
                     <a:solidFill>
                       <a:srgbClr val="000000"/>
                     </a:solidFill>
@@ -11296,7 +11296,7 @@
               </a:ln>
               <a:extLst>
                 <a:ext uri="{91240B29-F687-4f45-9708-019B960494DF}">
-                  <a14:hiddenLine xmlns="" xmlns:a14="http://schemas.microsoft.com/office/drawing/2010/main" w="9525">
+                  <a14:hiddenLine xmlns:a14="http://schemas.microsoft.com/office/drawing/2010/main" xmlns="" w="9525">
                     <a:solidFill>
                       <a:srgbClr val="000000"/>
                     </a:solidFill>
@@ -11386,7 +11386,7 @@
               </a:ln>
               <a:extLst>
                 <a:ext uri="{91240B29-F687-4f45-9708-019B960494DF}">
-                  <a14:hiddenLine xmlns="" xmlns:a14="http://schemas.microsoft.com/office/drawing/2010/main" w="9525">
+                  <a14:hiddenLine xmlns:a14="http://schemas.microsoft.com/office/drawing/2010/main" xmlns="" w="9525">
                     <a:solidFill>
                       <a:srgbClr val="000000"/>
                     </a:solidFill>
@@ -11476,7 +11476,7 @@
               </a:ln>
               <a:extLst>
                 <a:ext uri="{91240B29-F687-4f45-9708-019B960494DF}">
-                  <a14:hiddenLine xmlns="" xmlns:a14="http://schemas.microsoft.com/office/drawing/2010/main" w="9525">
+                  <a14:hiddenLine xmlns:a14="http://schemas.microsoft.com/office/drawing/2010/main" xmlns="" w="9525">
                     <a:solidFill>
                       <a:srgbClr val="000000"/>
                     </a:solidFill>
@@ -11541,7 +11541,7 @@
               </a:ln>
               <a:extLst>
                 <a:ext uri="{91240B29-F687-4f45-9708-019B960494DF}">
-                  <a14:hiddenLine xmlns="" xmlns:a14="http://schemas.microsoft.com/office/drawing/2010/main" w="9525">
+                  <a14:hiddenLine xmlns:a14="http://schemas.microsoft.com/office/drawing/2010/main" xmlns="" w="9525">
                     <a:solidFill>
                       <a:srgbClr val="000000"/>
                     </a:solidFill>
@@ -11661,7 +11661,7 @@
               </a:ln>
               <a:extLst>
                 <a:ext uri="{91240B29-F687-4f45-9708-019B960494DF}">
-                  <a14:hiddenLine xmlns="" xmlns:a14="http://schemas.microsoft.com/office/drawing/2010/main" w="9525">
+                  <a14:hiddenLine xmlns:a14="http://schemas.microsoft.com/office/drawing/2010/main" xmlns="" w="9525">
                     <a:solidFill>
                       <a:srgbClr val="000000"/>
                     </a:solidFill>
@@ -11759,7 +11759,7 @@
               </a:ln>
               <a:extLst>
                 <a:ext uri="{91240B29-F687-4f45-9708-019B960494DF}">
-                  <a14:hiddenLine xmlns="" xmlns:a14="http://schemas.microsoft.com/office/drawing/2010/main" w="9525">
+                  <a14:hiddenLine xmlns:a14="http://schemas.microsoft.com/office/drawing/2010/main" xmlns="" w="9525">
                     <a:solidFill>
                       <a:srgbClr val="000000"/>
                     </a:solidFill>
@@ -11874,7 +11874,7 @@
               </a:ln>
               <a:extLst>
                 <a:ext uri="{91240B29-F687-4f45-9708-019B960494DF}">
-                  <a14:hiddenLine xmlns="" xmlns:a14="http://schemas.microsoft.com/office/drawing/2010/main" w="9525">
+                  <a14:hiddenLine xmlns:a14="http://schemas.microsoft.com/office/drawing/2010/main" xmlns="" w="9525">
                     <a:solidFill>
                       <a:srgbClr val="000000"/>
                     </a:solidFill>
@@ -11964,7 +11964,7 @@
               </a:ln>
               <a:extLst>
                 <a:ext uri="{91240B29-F687-4f45-9708-019B960494DF}">
-                  <a14:hiddenLine xmlns="" xmlns:a14="http://schemas.microsoft.com/office/drawing/2010/main" w="9525">
+                  <a14:hiddenLine xmlns:a14="http://schemas.microsoft.com/office/drawing/2010/main" xmlns="" w="9525">
                     <a:solidFill>
                       <a:srgbClr val="000000"/>
                     </a:solidFill>
@@ -12029,7 +12029,7 @@
               </a:ln>
               <a:extLst>
                 <a:ext uri="{91240B29-F687-4f45-9708-019B960494DF}">
-                  <a14:hiddenLine xmlns="" xmlns:a14="http://schemas.microsoft.com/office/drawing/2010/main" w="9525">
+                  <a14:hiddenLine xmlns:a14="http://schemas.microsoft.com/office/drawing/2010/main" xmlns="" w="9525">
                     <a:solidFill>
                       <a:srgbClr val="000000"/>
                     </a:solidFill>
@@ -12119,7 +12119,7 @@
               </a:ln>
               <a:extLst>
                 <a:ext uri="{91240B29-F687-4f45-9708-019B960494DF}">
-                  <a14:hiddenLine xmlns="" xmlns:a14="http://schemas.microsoft.com/office/drawing/2010/main" w="9525">
+                  <a14:hiddenLine xmlns:a14="http://schemas.microsoft.com/office/drawing/2010/main" xmlns="" w="9525">
                     <a:solidFill>
                       <a:srgbClr val="000000"/>
                     </a:solidFill>
@@ -12187,7 +12187,7 @@
               </a:ln>
               <a:extLst>
                 <a:ext uri="{91240B29-F687-4f45-9708-019B960494DF}">
-                  <a14:hiddenLine xmlns="" xmlns:a14="http://schemas.microsoft.com/office/drawing/2010/main" w="9525">
+                  <a14:hiddenLine xmlns:a14="http://schemas.microsoft.com/office/drawing/2010/main" xmlns="" w="9525">
                     <a:solidFill>
                       <a:srgbClr val="000000"/>
                     </a:solidFill>
@@ -12277,7 +12277,7 @@
               </a:ln>
               <a:extLst>
                 <a:ext uri="{91240B29-F687-4f45-9708-019B960494DF}">
-                  <a14:hiddenLine xmlns="" xmlns:a14="http://schemas.microsoft.com/office/drawing/2010/main" w="9525">
+                  <a14:hiddenLine xmlns:a14="http://schemas.microsoft.com/office/drawing/2010/main" xmlns="" w="9525">
                     <a:solidFill>
                       <a:srgbClr val="000000"/>
                     </a:solidFill>
@@ -12345,7 +12345,7 @@
               </a:ln>
               <a:extLst>
                 <a:ext uri="{91240B29-F687-4f45-9708-019B960494DF}">
-                  <a14:hiddenLine xmlns="" xmlns:a14="http://schemas.microsoft.com/office/drawing/2010/main" w="9525">
+                  <a14:hiddenLine xmlns:a14="http://schemas.microsoft.com/office/drawing/2010/main" xmlns="" w="9525">
                     <a:solidFill>
                       <a:srgbClr val="000000"/>
                     </a:solidFill>
@@ -12435,7 +12435,7 @@
               </a:ln>
               <a:extLst>
                 <a:ext uri="{91240B29-F687-4f45-9708-019B960494DF}">
-                  <a14:hiddenLine xmlns="" xmlns:a14="http://schemas.microsoft.com/office/drawing/2010/main" w="9525">
+                  <a14:hiddenLine xmlns:a14="http://schemas.microsoft.com/office/drawing/2010/main" xmlns="" w="9525">
                     <a:solidFill>
                       <a:srgbClr val="000000"/>
                     </a:solidFill>
@@ -12469,7 +12469,7 @@
               </a:ln>
               <a:extLst>
                 <a:ext uri="{91240B29-F687-4f45-9708-019B960494DF}">
-                  <a14:hiddenLine xmlns="" xmlns:a14="http://schemas.microsoft.com/office/drawing/2010/main" w="9525">
+                  <a14:hiddenLine xmlns:a14="http://schemas.microsoft.com/office/drawing/2010/main" xmlns="" w="9525">
                     <a:solidFill>
                       <a:srgbClr val="000000"/>
                     </a:solidFill>
@@ -12610,7 +12610,7 @@
             <a:fld id="{96DFF08F-DC6B-4601-B491-B0F83F6DD2DA}" type="datetimeFigureOut">
               <a:rPr lang="en-US" smtClean="0"/>
               <a:pPr/>
-              <a:t>9/17/2016</a:t>
+              <a:t>9/22/2016</a:t>
             </a:fld>
             <a:endParaRPr lang="en-US" dirty="0"/>
           </a:p>
@@ -14975,7 +14975,7 @@
         </p:spPr>
         <p:txBody>
           <a:bodyPr>
-            <a:normAutofit fontScale="85000" lnSpcReduction="20000"/>
+            <a:normAutofit fontScale="92500" lnSpcReduction="10000"/>
           </a:bodyPr>
           <a:lstStyle/>
           <a:p>
@@ -15180,7 +15180,7 @@
         </p:spPr>
         <p:txBody>
           <a:bodyPr>
-            <a:normAutofit fontScale="92500"/>
+            <a:normAutofit/>
           </a:bodyPr>
           <a:lstStyle/>
           <a:p>
@@ -15358,7 +15358,7 @@
         </p:spPr>
         <p:txBody>
           <a:bodyPr>
-            <a:normAutofit lnSpcReduction="10000"/>
+            <a:normAutofit/>
           </a:bodyPr>
           <a:lstStyle/>
           <a:p>
@@ -15469,7 +15469,7 @@
         </p:spPr>
         <p:txBody>
           <a:bodyPr>
-            <a:normAutofit fontScale="90000"/>
+            <a:normAutofit/>
           </a:bodyPr>
           <a:lstStyle/>
           <a:p>
@@ -15499,7 +15499,7 @@
         </p:spPr>
         <p:txBody>
           <a:bodyPr>
-            <a:normAutofit fontScale="92500"/>
+            <a:normAutofit/>
           </a:bodyPr>
           <a:lstStyle/>
           <a:p>
@@ -16853,7 +16853,7 @@
         <p:spPr>
           <a:xfrm>
             <a:off x="8996996" y="1558670"/>
-            <a:ext cx="2995466" cy="2031325"/>
+            <a:ext cx="2995466" cy="1754326"/>
           </a:xfrm>
           <a:prstGeom prst="rect">
             <a:avLst/>
@@ -16867,8 +16867,12 @@
           <a:lstStyle/>
           <a:p>
             <a:r>
+              <a:rPr lang="en-US" dirty="0" smtClean="0"/>
+              <a:t>miR-30a-5p</a:t>
+            </a:r>
+            <a:r>
               <a:rPr lang="en-US" dirty="0"/>
-              <a:t>miR-30a-3p: 	UGUAAA</a:t>
+              <a:t>: 	UGUAAA</a:t>
             </a:r>
           </a:p>
           <a:p>
@@ -16879,14 +16883,12 @@
           </a:p>
           <a:p>
             <a:r>
+              <a:rPr lang="en-US" dirty="0" smtClean="0"/>
+              <a:t>miR-147b</a:t>
+            </a:r>
+            <a:r>
               <a:rPr lang="en-US" dirty="0"/>
-              <a:t>miR-125a-3p: 	AGUGGA</a:t>
-            </a:r>
-          </a:p>
-          <a:p>
-            <a:r>
-              <a:rPr lang="en-US" dirty="0"/>
-              <a:t>miR-147b: 	</a:t>
+              <a:t>: 	</a:t>
             </a:r>
             <a:r>
               <a:rPr lang="en-US" dirty="0" smtClean="0"/>
@@ -16896,11 +16898,19 @@
           </a:p>
           <a:p>
             <a:r>
-              <a:rPr lang="en-US" dirty="0"/>
+              <a:rPr lang="en-US" dirty="0">
+                <a:solidFill>
+                  <a:srgbClr val="FF0000"/>
+                </a:solidFill>
+              </a:rPr>
               <a:t>miR-10b-5p: 	</a:t>
             </a:r>
             <a:r>
-              <a:rPr lang="en-US" dirty="0" smtClean="0"/>
+              <a:rPr lang="en-US" dirty="0" smtClean="0">
+                <a:solidFill>
+                  <a:srgbClr val="FF0000"/>
+                </a:solidFill>
+              </a:rPr>
               <a:t>UGUAGA</a:t>
             </a:r>
           </a:p>
